--- a/01 into+appcustomizer.pptx
+++ b/01 into+appcustomizer.pptx
@@ -17,7 +17,7 @@
     <p:sldId id="1549" r:id="rId6"/>
     <p:sldId id="1550" r:id="rId7"/>
     <p:sldId id="1551" r:id="rId8"/>
-    <p:sldId id="1547" r:id="rId9"/>
+    <p:sldId id="1581" r:id="rId9"/>
     <p:sldId id="1552" r:id="rId10"/>
     <p:sldId id="1553" r:id="rId11"/>
     <p:sldId id="1554" r:id="rId12"/>
@@ -138,16 +138,16 @@
             <p14:sldId id="263"/>
           </p14:sldIdLst>
         </p14:section>
-        <p14:section name="extensions intro" id="{3A7429EF-79F1-A44F-B2E7-33EA665B892A}">
+        <p14:section name="extensions intro" id="{7AD6C352-0A45-444E-B8F9-8D2038BF74CA}">
           <p14:sldIdLst>
             <p14:sldId id="1548"/>
             <p14:sldId id="1549"/>
             <p14:sldId id="1550"/>
             <p14:sldId id="1551"/>
-            <p14:sldId id="1547"/>
+            <p14:sldId id="1581"/>
           </p14:sldIdLst>
         </p14:section>
-        <p14:section name="testing" id="{93F69F9F-77AE-7843-8802-6B2271D20D68}">
+        <p14:section name="testing" id="{8E3AA920-E048-4638-9677-E7ABDDCA76E7}">
           <p14:sldIdLst>
             <p14:sldId id="1552"/>
             <p14:sldId id="1553"/>
@@ -156,7 +156,7 @@
             <p14:sldId id="1555"/>
           </p14:sldIdLst>
         </p14:section>
-        <p14:section name="app-customizer" id="{AD5E57B6-2068-5741-9BA7-C978293D5CD3}">
+        <p14:section name="app-customizer" id="{2BECC8A6-E6AF-4813-8A56-4DE0B6DE0391}">
           <p14:sldIdLst>
             <p14:sldId id="1557"/>
             <p14:sldId id="1558"/>
@@ -164,7 +164,7 @@
             <p14:sldId id="265"/>
           </p14:sldIdLst>
         </p14:section>
-        <p14:section name="outro" id="{E93196B6-EFE2-3242-B776-C77C0FCFFEF1}">
+        <p14:section name="outro" id="{BF29E249-6E71-4BBE-B175-E1751A1C0B1C}">
           <p14:sldIdLst>
             <p14:sldId id="283"/>
             <p14:sldId id="279"/>
@@ -1172,8 +1172,8 @@
     <dgm:cxn modelId="{1A54CE04-8A96-4E4A-89DB-FB2A1A17744F}" type="presOf" srcId="{7FD8A240-07A6-F345-A4B5-9AFD7D04E09E}" destId="{8C7BF5B7-4285-C94D-AA34-B3807C7E91FB}" srcOrd="0" destOrd="0" presId="urn:microsoft.com/office/officeart/2005/8/layout/vList2"/>
     <dgm:cxn modelId="{63C3212D-1DCF-8044-A3CF-E372F4EA8362}" srcId="{0FC085B4-97CE-2149-B002-3BE96E991E3C}" destId="{11DE7530-2214-3A46-9779-D26EBB89B8D8}" srcOrd="1" destOrd="0" parTransId="{3BEBEC14-E9DD-5C4A-9EAF-10414B491D11}" sibTransId="{92A6A7B2-A1F5-D54F-B97F-04866B340CB4}"/>
     <dgm:cxn modelId="{97FF1C33-165D-9744-B9DD-5FD72C89A0A7}" type="presOf" srcId="{1680333F-291D-CB49-8833-C083699793E0}" destId="{B0272B02-624D-2445-B63B-A4B45C1ED737}" srcOrd="0" destOrd="0" presId="urn:microsoft.com/office/officeart/2005/8/layout/vList2"/>
+    <dgm:cxn modelId="{FBA34671-A6B0-B74F-B2B2-C18DD774C1FA}" type="presOf" srcId="{11DE7530-2214-3A46-9779-D26EBB89B8D8}" destId="{2FB78BDF-7C8F-1F41-8CD6-4B786B18D9FD}" srcOrd="0" destOrd="0" presId="urn:microsoft.com/office/officeart/2005/8/layout/vList2"/>
     <dgm:cxn modelId="{25C03C5A-4ECE-A34E-96BF-DE75E1E0F7EB}" type="presOf" srcId="{0FC085B4-97CE-2149-B002-3BE96E991E3C}" destId="{70B8A340-42D2-FA49-B0EC-FAFE4652EAD9}" srcOrd="0" destOrd="0" presId="urn:microsoft.com/office/officeart/2005/8/layout/vList2"/>
-    <dgm:cxn modelId="{FBA34671-A6B0-B74F-B2B2-C18DD774C1FA}" type="presOf" srcId="{11DE7530-2214-3A46-9779-D26EBB89B8D8}" destId="{2FB78BDF-7C8F-1F41-8CD6-4B786B18D9FD}" srcOrd="0" destOrd="0" presId="urn:microsoft.com/office/officeart/2005/8/layout/vList2"/>
     <dgm:cxn modelId="{96B4197D-2080-E246-BEDB-AC65A9B0EC38}" srcId="{0FC085B4-97CE-2149-B002-3BE96E991E3C}" destId="{A8E42F35-E34E-9E4B-A895-3BC748187CD3}" srcOrd="3" destOrd="0" parTransId="{8D054F3E-704E-1F47-866C-CB97D4DF2B6E}" sibTransId="{976463D6-3DF4-D14D-BDED-C1EC5A591A19}"/>
     <dgm:cxn modelId="{DD996A87-FB18-2B4E-B34F-9E0235E9B363}" srcId="{0FC085B4-97CE-2149-B002-3BE96E991E3C}" destId="{7FD8A240-07A6-F345-A4B5-9AFD7D04E09E}" srcOrd="0" destOrd="0" parTransId="{028B14B4-179B-914A-A696-BC38CCE94176}" sibTransId="{3862C498-2BCA-314C-82B5-D7FF7FA6942A}"/>
     <dgm:cxn modelId="{78A0C8DA-8CE3-C440-99CD-A857846AFA85}" type="presOf" srcId="{A8E42F35-E34E-9E4B-A895-3BC748187CD3}" destId="{E4AF1CAC-D73A-A24F-9293-09183EA92B01}" srcOrd="0" destOrd="0" presId="urn:microsoft.com/office/officeart/2005/8/layout/vList2"/>
@@ -1211,7 +1211,7 @@
       </dsp:nvSpPr>
       <dsp:spPr>
         <a:xfrm>
-          <a:off x="0" y="959475"/>
+          <a:off x="0" y="710216"/>
           <a:ext cx="11481092" cy="694980"/>
         </a:xfrm>
         <a:prstGeom prst="roundRect">
@@ -1277,7 +1277,7 @@
         </a:p>
       </dsp:txBody>
       <dsp:txXfrm>
-        <a:off x="33926" y="993401"/>
+        <a:off x="33926" y="744142"/>
         <a:ext cx="11413240" cy="627128"/>
       </dsp:txXfrm>
     </dsp:sp>
@@ -1288,7 +1288,7 @@
       </dsp:nvSpPr>
       <dsp:spPr>
         <a:xfrm>
-          <a:off x="0" y="1732215"/>
+          <a:off x="0" y="1482956"/>
           <a:ext cx="11481092" cy="694980"/>
         </a:xfrm>
         <a:prstGeom prst="roundRect">
@@ -1354,7 +1354,7 @@
         </a:p>
       </dsp:txBody>
       <dsp:txXfrm>
-        <a:off x="33926" y="1766141"/>
+        <a:off x="33926" y="1516882"/>
         <a:ext cx="11413240" cy="627128"/>
       </dsp:txXfrm>
     </dsp:sp>
@@ -1365,7 +1365,7 @@
       </dsp:nvSpPr>
       <dsp:spPr>
         <a:xfrm>
-          <a:off x="0" y="2504955"/>
+          <a:off x="0" y="2255696"/>
           <a:ext cx="11481092" cy="694980"/>
         </a:xfrm>
         <a:prstGeom prst="roundRect">
@@ -1431,7 +1431,7 @@
         </a:p>
       </dsp:txBody>
       <dsp:txXfrm>
-        <a:off x="33926" y="2538881"/>
+        <a:off x="33926" y="2289622"/>
         <a:ext cx="11413240" cy="627128"/>
       </dsp:txXfrm>
     </dsp:sp>
@@ -1442,7 +1442,7 @@
       </dsp:nvSpPr>
       <dsp:spPr>
         <a:xfrm>
-          <a:off x="0" y="3277695"/>
+          <a:off x="0" y="3028436"/>
           <a:ext cx="11481092" cy="694980"/>
         </a:xfrm>
         <a:prstGeom prst="roundRect">
@@ -1508,7 +1508,7 @@
         </a:p>
       </dsp:txBody>
       <dsp:txXfrm>
-        <a:off x="33926" y="3311621"/>
+        <a:off x="33926" y="3062362"/>
         <a:ext cx="11413240" cy="627128"/>
       </dsp:txXfrm>
     </dsp:sp>
@@ -2766,9 +2766,12 @@
             </a:lvl1pPr>
           </a:lstStyle>
           <a:p>
-            <a:endParaRPr lang="en-US" dirty="0">
-              <a:latin typeface="Segoe UI" pitchFamily="34" charset="0"/>
-            </a:endParaRPr>
+            <a:r>
+              <a:rPr lang="en-US" dirty="0">
+                <a:latin typeface="Segoe UI" pitchFamily="34" charset="0"/>
+              </a:rPr>
+              <a:t>SharePoint Framework</a:t>
+            </a:r>
           </a:p>
         </p:txBody>
       </p:sp>
@@ -2803,7 +2806,7 @@
               <a:rPr lang="en-US" smtClean="0">
                 <a:latin typeface="Segoe UI" pitchFamily="34" charset="0"/>
               </a:rPr>
-              <a:t>12/11/18 1:37 PM</a:t>
+              <a:t>12/20/2018 3:42 PM</a:t>
             </a:fld>
             <a:endParaRPr lang="en-US" dirty="0">
               <a:latin typeface="Segoe UI" pitchFamily="34" charset="0"/>
@@ -2963,7 +2966,10 @@
             </a:lvl1pPr>
           </a:lstStyle>
           <a:p>
-            <a:endParaRPr lang="en-US" dirty="0"/>
+            <a:r>
+              <a:rPr lang="en-US" dirty="0"/>
+              <a:t>SharePoint Framework</a:t>
+            </a:r>
           </a:p>
         </p:txBody>
       </p:sp>
@@ -3097,7 +3103,7 @@
           <a:p>
             <a:fld id="{D18B56EA-E28F-4F92-9F16-7A6F2501B303}" type="datetime8">
               <a:rPr lang="en-US" smtClean="0"/>
-              <a:t>12/11/18 1:37 PM</a:t>
+              <a:t>12/20/2018 3:42 PM</a:t>
             </a:fld>
             <a:endParaRPr lang="en-US" dirty="0"/>
           </a:p>
@@ -3480,7 +3486,7 @@
           <a:p>
             <a:fld id="{D18B56EA-E28F-4F92-9F16-7A6F2501B303}" type="datetime8">
               <a:rPr lang="en-US" smtClean="0"/>
-              <a:t>12/11/18 1:37 PM</a:t>
+              <a:t>12/20/2018 3:43 PM</a:t>
             </a:fld>
             <a:endParaRPr lang="en-US" dirty="0"/>
           </a:p>
@@ -3661,7 +3667,7 @@
           <a:p>
             <a:fld id="{D18B56EA-E28F-4F92-9F16-7A6F2501B303}" type="datetime8">
               <a:rPr lang="en-US" smtClean="0"/>
-              <a:t>12/11/18 1:37 PM</a:t>
+              <a:t>12/20/2018 3:43 PM</a:t>
             </a:fld>
             <a:endParaRPr lang="en-US" dirty="0"/>
           </a:p>
@@ -4004,7 +4010,7 @@
           <a:p>
             <a:fld id="{D18B56EA-E28F-4F92-9F16-7A6F2501B303}" type="datetime8">
               <a:rPr lang="en-US" smtClean="0"/>
-              <a:t>12/11/18 1:37 PM</a:t>
+              <a:t>12/20/2018 3:44 PM</a:t>
             </a:fld>
             <a:endParaRPr lang="en-US" dirty="0"/>
           </a:p>
@@ -4185,7 +4191,7 @@
           <a:p>
             <a:fld id="{D18B56EA-E28F-4F92-9F16-7A6F2501B303}" type="datetime8">
               <a:rPr lang="en-US" smtClean="0"/>
-              <a:t>12/11/18 1:37 PM</a:t>
+              <a:t>12/20/2018 3:44 PM</a:t>
             </a:fld>
             <a:endParaRPr lang="en-US" dirty="0"/>
           </a:p>
@@ -4366,7 +4372,7 @@
           <a:p>
             <a:fld id="{D18B56EA-E28F-4F92-9F16-7A6F2501B303}" type="datetime8">
               <a:rPr lang="en-US" smtClean="0"/>
-              <a:t>12/11/18 1:37 PM</a:t>
+              <a:t>12/20/2018 3:44 PM</a:t>
             </a:fld>
             <a:endParaRPr lang="en-US" dirty="0"/>
           </a:p>
@@ -4547,7 +4553,7 @@
           <a:p>
             <a:fld id="{D18B56EA-E28F-4F92-9F16-7A6F2501B303}" type="datetime8">
               <a:rPr lang="en-US" smtClean="0"/>
-              <a:t>12/11/18 1:37 PM</a:t>
+              <a:t>12/20/2018 3:44 PM</a:t>
             </a:fld>
             <a:endParaRPr lang="en-US" dirty="0"/>
           </a:p>
@@ -8826,7 +8832,7 @@
           <a:lstStyle/>
           <a:p>
             <a:r>
-              <a:rPr lang="en-US"/>
+              <a:rPr lang="en-US" dirty="0"/>
               <a:t>Click icon to add table</a:t>
             </a:r>
           </a:p>
@@ -9273,27 +9279,31 @@
             <p:ph type="title" hasCustomPrompt="1"/>
           </p:nvPr>
         </p:nvSpPr>
-        <p:spPr/>
+        <p:spPr>
+          <a:xfrm>
+            <a:off x="464400" y="633600"/>
+            <a:ext cx="11575200" cy="410369"/>
+          </a:xfrm>
+        </p:spPr>
         <p:txBody>
-          <a:bodyPr/>
+          <a:bodyPr vert="horz" wrap="square" lIns="0" tIns="0" rIns="0" bIns="0" rtlCol="0" anchor="t">
+            <a:spAutoFit/>
+          </a:bodyPr>
           <a:lstStyle>
             <a:lvl1pPr>
-              <a:defRPr>
-                <a:gradFill>
-                  <a:gsLst>
-                    <a:gs pos="1250">
-                      <a:schemeClr val="tx2"/>
-                    </a:gs>
-                    <a:gs pos="100000">
-                      <a:schemeClr val="tx2"/>
-                    </a:gs>
-                  </a:gsLst>
-                  <a:lin ang="5400000" scaled="0"/>
-                </a:gradFill>
+              <a:defRPr lang="en-US" sz="2800" dirty="0">
+                <a:solidFill>
+                  <a:srgbClr val="2F2F2F"/>
+                </a:solidFill>
               </a:defRPr>
             </a:lvl1pPr>
           </a:lstStyle>
           <a:p>
+            <a:pPr lvl="0">
+              <a:lnSpc>
+                <a:spcPts val="3200"/>
+              </a:lnSpc>
+            </a:pPr>
             <a:r>
               <a:rPr lang="en-US" dirty="0"/>
               <a:t>Slide for Developer Code</a:t>
@@ -9386,8 +9396,8 @@
         </p:nvSpPr>
         <p:spPr>
           <a:xfrm>
-            <a:off x="528849" y="1476622"/>
-            <a:ext cx="11378776" cy="2360774"/>
+            <a:off x="464400" y="1178952"/>
+            <a:ext cx="11575200" cy="2658444"/>
           </a:xfrm>
         </p:spPr>
         <p:txBody>
@@ -9502,38 +9512,37 @@
           <a:p>
             <a:pPr lvl="0"/>
             <a:r>
-              <a:rPr lang="en-US"/>
+              <a:rPr lang="en-US" dirty="0"/>
               <a:t>Click to edit Master text styles</a:t>
             </a:r>
           </a:p>
           <a:p>
             <a:pPr lvl="1"/>
             <a:r>
-              <a:rPr lang="en-US"/>
+              <a:rPr lang="en-US" dirty="0"/>
               <a:t>Second level</a:t>
             </a:r>
           </a:p>
           <a:p>
             <a:pPr lvl="2"/>
             <a:r>
-              <a:rPr lang="en-US"/>
+              <a:rPr lang="en-US" dirty="0"/>
               <a:t>Third level</a:t>
             </a:r>
           </a:p>
           <a:p>
             <a:pPr lvl="3"/>
             <a:r>
-              <a:rPr lang="en-US"/>
+              <a:rPr lang="en-US" dirty="0"/>
               <a:t>Fourth level</a:t>
             </a:r>
           </a:p>
           <a:p>
             <a:pPr lvl="4"/>
             <a:r>
-              <a:rPr lang="en-US"/>
+              <a:rPr lang="en-US" dirty="0"/>
               <a:t>Fifth level</a:t>
             </a:r>
-            <a:endParaRPr lang="en-US" dirty="0"/>
           </a:p>
         </p:txBody>
       </p:sp>
@@ -9570,36 +9579,6 @@
           <a:chExt cx="0" cy="0"/>
         </a:xfrm>
       </p:grpSpPr>
-      <p:pic>
-        <p:nvPicPr>
-          <p:cNvPr id="7" name="Picture 6"/>
-          <p:cNvPicPr>
-            <a:picLocks noChangeAspect="1"/>
-          </p:cNvPicPr>
-          <p:nvPr userDrawn="1"/>
-        </p:nvPicPr>
-        <p:blipFill>
-          <a:blip r:embed="rId2" cstate="screen">
-            <a:extLst>
-              <a:ext uri="{28A0092B-C50C-407E-A947-70E740481C1C}">
-                <a14:useLocalDpi xmlns:a14="http://schemas.microsoft.com/office/drawing/2010/main"/>
-              </a:ext>
-            </a:extLst>
-          </a:blip>
-          <a:stretch>
-            <a:fillRect/>
-          </a:stretch>
-        </p:blipFill>
-        <p:spPr>
-          <a:xfrm>
-            <a:off x="10933639" y="6533467"/>
-            <a:ext cx="1501954" cy="477297"/>
-          </a:xfrm>
-          <a:prstGeom prst="rect">
-            <a:avLst/>
-          </a:prstGeom>
-        </p:spPr>
-      </p:pic>
       <p:sp>
         <p:nvSpPr>
           <p:cNvPr id="2" name="Title 1"/>
@@ -9610,16 +9589,35 @@
             <p:ph type="title"/>
           </p:nvPr>
         </p:nvSpPr>
-        <p:spPr/>
+        <p:spPr>
+          <a:xfrm>
+            <a:off x="464400" y="633600"/>
+            <a:ext cx="11574000" cy="410369"/>
+          </a:xfrm>
+        </p:spPr>
         <p:txBody>
-          <a:bodyPr/>
-          <a:lstStyle/>
-          <a:p>
-            <a:r>
-              <a:rPr lang="en-US"/>
+          <a:bodyPr vert="horz" wrap="square" lIns="0" tIns="0" rIns="0" bIns="0" rtlCol="0" anchor="t">
+            <a:spAutoFit/>
+          </a:bodyPr>
+          <a:lstStyle>
+            <a:lvl1pPr>
+              <a:defRPr lang="en-US" sz="2800" dirty="0">
+                <a:solidFill>
+                  <a:srgbClr val="2F2F2F"/>
+                </a:solidFill>
+              </a:defRPr>
+            </a:lvl1pPr>
+          </a:lstStyle>
+          <a:p>
+            <a:pPr lvl="0">
+              <a:lnSpc>
+                <a:spcPts val="3200"/>
+              </a:lnSpc>
+            </a:pPr>
+            <a:r>
+              <a:rPr lang="en-US" dirty="0"/>
               <a:t>Click to edit Master title style</a:t>
             </a:r>
-            <a:endParaRPr lang="en-US" dirty="0"/>
           </a:p>
         </p:txBody>
       </p:sp>
@@ -9635,8 +9633,8 @@
         </p:nvSpPr>
         <p:spPr>
           <a:xfrm>
-            <a:off x="274638" y="1212850"/>
-            <a:ext cx="11887200" cy="1889748"/>
+            <a:off x="464400" y="1212850"/>
+            <a:ext cx="11574000" cy="1346522"/>
           </a:xfrm>
         </p:spPr>
         <p:txBody>
@@ -9644,7 +9642,7 @@
           <a:lstStyle>
             <a:lvl1pPr marL="0" indent="0">
               <a:buNone/>
-              <a:defRPr>
+              <a:defRPr sz="2400">
                 <a:solidFill>
                   <a:schemeClr val="tx2"/>
                 </a:solidFill>
@@ -9653,56 +9651,55 @@
             <a:lvl2pPr marL="0" indent="0">
               <a:buFontTx/>
               <a:buNone/>
-              <a:defRPr sz="2000"/>
+              <a:defRPr sz="1400"/>
             </a:lvl2pPr>
             <a:lvl3pPr marL="228600" indent="0">
               <a:buNone/>
-              <a:defRPr sz="1800"/>
+              <a:defRPr sz="1200"/>
             </a:lvl3pPr>
             <a:lvl4pPr marL="457200" indent="0">
               <a:buNone/>
-              <a:defRPr sz="1600"/>
+              <a:defRPr sz="1100"/>
             </a:lvl4pPr>
             <a:lvl5pPr marL="685800" indent="0">
               <a:buNone/>
-              <a:defRPr sz="1400"/>
+              <a:defRPr sz="1050"/>
             </a:lvl5pPr>
           </a:lstStyle>
           <a:p>
             <a:pPr lvl="0"/>
             <a:r>
-              <a:rPr lang="en-US"/>
+              <a:rPr lang="en-US" dirty="0"/>
               <a:t>Edit Master text styles</a:t>
             </a:r>
           </a:p>
           <a:p>
             <a:pPr lvl="1"/>
             <a:r>
-              <a:rPr lang="en-US"/>
+              <a:rPr lang="en-US" dirty="0"/>
               <a:t>Second level</a:t>
             </a:r>
           </a:p>
           <a:p>
             <a:pPr lvl="2"/>
             <a:r>
-              <a:rPr lang="en-US"/>
+              <a:rPr lang="en-US" dirty="0"/>
               <a:t>Third level</a:t>
             </a:r>
           </a:p>
           <a:p>
             <a:pPr lvl="3"/>
             <a:r>
-              <a:rPr lang="en-US"/>
+              <a:rPr lang="en-US" dirty="0"/>
               <a:t>Fourth level</a:t>
             </a:r>
           </a:p>
           <a:p>
             <a:pPr lvl="4"/>
             <a:r>
-              <a:rPr lang="en-US"/>
+              <a:rPr lang="en-US" dirty="0"/>
               <a:t>Fifth level</a:t>
             </a:r>
-            <a:endParaRPr lang="en-US" dirty="0"/>
           </a:p>
         </p:txBody>
       </p:sp>
@@ -9751,8 +9748,8 @@
         </p:nvSpPr>
         <p:spPr>
           <a:xfrm>
-            <a:off x="274638" y="1212850"/>
-            <a:ext cx="11887200" cy="2240229"/>
+            <a:off x="464400" y="1212850"/>
+            <a:ext cx="11574000" cy="1566583"/>
           </a:xfrm>
         </p:spPr>
         <p:txBody>
@@ -9760,51 +9757,56 @@
             <a:spAutoFit/>
           </a:bodyPr>
           <a:lstStyle>
+            <a:lvl1pPr>
+              <a:defRPr sz="2400"/>
+            </a:lvl1pPr>
+            <a:lvl2pPr>
+              <a:defRPr sz="1800"/>
+            </a:lvl2pPr>
             <a:lvl3pPr>
-              <a:defRPr sz="2399"/>
+              <a:defRPr sz="1600"/>
             </a:lvl3pPr>
             <a:lvl4pPr>
-              <a:defRPr sz="1999"/>
+              <a:defRPr sz="1400"/>
             </a:lvl4pPr>
             <a:lvl5pPr>
-              <a:defRPr sz="1999"/>
+              <a:defRPr sz="1400"/>
             </a:lvl5pPr>
           </a:lstStyle>
           <a:p>
             <a:pPr lvl="0"/>
             <a:r>
-              <a:rPr lang="en-US"/>
+              <a:rPr lang="en-US" dirty="0"/>
               <a:t>Edit Master text styles</a:t>
             </a:r>
           </a:p>
           <a:p>
             <a:pPr lvl="1"/>
             <a:r>
-              <a:rPr lang="en-US"/>
+              <a:rPr lang="en-US" dirty="0"/>
               <a:t>Second level</a:t>
             </a:r>
           </a:p>
           <a:p>
             <a:pPr lvl="2"/>
             <a:r>
-              <a:rPr lang="en-US"/>
+              <a:rPr lang="en-US" dirty="0"/>
               <a:t>Third level</a:t>
             </a:r>
           </a:p>
           <a:p>
             <a:pPr lvl="3"/>
             <a:r>
-              <a:rPr lang="en-US"/>
+              <a:rPr lang="en-US" dirty="0"/>
               <a:t>Fourth level</a:t>
             </a:r>
           </a:p>
           <a:p>
             <a:pPr lvl="4"/>
             <a:r>
-              <a:rPr lang="en-US"/>
+              <a:rPr lang="en-US" dirty="0"/>
               <a:t>Fifth level</a:t>
             </a:r>
-            <a:endParaRPr lang="en-US" dirty="0"/>
           </a:p>
         </p:txBody>
       </p:sp>
@@ -9818,13 +9820,33 @@
             <p:ph type="title"/>
           </p:nvPr>
         </p:nvSpPr>
-        <p:spPr/>
+        <p:spPr>
+          <a:xfrm>
+            <a:off x="464400" y="633600"/>
+            <a:ext cx="11574000" cy="410369"/>
+          </a:xfrm>
+        </p:spPr>
         <p:txBody>
-          <a:bodyPr/>
-          <a:lstStyle/>
-          <a:p>
-            <a:r>
-              <a:rPr lang="en-US"/>
+          <a:bodyPr vert="horz" wrap="square" lIns="0" tIns="0" rIns="0" bIns="0" rtlCol="0" anchor="t">
+            <a:spAutoFit/>
+          </a:bodyPr>
+          <a:lstStyle>
+            <a:lvl1pPr>
+              <a:defRPr lang="en-US" sz="2800">
+                <a:solidFill>
+                  <a:srgbClr val="2F2F2F"/>
+                </a:solidFill>
+              </a:defRPr>
+            </a:lvl1pPr>
+          </a:lstStyle>
+          <a:p>
+            <a:pPr lvl="0">
+              <a:lnSpc>
+                <a:spcPts val="3200"/>
+              </a:lnSpc>
+            </a:pPr>
+            <a:r>
+              <a:rPr lang="en-US" dirty="0"/>
               <a:t>Click to edit Master title style</a:t>
             </a:r>
           </a:p>
@@ -9833,7 +9855,7 @@
     </p:spTree>
     <p:extLst>
       <p:ext uri="{BB962C8B-B14F-4D97-AF65-F5344CB8AC3E}">
-        <p14:creationId xmlns:p14="http://schemas.microsoft.com/office/powerpoint/2010/main" val="3733558018"/>
+        <p14:creationId xmlns:p14="http://schemas.microsoft.com/office/powerpoint/2010/main" val="2439250095"/>
       </p:ext>
     </p:extLst>
   </p:cSld>
@@ -16744,7 +16766,7 @@
     <p:sldLayoutId id="2147484299" r:id="rId25"/>
     <p:sldLayoutId id="2147484552" r:id="rId26"/>
     <p:sldLayoutId id="2147484556" r:id="rId27"/>
-    <p:sldLayoutId id="2147484558" r:id="rId28"/>
+    <p:sldLayoutId id="2147484559" r:id="rId28"/>
   </p:sldLayoutIdLst>
   <p:transition>
     <p:fade/>
@@ -17375,14 +17397,14 @@
           <p:nvPr>
             <p:extLst>
               <p:ext uri="{D42A27DB-BD31-4B8C-83A1-F6EECF244321}">
-                <p14:modId xmlns:p14="http://schemas.microsoft.com/office/powerpoint/2010/main" val="314501925"/>
+                <p14:modId xmlns:p14="http://schemas.microsoft.com/office/powerpoint/2010/main" val="4117835181"/>
               </p:ext>
             </p:extLst>
           </p:nvPr>
         </p:nvGraphicFramePr>
         <p:xfrm>
           <a:off x="444207" y="1429840"/>
-          <a:ext cx="11481092" cy="4932150"/>
+          <a:ext cx="11481092" cy="4433632"/>
         </p:xfrm>
         <a:graphic>
           <a:graphicData uri="http://schemas.openxmlformats.org/drawingml/2006/diagram">
@@ -17439,12 +17461,7 @@
             <p:ph type="body" sz="quarter" idx="10"/>
           </p:nvPr>
         </p:nvSpPr>
-        <p:spPr>
-          <a:xfrm>
-            <a:off x="274638" y="1212850"/>
-            <a:ext cx="11887200" cy="5700022"/>
-          </a:xfrm>
-        </p:spPr>
+        <p:spPr/>
         <p:txBody>
           <a:bodyPr/>
           <a:lstStyle/>
@@ -17482,20 +17499,10 @@
           <a:p>
             <a:r>
               <a:rPr lang="en-US" dirty="0"/>
-              <a:t>Default experience by presence of</a:t>
-            </a:r>
-            <a:r>
-              <a:rPr lang="en-US" dirty="0">
-                <a:latin typeface="Courier New" panose="02070309020205020404" pitchFamily="49" charset="0"/>
-                <a:cs typeface="Courier New" panose="02070309020205020404" pitchFamily="49" charset="0"/>
-              </a:rPr>
-              <a:t> </a:t>
-            </a:r>
-            <a:r>
-              <a:rPr lang="en-US" dirty="0" err="1">
-                <a:latin typeface="Courier New" panose="02070309020205020404" pitchFamily="49" charset="0"/>
-                <a:cs typeface="Courier New" panose="02070309020205020404" pitchFamily="49" charset="0"/>
-              </a:rPr>
+              <a:t>Default experience by presence of </a:t>
+            </a:r>
+            <a:r>
+              <a:rPr lang="en-US" dirty="0" err="1"/>
               <a:t>ClientSideInstances.xml</a:t>
             </a:r>
             <a:r>
@@ -17511,7 +17518,7 @@
           <a:p>
             <a:pPr lvl="1"/>
             <a:r>
-              <a:rPr lang="en-US" i="1" dirty="0"/>
+              <a:rPr lang="en-US" dirty="0"/>
               <a:t>Delete this file if tenant wide deployment not desired</a:t>
             </a:r>
           </a:p>
@@ -17594,18 +17601,13 @@
             <p:ph type="body" sz="quarter" idx="10"/>
           </p:nvPr>
         </p:nvSpPr>
-        <p:spPr>
-          <a:xfrm>
-            <a:off x="274638" y="1212850"/>
-            <a:ext cx="11887200" cy="627864"/>
-          </a:xfrm>
-        </p:spPr>
+        <p:spPr/>
         <p:txBody>
           <a:bodyPr/>
           <a:lstStyle/>
           <a:p>
             <a:r>
-              <a:rPr lang="en-US" sz="3200" dirty="0"/>
+              <a:rPr lang="en-US" dirty="0"/>
               <a:t>Control tenant wide deployments with this app catalog list</a:t>
             </a:r>
           </a:p>
@@ -17654,14 +17656,14 @@
           <p:nvPr>
             <p:extLst>
               <p:ext uri="{D42A27DB-BD31-4B8C-83A1-F6EECF244321}">
-                <p14:modId xmlns:p14="http://schemas.microsoft.com/office/powerpoint/2010/main" val="2919509828"/>
+                <p14:modId xmlns:p14="http://schemas.microsoft.com/office/powerpoint/2010/main" val="4078782163"/>
               </p:ext>
             </p:extLst>
           </p:nvPr>
         </p:nvGraphicFramePr>
         <p:xfrm>
-          <a:off x="1129779" y="1880873"/>
-          <a:ext cx="10002369" cy="4990505"/>
+          <a:off x="1343986" y="1861320"/>
+          <a:ext cx="9814827" cy="4707544"/>
         </p:xfrm>
         <a:graphic>
           <a:graphicData uri="http://schemas.openxmlformats.org/drawingml/2006/table">
@@ -17670,21 +17672,21 @@
                 <a:tableStyleId>{21E4AEA4-8DFA-4A89-87EB-49C32662AFE0}</a:tableStyleId>
               </a:tblPr>
               <a:tblGrid>
-                <a:gridCol w="1893120">
+                <a:gridCol w="1857624">
                   <a:extLst>
                     <a:ext uri="{9D8B030D-6E8A-4147-A177-3AD203B41FA5}">
                       <a16:colId xmlns:a16="http://schemas.microsoft.com/office/drawing/2014/main" val="1760796699"/>
                     </a:ext>
                   </a:extLst>
                 </a:gridCol>
-                <a:gridCol w="1409252">
+                <a:gridCol w="1382829">
                   <a:extLst>
                     <a:ext uri="{9D8B030D-6E8A-4147-A177-3AD203B41FA5}">
                       <a16:colId xmlns:a16="http://schemas.microsoft.com/office/drawing/2014/main" val="1305644161"/>
                     </a:ext>
                   </a:extLst>
                 </a:gridCol>
-                <a:gridCol w="6699997">
+                <a:gridCol w="6574374">
                   <a:extLst>
                     <a:ext uri="{9D8B030D-6E8A-4147-A177-3AD203B41FA5}">
                       <a16:colId xmlns:a16="http://schemas.microsoft.com/office/drawing/2014/main" val="338486701"/>
@@ -17692,7 +17694,7 @@
                   </a:extLst>
                 </a:gridCol>
               </a:tblGrid>
-              <a:tr h="301451">
+              <a:tr h="323079">
                 <a:tc>
                   <a:txBody>
                     <a:bodyPr/>
@@ -17700,7 +17702,7 @@
                     <a:p>
                       <a:pPr algn="r"/>
                       <a:r>
-                        <a:rPr lang="en-US" dirty="0"/>
+                        <a:rPr lang="en-US" sz="1600" dirty="0"/>
                         <a:t>Column</a:t>
                       </a:r>
                     </a:p>
@@ -17714,7 +17716,7 @@
                     <a:p>
                       <a:pPr algn="ctr"/>
                       <a:r>
-                        <a:rPr lang="en-US" dirty="0"/>
+                        <a:rPr lang="en-US" sz="1600" dirty="0"/>
                         <a:t>Type</a:t>
                       </a:r>
                     </a:p>
@@ -17727,7 +17729,7 @@
                     <a:lstStyle/>
                     <a:p>
                       <a:r>
-                        <a:rPr lang="en-US" dirty="0"/>
+                        <a:rPr lang="en-US" sz="1600" dirty="0"/>
                         <a:t>Description</a:t>
                       </a:r>
                     </a:p>
@@ -17740,7 +17742,7 @@
                   </a:ext>
                 </a:extLst>
               </a:tr>
-              <a:tr h="743304">
+              <a:tr h="716255">
                 <a:tc>
                   <a:txBody>
                     <a:bodyPr/>
@@ -17748,7 +17750,7 @@
                     <a:p>
                       <a:pPr algn="r"/>
                       <a:r>
-                        <a:rPr lang="en-US" dirty="0"/>
+                        <a:rPr lang="en-US" sz="1600" dirty="0"/>
                         <a:t>Title</a:t>
                       </a:r>
                     </a:p>
@@ -17762,7 +17764,7 @@
                     <a:p>
                       <a:pPr algn="ctr"/>
                       <a:r>
-                        <a:rPr lang="en-US" dirty="0"/>
+                        <a:rPr lang="en-US" sz="1600" dirty="0"/>
                         <a:t>string</a:t>
                       </a:r>
                     </a:p>
@@ -17775,7 +17777,7 @@
                     <a:lstStyle/>
                     <a:p>
                       <a:r>
-                        <a:rPr lang="en-US" sz="1800" b="0" i="0" kern="1200" dirty="0">
+                        <a:rPr lang="en-US" sz="1600" b="0" i="0" kern="1200" dirty="0">
                           <a:solidFill>
                             <a:schemeClr val="dk1"/>
                           </a:solidFill>
@@ -17786,7 +17788,7 @@
                         </a:rPr>
                         <a:t>Title of the entry. Can be descriptive entry for the registration. Doesn’t have to match anything, just for your reference</a:t>
                       </a:r>
-                      <a:endParaRPr lang="en-US" dirty="0"/>
+                      <a:endParaRPr lang="en-US" sz="1600" dirty="0"/>
                     </a:p>
                   </a:txBody>
                   <a:tcPr/>
@@ -17797,7 +17799,7 @@
                   </a:ext>
                 </a:extLst>
               </a:tr>
-              <a:tr h="743304">
+              <a:tr h="716255">
                 <a:tc>
                   <a:txBody>
                     <a:bodyPr/>
@@ -17805,7 +17807,7 @@
                     <a:p>
                       <a:pPr algn="r"/>
                       <a:r>
-                        <a:rPr lang="en-US" dirty="0"/>
+                        <a:rPr lang="en-US" sz="1600" dirty="0"/>
                         <a:t>Component ID</a:t>
                       </a:r>
                     </a:p>
@@ -17819,7 +17821,7 @@
                     <a:p>
                       <a:pPr algn="ctr"/>
                       <a:r>
-                        <a:rPr lang="en-US" dirty="0"/>
+                        <a:rPr lang="en-US" sz="1600" dirty="0"/>
                         <a:t>GUID</a:t>
                       </a:r>
                     </a:p>
@@ -17832,7 +17834,7 @@
                     <a:lstStyle/>
                     <a:p>
                       <a:r>
-                        <a:rPr lang="en-US" sz="1800" b="0" i="0" kern="1200" dirty="0">
+                        <a:rPr lang="en-US" sz="1600" b="0" i="0" kern="1200" dirty="0">
                           <a:solidFill>
                             <a:schemeClr val="dk1"/>
                           </a:solidFill>
@@ -17843,7 +17845,7 @@
                         </a:rPr>
                         <a:t>Manifest ID of the component. Has to be in GUID format and component must exists in the app catalog.</a:t>
                       </a:r>
-                      <a:endParaRPr lang="en-US" dirty="0"/>
+                      <a:endParaRPr lang="en-US" sz="1600" dirty="0"/>
                     </a:p>
                   </a:txBody>
                   <a:tcPr/>
@@ -17854,7 +17856,7 @@
                   </a:ext>
                 </a:extLst>
               </a:tr>
-              <a:tr h="301451">
+              <a:tr h="558046">
                 <a:tc>
                   <a:txBody>
                     <a:bodyPr/>
@@ -17862,7 +17864,7 @@
                     <a:p>
                       <a:pPr algn="r"/>
                       <a:r>
-                        <a:rPr lang="en-US" dirty="0"/>
+                        <a:rPr lang="en-US" sz="1600" dirty="0"/>
                         <a:t>Component Properties</a:t>
                       </a:r>
                     </a:p>
@@ -17876,7 +17878,7 @@
                     <a:p>
                       <a:pPr algn="ctr"/>
                       <a:r>
-                        <a:rPr lang="en-US" dirty="0"/>
+                        <a:rPr lang="en-US" sz="1600" dirty="0"/>
                         <a:t>string</a:t>
                       </a:r>
                     </a:p>
@@ -17889,7 +17891,7 @@
                     <a:lstStyle/>
                     <a:p>
                       <a:r>
-                        <a:rPr lang="en-US" sz="1800" b="0" i="0" kern="1200" dirty="0">
+                        <a:rPr lang="en-US" sz="1600" b="0" i="0" kern="1200" dirty="0">
                           <a:solidFill>
                             <a:schemeClr val="dk1"/>
                           </a:solidFill>
@@ -17900,7 +17902,7 @@
                         </a:rPr>
                         <a:t>Optional component properties.</a:t>
                       </a:r>
-                      <a:endParaRPr lang="en-US" dirty="0"/>
+                      <a:endParaRPr lang="en-US" sz="1600" dirty="0"/>
                     </a:p>
                   </a:txBody>
                   <a:tcPr/>
@@ -17911,7 +17913,7 @@
                   </a:ext>
                 </a:extLst>
               </a:tr>
-              <a:tr h="520313">
+              <a:tr h="501379">
                 <a:tc>
                   <a:txBody>
                     <a:bodyPr/>
@@ -17919,7 +17921,7 @@
                     <a:p>
                       <a:pPr algn="r"/>
                       <a:r>
-                        <a:rPr lang="en-US" dirty="0"/>
+                        <a:rPr lang="en-US" sz="1600" dirty="0"/>
                         <a:t>Web Template</a:t>
                       </a:r>
                     </a:p>
@@ -17949,7 +17951,7 @@
                         <a:defRPr/>
                       </a:pPr>
                       <a:r>
-                        <a:rPr lang="en-US" dirty="0"/>
+                        <a:rPr lang="en-US" sz="1600" dirty="0"/>
                         <a:t>string</a:t>
                       </a:r>
                     </a:p>
@@ -17962,7 +17964,7 @@
                     <a:lstStyle/>
                     <a:p>
                       <a:r>
-                        <a:rPr lang="en-US" sz="1800" b="0" i="0" kern="1200" dirty="0">
+                        <a:rPr lang="en-US" sz="1600" b="0" i="0" kern="1200" dirty="0">
                           <a:solidFill>
                             <a:schemeClr val="dk1"/>
                           </a:solidFill>
@@ -17973,7 +17975,7 @@
                         </a:rPr>
                         <a:t>Can be used to target extension only to specific web template. </a:t>
                       </a:r>
-                      <a:endParaRPr lang="en-US" dirty="0"/>
+                      <a:endParaRPr lang="en-US" sz="1600" dirty="0"/>
                     </a:p>
                   </a:txBody>
                   <a:tcPr/>
@@ -17984,7 +17986,7 @@
                   </a:ext>
                 </a:extLst>
               </a:tr>
-              <a:tr h="301451">
+              <a:tr h="323079">
                 <a:tc>
                   <a:txBody>
                     <a:bodyPr/>
@@ -17992,7 +17994,7 @@
                     <a:p>
                       <a:pPr algn="r"/>
                       <a:r>
-                        <a:rPr lang="en-US" dirty="0"/>
+                        <a:rPr lang="en-US" sz="1600" dirty="0"/>
                         <a:t>List Template</a:t>
                       </a:r>
                     </a:p>
@@ -18006,10 +18008,10 @@
                     <a:p>
                       <a:pPr algn="ctr"/>
                       <a:r>
-                        <a:rPr lang="en-US" dirty="0" err="1"/>
+                        <a:rPr lang="en-US" sz="1600" dirty="0" err="1"/>
                         <a:t>int</a:t>
                       </a:r>
-                      <a:endParaRPr lang="en-US" dirty="0"/>
+                      <a:endParaRPr lang="en-US" sz="1600" dirty="0"/>
                     </a:p>
                   </a:txBody>
                   <a:tcPr/>
@@ -18020,7 +18022,7 @@
                     <a:lstStyle/>
                     <a:p>
                       <a:r>
-                        <a:rPr lang="en-US" sz="1800" b="0" i="0" kern="1200" dirty="0">
+                        <a:rPr lang="en-US" sz="1600" b="0" i="0" kern="1200" dirty="0">
                           <a:solidFill>
                             <a:schemeClr val="dk1"/>
                           </a:solidFill>
@@ -18031,7 +18033,7 @@
                         </a:rPr>
                         <a:t>List type as a number. </a:t>
                       </a:r>
-                      <a:endParaRPr lang="en-US" dirty="0"/>
+                      <a:endParaRPr lang="en-US" sz="1600" dirty="0"/>
                     </a:p>
                   </a:txBody>
                   <a:tcPr/>
@@ -18042,7 +18044,7 @@
                   </a:ext>
                 </a:extLst>
               </a:tr>
-              <a:tr h="743304">
+              <a:tr h="716255">
                 <a:tc>
                   <a:txBody>
                     <a:bodyPr/>
@@ -18050,7 +18052,7 @@
                     <a:p>
                       <a:pPr algn="r"/>
                       <a:r>
-                        <a:rPr lang="en-US" dirty="0"/>
+                        <a:rPr lang="en-US" sz="1600" dirty="0"/>
                         <a:t>Location</a:t>
                       </a:r>
                     </a:p>
@@ -18080,7 +18082,7 @@
                         <a:defRPr/>
                       </a:pPr>
                       <a:r>
-                        <a:rPr lang="en-US" dirty="0"/>
+                        <a:rPr lang="en-US" sz="1600" dirty="0"/>
                         <a:t>string</a:t>
                       </a:r>
                     </a:p>
@@ -18093,7 +18095,7 @@
                     <a:lstStyle/>
                     <a:p>
                       <a:r>
-                        <a:rPr lang="en-US" sz="1800" b="0" i="0" kern="1200" dirty="0">
+                        <a:rPr lang="en-US" sz="1600" b="0" i="0" kern="1200" dirty="0">
                           <a:solidFill>
                             <a:schemeClr val="dk1"/>
                           </a:solidFill>
@@ -18104,7 +18106,7 @@
                         </a:rPr>
                         <a:t>Location of the entry. There are different support locations for application customizers and List View Command Sets.</a:t>
                       </a:r>
-                      <a:endParaRPr lang="en-US" dirty="0"/>
+                      <a:endParaRPr lang="en-US" sz="1600" dirty="0"/>
                     </a:p>
                   </a:txBody>
                   <a:tcPr/>
@@ -18115,7 +18117,7 @@
                   </a:ext>
                 </a:extLst>
               </a:tr>
-              <a:tr h="408817">
+              <a:tr h="455248">
                 <a:tc>
                   <a:txBody>
                     <a:bodyPr/>
@@ -18123,7 +18125,7 @@
                     <a:p>
                       <a:pPr algn="r"/>
                       <a:r>
-                        <a:rPr lang="en-US" dirty="0"/>
+                        <a:rPr lang="en-US" sz="1600" dirty="0"/>
                         <a:t>Sequence</a:t>
                       </a:r>
                     </a:p>
@@ -18137,10 +18139,10 @@
                     <a:p>
                       <a:pPr algn="ctr"/>
                       <a:r>
-                        <a:rPr lang="en-US" dirty="0" err="1"/>
+                        <a:rPr lang="en-US" sz="1600" dirty="0" err="1"/>
                         <a:t>int</a:t>
                       </a:r>
-                      <a:endParaRPr lang="en-US" dirty="0"/>
+                      <a:endParaRPr lang="en-US" sz="1600" dirty="0"/>
                     </a:p>
                   </a:txBody>
                   <a:tcPr/>
@@ -18152,7 +18154,7 @@
                     <a:p>
                       <a:pPr fontAlgn="t"/>
                       <a:r>
-                        <a:rPr lang="en-US" dirty="0">
+                        <a:rPr lang="en-US" sz="1600" dirty="0">
                           <a:effectLst/>
                         </a:rPr>
                         <a:t>Sequence of the entry in rendering.</a:t>
@@ -18167,7 +18169,7 @@
                   </a:ext>
                 </a:extLst>
               </a:tr>
-              <a:tr h="301451">
+              <a:tr h="323079">
                 <a:tc>
                   <a:txBody>
                     <a:bodyPr/>
@@ -18175,7 +18177,7 @@
                     <a:p>
                       <a:pPr algn="r"/>
                       <a:r>
-                        <a:rPr lang="en-US" dirty="0"/>
+                        <a:rPr lang="en-US" sz="1600" dirty="0"/>
                         <a:t>Disabled</a:t>
                       </a:r>
                     </a:p>
@@ -18189,7 +18191,7 @@
                     <a:p>
                       <a:pPr algn="ctr"/>
                       <a:r>
-                        <a:rPr lang="en-US" dirty="0"/>
+                        <a:rPr lang="en-US" sz="1600" dirty="0"/>
                         <a:t>Boolean</a:t>
                       </a:r>
                     </a:p>
@@ -18202,7 +18204,7 @@
                     <a:lstStyle/>
                     <a:p>
                       <a:r>
-                        <a:rPr lang="en-US" dirty="0"/>
+                        <a:rPr lang="en-US" sz="1600" dirty="0"/>
                         <a:t>Enabled state of the deployment.</a:t>
                       </a:r>
                     </a:p>
@@ -18270,8 +18272,8 @@
         </p:nvSpPr>
         <p:spPr>
           <a:xfrm>
-            <a:off x="274638" y="1212850"/>
-            <a:ext cx="11887200" cy="4770537"/>
+            <a:off x="464400" y="1212850"/>
+            <a:ext cx="11574000" cy="1566583"/>
           </a:xfrm>
         </p:spPr>
         <p:txBody>
@@ -18339,15 +18341,7 @@
             <a:pPr lvl="1"/>
             <a:r>
               <a:rPr lang="en-US" dirty="0"/>
-              <a:t>Add 3</a:t>
-            </a:r>
-            <a:r>
-              <a:rPr lang="en-US" baseline="30000" dirty="0"/>
-              <a:t>rd</a:t>
-            </a:r>
-            <a:r>
-              <a:rPr lang="en-US" dirty="0"/>
-              <a:t> party libraries to every page (</a:t>
+              <a:t>Add 3rd party libraries to every page (</a:t>
             </a:r>
             <a:r>
               <a:rPr lang="en-US" dirty="0" err="1"/>
@@ -18444,12 +18438,7 @@
             <p:ph type="body" sz="quarter" idx="10"/>
           </p:nvPr>
         </p:nvSpPr>
-        <p:spPr>
-          <a:xfrm>
-            <a:off x="274638" y="1212850"/>
-            <a:ext cx="11887200" cy="3958007"/>
-          </a:xfrm>
-        </p:spPr>
+        <p:spPr/>
         <p:txBody>
           <a:bodyPr/>
           <a:lstStyle/>
@@ -18524,7 +18513,7 @@
       </p:sp>
       <p:pic>
         <p:nvPicPr>
-          <p:cNvPr id="4" name="Picture 3" descr="A screenshot of a social media post&#13;&#10;&#13;&#10;Description automatically generated">
+          <p:cNvPr id="4" name="Picture 3" descr="A screenshot of a social media post&#10;&#10;Description automatically generated">
             <a:extLst>
               <a:ext uri="{FF2B5EF4-FFF2-40B4-BE49-F238E27FC236}">
                 <a16:creationId xmlns:a16="http://schemas.microsoft.com/office/drawing/2014/main" id="{F9F56E18-9972-E341-B291-0A2B8AA51815}"/>
@@ -18544,7 +18533,7 @@
         </p:blipFill>
         <p:spPr>
           <a:xfrm>
-            <a:off x="6209581" y="2414366"/>
+            <a:off x="5606266" y="1886465"/>
             <a:ext cx="5700511" cy="4284885"/>
           </a:xfrm>
           <a:prstGeom prst="rect">
@@ -18636,7 +18625,7 @@
           <a:bodyPr/>
           <a:lstStyle/>
           <a:p>
-            <a:endParaRPr lang="en-US"/>
+            <a:endParaRPr lang="en-US" dirty="0"/>
           </a:p>
         </p:txBody>
       </p:sp>
@@ -18659,7 +18648,7 @@
         <p:spPr>
           <a:xfrm>
             <a:off x="528849" y="1476622"/>
-            <a:ext cx="11378776" cy="5798510"/>
+            <a:ext cx="11378776" cy="5515356"/>
           </a:xfrm>
         </p:spPr>
         <p:txBody>
@@ -18912,12 +18901,6 @@
               <a:rPr lang="en-US" sz="1600" dirty="0"/>
               <a:t>}</a:t>
             </a:r>
-          </a:p>
-          <a:p>
-            <a:pPr marL="0" indent="0">
-              <a:buNone/>
-            </a:pPr>
-            <a:endParaRPr lang="en-US" sz="1600" dirty="0"/>
           </a:p>
         </p:txBody>
       </p:sp>
@@ -19894,7 +19877,7 @@
     </p:spTree>
     <p:extLst>
       <p:ext uri="{BB962C8B-B14F-4D97-AF65-F5344CB8AC3E}">
-        <p14:creationId xmlns:p14="http://schemas.microsoft.com/office/powerpoint/2010/main" val="1745997778"/>
+        <p14:creationId xmlns:p14="http://schemas.microsoft.com/office/powerpoint/2010/main" val="3690834647"/>
       </p:ext>
     </p:extLst>
   </p:cSld>
@@ -20311,8 +20294,8 @@
         </p:nvSpPr>
         <p:spPr>
           <a:xfrm>
-            <a:off x="274638" y="1212850"/>
-            <a:ext cx="11887200" cy="5379934"/>
+            <a:off x="464400" y="1212850"/>
+            <a:ext cx="11574000" cy="3259354"/>
           </a:xfrm>
         </p:spPr>
         <p:txBody>
@@ -20372,7 +20355,7 @@
             <a:pPr lvl="1"/>
             <a:r>
               <a:rPr lang="en-US" dirty="0"/>
-              <a:t>Client Side Rendering &amp; </a:t>
+              <a:t>Client-Side Rendering &amp; </a:t>
             </a:r>
             <a:r>
               <a:rPr lang="en-US" dirty="0" err="1"/>
@@ -20466,12 +20449,7 @@
             <p:ph type="body" sz="quarter" idx="10"/>
           </p:nvPr>
         </p:nvSpPr>
-        <p:spPr>
-          <a:xfrm>
-            <a:off x="274638" y="1212850"/>
-            <a:ext cx="11887200" cy="683264"/>
-          </a:xfrm>
-        </p:spPr>
+        <p:spPr/>
         <p:txBody>
           <a:bodyPr/>
           <a:lstStyle/>
@@ -20513,7 +20491,7 @@
       </p:sp>
       <p:pic>
         <p:nvPicPr>
-          <p:cNvPr id="5" name="Picture 4" descr="A screenshot of a social media post&#13;&#10;&#13;&#10;Description automatically generated">
+          <p:cNvPr id="5" name="Picture 4" descr="A screenshot of a social media post&#10;&#10;Description automatically generated">
             <a:extLst>
               <a:ext uri="{FF2B5EF4-FFF2-40B4-BE49-F238E27FC236}">
                 <a16:creationId xmlns:a16="http://schemas.microsoft.com/office/drawing/2014/main" id="{E3E1A0AC-3F72-584F-AAEB-D889A0D64A93}"/>
@@ -20620,12 +20598,7 @@
             <p:ph type="body" sz="quarter" idx="10"/>
           </p:nvPr>
         </p:nvSpPr>
-        <p:spPr>
-          <a:xfrm>
-            <a:off x="274638" y="1212850"/>
-            <a:ext cx="11887200" cy="683264"/>
-          </a:xfrm>
-        </p:spPr>
+        <p:spPr/>
         <p:txBody>
           <a:bodyPr/>
           <a:lstStyle/>
@@ -20667,7 +20640,7 @@
       </p:sp>
       <p:pic>
         <p:nvPicPr>
-          <p:cNvPr id="5" name="Picture 4" descr="A screenshot of a cell phone&#13;&#10;&#13;&#10;Description automatically generated">
+          <p:cNvPr id="5" name="Picture 4" descr="A screenshot of a cell phone&#10;&#10;Description automatically generated">
             <a:extLst>
               <a:ext uri="{FF2B5EF4-FFF2-40B4-BE49-F238E27FC236}">
                 <a16:creationId xmlns:a16="http://schemas.microsoft.com/office/drawing/2014/main" id="{EDD5E3D0-36C1-194E-A94B-032FF485A45F}"/>
@@ -20774,12 +20747,7 @@
             <p:ph type="body" sz="quarter" idx="10"/>
           </p:nvPr>
         </p:nvSpPr>
-        <p:spPr>
-          <a:xfrm>
-            <a:off x="274638" y="1212850"/>
-            <a:ext cx="11887200" cy="683264"/>
-          </a:xfrm>
-        </p:spPr>
+        <p:spPr/>
         <p:txBody>
           <a:bodyPr/>
           <a:lstStyle/>
@@ -20894,8 +20862,8 @@
         </p:nvSpPr>
         <p:spPr>
           <a:xfrm>
-            <a:off x="274638" y="1212850"/>
-            <a:ext cx="11887200" cy="5441490"/>
+            <a:off x="464400" y="1212850"/>
+            <a:ext cx="11574000" cy="4025717"/>
           </a:xfrm>
         </p:spPr>
         <p:txBody>
@@ -20903,74 +20871,162 @@
           <a:lstStyle/>
           <a:p>
             <a:r>
-              <a:rPr lang="en-US" sz="2800" dirty="0"/>
+              <a:rPr lang="en-US" dirty="0">
+                <a:solidFill>
+                  <a:schemeClr val="accent1"/>
+                </a:solidFill>
+              </a:rPr>
               <a:t>.</a:t>
             </a:r>
             <a:r>
-              <a:rPr lang="en-US" sz="2800" dirty="0" err="1"/>
+              <a:rPr lang="en-US" dirty="0" err="1">
+                <a:solidFill>
+                  <a:schemeClr val="accent1"/>
+                </a:solidFill>
+              </a:rPr>
               <a:t>vscode</a:t>
             </a:r>
             <a:r>
-              <a:rPr lang="en-US" sz="2800" dirty="0"/>
-              <a:t>: includes Visual Studio Code integration files</a:t>
-            </a:r>
-          </a:p>
-          <a:p>
-            <a:r>
-              <a:rPr lang="en-US" sz="2800" dirty="0"/>
-              <a:t>config: includes all config files</a:t>
-            </a:r>
-          </a:p>
-          <a:p>
-            <a:r>
-              <a:rPr lang="en-US" sz="2800" dirty="0" err="1"/>
+              <a:rPr lang="en-US" dirty="0">
+                <a:solidFill>
+                  <a:schemeClr val="accent1"/>
+                </a:solidFill>
+              </a:rPr>
+              <a:t>:</a:t>
+            </a:r>
+            <a:r>
+              <a:rPr lang="en-US" dirty="0"/>
+              <a:t> includes Visual Studio Code integration files</a:t>
+            </a:r>
+          </a:p>
+          <a:p>
+            <a:r>
+              <a:rPr lang="en-US" dirty="0">
+                <a:solidFill>
+                  <a:schemeClr val="accent1"/>
+                </a:solidFill>
+              </a:rPr>
+              <a:t>config:</a:t>
+            </a:r>
+            <a:r>
+              <a:rPr lang="en-US" dirty="0"/>
+              <a:t> includes all config files</a:t>
+            </a:r>
+          </a:p>
+          <a:p>
+            <a:r>
+              <a:rPr lang="en-US" dirty="0" err="1">
+                <a:solidFill>
+                  <a:schemeClr val="accent1"/>
+                </a:solidFill>
+              </a:rPr>
               <a:t>dist</a:t>
             </a:r>
             <a:r>
-              <a:rPr lang="en-US" sz="2800" dirty="0"/>
-              <a:t>: created automatically on builds – contains out from bundle process</a:t>
-            </a:r>
-          </a:p>
-          <a:p>
-            <a:r>
-              <a:rPr lang="en-US" sz="2800" dirty="0"/>
-              <a:t>lib: created automatically on builds – contains pre-bundled built files</a:t>
-            </a:r>
-          </a:p>
-          <a:p>
-            <a:r>
-              <a:rPr lang="en-US" sz="2800" dirty="0" err="1"/>
+              <a:rPr lang="en-US" dirty="0">
+                <a:solidFill>
+                  <a:schemeClr val="accent1"/>
+                </a:solidFill>
+              </a:rPr>
+              <a:t>:</a:t>
+            </a:r>
+            <a:r>
+              <a:rPr lang="en-US" dirty="0"/>
+              <a:t> created automatically on builds – contains out from bundle process</a:t>
+            </a:r>
+          </a:p>
+          <a:p>
+            <a:r>
+              <a:rPr lang="en-US" dirty="0">
+                <a:solidFill>
+                  <a:schemeClr val="accent1"/>
+                </a:solidFill>
+              </a:rPr>
+              <a:t>lib:</a:t>
+            </a:r>
+            <a:r>
+              <a:rPr lang="en-US" dirty="0"/>
+              <a:t> created automatically on builds – contains pre-bundled built files</a:t>
+            </a:r>
+          </a:p>
+          <a:p>
+            <a:r>
+              <a:rPr lang="en-US" dirty="0" err="1">
+                <a:solidFill>
+                  <a:schemeClr val="accent1"/>
+                </a:solidFill>
+              </a:rPr>
               <a:t>node_modules</a:t>
             </a:r>
             <a:r>
-              <a:rPr lang="en-US" sz="2800" dirty="0"/>
-              <a:t>: created automatically when installing all package dependencies with a package manager</a:t>
-            </a:r>
-          </a:p>
-          <a:p>
-            <a:r>
-              <a:rPr lang="en-US" sz="2800" dirty="0" err="1"/>
+              <a:rPr lang="en-US" dirty="0">
+                <a:solidFill>
+                  <a:schemeClr val="accent1"/>
+                </a:solidFill>
+              </a:rPr>
+              <a:t>:</a:t>
+            </a:r>
+            <a:r>
+              <a:rPr lang="en-US" dirty="0"/>
+              <a:t> created automatically when installing all package dependencies with a package manager</a:t>
+            </a:r>
+          </a:p>
+          <a:p>
+            <a:r>
+              <a:rPr lang="en-US" dirty="0" err="1">
+                <a:solidFill>
+                  <a:schemeClr val="accent1"/>
+                </a:solidFill>
+              </a:rPr>
               <a:t>sharepoint</a:t>
             </a:r>
             <a:r>
-              <a:rPr lang="en-US" sz="2800" dirty="0"/>
-              <a:t>: contains assets needed for deployment</a:t>
-            </a:r>
-          </a:p>
-          <a:p>
-            <a:r>
-              <a:rPr lang="en-US" sz="2800" dirty="0" err="1"/>
+              <a:rPr lang="en-US" dirty="0">
+                <a:solidFill>
+                  <a:schemeClr val="accent1"/>
+                </a:solidFill>
+              </a:rPr>
+              <a:t>:</a:t>
+            </a:r>
+            <a:r>
+              <a:rPr lang="en-US" dirty="0"/>
+              <a:t> contains assets needed for deployment</a:t>
+            </a:r>
+          </a:p>
+          <a:p>
+            <a:r>
+              <a:rPr lang="en-US" dirty="0" err="1">
+                <a:solidFill>
+                  <a:schemeClr val="accent1"/>
+                </a:solidFill>
+              </a:rPr>
               <a:t>src</a:t>
             </a:r>
             <a:r>
-              <a:rPr lang="en-US" sz="2800" dirty="0"/>
-              <a:t>: this is the main folder of the project, it includes the extension, styles, and a test file</a:t>
-            </a:r>
-          </a:p>
-          <a:p>
-            <a:r>
-              <a:rPr lang="en-US" sz="2800" dirty="0"/>
-              <a:t>temp: created automatically on builds - contains local dev webserver files</a:t>
+              <a:rPr lang="en-US" dirty="0">
+                <a:solidFill>
+                  <a:schemeClr val="accent1"/>
+                </a:solidFill>
+              </a:rPr>
+              <a:t>:</a:t>
+            </a:r>
+            <a:r>
+              <a:rPr lang="en-US" dirty="0"/>
+              <a:t> this is the main folder of the project, it includes the extension, styles, and a test file</a:t>
+            </a:r>
+          </a:p>
+          <a:p>
+            <a:r>
+              <a:rPr lang="en-US" dirty="0">
+                <a:solidFill>
+                  <a:schemeClr val="accent1"/>
+                </a:solidFill>
+              </a:rPr>
+              <a:t>temp:</a:t>
+            </a:r>
+            <a:r>
+              <a:rPr lang="en-US" dirty="0"/>
+              <a:t> created automatically on builds - contains local dev webserver files</a:t>
             </a:r>
           </a:p>
         </p:txBody>
@@ -21001,7 +21057,7 @@
     </p:spTree>
     <p:extLst>
       <p:ext uri="{BB962C8B-B14F-4D97-AF65-F5344CB8AC3E}">
-        <p14:creationId xmlns:p14="http://schemas.microsoft.com/office/powerpoint/2010/main" val="616216480"/>
+        <p14:creationId xmlns:p14="http://schemas.microsoft.com/office/powerpoint/2010/main" val="580721042"/>
       </p:ext>
     </p:extLst>
   </p:cSld>
@@ -21047,12 +21103,7 @@
             <p:ph type="body" sz="quarter" idx="10"/>
           </p:nvPr>
         </p:nvSpPr>
-        <p:spPr>
-          <a:xfrm>
-            <a:off x="274638" y="1212850"/>
-            <a:ext cx="11887200" cy="5367623"/>
-          </a:xfrm>
-        </p:spPr>
+        <p:spPr/>
         <p:txBody>
           <a:bodyPr/>
           <a:lstStyle/>
@@ -21201,8 +21252,8 @@
         </p:nvSpPr>
         <p:spPr>
           <a:xfrm>
-            <a:off x="274638" y="1212850"/>
-            <a:ext cx="11887200" cy="5269135"/>
+            <a:off x="464400" y="1212850"/>
+            <a:ext cx="11574000" cy="2853089"/>
           </a:xfrm>
         </p:spPr>
         <p:txBody>

--- a/01 into+appcustomizer.pptx
+++ b/01 into+appcustomizer.pptx
@@ -1172,8 +1172,8 @@
     <dgm:cxn modelId="{1A54CE04-8A96-4E4A-89DB-FB2A1A17744F}" type="presOf" srcId="{7FD8A240-07A6-F345-A4B5-9AFD7D04E09E}" destId="{8C7BF5B7-4285-C94D-AA34-B3807C7E91FB}" srcOrd="0" destOrd="0" presId="urn:microsoft.com/office/officeart/2005/8/layout/vList2"/>
     <dgm:cxn modelId="{63C3212D-1DCF-8044-A3CF-E372F4EA8362}" srcId="{0FC085B4-97CE-2149-B002-3BE96E991E3C}" destId="{11DE7530-2214-3A46-9779-D26EBB89B8D8}" srcOrd="1" destOrd="0" parTransId="{3BEBEC14-E9DD-5C4A-9EAF-10414B491D11}" sibTransId="{92A6A7B2-A1F5-D54F-B97F-04866B340CB4}"/>
     <dgm:cxn modelId="{97FF1C33-165D-9744-B9DD-5FD72C89A0A7}" type="presOf" srcId="{1680333F-291D-CB49-8833-C083699793E0}" destId="{B0272B02-624D-2445-B63B-A4B45C1ED737}" srcOrd="0" destOrd="0" presId="urn:microsoft.com/office/officeart/2005/8/layout/vList2"/>
+    <dgm:cxn modelId="{25C03C5A-4ECE-A34E-96BF-DE75E1E0F7EB}" type="presOf" srcId="{0FC085B4-97CE-2149-B002-3BE96E991E3C}" destId="{70B8A340-42D2-FA49-B0EC-FAFE4652EAD9}" srcOrd="0" destOrd="0" presId="urn:microsoft.com/office/officeart/2005/8/layout/vList2"/>
     <dgm:cxn modelId="{FBA34671-A6B0-B74F-B2B2-C18DD774C1FA}" type="presOf" srcId="{11DE7530-2214-3A46-9779-D26EBB89B8D8}" destId="{2FB78BDF-7C8F-1F41-8CD6-4B786B18D9FD}" srcOrd="0" destOrd="0" presId="urn:microsoft.com/office/officeart/2005/8/layout/vList2"/>
-    <dgm:cxn modelId="{25C03C5A-4ECE-A34E-96BF-DE75E1E0F7EB}" type="presOf" srcId="{0FC085B4-97CE-2149-B002-3BE96E991E3C}" destId="{70B8A340-42D2-FA49-B0EC-FAFE4652EAD9}" srcOrd="0" destOrd="0" presId="urn:microsoft.com/office/officeart/2005/8/layout/vList2"/>
     <dgm:cxn modelId="{96B4197D-2080-E246-BEDB-AC65A9B0EC38}" srcId="{0FC085B4-97CE-2149-B002-3BE96E991E3C}" destId="{A8E42F35-E34E-9E4B-A895-3BC748187CD3}" srcOrd="3" destOrd="0" parTransId="{8D054F3E-704E-1F47-866C-CB97D4DF2B6E}" sibTransId="{976463D6-3DF4-D14D-BDED-C1EC5A591A19}"/>
     <dgm:cxn modelId="{DD996A87-FB18-2B4E-B34F-9E0235E9B363}" srcId="{0FC085B4-97CE-2149-B002-3BE96E991E3C}" destId="{7FD8A240-07A6-F345-A4B5-9AFD7D04E09E}" srcOrd="0" destOrd="0" parTransId="{028B14B4-179B-914A-A696-BC38CCE94176}" sibTransId="{3862C498-2BCA-314C-82B5-D7FF7FA6942A}"/>
     <dgm:cxn modelId="{78A0C8DA-8CE3-C440-99CD-A857846AFA85}" type="presOf" srcId="{A8E42F35-E34E-9E4B-A895-3BC748187CD3}" destId="{E4AF1CAC-D73A-A24F-9293-09183EA92B01}" srcOrd="0" destOrd="0" presId="urn:microsoft.com/office/officeart/2005/8/layout/vList2"/>
@@ -2806,7 +2806,7 @@
               <a:rPr lang="en-US" smtClean="0">
                 <a:latin typeface="Segoe UI" pitchFamily="34" charset="0"/>
               </a:rPr>
-              <a:t>12/20/2018 3:42 PM</a:t>
+              <a:t>1/7/19 3:30 PM</a:t>
             </a:fld>
             <a:endParaRPr lang="en-US" dirty="0">
               <a:latin typeface="Segoe UI" pitchFamily="34" charset="0"/>
@@ -3103,7 +3103,7 @@
           <a:p>
             <a:fld id="{D18B56EA-E28F-4F92-9F16-7A6F2501B303}" type="datetime8">
               <a:rPr lang="en-US" smtClean="0"/>
-              <a:t>12/20/2018 3:42 PM</a:t>
+              <a:t>1/7/19 3:24 PM</a:t>
             </a:fld>
             <a:endParaRPr lang="en-US" dirty="0"/>
           </a:p>
@@ -3486,7 +3486,7 @@
           <a:p>
             <a:fld id="{D18B56EA-E28F-4F92-9F16-7A6F2501B303}" type="datetime8">
               <a:rPr lang="en-US" smtClean="0"/>
-              <a:t>12/20/2018 3:43 PM</a:t>
+              <a:t>1/7/19 3:24 PM</a:t>
             </a:fld>
             <a:endParaRPr lang="en-US" dirty="0"/>
           </a:p>
@@ -3667,7 +3667,7 @@
           <a:p>
             <a:fld id="{D18B56EA-E28F-4F92-9F16-7A6F2501B303}" type="datetime8">
               <a:rPr lang="en-US" smtClean="0"/>
-              <a:t>12/20/2018 3:43 PM</a:t>
+              <a:t>1/7/19 3:24 PM</a:t>
             </a:fld>
             <a:endParaRPr lang="en-US" dirty="0"/>
           </a:p>
@@ -4010,7 +4010,7 @@
           <a:p>
             <a:fld id="{D18B56EA-E28F-4F92-9F16-7A6F2501B303}" type="datetime8">
               <a:rPr lang="en-US" smtClean="0"/>
-              <a:t>12/20/2018 3:44 PM</a:t>
+              <a:t>1/7/19 3:30 PM</a:t>
             </a:fld>
             <a:endParaRPr lang="en-US" dirty="0"/>
           </a:p>
@@ -4191,7 +4191,7 @@
           <a:p>
             <a:fld id="{D18B56EA-E28F-4F92-9F16-7A6F2501B303}" type="datetime8">
               <a:rPr lang="en-US" smtClean="0"/>
-              <a:t>12/20/2018 3:44 PM</a:t>
+              <a:t>1/7/19 3:30 PM</a:t>
             </a:fld>
             <a:endParaRPr lang="en-US" dirty="0"/>
           </a:p>
@@ -4372,7 +4372,7 @@
           <a:p>
             <a:fld id="{D18B56EA-E28F-4F92-9F16-7A6F2501B303}" type="datetime8">
               <a:rPr lang="en-US" smtClean="0"/>
-              <a:t>12/20/2018 3:44 PM</a:t>
+              <a:t>1/7/19 3:30 PM</a:t>
             </a:fld>
             <a:endParaRPr lang="en-US" dirty="0"/>
           </a:p>
@@ -4553,7 +4553,7 @@
           <a:p>
             <a:fld id="{D18B56EA-E28F-4F92-9F16-7A6F2501B303}" type="datetime8">
               <a:rPr lang="en-US" smtClean="0"/>
-              <a:t>12/20/2018 3:44 PM</a:t>
+              <a:t>1/7/19 3:30 PM</a:t>
             </a:fld>
             <a:endParaRPr lang="en-US" dirty="0"/>
           </a:p>
@@ -17461,7 +17461,12 @@
             <p:ph type="body" sz="quarter" idx="10"/>
           </p:nvPr>
         </p:nvSpPr>
-        <p:spPr/>
+        <p:spPr>
+          <a:xfrm>
+            <a:off x="464400" y="1212850"/>
+            <a:ext cx="11574000" cy="4376583"/>
+          </a:xfrm>
+        </p:spPr>
         <p:txBody>
           <a:bodyPr/>
           <a:lstStyle/>
@@ -17479,30 +17484,45 @@
             </a:r>
           </a:p>
           <a:p>
+            <a:endParaRPr lang="en-US" dirty="0"/>
+          </a:p>
+          <a:p>
             <a:r>
               <a:rPr lang="en-US" dirty="0"/>
               <a:t>Supported for application customizers &amp; list view command sets</a:t>
             </a:r>
           </a:p>
           <a:p>
+            <a:endParaRPr lang="en-US" dirty="0"/>
+          </a:p>
+          <a:p>
             <a:r>
               <a:rPr lang="en-US" dirty="0"/>
               <a:t>Make available for specific web or list templates</a:t>
             </a:r>
           </a:p>
           <a:p>
+            <a:endParaRPr lang="en-US" dirty="0"/>
+          </a:p>
+          <a:p>
             <a:r>
               <a:rPr lang="en-US" dirty="0"/>
               <a:t>Specify public properties on extension across all sites</a:t>
             </a:r>
           </a:p>
           <a:p>
+            <a:endParaRPr lang="en-US" dirty="0"/>
+          </a:p>
+          <a:p>
             <a:r>
               <a:rPr lang="en-US" dirty="0"/>
               <a:t>Default experience by presence of </a:t>
             </a:r>
             <a:r>
-              <a:rPr lang="en-US" dirty="0" err="1"/>
+              <a:rPr lang="en-US" dirty="0" err="1">
+                <a:latin typeface="Courier New" panose="02070309020205020404" pitchFamily="49" charset="0"/>
+                <a:cs typeface="Courier New" panose="02070309020205020404" pitchFamily="49" charset="0"/>
+              </a:rPr>
               <a:t>ClientSideInstances.xml</a:t>
             </a:r>
             <a:r>
@@ -18273,7 +18293,7 @@
         <p:spPr>
           <a:xfrm>
             <a:off x="464400" y="1212850"/>
-            <a:ext cx="11574000" cy="1566583"/>
+            <a:ext cx="11574000" cy="3665619"/>
           </a:xfrm>
         </p:spPr>
         <p:txBody>
@@ -18282,15 +18302,11 @@
           <a:p>
             <a:r>
               <a:rPr lang="en-US" dirty="0"/>
-              <a:t>Add HTML or JavaScript to all pages in a </a:t>
-            </a:r>
-            <a:br>
-              <a:rPr lang="en-US" dirty="0"/>
-            </a:br>
-            <a:r>
-              <a:rPr lang="en-US" dirty="0"/>
-              <a:t>SharePoint site</a:t>
-            </a:r>
+              <a:t>Add HTML or JavaScript to all pages in a SharePoint site</a:t>
+            </a:r>
+          </a:p>
+          <a:p>
+            <a:endParaRPr lang="en-US" dirty="0"/>
           </a:p>
           <a:p>
             <a:r>
@@ -18316,13 +18332,19 @@
           <a:p>
             <a:pPr lvl="1"/>
             <a:r>
-              <a:rPr lang="en-US" dirty="0" err="1"/>
+              <a:rPr lang="en-US" dirty="0" err="1">
+                <a:latin typeface="Courier New" panose="02070309020205020404" pitchFamily="49" charset="0"/>
+                <a:cs typeface="Courier New" panose="02070309020205020404" pitchFamily="49" charset="0"/>
+              </a:rPr>
               <a:t>ScriptLink</a:t>
             </a:r>
             <a:r>
               <a:rPr lang="en-US" dirty="0"/>
               <a:t> control</a:t>
             </a:r>
+          </a:p>
+          <a:p>
+            <a:endParaRPr lang="en-US" dirty="0"/>
           </a:p>
           <a:p>
             <a:r>
@@ -18620,12 +18642,20 @@
             <p:ph type="title"/>
           </p:nvPr>
         </p:nvSpPr>
-        <p:spPr/>
+        <p:spPr>
+          <a:xfrm>
+            <a:off x="464400" y="633600"/>
+            <a:ext cx="11575200" cy="387798"/>
+          </a:xfrm>
+        </p:spPr>
         <p:txBody>
           <a:bodyPr/>
           <a:lstStyle/>
           <a:p>
-            <a:endParaRPr lang="en-US" dirty="0"/>
+            <a:r>
+              <a:rPr lang="en-US" dirty="0"/>
+              <a:t>Application Customer</a:t>
+            </a:r>
           </a:p>
         </p:txBody>
       </p:sp>
@@ -20295,7 +20325,7 @@
         <p:spPr>
           <a:xfrm>
             <a:off x="464400" y="1212850"/>
-            <a:ext cx="11574000" cy="3259354"/>
+            <a:ext cx="11574000" cy="4478149"/>
           </a:xfrm>
         </p:spPr>
         <p:txBody>
@@ -20308,12 +20338,18 @@
             </a:r>
           </a:p>
           <a:p>
+            <a:endParaRPr lang="en-US" dirty="0"/>
+          </a:p>
+          <a:p>
             <a:r>
               <a:rPr lang="en-US" dirty="0"/>
               <a:t>Customize notification areas, toolbars &amp; list data views</a:t>
             </a:r>
           </a:p>
           <a:p>
+            <a:endParaRPr lang="en-US" dirty="0"/>
+          </a:p>
+          <a:p>
             <a:r>
               <a:rPr lang="en-US" dirty="0"/>
               <a:t>Available in Modern pages, lists &amp; libraries</a:t>
@@ -20334,6 +20370,9 @@
             </a:r>
           </a:p>
           <a:p>
+            <a:endParaRPr lang="en-US" dirty="0"/>
+          </a:p>
+          <a:p>
             <a:r>
               <a:rPr lang="en-US" dirty="0"/>
               <a:t>Used to implement popular customizations from previous development models</a:t>
@@ -20346,10 +20385,16 @@
               <a:t>Delegate controls &amp; </a:t>
             </a:r>
             <a:r>
-              <a:rPr lang="en-US" dirty="0" err="1"/>
+              <a:rPr lang="en-US" dirty="0" err="1">
+                <a:latin typeface="Courier New" panose="02070309020205020404" pitchFamily="49" charset="0"/>
+                <a:cs typeface="Courier New" panose="02070309020205020404" pitchFamily="49" charset="0"/>
+              </a:rPr>
               <a:t>ScriptLink</a:t>
             </a:r>
-            <a:endParaRPr lang="en-US" dirty="0"/>
+            <a:endParaRPr lang="en-US" dirty="0">
+              <a:latin typeface="Courier New" panose="02070309020205020404" pitchFamily="49" charset="0"/>
+              <a:cs typeface="Courier New" panose="02070309020205020404" pitchFamily="49" charset="0"/>
+            </a:endParaRPr>
           </a:p>
           <a:p>
             <a:pPr lvl="1"/>
@@ -20358,10 +20403,16 @@
               <a:t>Client-Side Rendering &amp; </a:t>
             </a:r>
             <a:r>
-              <a:rPr lang="en-US" dirty="0" err="1"/>
+              <a:rPr lang="en-US" dirty="0" err="1">
+                <a:latin typeface="Courier New" panose="02070309020205020404" pitchFamily="49" charset="0"/>
+                <a:cs typeface="Courier New" panose="02070309020205020404" pitchFamily="49" charset="0"/>
+              </a:rPr>
               <a:t>JSLink</a:t>
             </a:r>
-            <a:endParaRPr lang="en-US" dirty="0"/>
+            <a:endParaRPr lang="en-US" dirty="0">
+              <a:latin typeface="Courier New" panose="02070309020205020404" pitchFamily="49" charset="0"/>
+              <a:cs typeface="Courier New" panose="02070309020205020404" pitchFamily="49" charset="0"/>
+            </a:endParaRPr>
           </a:p>
           <a:p>
             <a:pPr lvl="1"/>
@@ -21103,7 +21154,12 @@
             <p:ph type="body" sz="quarter" idx="10"/>
           </p:nvPr>
         </p:nvSpPr>
-        <p:spPr/>
+        <p:spPr>
+          <a:xfrm>
+            <a:off x="464400" y="1212850"/>
+            <a:ext cx="11574000" cy="4173450"/>
+          </a:xfrm>
+        </p:spPr>
         <p:txBody>
           <a:bodyPr/>
           <a:lstStyle/>
@@ -21114,6 +21170,9 @@
             </a:r>
           </a:p>
           <a:p>
+            <a:endParaRPr lang="en-US" dirty="0"/>
+          </a:p>
+          <a:p>
             <a:r>
               <a:rPr lang="en-US" dirty="0"/>
               <a:t>Can still build and host extension project locally while testing in a remote SharePoint site</a:t>
@@ -21134,6 +21193,9 @@
             </a:r>
           </a:p>
           <a:p>
+            <a:endParaRPr lang="en-US" dirty="0"/>
+          </a:p>
+          <a:p>
             <a:r>
               <a:rPr lang="en-US" dirty="0"/>
               <a:t>Configurations added to each project by the </a:t>
@@ -21146,6 +21208,9 @@
               <a:rPr lang="en-US" dirty="0"/>
               <a:t> Yeoman generator simplifying loading SharePoint sites</a:t>
             </a:r>
+          </a:p>
+          <a:p>
+            <a:endParaRPr lang="en-US" dirty="0"/>
           </a:p>
           <a:p>
             <a:r>
@@ -21253,7 +21318,7 @@
         <p:spPr>
           <a:xfrm>
             <a:off x="464400" y="1212850"/>
-            <a:ext cx="11574000" cy="2853089"/>
+            <a:ext cx="11574000" cy="3665619"/>
           </a:xfrm>
         </p:spPr>
         <p:txBody>
@@ -21269,14 +21334,27 @@
             <a:pPr lvl="1"/>
             <a:r>
               <a:rPr lang="en-US" dirty="0"/>
-              <a:t>Application customizer: &lt;</a:t>
-            </a:r>
-            <a:r>
-              <a:rPr lang="en-US" dirty="0" err="1"/>
+              <a:t>Application customizer: </a:t>
+            </a:r>
+            <a:r>
+              <a:rPr lang="en-US" dirty="0">
+                <a:latin typeface="Courier New" panose="02070309020205020404" pitchFamily="49" charset="0"/>
+                <a:cs typeface="Courier New" panose="02070309020205020404" pitchFamily="49" charset="0"/>
+              </a:rPr>
+              <a:t>&lt;</a:t>
+            </a:r>
+            <a:r>
+              <a:rPr lang="en-US" dirty="0" err="1">
+                <a:latin typeface="Courier New" panose="02070309020205020404" pitchFamily="49" charset="0"/>
+                <a:cs typeface="Courier New" panose="02070309020205020404" pitchFamily="49" charset="0"/>
+              </a:rPr>
               <a:t>CustomAction</a:t>
             </a:r>
             <a:r>
-              <a:rPr lang="en-US" dirty="0"/>
+              <a:rPr lang="en-US" dirty="0">
+                <a:latin typeface="Courier New" panose="02070309020205020404" pitchFamily="49" charset="0"/>
+                <a:cs typeface="Courier New" panose="02070309020205020404" pitchFamily="49" charset="0"/>
+              </a:rPr>
               <a:t>&gt;</a:t>
             </a:r>
           </a:p>
@@ -21284,25 +21362,48 @@
             <a:pPr lvl="1"/>
             <a:r>
               <a:rPr lang="en-US" dirty="0"/>
-              <a:t>Field customizer: &lt;Field&gt;</a:t>
+              <a:t>Field customizer: </a:t>
+            </a:r>
+            <a:r>
+              <a:rPr lang="en-US" dirty="0">
+                <a:latin typeface="Courier New" panose="02070309020205020404" pitchFamily="49" charset="0"/>
+                <a:cs typeface="Courier New" panose="02070309020205020404" pitchFamily="49" charset="0"/>
+              </a:rPr>
+              <a:t>&lt;Field&gt;</a:t>
             </a:r>
           </a:p>
           <a:p>
             <a:pPr lvl="1"/>
             <a:r>
               <a:rPr lang="en-US" dirty="0"/>
-              <a:t>Command set: &lt;</a:t>
-            </a:r>
-            <a:r>
-              <a:rPr lang="en-US" dirty="0" err="1"/>
+              <a:t>Command set: </a:t>
+            </a:r>
+            <a:r>
+              <a:rPr lang="en-US" dirty="0">
+                <a:latin typeface="Courier New" panose="02070309020205020404" pitchFamily="49" charset="0"/>
+                <a:cs typeface="Courier New" panose="02070309020205020404" pitchFamily="49" charset="0"/>
+              </a:rPr>
+              <a:t>&lt;</a:t>
+            </a:r>
+            <a:r>
+              <a:rPr lang="en-US" dirty="0" err="1">
+                <a:latin typeface="Courier New" panose="02070309020205020404" pitchFamily="49" charset="0"/>
+                <a:cs typeface="Courier New" panose="02070309020205020404" pitchFamily="49" charset="0"/>
+              </a:rPr>
               <a:t>CustomAction</a:t>
             </a:r>
             <a:r>
-              <a:rPr lang="en-US" dirty="0"/>
+              <a:rPr lang="en-US" dirty="0">
+                <a:latin typeface="Courier New" panose="02070309020205020404" pitchFamily="49" charset="0"/>
+                <a:cs typeface="Courier New" panose="02070309020205020404" pitchFamily="49" charset="0"/>
+              </a:rPr>
               <a:t>&gt;</a:t>
             </a:r>
           </a:p>
           <a:p>
+            <a:endParaRPr lang="en-US" dirty="0"/>
+          </a:p>
+          <a:p>
             <a:r>
               <a:rPr lang="en-US" dirty="0"/>
               <a:t>Deployment similar to web parts</a:t>
@@ -21321,6 +21422,9 @@
               <a:rPr lang="en-US" dirty="0"/>
               <a:t>Install app</a:t>
             </a:r>
+          </a:p>
+          <a:p>
+            <a:endParaRPr lang="en-US" dirty="0"/>
           </a:p>
           <a:p>
             <a:r>

--- a/01 into+appcustomizer.pptx
+++ b/01 into+appcustomizer.pptx
@@ -1172,8 +1172,8 @@
     <dgm:cxn modelId="{1A54CE04-8A96-4E4A-89DB-FB2A1A17744F}" type="presOf" srcId="{7FD8A240-07A6-F345-A4B5-9AFD7D04E09E}" destId="{8C7BF5B7-4285-C94D-AA34-B3807C7E91FB}" srcOrd="0" destOrd="0" presId="urn:microsoft.com/office/officeart/2005/8/layout/vList2"/>
     <dgm:cxn modelId="{63C3212D-1DCF-8044-A3CF-E372F4EA8362}" srcId="{0FC085B4-97CE-2149-B002-3BE96E991E3C}" destId="{11DE7530-2214-3A46-9779-D26EBB89B8D8}" srcOrd="1" destOrd="0" parTransId="{3BEBEC14-E9DD-5C4A-9EAF-10414B491D11}" sibTransId="{92A6A7B2-A1F5-D54F-B97F-04866B340CB4}"/>
     <dgm:cxn modelId="{97FF1C33-165D-9744-B9DD-5FD72C89A0A7}" type="presOf" srcId="{1680333F-291D-CB49-8833-C083699793E0}" destId="{B0272B02-624D-2445-B63B-A4B45C1ED737}" srcOrd="0" destOrd="0" presId="urn:microsoft.com/office/officeart/2005/8/layout/vList2"/>
+    <dgm:cxn modelId="{FBA34671-A6B0-B74F-B2B2-C18DD774C1FA}" type="presOf" srcId="{11DE7530-2214-3A46-9779-D26EBB89B8D8}" destId="{2FB78BDF-7C8F-1F41-8CD6-4B786B18D9FD}" srcOrd="0" destOrd="0" presId="urn:microsoft.com/office/officeart/2005/8/layout/vList2"/>
     <dgm:cxn modelId="{25C03C5A-4ECE-A34E-96BF-DE75E1E0F7EB}" type="presOf" srcId="{0FC085B4-97CE-2149-B002-3BE96E991E3C}" destId="{70B8A340-42D2-FA49-B0EC-FAFE4652EAD9}" srcOrd="0" destOrd="0" presId="urn:microsoft.com/office/officeart/2005/8/layout/vList2"/>
-    <dgm:cxn modelId="{FBA34671-A6B0-B74F-B2B2-C18DD774C1FA}" type="presOf" srcId="{11DE7530-2214-3A46-9779-D26EBB89B8D8}" destId="{2FB78BDF-7C8F-1F41-8CD6-4B786B18D9FD}" srcOrd="0" destOrd="0" presId="urn:microsoft.com/office/officeart/2005/8/layout/vList2"/>
     <dgm:cxn modelId="{96B4197D-2080-E246-BEDB-AC65A9B0EC38}" srcId="{0FC085B4-97CE-2149-B002-3BE96E991E3C}" destId="{A8E42F35-E34E-9E4B-A895-3BC748187CD3}" srcOrd="3" destOrd="0" parTransId="{8D054F3E-704E-1F47-866C-CB97D4DF2B6E}" sibTransId="{976463D6-3DF4-D14D-BDED-C1EC5A591A19}"/>
     <dgm:cxn modelId="{DD996A87-FB18-2B4E-B34F-9E0235E9B363}" srcId="{0FC085B4-97CE-2149-B002-3BE96E991E3C}" destId="{7FD8A240-07A6-F345-A4B5-9AFD7D04E09E}" srcOrd="0" destOrd="0" parTransId="{028B14B4-179B-914A-A696-BC38CCE94176}" sibTransId="{3862C498-2BCA-314C-82B5-D7FF7FA6942A}"/>
     <dgm:cxn modelId="{78A0C8DA-8CE3-C440-99CD-A857846AFA85}" type="presOf" srcId="{A8E42F35-E34E-9E4B-A895-3BC748187CD3}" destId="{E4AF1CAC-D73A-A24F-9293-09183EA92B01}" srcOrd="0" destOrd="0" presId="urn:microsoft.com/office/officeart/2005/8/layout/vList2"/>
@@ -2806,7 +2806,7 @@
               <a:rPr lang="en-US" smtClean="0">
                 <a:latin typeface="Segoe UI" pitchFamily="34" charset="0"/>
               </a:rPr>
-              <a:t>1/7/19 3:30 PM</a:t>
+              <a:t>3/3/2019 9:36 AM</a:t>
             </a:fld>
             <a:endParaRPr lang="en-US" dirty="0">
               <a:latin typeface="Segoe UI" pitchFamily="34" charset="0"/>
@@ -3103,7 +3103,7 @@
           <a:p>
             <a:fld id="{D18B56EA-E28F-4F92-9F16-7A6F2501B303}" type="datetime8">
               <a:rPr lang="en-US" smtClean="0"/>
-              <a:t>1/7/19 3:24 PM</a:t>
+              <a:t>3/3/2019 9:36 AM</a:t>
             </a:fld>
             <a:endParaRPr lang="en-US" dirty="0"/>
           </a:p>
@@ -3486,7 +3486,7 @@
           <a:p>
             <a:fld id="{D18B56EA-E28F-4F92-9F16-7A6F2501B303}" type="datetime8">
               <a:rPr lang="en-US" smtClean="0"/>
-              <a:t>1/7/19 3:24 PM</a:t>
+              <a:t>3/3/2019 9:36 AM</a:t>
             </a:fld>
             <a:endParaRPr lang="en-US" dirty="0"/>
           </a:p>
@@ -3667,7 +3667,7 @@
           <a:p>
             <a:fld id="{D18B56EA-E28F-4F92-9F16-7A6F2501B303}" type="datetime8">
               <a:rPr lang="en-US" smtClean="0"/>
-              <a:t>1/7/19 3:24 PM</a:t>
+              <a:t>3/3/2019 9:36 AM</a:t>
             </a:fld>
             <a:endParaRPr lang="en-US" dirty="0"/>
           </a:p>
@@ -4010,7 +4010,7 @@
           <a:p>
             <a:fld id="{D18B56EA-E28F-4F92-9F16-7A6F2501B303}" type="datetime8">
               <a:rPr lang="en-US" smtClean="0"/>
-              <a:t>1/7/19 3:30 PM</a:t>
+              <a:t>3/3/2019 9:36 AM</a:t>
             </a:fld>
             <a:endParaRPr lang="en-US" dirty="0"/>
           </a:p>
@@ -4191,7 +4191,7 @@
           <a:p>
             <a:fld id="{D18B56EA-E28F-4F92-9F16-7A6F2501B303}" type="datetime8">
               <a:rPr lang="en-US" smtClean="0"/>
-              <a:t>1/7/19 3:30 PM</a:t>
+              <a:t>3/3/2019 9:36 AM</a:t>
             </a:fld>
             <a:endParaRPr lang="en-US" dirty="0"/>
           </a:p>
@@ -4372,7 +4372,7 @@
           <a:p>
             <a:fld id="{D18B56EA-E28F-4F92-9F16-7A6F2501B303}" type="datetime8">
               <a:rPr lang="en-US" smtClean="0"/>
-              <a:t>1/7/19 3:30 PM</a:t>
+              <a:t>3/3/2019 9:36 AM</a:t>
             </a:fld>
             <a:endParaRPr lang="en-US" dirty="0"/>
           </a:p>
@@ -4553,7 +4553,7 @@
           <a:p>
             <a:fld id="{D18B56EA-E28F-4F92-9F16-7A6F2501B303}" type="datetime8">
               <a:rPr lang="en-US" smtClean="0"/>
-              <a:t>1/7/19 3:30 PM</a:t>
+              <a:t>3/3/2019 9:36 AM</a:t>
             </a:fld>
             <a:endParaRPr lang="en-US" dirty="0"/>
           </a:p>
@@ -19696,7 +19696,7 @@
               <a:rPr lang="en-US" sz="1800" dirty="0">
                 <a:latin typeface="+mj-lt"/>
               </a:rPr>
-              <a:t>SharePoint Framework</a:t>
+              <a:t>Overview of the SharePoint Framework</a:t>
             </a:r>
           </a:p>
           <a:p>
@@ -19715,7 +19715,7 @@
                 <a:latin typeface="+mj-lt"/>
                 <a:hlinkClick r:id="rId3"/>
               </a:rPr>
-              <a:t>https://docs.microsoft.com/sharepoint/dev/spfx</a:t>
+              <a:t>https://docs.microsoft.com/sharepoint/dev/spfx/sharepoint-framework-overview</a:t>
             </a:r>
             <a:endParaRPr lang="en-US" sz="1800" dirty="0">
               <a:latin typeface="+mj-lt"/>

--- a/01 into+appcustomizer.pptx
+++ b/01 into+appcustomizer.pptx
@@ -2806,7 +2806,7 @@
               <a:rPr lang="en-US" smtClean="0">
                 <a:latin typeface="Segoe UI" pitchFamily="34" charset="0"/>
               </a:rPr>
-              <a:t>3/3/2019 9:36 AM</a:t>
+              <a:t>8/31/2019 2:44 PM</a:t>
             </a:fld>
             <a:endParaRPr lang="en-US" dirty="0">
               <a:latin typeface="Segoe UI" pitchFamily="34" charset="0"/>
@@ -3103,7 +3103,7 @@
           <a:p>
             <a:fld id="{D18B56EA-E28F-4F92-9F16-7A6F2501B303}" type="datetime8">
               <a:rPr lang="en-US" smtClean="0"/>
-              <a:t>3/3/2019 9:36 AM</a:t>
+              <a:t>8/31/2019 2:44 PM</a:t>
             </a:fld>
             <a:endParaRPr lang="en-US" dirty="0"/>
           </a:p>
@@ -3486,7 +3486,7 @@
           <a:p>
             <a:fld id="{D18B56EA-E28F-4F92-9F16-7A6F2501B303}" type="datetime8">
               <a:rPr lang="en-US" smtClean="0"/>
-              <a:t>3/3/2019 9:36 AM</a:t>
+              <a:t>8/31/2019 2:44 PM</a:t>
             </a:fld>
             <a:endParaRPr lang="en-US" dirty="0"/>
           </a:p>
@@ -3667,7 +3667,7 @@
           <a:p>
             <a:fld id="{D18B56EA-E28F-4F92-9F16-7A6F2501B303}" type="datetime8">
               <a:rPr lang="en-US" smtClean="0"/>
-              <a:t>3/3/2019 9:36 AM</a:t>
+              <a:t>8/31/2019 2:44 PM</a:t>
             </a:fld>
             <a:endParaRPr lang="en-US" dirty="0"/>
           </a:p>
@@ -4010,7 +4010,7 @@
           <a:p>
             <a:fld id="{D18B56EA-E28F-4F92-9F16-7A6F2501B303}" type="datetime8">
               <a:rPr lang="en-US" smtClean="0"/>
-              <a:t>3/3/2019 9:36 AM</a:t>
+              <a:t>8/31/2019 2:44 PM</a:t>
             </a:fld>
             <a:endParaRPr lang="en-US" dirty="0"/>
           </a:p>
@@ -4191,7 +4191,7 @@
           <a:p>
             <a:fld id="{D18B56EA-E28F-4F92-9F16-7A6F2501B303}" type="datetime8">
               <a:rPr lang="en-US" smtClean="0"/>
-              <a:t>3/3/2019 9:36 AM</a:t>
+              <a:t>8/31/2019 2:44 PM</a:t>
             </a:fld>
             <a:endParaRPr lang="en-US" dirty="0"/>
           </a:p>
@@ -4372,7 +4372,7 @@
           <a:p>
             <a:fld id="{D18B56EA-E28F-4F92-9F16-7A6F2501B303}" type="datetime8">
               <a:rPr lang="en-US" smtClean="0"/>
-              <a:t>3/3/2019 9:36 AM</a:t>
+              <a:t>8/31/2019 2:44 PM</a:t>
             </a:fld>
             <a:endParaRPr lang="en-US" dirty="0"/>
           </a:p>
@@ -4553,7 +4553,7 @@
           <a:p>
             <a:fld id="{D18B56EA-E28F-4F92-9F16-7A6F2501B303}" type="datetime8">
               <a:rPr lang="en-US" smtClean="0"/>
-              <a:t>3/3/2019 9:36 AM</a:t>
+              <a:t>8/31/2019 2:44 PM</a:t>
             </a:fld>
             <a:endParaRPr lang="en-US" dirty="0"/>
           </a:p>
@@ -18535,10 +18535,10 @@
       </p:sp>
       <p:pic>
         <p:nvPicPr>
-          <p:cNvPr id="4" name="Picture 3" descr="A screenshot of a social media post&#10;&#10;Description automatically generated">
+          <p:cNvPr id="6" name="Picture 5">
             <a:extLst>
               <a:ext uri="{FF2B5EF4-FFF2-40B4-BE49-F238E27FC236}">
-                <a16:creationId xmlns:a16="http://schemas.microsoft.com/office/drawing/2014/main" id="{F9F56E18-9972-E341-B291-0A2B8AA51815}"/>
+                <a16:creationId xmlns:a16="http://schemas.microsoft.com/office/drawing/2014/main" id="{12C721E8-928E-4779-95EF-BDB6E328165C}"/>
               </a:ext>
             </a:extLst>
           </p:cNvPr>
@@ -18555,42 +18555,12 @@
         </p:blipFill>
         <p:spPr>
           <a:xfrm>
-            <a:off x="5606266" y="1886465"/>
-            <a:ext cx="5700511" cy="4284885"/>
+            <a:off x="4968590" y="2370840"/>
+            <a:ext cx="7003485" cy="3688503"/>
           </a:xfrm>
           <a:prstGeom prst="rect">
             <a:avLst/>
           </a:prstGeom>
-          <a:solidFill>
-            <a:srgbClr val="FFFFFF">
-              <a:shade val="85000"/>
-            </a:srgbClr>
-          </a:solidFill>
-          <a:ln w="88900" cap="sq">
-            <a:solidFill>
-              <a:srgbClr val="FFFFFF"/>
-            </a:solidFill>
-            <a:miter lim="800000"/>
-          </a:ln>
-          <a:effectLst>
-            <a:outerShdw blurRad="55000" dist="18000" dir="5400000" algn="tl" rotWithShape="0">
-              <a:srgbClr val="000000">
-                <a:alpha val="40000"/>
-              </a:srgbClr>
-            </a:outerShdw>
-          </a:effectLst>
-          <a:scene3d>
-            <a:camera prst="orthographicFront"/>
-            <a:lightRig rig="twoPt" dir="t">
-              <a:rot lat="0" lon="0" rev="7200000"/>
-            </a:lightRig>
-          </a:scene3d>
-          <a:sp3d>
-            <a:bevelT w="25400" h="19050"/>
-            <a:contourClr>
-              <a:srgbClr val="FFFFFF"/>
-            </a:contourClr>
-          </a:sp3d>
         </p:spPr>
       </p:pic>
     </p:spTree>
@@ -20542,10 +20512,10 @@
       </p:sp>
       <p:pic>
         <p:nvPicPr>
-          <p:cNvPr id="5" name="Picture 4" descr="A screenshot of a social media post&#10;&#10;Description automatically generated">
+          <p:cNvPr id="6" name="Picture 5">
             <a:extLst>
               <a:ext uri="{FF2B5EF4-FFF2-40B4-BE49-F238E27FC236}">
-                <a16:creationId xmlns:a16="http://schemas.microsoft.com/office/drawing/2014/main" id="{E3E1A0AC-3F72-584F-AAEB-D889A0D64A93}"/>
+                <a16:creationId xmlns:a16="http://schemas.microsoft.com/office/drawing/2014/main" id="{89397146-700A-40D8-8F8F-B3D2F43F3427}"/>
               </a:ext>
             </a:extLst>
           </p:cNvPr>
@@ -20562,42 +20532,12 @@
         </p:blipFill>
         <p:spPr>
           <a:xfrm>
-            <a:off x="3291102" y="2132774"/>
-            <a:ext cx="5854270" cy="4400460"/>
+            <a:off x="2175617" y="2102698"/>
+            <a:ext cx="8085240" cy="4258227"/>
           </a:xfrm>
           <a:prstGeom prst="rect">
             <a:avLst/>
           </a:prstGeom>
-          <a:solidFill>
-            <a:srgbClr val="FFFFFF">
-              <a:shade val="85000"/>
-            </a:srgbClr>
-          </a:solidFill>
-          <a:ln w="88900" cap="sq">
-            <a:solidFill>
-              <a:srgbClr val="FFFFFF"/>
-            </a:solidFill>
-            <a:miter lim="800000"/>
-          </a:ln>
-          <a:effectLst>
-            <a:outerShdw blurRad="55000" dist="18000" dir="5400000" algn="tl" rotWithShape="0">
-              <a:srgbClr val="000000">
-                <a:alpha val="40000"/>
-              </a:srgbClr>
-            </a:outerShdw>
-          </a:effectLst>
-          <a:scene3d>
-            <a:camera prst="orthographicFront"/>
-            <a:lightRig rig="twoPt" dir="t">
-              <a:rot lat="0" lon="0" rev="7200000"/>
-            </a:lightRig>
-          </a:scene3d>
-          <a:sp3d>
-            <a:bevelT w="25400" h="19050"/>
-            <a:contourClr>
-              <a:srgbClr val="FFFFFF"/>
-            </a:contourClr>
-          </a:sp3d>
         </p:spPr>
       </p:pic>
     </p:spTree>

--- a/01 into+appcustomizer.pptx
+++ b/01 into+appcustomizer.pptx
@@ -1172,8 +1172,8 @@
     <dgm:cxn modelId="{1A54CE04-8A96-4E4A-89DB-FB2A1A17744F}" type="presOf" srcId="{7FD8A240-07A6-F345-A4B5-9AFD7D04E09E}" destId="{8C7BF5B7-4285-C94D-AA34-B3807C7E91FB}" srcOrd="0" destOrd="0" presId="urn:microsoft.com/office/officeart/2005/8/layout/vList2"/>
     <dgm:cxn modelId="{63C3212D-1DCF-8044-A3CF-E372F4EA8362}" srcId="{0FC085B4-97CE-2149-B002-3BE96E991E3C}" destId="{11DE7530-2214-3A46-9779-D26EBB89B8D8}" srcOrd="1" destOrd="0" parTransId="{3BEBEC14-E9DD-5C4A-9EAF-10414B491D11}" sibTransId="{92A6A7B2-A1F5-D54F-B97F-04866B340CB4}"/>
     <dgm:cxn modelId="{97FF1C33-165D-9744-B9DD-5FD72C89A0A7}" type="presOf" srcId="{1680333F-291D-CB49-8833-C083699793E0}" destId="{B0272B02-624D-2445-B63B-A4B45C1ED737}" srcOrd="0" destOrd="0" presId="urn:microsoft.com/office/officeart/2005/8/layout/vList2"/>
+    <dgm:cxn modelId="{25C03C5A-4ECE-A34E-96BF-DE75E1E0F7EB}" type="presOf" srcId="{0FC085B4-97CE-2149-B002-3BE96E991E3C}" destId="{70B8A340-42D2-FA49-B0EC-FAFE4652EAD9}" srcOrd="0" destOrd="0" presId="urn:microsoft.com/office/officeart/2005/8/layout/vList2"/>
     <dgm:cxn modelId="{FBA34671-A6B0-B74F-B2B2-C18DD774C1FA}" type="presOf" srcId="{11DE7530-2214-3A46-9779-D26EBB89B8D8}" destId="{2FB78BDF-7C8F-1F41-8CD6-4B786B18D9FD}" srcOrd="0" destOrd="0" presId="urn:microsoft.com/office/officeart/2005/8/layout/vList2"/>
-    <dgm:cxn modelId="{25C03C5A-4ECE-A34E-96BF-DE75E1E0F7EB}" type="presOf" srcId="{0FC085B4-97CE-2149-B002-3BE96E991E3C}" destId="{70B8A340-42D2-FA49-B0EC-FAFE4652EAD9}" srcOrd="0" destOrd="0" presId="urn:microsoft.com/office/officeart/2005/8/layout/vList2"/>
     <dgm:cxn modelId="{96B4197D-2080-E246-BEDB-AC65A9B0EC38}" srcId="{0FC085B4-97CE-2149-B002-3BE96E991E3C}" destId="{A8E42F35-E34E-9E4B-A895-3BC748187CD3}" srcOrd="3" destOrd="0" parTransId="{8D054F3E-704E-1F47-866C-CB97D4DF2B6E}" sibTransId="{976463D6-3DF4-D14D-BDED-C1EC5A591A19}"/>
     <dgm:cxn modelId="{DD996A87-FB18-2B4E-B34F-9E0235E9B363}" srcId="{0FC085B4-97CE-2149-B002-3BE96E991E3C}" destId="{7FD8A240-07A6-F345-A4B5-9AFD7D04E09E}" srcOrd="0" destOrd="0" parTransId="{028B14B4-179B-914A-A696-BC38CCE94176}" sibTransId="{3862C498-2BCA-314C-82B5-D7FF7FA6942A}"/>
     <dgm:cxn modelId="{78A0C8DA-8CE3-C440-99CD-A857846AFA85}" type="presOf" srcId="{A8E42F35-E34E-9E4B-A895-3BC748187CD3}" destId="{E4AF1CAC-D73A-A24F-9293-09183EA92B01}" srcOrd="0" destOrd="0" presId="urn:microsoft.com/office/officeart/2005/8/layout/vList2"/>
@@ -1190,7 +1190,7 @@
   <dgm:whole/>
   <dgm:extLst>
     <a:ext uri="http://schemas.microsoft.com/office/drawing/2008/diagram">
-      <dsp:dataModelExt xmlns:dsp="http://schemas.microsoft.com/office/drawing/2008/diagram" relId="rId6" minVer="http://schemas.openxmlformats.org/drawingml/2006/diagram"/>
+      <dsp:dataModelExt xmlns:dsp="http://schemas.microsoft.com/office/drawing/2008/diagram" relId="rId7" minVer="http://schemas.openxmlformats.org/drawingml/2006/diagram"/>
     </a:ext>
   </dgm:extLst>
 </dgm:dataModel>
@@ -2806,7 +2806,7 @@
               <a:rPr lang="en-US" smtClean="0">
                 <a:latin typeface="Segoe UI" pitchFamily="34" charset="0"/>
               </a:rPr>
-              <a:t>8/31/2019 2:44 PM</a:t>
+              <a:t>2/28/20 1:24 PM</a:t>
             </a:fld>
             <a:endParaRPr lang="en-US" dirty="0">
               <a:latin typeface="Segoe UI" pitchFamily="34" charset="0"/>
@@ -3103,7 +3103,7 @@
           <a:p>
             <a:fld id="{D18B56EA-E28F-4F92-9F16-7A6F2501B303}" type="datetime8">
               <a:rPr lang="en-US" smtClean="0"/>
-              <a:t>8/31/2019 2:44 PM</a:t>
+              <a:t>2/28/20 1:22 PM</a:t>
             </a:fld>
             <a:endParaRPr lang="en-US" dirty="0"/>
           </a:p>
@@ -3486,7 +3486,7 @@
           <a:p>
             <a:fld id="{D18B56EA-E28F-4F92-9F16-7A6F2501B303}" type="datetime8">
               <a:rPr lang="en-US" smtClean="0"/>
-              <a:t>8/31/2019 2:44 PM</a:t>
+              <a:t>2/28/20 1:22 PM</a:t>
             </a:fld>
             <a:endParaRPr lang="en-US" dirty="0"/>
           </a:p>
@@ -3520,6 +3520,2159 @@
     <p:extLst>
       <p:ext uri="{BB962C8B-B14F-4D97-AF65-F5344CB8AC3E}">
         <p14:creationId xmlns:p14="http://schemas.microsoft.com/office/powerpoint/2010/main" val="909857904"/>
+      </p:ext>
+    </p:extLst>
+  </p:cSld>
+  <p:clrMapOvr>
+    <a:masterClrMapping/>
+  </p:clrMapOvr>
+</p:notes>
+</file>
+
+<file path=ppt/notesSlides/notesSlide10.xml><?xml version="1.0" encoding="utf-8"?>
+<p:notes xmlns:a="http://schemas.openxmlformats.org/drawingml/2006/main" xmlns:r="http://schemas.openxmlformats.org/officeDocument/2006/relationships" xmlns:p="http://schemas.openxmlformats.org/presentationml/2006/main">
+  <p:cSld>
+    <p:spTree>
+      <p:nvGrpSpPr>
+        <p:cNvPr id="1" name=""/>
+        <p:cNvGrpSpPr/>
+        <p:nvPr/>
+      </p:nvGrpSpPr>
+      <p:grpSpPr>
+        <a:xfrm>
+          <a:off x="0" y="0"/>
+          <a:ext cx="0" cy="0"/>
+          <a:chOff x="0" y="0"/>
+          <a:chExt cx="0" cy="0"/>
+        </a:xfrm>
+      </p:grpSpPr>
+      <p:sp>
+        <p:nvSpPr>
+          <p:cNvPr id="2" name="Slide Image Placeholder 1"/>
+          <p:cNvSpPr>
+            <a:spLocks noGrp="1" noRot="1" noChangeAspect="1"/>
+          </p:cNvSpPr>
+          <p:nvPr>
+            <p:ph type="sldImg"/>
+          </p:nvPr>
+        </p:nvSpPr>
+        <p:spPr/>
+      </p:sp>
+      <p:sp>
+        <p:nvSpPr>
+          <p:cNvPr id="3" name="Notes Placeholder 2"/>
+          <p:cNvSpPr>
+            <a:spLocks noGrp="1"/>
+          </p:cNvSpPr>
+          <p:nvPr>
+            <p:ph type="body" idx="1"/>
+          </p:nvPr>
+        </p:nvSpPr>
+        <p:spPr/>
+        <p:txBody>
+          <a:bodyPr/>
+          <a:lstStyle/>
+          <a:p>
+            <a:r>
+              <a:rPr lang="en-US" dirty="0"/>
+              <a:t>Some extensions support tenant wide deployment. Tenant wide deployment allows you to have centralized control of which extensions are available across all sites in a tenant.</a:t>
+            </a:r>
+          </a:p>
+          <a:p>
+            <a:endParaRPr lang="en-US" dirty="0"/>
+          </a:p>
+          <a:p>
+            <a:r>
+              <a:rPr lang="en-US" dirty="0"/>
+              <a:t>This deployment option enables you to easily implement a consistent user experience across all of our sites and a consistent deployment for one extension across all sites in the tenant.</a:t>
+            </a:r>
+          </a:p>
+          <a:p>
+            <a:endParaRPr lang="en-US" dirty="0"/>
+          </a:p>
+          <a:p>
+            <a:r>
+              <a:rPr lang="en-US" dirty="0"/>
+              <a:t>The other aspect of tenant wide deployment is that it applies to not just existing sites, but any new sites will have the extension automatically installed as well.</a:t>
+            </a:r>
+          </a:p>
+          <a:p>
+            <a:endParaRPr lang="en-US" dirty="0"/>
+          </a:p>
+        </p:txBody>
+      </p:sp>
+      <p:sp>
+        <p:nvSpPr>
+          <p:cNvPr id="4" name="Header Placeholder 3"/>
+          <p:cNvSpPr>
+            <a:spLocks noGrp="1"/>
+          </p:cNvSpPr>
+          <p:nvPr>
+            <p:ph type="hdr" sz="quarter"/>
+          </p:nvPr>
+        </p:nvSpPr>
+        <p:spPr/>
+        <p:txBody>
+          <a:bodyPr/>
+          <a:lstStyle/>
+          <a:p>
+            <a:r>
+              <a:rPr lang="en-US"/>
+              <a:t>SharePoint Framework</a:t>
+            </a:r>
+            <a:endParaRPr lang="en-US" dirty="0"/>
+          </a:p>
+        </p:txBody>
+      </p:sp>
+      <p:sp>
+        <p:nvSpPr>
+          <p:cNvPr id="5" name="Footer Placeholder 4"/>
+          <p:cNvSpPr>
+            <a:spLocks noGrp="1"/>
+          </p:cNvSpPr>
+          <p:nvPr>
+            <p:ph type="ftr" sz="quarter" idx="4"/>
+          </p:nvPr>
+        </p:nvSpPr>
+        <p:spPr/>
+        <p:txBody>
+          <a:bodyPr/>
+          <a:lstStyle/>
+          <a:p>
+            <a:pPr defTabSz="914099" eaLnBrk="0" hangingPunct="0"/>
+            <a:r>
+              <a:rPr lang="en-US" sz="400">
+                <a:gradFill>
+                  <a:gsLst>
+                    <a:gs pos="0">
+                      <a:prstClr val="black"/>
+                    </a:gs>
+                    <a:gs pos="100000">
+                      <a:prstClr val="black"/>
+                    </a:gs>
+                  </a:gsLst>
+                  <a:lin ang="5400000" scaled="0"/>
+                </a:gradFill>
+                <a:latin typeface="Segoe UI" pitchFamily="34" charset="0"/>
+                <a:ea typeface="Segoe UI" pitchFamily="34" charset="0"/>
+                <a:cs typeface="Segoe UI" pitchFamily="34" charset="0"/>
+              </a:rPr>
+              <a:t>© Microsoft Corporation. All rights reserved. MICROSOFT MAKES NO WARRANTIES, EXPRESS, IMPLIED OR STATUTORY, AS TO THE INFORMATION IN THIS PRESENTATION.</a:t>
+            </a:r>
+            <a:endParaRPr lang="en-US" sz="400" dirty="0">
+              <a:gradFill>
+                <a:gsLst>
+                  <a:gs pos="0">
+                    <a:prstClr val="black"/>
+                  </a:gs>
+                  <a:gs pos="100000">
+                    <a:prstClr val="black"/>
+                  </a:gs>
+                </a:gsLst>
+                <a:lin ang="5400000" scaled="0"/>
+              </a:gradFill>
+              <a:latin typeface="Segoe UI" pitchFamily="34" charset="0"/>
+              <a:ea typeface="Segoe UI" pitchFamily="34" charset="0"/>
+              <a:cs typeface="Segoe UI" pitchFamily="34" charset="0"/>
+            </a:endParaRPr>
+          </a:p>
+        </p:txBody>
+      </p:sp>
+      <p:sp>
+        <p:nvSpPr>
+          <p:cNvPr id="6" name="Date Placeholder 5"/>
+          <p:cNvSpPr>
+            <a:spLocks noGrp="1"/>
+          </p:cNvSpPr>
+          <p:nvPr>
+            <p:ph type="dt" idx="1"/>
+          </p:nvPr>
+        </p:nvSpPr>
+        <p:spPr/>
+        <p:txBody>
+          <a:bodyPr/>
+          <a:lstStyle/>
+          <a:p>
+            <a:fld id="{D18B56EA-E28F-4F92-9F16-7A6F2501B303}" type="datetime8">
+              <a:rPr lang="en-US" smtClean="0"/>
+              <a:t>3/1/20 5:32 AM</a:t>
+            </a:fld>
+            <a:endParaRPr lang="en-US" dirty="0"/>
+          </a:p>
+        </p:txBody>
+      </p:sp>
+      <p:sp>
+        <p:nvSpPr>
+          <p:cNvPr id="7" name="Slide Number Placeholder 6"/>
+          <p:cNvSpPr>
+            <a:spLocks noGrp="1"/>
+          </p:cNvSpPr>
+          <p:nvPr>
+            <p:ph type="sldNum" sz="quarter" idx="5"/>
+          </p:nvPr>
+        </p:nvSpPr>
+        <p:spPr/>
+        <p:txBody>
+          <a:bodyPr/>
+          <a:lstStyle/>
+          <a:p>
+            <a:fld id="{B4008EB6-D09E-4580-8CD6-DDB14511944F}" type="slidenum">
+              <a:rPr lang="en-US" smtClean="0"/>
+              <a:pPr/>
+              <a:t>10</a:t>
+            </a:fld>
+            <a:endParaRPr lang="en-US" dirty="0"/>
+          </a:p>
+        </p:txBody>
+      </p:sp>
+    </p:spTree>
+    <p:extLst>
+      <p:ext uri="{BB962C8B-B14F-4D97-AF65-F5344CB8AC3E}">
+        <p14:creationId xmlns:p14="http://schemas.microsoft.com/office/powerpoint/2010/main" val="2639947102"/>
+      </p:ext>
+    </p:extLst>
+  </p:cSld>
+  <p:clrMapOvr>
+    <a:masterClrMapping/>
+  </p:clrMapOvr>
+</p:notes>
+</file>
+
+<file path=ppt/notesSlides/notesSlide11.xml><?xml version="1.0" encoding="utf-8"?>
+<p:notes xmlns:a="http://schemas.openxmlformats.org/drawingml/2006/main" xmlns:r="http://schemas.openxmlformats.org/officeDocument/2006/relationships" xmlns:p="http://schemas.openxmlformats.org/presentationml/2006/main">
+  <p:cSld>
+    <p:spTree>
+      <p:nvGrpSpPr>
+        <p:cNvPr id="1" name=""/>
+        <p:cNvGrpSpPr/>
+        <p:nvPr/>
+      </p:nvGrpSpPr>
+      <p:grpSpPr>
+        <a:xfrm>
+          <a:off x="0" y="0"/>
+          <a:ext cx="0" cy="0"/>
+          <a:chOff x="0" y="0"/>
+          <a:chExt cx="0" cy="0"/>
+        </a:xfrm>
+      </p:grpSpPr>
+      <p:sp>
+        <p:nvSpPr>
+          <p:cNvPr id="2" name="Slide Image Placeholder 1"/>
+          <p:cNvSpPr>
+            <a:spLocks noGrp="1" noRot="1" noChangeAspect="1"/>
+          </p:cNvSpPr>
+          <p:nvPr>
+            <p:ph type="sldImg"/>
+          </p:nvPr>
+        </p:nvSpPr>
+        <p:spPr/>
+      </p:sp>
+      <p:sp>
+        <p:nvSpPr>
+          <p:cNvPr id="3" name="Notes Placeholder 2"/>
+          <p:cNvSpPr>
+            <a:spLocks noGrp="1"/>
+          </p:cNvSpPr>
+          <p:nvPr>
+            <p:ph type="body" idx="1"/>
+          </p:nvPr>
+        </p:nvSpPr>
+        <p:spPr/>
+        <p:txBody>
+          <a:bodyPr/>
+          <a:lstStyle/>
+          <a:p>
+            <a:r>
+              <a:rPr lang="en-US" dirty="0"/>
+              <a:t>Tenant </a:t>
+            </a:r>
+            <a:r>
+              <a:rPr lang="en-US" dirty="0" err="1"/>
+              <a:t>wite</a:t>
+            </a:r>
+            <a:r>
+              <a:rPr lang="en-US" dirty="0"/>
+              <a:t> deployment allows you to bypass the need for installing extensions to each site collection. Only application customizers and list view command sets can be deployed tenant wide; field customizers can't be deployed tenant-wide.</a:t>
+            </a:r>
+          </a:p>
+          <a:p>
+            <a:endParaRPr lang="en-US" dirty="0"/>
+          </a:p>
+          <a:p>
+            <a:r>
+              <a:rPr lang="en-US" dirty="0"/>
+              <a:t>The public properties can be set on the extension enabling administrators to apply them to specific list templates or site templates. For example, if you wanted a command set customization to show up in a document library and not a list, you have the ability to specify the public properties on an extension across all the sites.</a:t>
+            </a:r>
+          </a:p>
+          <a:p>
+            <a:endParaRPr lang="en-US" dirty="0"/>
+          </a:p>
+          <a:p>
+            <a:r>
+              <a:rPr lang="en-US" dirty="0"/>
+              <a:t>The presence of a specific file in the project enables an extension tenant wide deployment. When the **</a:t>
+            </a:r>
+            <a:r>
+              <a:rPr lang="en-US" dirty="0" err="1"/>
+              <a:t>ClientSideInstances.xml</a:t>
+            </a:r>
+            <a:r>
+              <a:rPr lang="en-US" dirty="0"/>
+              <a:t>** file is detected during deployment to the tenant's App Catalog, an entry is added to a special SharePoint list. The values within the XML file are used to add an entry to the list that contains all extensions that are deployed to the tenant:</a:t>
+            </a:r>
+          </a:p>
+          <a:p>
+            <a:endParaRPr lang="en-US" dirty="0"/>
+          </a:p>
+          <a:p>
+            <a:r>
+              <a:rPr lang="en-US" dirty="0"/>
+              <a:t>The **</a:t>
+            </a:r>
+            <a:r>
+              <a:rPr lang="en-US" dirty="0" err="1"/>
+              <a:t>ClientSideInstances.xml</a:t>
+            </a:r>
+            <a:r>
+              <a:rPr lang="en-US" dirty="0"/>
+              <a:t>** file is added to an extension project by default, located in the **./</a:t>
+            </a:r>
+            <a:r>
+              <a:rPr lang="en-US" dirty="0" err="1"/>
+              <a:t>sharepoint</a:t>
+            </a:r>
+            <a:r>
+              <a:rPr lang="en-US" dirty="0"/>
+              <a:t>/assets** folder in the project. To disable the extension from being deployed to the entire tenant, delete this file from your project prior to creating the SharePoint package.</a:t>
+            </a:r>
+          </a:p>
+        </p:txBody>
+      </p:sp>
+      <p:sp>
+        <p:nvSpPr>
+          <p:cNvPr id="4" name="Header Placeholder 3"/>
+          <p:cNvSpPr>
+            <a:spLocks noGrp="1"/>
+          </p:cNvSpPr>
+          <p:nvPr>
+            <p:ph type="hdr" sz="quarter"/>
+          </p:nvPr>
+        </p:nvSpPr>
+        <p:spPr/>
+        <p:txBody>
+          <a:bodyPr/>
+          <a:lstStyle/>
+          <a:p>
+            <a:r>
+              <a:rPr lang="en-US"/>
+              <a:t>SharePoint Framework</a:t>
+            </a:r>
+            <a:endParaRPr lang="en-US" dirty="0"/>
+          </a:p>
+        </p:txBody>
+      </p:sp>
+      <p:sp>
+        <p:nvSpPr>
+          <p:cNvPr id="5" name="Footer Placeholder 4"/>
+          <p:cNvSpPr>
+            <a:spLocks noGrp="1"/>
+          </p:cNvSpPr>
+          <p:nvPr>
+            <p:ph type="ftr" sz="quarter" idx="4"/>
+          </p:nvPr>
+        </p:nvSpPr>
+        <p:spPr/>
+        <p:txBody>
+          <a:bodyPr/>
+          <a:lstStyle/>
+          <a:p>
+            <a:pPr defTabSz="914099" eaLnBrk="0" hangingPunct="0"/>
+            <a:r>
+              <a:rPr lang="en-US" sz="400">
+                <a:gradFill>
+                  <a:gsLst>
+                    <a:gs pos="0">
+                      <a:prstClr val="black"/>
+                    </a:gs>
+                    <a:gs pos="100000">
+                      <a:prstClr val="black"/>
+                    </a:gs>
+                  </a:gsLst>
+                  <a:lin ang="5400000" scaled="0"/>
+                </a:gradFill>
+                <a:latin typeface="Segoe UI" pitchFamily="34" charset="0"/>
+                <a:ea typeface="Segoe UI" pitchFamily="34" charset="0"/>
+                <a:cs typeface="Segoe UI" pitchFamily="34" charset="0"/>
+              </a:rPr>
+              <a:t>© Microsoft Corporation. All rights reserved. MICROSOFT MAKES NO WARRANTIES, EXPRESS, IMPLIED OR STATUTORY, AS TO THE INFORMATION IN THIS PRESENTATION.</a:t>
+            </a:r>
+            <a:endParaRPr lang="en-US" sz="400" dirty="0">
+              <a:gradFill>
+                <a:gsLst>
+                  <a:gs pos="0">
+                    <a:prstClr val="black"/>
+                  </a:gs>
+                  <a:gs pos="100000">
+                    <a:prstClr val="black"/>
+                  </a:gs>
+                </a:gsLst>
+                <a:lin ang="5400000" scaled="0"/>
+              </a:gradFill>
+              <a:latin typeface="Segoe UI" pitchFamily="34" charset="0"/>
+              <a:ea typeface="Segoe UI" pitchFamily="34" charset="0"/>
+              <a:cs typeface="Segoe UI" pitchFamily="34" charset="0"/>
+            </a:endParaRPr>
+          </a:p>
+        </p:txBody>
+      </p:sp>
+      <p:sp>
+        <p:nvSpPr>
+          <p:cNvPr id="6" name="Date Placeholder 5"/>
+          <p:cNvSpPr>
+            <a:spLocks noGrp="1"/>
+          </p:cNvSpPr>
+          <p:nvPr>
+            <p:ph type="dt" idx="1"/>
+          </p:nvPr>
+        </p:nvSpPr>
+        <p:spPr/>
+        <p:txBody>
+          <a:bodyPr/>
+          <a:lstStyle/>
+          <a:p>
+            <a:fld id="{D18B56EA-E28F-4F92-9F16-7A6F2501B303}" type="datetime8">
+              <a:rPr lang="en-US" smtClean="0"/>
+              <a:t>3/1/20 5:50 AM</a:t>
+            </a:fld>
+            <a:endParaRPr lang="en-US" dirty="0"/>
+          </a:p>
+        </p:txBody>
+      </p:sp>
+      <p:sp>
+        <p:nvSpPr>
+          <p:cNvPr id="7" name="Slide Number Placeholder 6"/>
+          <p:cNvSpPr>
+            <a:spLocks noGrp="1"/>
+          </p:cNvSpPr>
+          <p:nvPr>
+            <p:ph type="sldNum" sz="quarter" idx="5"/>
+          </p:nvPr>
+        </p:nvSpPr>
+        <p:spPr/>
+        <p:txBody>
+          <a:bodyPr/>
+          <a:lstStyle/>
+          <a:p>
+            <a:fld id="{B4008EB6-D09E-4580-8CD6-DDB14511944F}" type="slidenum">
+              <a:rPr lang="en-US" smtClean="0"/>
+              <a:pPr/>
+              <a:t>11</a:t>
+            </a:fld>
+            <a:endParaRPr lang="en-US" dirty="0"/>
+          </a:p>
+        </p:txBody>
+      </p:sp>
+    </p:spTree>
+    <p:extLst>
+      <p:ext uri="{BB962C8B-B14F-4D97-AF65-F5344CB8AC3E}">
+        <p14:creationId xmlns:p14="http://schemas.microsoft.com/office/powerpoint/2010/main" val="3914521971"/>
+      </p:ext>
+    </p:extLst>
+  </p:cSld>
+  <p:clrMapOvr>
+    <a:masterClrMapping/>
+  </p:clrMapOvr>
+</p:notes>
+</file>
+
+<file path=ppt/notesSlides/notesSlide12.xml><?xml version="1.0" encoding="utf-8"?>
+<p:notes xmlns:a="http://schemas.openxmlformats.org/drawingml/2006/main" xmlns:r="http://schemas.openxmlformats.org/officeDocument/2006/relationships" xmlns:p="http://schemas.openxmlformats.org/presentationml/2006/main">
+  <p:cSld>
+    <p:spTree>
+      <p:nvGrpSpPr>
+        <p:cNvPr id="1" name=""/>
+        <p:cNvGrpSpPr/>
+        <p:nvPr/>
+      </p:nvGrpSpPr>
+      <p:grpSpPr>
+        <a:xfrm>
+          <a:off x="0" y="0"/>
+          <a:ext cx="0" cy="0"/>
+          <a:chOff x="0" y="0"/>
+          <a:chExt cx="0" cy="0"/>
+        </a:xfrm>
+      </p:grpSpPr>
+      <p:sp>
+        <p:nvSpPr>
+          <p:cNvPr id="2" name="Slide Image Placeholder 1"/>
+          <p:cNvSpPr>
+            <a:spLocks noGrp="1" noRot="1" noChangeAspect="1"/>
+          </p:cNvSpPr>
+          <p:nvPr>
+            <p:ph type="sldImg"/>
+          </p:nvPr>
+        </p:nvSpPr>
+        <p:spPr/>
+      </p:sp>
+      <p:sp>
+        <p:nvSpPr>
+          <p:cNvPr id="3" name="Notes Placeholder 2"/>
+          <p:cNvSpPr>
+            <a:spLocks noGrp="1"/>
+          </p:cNvSpPr>
+          <p:nvPr>
+            <p:ph type="body" idx="1"/>
+          </p:nvPr>
+        </p:nvSpPr>
+        <p:spPr/>
+        <p:txBody>
+          <a:bodyPr/>
+          <a:lstStyle/>
+          <a:p>
+            <a:r>
+              <a:rPr lang="en-US" dirty="0"/>
+              <a:t>SharePoint installs extensions across an all sites in a tenant based on the contents of the **Tenant Wide Extensions** list. This list, in the tenant's App Catalog site, is populated by the **</a:t>
+            </a:r>
+            <a:r>
+              <a:rPr lang="en-US" dirty="0" err="1"/>
+              <a:t>ClientSideInstances.xml</a:t>
+            </a:r>
+            <a:r>
+              <a:rPr lang="en-US" dirty="0"/>
+              <a:t>** file when an extension is deployed to the App Catalog.</a:t>
+            </a:r>
+          </a:p>
+          <a:p>
+            <a:endParaRPr lang="en-US" dirty="0"/>
+          </a:p>
+          <a:p>
+            <a:r>
+              <a:rPr lang="en-US" dirty="0"/>
+              <a:t>To uninstall an extension from tenant wide deployment, delete the extension's entry in this list or change the value of the **Disabled** field.</a:t>
+            </a:r>
+          </a:p>
+        </p:txBody>
+      </p:sp>
+      <p:sp>
+        <p:nvSpPr>
+          <p:cNvPr id="4" name="Header Placeholder 3"/>
+          <p:cNvSpPr>
+            <a:spLocks noGrp="1"/>
+          </p:cNvSpPr>
+          <p:nvPr>
+            <p:ph type="hdr" sz="quarter"/>
+          </p:nvPr>
+        </p:nvSpPr>
+        <p:spPr/>
+        <p:txBody>
+          <a:bodyPr/>
+          <a:lstStyle/>
+          <a:p>
+            <a:r>
+              <a:rPr lang="en-US"/>
+              <a:t>SharePoint Framework</a:t>
+            </a:r>
+            <a:endParaRPr lang="en-US" dirty="0"/>
+          </a:p>
+        </p:txBody>
+      </p:sp>
+      <p:sp>
+        <p:nvSpPr>
+          <p:cNvPr id="5" name="Footer Placeholder 4"/>
+          <p:cNvSpPr>
+            <a:spLocks noGrp="1"/>
+          </p:cNvSpPr>
+          <p:nvPr>
+            <p:ph type="ftr" sz="quarter" idx="4"/>
+          </p:nvPr>
+        </p:nvSpPr>
+        <p:spPr/>
+        <p:txBody>
+          <a:bodyPr/>
+          <a:lstStyle/>
+          <a:p>
+            <a:pPr defTabSz="914099" eaLnBrk="0" hangingPunct="0"/>
+            <a:r>
+              <a:rPr lang="en-US" sz="400">
+                <a:gradFill>
+                  <a:gsLst>
+                    <a:gs pos="0">
+                      <a:prstClr val="black"/>
+                    </a:gs>
+                    <a:gs pos="100000">
+                      <a:prstClr val="black"/>
+                    </a:gs>
+                  </a:gsLst>
+                  <a:lin ang="5400000" scaled="0"/>
+                </a:gradFill>
+                <a:latin typeface="Segoe UI" pitchFamily="34" charset="0"/>
+                <a:ea typeface="Segoe UI" pitchFamily="34" charset="0"/>
+                <a:cs typeface="Segoe UI" pitchFamily="34" charset="0"/>
+              </a:rPr>
+              <a:t>© Microsoft Corporation. All rights reserved. MICROSOFT MAKES NO WARRANTIES, EXPRESS, IMPLIED OR STATUTORY, AS TO THE INFORMATION IN THIS PRESENTATION.</a:t>
+            </a:r>
+            <a:endParaRPr lang="en-US" sz="400" dirty="0">
+              <a:gradFill>
+                <a:gsLst>
+                  <a:gs pos="0">
+                    <a:prstClr val="black"/>
+                  </a:gs>
+                  <a:gs pos="100000">
+                    <a:prstClr val="black"/>
+                  </a:gs>
+                </a:gsLst>
+                <a:lin ang="5400000" scaled="0"/>
+              </a:gradFill>
+              <a:latin typeface="Segoe UI" pitchFamily="34" charset="0"/>
+              <a:ea typeface="Segoe UI" pitchFamily="34" charset="0"/>
+              <a:cs typeface="Segoe UI" pitchFamily="34" charset="0"/>
+            </a:endParaRPr>
+          </a:p>
+        </p:txBody>
+      </p:sp>
+      <p:sp>
+        <p:nvSpPr>
+          <p:cNvPr id="6" name="Date Placeholder 5"/>
+          <p:cNvSpPr>
+            <a:spLocks noGrp="1"/>
+          </p:cNvSpPr>
+          <p:nvPr>
+            <p:ph type="dt" idx="1"/>
+          </p:nvPr>
+        </p:nvSpPr>
+        <p:spPr/>
+        <p:txBody>
+          <a:bodyPr/>
+          <a:lstStyle/>
+          <a:p>
+            <a:fld id="{D18B56EA-E28F-4F92-9F16-7A6F2501B303}" type="datetime8">
+              <a:rPr lang="en-US" smtClean="0"/>
+              <a:t>3/1/20 6:06 AM</a:t>
+            </a:fld>
+            <a:endParaRPr lang="en-US" dirty="0"/>
+          </a:p>
+        </p:txBody>
+      </p:sp>
+      <p:sp>
+        <p:nvSpPr>
+          <p:cNvPr id="7" name="Slide Number Placeholder 6"/>
+          <p:cNvSpPr>
+            <a:spLocks noGrp="1"/>
+          </p:cNvSpPr>
+          <p:nvPr>
+            <p:ph type="sldNum" sz="quarter" idx="5"/>
+          </p:nvPr>
+        </p:nvSpPr>
+        <p:spPr/>
+        <p:txBody>
+          <a:bodyPr/>
+          <a:lstStyle/>
+          <a:p>
+            <a:fld id="{B4008EB6-D09E-4580-8CD6-DDB14511944F}" type="slidenum">
+              <a:rPr lang="en-US" smtClean="0"/>
+              <a:pPr/>
+              <a:t>12</a:t>
+            </a:fld>
+            <a:endParaRPr lang="en-US" dirty="0"/>
+          </a:p>
+        </p:txBody>
+      </p:sp>
+    </p:spTree>
+    <p:extLst>
+      <p:ext uri="{BB962C8B-B14F-4D97-AF65-F5344CB8AC3E}">
+        <p14:creationId xmlns:p14="http://schemas.microsoft.com/office/powerpoint/2010/main" val="798294678"/>
+      </p:ext>
+    </p:extLst>
+  </p:cSld>
+  <p:clrMapOvr>
+    <a:masterClrMapping/>
+  </p:clrMapOvr>
+</p:notes>
+</file>
+
+<file path=ppt/notesSlides/notesSlide13.xml><?xml version="1.0" encoding="utf-8"?>
+<p:notes xmlns:a="http://schemas.openxmlformats.org/drawingml/2006/main" xmlns:r="http://schemas.openxmlformats.org/officeDocument/2006/relationships" xmlns:p="http://schemas.openxmlformats.org/presentationml/2006/main">
+  <p:cSld>
+    <p:spTree>
+      <p:nvGrpSpPr>
+        <p:cNvPr id="1" name=""/>
+        <p:cNvGrpSpPr/>
+        <p:nvPr/>
+      </p:nvGrpSpPr>
+      <p:grpSpPr>
+        <a:xfrm>
+          <a:off x="0" y="0"/>
+          <a:ext cx="0" cy="0"/>
+          <a:chOff x="0" y="0"/>
+          <a:chExt cx="0" cy="0"/>
+        </a:xfrm>
+      </p:grpSpPr>
+      <p:sp>
+        <p:nvSpPr>
+          <p:cNvPr id="2" name="Slide Image Placeholder 1"/>
+          <p:cNvSpPr>
+            <a:spLocks noGrp="1" noRot="1" noChangeAspect="1"/>
+          </p:cNvSpPr>
+          <p:nvPr>
+            <p:ph type="sldImg"/>
+          </p:nvPr>
+        </p:nvSpPr>
+        <p:spPr/>
+      </p:sp>
+      <p:sp>
+        <p:nvSpPr>
+          <p:cNvPr id="3" name="Notes Placeholder 2"/>
+          <p:cNvSpPr>
+            <a:spLocks noGrp="1"/>
+          </p:cNvSpPr>
+          <p:nvPr>
+            <p:ph type="body" idx="1"/>
+          </p:nvPr>
+        </p:nvSpPr>
+        <p:spPr/>
+        <p:txBody>
+          <a:bodyPr/>
+          <a:lstStyle/>
+          <a:p>
+            <a:r>
+              <a:rPr lang="en-US" dirty="0"/>
+              <a:t>Now let's look at one type of SharePoint Framework extension: the application customizer. Application customizers enable you to do two things:</a:t>
+            </a:r>
+          </a:p>
+          <a:p>
+            <a:endParaRPr lang="en-US" dirty="0"/>
+          </a:p>
+          <a:p>
+            <a:r>
+              <a:rPr lang="en-US" dirty="0"/>
+              <a:t>- add script to all pages in a site collection</a:t>
+            </a:r>
+          </a:p>
+          <a:p>
+            <a:r>
+              <a:rPr lang="en-US" dirty="0"/>
+              <a:t>- set the HTML on two well-known `&lt;div&gt;` elements on the page that serve as headers and footers</a:t>
+            </a:r>
+          </a:p>
+          <a:p>
+            <a:endParaRPr lang="en-US" dirty="0"/>
+          </a:p>
+          <a:p>
+            <a:r>
+              <a:rPr lang="en-US" dirty="0"/>
+              <a:t>This type of extension is intended to be the modern experience replacement to the classic experience's delegate control and `</a:t>
+            </a:r>
+            <a:r>
+              <a:rPr lang="en-US" dirty="0" err="1"/>
+              <a:t>ScriptLink</a:t>
+            </a:r>
+            <a:r>
+              <a:rPr lang="en-US" dirty="0"/>
+              <a:t>` control. Some common uses for application customizers include the following:</a:t>
+            </a:r>
+          </a:p>
+          <a:p>
+            <a:endParaRPr lang="en-US" dirty="0"/>
+          </a:p>
+          <a:p>
+            <a:r>
+              <a:rPr lang="en-US" dirty="0"/>
+              <a:t>- **add script to every page**: If you need to add JavaScript to all pages in your site, the application customizer is perfect for this scenario.</a:t>
+            </a:r>
+          </a:p>
+          <a:p>
+            <a:r>
+              <a:rPr lang="en-US" dirty="0"/>
+              <a:t>- **add third-party libraries to all pages in a site**: Similar to the previous scenario, you can use an application customizer to install a third-party service or library for monitoring or telemetry tracking in a site, such as Azure's Application Insights. The application customizer is used to add the necessary reference to the JavaScript library to all pages and do any required configuration.</a:t>
+            </a:r>
+          </a:p>
+          <a:p>
+            <a:r>
+              <a:rPr lang="en-US" dirty="0"/>
+              <a:t>- **add notice to all pages**: Application customizers are used to add script to a page. You can use this approach to display news, privacy messages or alerts to all your users easily using application customizers.</a:t>
+            </a:r>
+          </a:p>
+          <a:p>
+            <a:endParaRPr lang="en-US" dirty="0"/>
+          </a:p>
+        </p:txBody>
+      </p:sp>
+      <p:sp>
+        <p:nvSpPr>
+          <p:cNvPr id="4" name="Header Placeholder 3"/>
+          <p:cNvSpPr>
+            <a:spLocks noGrp="1"/>
+          </p:cNvSpPr>
+          <p:nvPr>
+            <p:ph type="hdr" sz="quarter"/>
+          </p:nvPr>
+        </p:nvSpPr>
+        <p:spPr/>
+        <p:txBody>
+          <a:bodyPr/>
+          <a:lstStyle/>
+          <a:p>
+            <a:r>
+              <a:rPr lang="en-US"/>
+              <a:t>SharePoint Framework</a:t>
+            </a:r>
+            <a:endParaRPr lang="en-US" dirty="0"/>
+          </a:p>
+        </p:txBody>
+      </p:sp>
+      <p:sp>
+        <p:nvSpPr>
+          <p:cNvPr id="5" name="Footer Placeholder 4"/>
+          <p:cNvSpPr>
+            <a:spLocks noGrp="1"/>
+          </p:cNvSpPr>
+          <p:nvPr>
+            <p:ph type="ftr" sz="quarter" idx="4"/>
+          </p:nvPr>
+        </p:nvSpPr>
+        <p:spPr/>
+        <p:txBody>
+          <a:bodyPr/>
+          <a:lstStyle/>
+          <a:p>
+            <a:pPr defTabSz="914099" eaLnBrk="0" hangingPunct="0"/>
+            <a:r>
+              <a:rPr lang="en-US" sz="400">
+                <a:gradFill>
+                  <a:gsLst>
+                    <a:gs pos="0">
+                      <a:prstClr val="black"/>
+                    </a:gs>
+                    <a:gs pos="100000">
+                      <a:prstClr val="black"/>
+                    </a:gs>
+                  </a:gsLst>
+                  <a:lin ang="5400000" scaled="0"/>
+                </a:gradFill>
+                <a:latin typeface="Segoe UI" pitchFamily="34" charset="0"/>
+                <a:ea typeface="Segoe UI" pitchFamily="34" charset="0"/>
+                <a:cs typeface="Segoe UI" pitchFamily="34" charset="0"/>
+              </a:rPr>
+              <a:t>© Microsoft Corporation. All rights reserved. MICROSOFT MAKES NO WARRANTIES, EXPRESS, IMPLIED OR STATUTORY, AS TO THE INFORMATION IN THIS PRESENTATION.</a:t>
+            </a:r>
+            <a:endParaRPr lang="en-US" sz="400" dirty="0">
+              <a:gradFill>
+                <a:gsLst>
+                  <a:gs pos="0">
+                    <a:prstClr val="black"/>
+                  </a:gs>
+                  <a:gs pos="100000">
+                    <a:prstClr val="black"/>
+                  </a:gs>
+                </a:gsLst>
+                <a:lin ang="5400000" scaled="0"/>
+              </a:gradFill>
+              <a:latin typeface="Segoe UI" pitchFamily="34" charset="0"/>
+              <a:ea typeface="Segoe UI" pitchFamily="34" charset="0"/>
+              <a:cs typeface="Segoe UI" pitchFamily="34" charset="0"/>
+            </a:endParaRPr>
+          </a:p>
+        </p:txBody>
+      </p:sp>
+      <p:sp>
+        <p:nvSpPr>
+          <p:cNvPr id="6" name="Date Placeholder 5"/>
+          <p:cNvSpPr>
+            <a:spLocks noGrp="1"/>
+          </p:cNvSpPr>
+          <p:nvPr>
+            <p:ph type="dt" idx="1"/>
+          </p:nvPr>
+        </p:nvSpPr>
+        <p:spPr/>
+        <p:txBody>
+          <a:bodyPr/>
+          <a:lstStyle/>
+          <a:p>
+            <a:fld id="{D18B56EA-E28F-4F92-9F16-7A6F2501B303}" type="datetime8">
+              <a:rPr lang="en-US" smtClean="0"/>
+              <a:t>3/1/20 6:15 AM</a:t>
+            </a:fld>
+            <a:endParaRPr lang="en-US" dirty="0"/>
+          </a:p>
+        </p:txBody>
+      </p:sp>
+      <p:sp>
+        <p:nvSpPr>
+          <p:cNvPr id="7" name="Slide Number Placeholder 6"/>
+          <p:cNvSpPr>
+            <a:spLocks noGrp="1"/>
+          </p:cNvSpPr>
+          <p:nvPr>
+            <p:ph type="sldNum" sz="quarter" idx="5"/>
+          </p:nvPr>
+        </p:nvSpPr>
+        <p:spPr/>
+        <p:txBody>
+          <a:bodyPr/>
+          <a:lstStyle/>
+          <a:p>
+            <a:fld id="{B4008EB6-D09E-4580-8CD6-DDB14511944F}" type="slidenum">
+              <a:rPr lang="en-US" smtClean="0"/>
+              <a:pPr/>
+              <a:t>13</a:t>
+            </a:fld>
+            <a:endParaRPr lang="en-US" dirty="0"/>
+          </a:p>
+        </p:txBody>
+      </p:sp>
+    </p:spTree>
+    <p:extLst>
+      <p:ext uri="{BB962C8B-B14F-4D97-AF65-F5344CB8AC3E}">
+        <p14:creationId xmlns:p14="http://schemas.microsoft.com/office/powerpoint/2010/main" val="2400141986"/>
+      </p:ext>
+    </p:extLst>
+  </p:cSld>
+  <p:clrMapOvr>
+    <a:masterClrMapping/>
+  </p:clrMapOvr>
+</p:notes>
+</file>
+
+<file path=ppt/notesSlides/notesSlide14.xml><?xml version="1.0" encoding="utf-8"?>
+<p:notes xmlns:a="http://schemas.openxmlformats.org/drawingml/2006/main" xmlns:r="http://schemas.openxmlformats.org/officeDocument/2006/relationships" xmlns:p="http://schemas.openxmlformats.org/presentationml/2006/main">
+  <p:cSld>
+    <p:spTree>
+      <p:nvGrpSpPr>
+        <p:cNvPr id="1" name=""/>
+        <p:cNvGrpSpPr/>
+        <p:nvPr/>
+      </p:nvGrpSpPr>
+      <p:grpSpPr>
+        <a:xfrm>
+          <a:off x="0" y="0"/>
+          <a:ext cx="0" cy="0"/>
+          <a:chOff x="0" y="0"/>
+          <a:chExt cx="0" cy="0"/>
+        </a:xfrm>
+      </p:grpSpPr>
+      <p:sp>
+        <p:nvSpPr>
+          <p:cNvPr id="2" name="Slide Image Placeholder 1"/>
+          <p:cNvSpPr>
+            <a:spLocks noGrp="1" noRot="1" noChangeAspect="1"/>
+          </p:cNvSpPr>
+          <p:nvPr>
+            <p:ph type="sldImg"/>
+          </p:nvPr>
+        </p:nvSpPr>
+        <p:spPr/>
+      </p:sp>
+      <p:sp>
+        <p:nvSpPr>
+          <p:cNvPr id="3" name="Notes Placeholder 2"/>
+          <p:cNvSpPr>
+            <a:spLocks noGrp="1"/>
+          </p:cNvSpPr>
+          <p:nvPr>
+            <p:ph type="body" idx="1"/>
+          </p:nvPr>
+        </p:nvSpPr>
+        <p:spPr/>
+        <p:txBody>
+          <a:bodyPr/>
+          <a:lstStyle/>
+          <a:p>
+            <a:r>
+              <a:rPr lang="en-US" sz="900" b="0" kern="1200" dirty="0">
+                <a:solidFill>
+                  <a:schemeClr val="tx1"/>
+                </a:solidFill>
+                <a:effectLst/>
+                <a:latin typeface="Segoe UI Light" pitchFamily="34" charset="0"/>
+                <a:ea typeface="+mn-ea"/>
+                <a:cs typeface="+mn-cs"/>
+              </a:rPr>
+              <a:t>In addition to adding script to all pages, application customizers also enable developers to add HTML to two well-known elements on all pages in a site.</a:t>
+            </a:r>
+          </a:p>
+          <a:p>
+            <a:br>
+              <a:rPr lang="en-US" sz="900" b="0" kern="1200" dirty="0">
+                <a:solidFill>
+                  <a:schemeClr val="tx1"/>
+                </a:solidFill>
+                <a:effectLst/>
+                <a:latin typeface="Segoe UI Light" pitchFamily="34" charset="0"/>
+                <a:ea typeface="+mn-ea"/>
+                <a:cs typeface="+mn-cs"/>
+              </a:rPr>
+            </a:br>
+            <a:r>
+              <a:rPr lang="en-US" sz="900" b="0" kern="1200" dirty="0">
+                <a:solidFill>
+                  <a:schemeClr val="tx1"/>
+                </a:solidFill>
+                <a:effectLst/>
+                <a:latin typeface="Segoe UI Light" pitchFamily="34" charset="0"/>
+                <a:ea typeface="+mn-ea"/>
+                <a:cs typeface="+mn-cs"/>
+              </a:rPr>
+              <a:t>These two elements, called </a:t>
+            </a:r>
+            <a:r>
+              <a:rPr lang="en-US" sz="900" b="0" i="1" kern="1200" dirty="0">
+                <a:solidFill>
+                  <a:schemeClr val="tx1"/>
+                </a:solidFill>
+                <a:effectLst/>
+                <a:latin typeface="Segoe UI Light" pitchFamily="34" charset="0"/>
+                <a:ea typeface="+mn-ea"/>
+                <a:cs typeface="+mn-cs"/>
+              </a:rPr>
+              <a:t>*placeholders*</a:t>
+            </a:r>
+            <a:r>
+              <a:rPr lang="en-US" sz="900" b="0" kern="1200" dirty="0">
+                <a:solidFill>
+                  <a:schemeClr val="tx1"/>
+                </a:solidFill>
+                <a:effectLst/>
+                <a:latin typeface="Segoe UI Light" pitchFamily="34" charset="0"/>
+                <a:ea typeface="+mn-ea"/>
+                <a:cs typeface="+mn-cs"/>
+              </a:rPr>
+              <a:t>, are located at the top and bottom of a page. The top placeholder is a `&lt;div&gt;` that spans the entire top part of the page just below the Office 365 suite bar.</a:t>
+            </a:r>
+          </a:p>
+          <a:p>
+            <a:br>
+              <a:rPr lang="en-US" sz="900" b="0" kern="1200" dirty="0">
+                <a:solidFill>
+                  <a:schemeClr val="tx1"/>
+                </a:solidFill>
+                <a:effectLst/>
+                <a:latin typeface="Segoe UI Light" pitchFamily="34" charset="0"/>
+                <a:ea typeface="+mn-ea"/>
+                <a:cs typeface="+mn-cs"/>
+              </a:rPr>
+            </a:br>
+            <a:r>
+              <a:rPr lang="en-US" sz="900" b="0" kern="1200" dirty="0">
+                <a:solidFill>
+                  <a:schemeClr val="tx1"/>
+                </a:solidFill>
+                <a:effectLst/>
+                <a:latin typeface="Segoe UI Light" pitchFamily="34" charset="0"/>
+                <a:ea typeface="+mn-ea"/>
+                <a:cs typeface="+mn-cs"/>
+              </a:rPr>
+              <a:t>The bottom placeholder acts as a footer. This `&lt;div&gt;` spans the width of the page.</a:t>
+            </a:r>
+          </a:p>
+          <a:p>
+            <a:br>
+              <a:rPr lang="en-US" sz="900" b="0" kern="1200" dirty="0">
+                <a:solidFill>
+                  <a:schemeClr val="tx1"/>
+                </a:solidFill>
+                <a:effectLst/>
+                <a:latin typeface="Segoe UI Light" pitchFamily="34" charset="0"/>
+                <a:ea typeface="+mn-ea"/>
+                <a:cs typeface="+mn-cs"/>
+              </a:rPr>
+            </a:br>
+            <a:r>
+              <a:rPr lang="en-US" sz="900" b="0" kern="1200" dirty="0">
+                <a:solidFill>
+                  <a:schemeClr val="tx1"/>
+                </a:solidFill>
+                <a:effectLst/>
+                <a:latin typeface="Segoe UI Light" pitchFamily="34" charset="0"/>
+                <a:ea typeface="+mn-ea"/>
+                <a:cs typeface="+mn-cs"/>
+              </a:rPr>
+              <a:t>Both placeholders are sticky in the sense they remained pinned in the browser and don't scroll with the page.</a:t>
+            </a:r>
+          </a:p>
+        </p:txBody>
+      </p:sp>
+      <p:sp>
+        <p:nvSpPr>
+          <p:cNvPr id="4" name="Header Placeholder 3"/>
+          <p:cNvSpPr>
+            <a:spLocks noGrp="1"/>
+          </p:cNvSpPr>
+          <p:nvPr>
+            <p:ph type="hdr" sz="quarter"/>
+          </p:nvPr>
+        </p:nvSpPr>
+        <p:spPr/>
+        <p:txBody>
+          <a:bodyPr/>
+          <a:lstStyle/>
+          <a:p>
+            <a:r>
+              <a:rPr lang="en-US"/>
+              <a:t>SharePoint Framework</a:t>
+            </a:r>
+            <a:endParaRPr lang="en-US" dirty="0"/>
+          </a:p>
+        </p:txBody>
+      </p:sp>
+      <p:sp>
+        <p:nvSpPr>
+          <p:cNvPr id="5" name="Footer Placeholder 4"/>
+          <p:cNvSpPr>
+            <a:spLocks noGrp="1"/>
+          </p:cNvSpPr>
+          <p:nvPr>
+            <p:ph type="ftr" sz="quarter" idx="4"/>
+          </p:nvPr>
+        </p:nvSpPr>
+        <p:spPr/>
+        <p:txBody>
+          <a:bodyPr/>
+          <a:lstStyle/>
+          <a:p>
+            <a:pPr defTabSz="914099" eaLnBrk="0" hangingPunct="0"/>
+            <a:r>
+              <a:rPr lang="en-US" sz="400">
+                <a:gradFill>
+                  <a:gsLst>
+                    <a:gs pos="0">
+                      <a:prstClr val="black"/>
+                    </a:gs>
+                    <a:gs pos="100000">
+                      <a:prstClr val="black"/>
+                    </a:gs>
+                  </a:gsLst>
+                  <a:lin ang="5400000" scaled="0"/>
+                </a:gradFill>
+                <a:latin typeface="Segoe UI" pitchFamily="34" charset="0"/>
+                <a:ea typeface="Segoe UI" pitchFamily="34" charset="0"/>
+                <a:cs typeface="Segoe UI" pitchFamily="34" charset="0"/>
+              </a:rPr>
+              <a:t>© Microsoft Corporation. All rights reserved. MICROSOFT MAKES NO WARRANTIES, EXPRESS, IMPLIED OR STATUTORY, AS TO THE INFORMATION IN THIS PRESENTATION.</a:t>
+            </a:r>
+            <a:endParaRPr lang="en-US" sz="400" dirty="0">
+              <a:gradFill>
+                <a:gsLst>
+                  <a:gs pos="0">
+                    <a:prstClr val="black"/>
+                  </a:gs>
+                  <a:gs pos="100000">
+                    <a:prstClr val="black"/>
+                  </a:gs>
+                </a:gsLst>
+                <a:lin ang="5400000" scaled="0"/>
+              </a:gradFill>
+              <a:latin typeface="Segoe UI" pitchFamily="34" charset="0"/>
+              <a:ea typeface="Segoe UI" pitchFamily="34" charset="0"/>
+              <a:cs typeface="Segoe UI" pitchFamily="34" charset="0"/>
+            </a:endParaRPr>
+          </a:p>
+        </p:txBody>
+      </p:sp>
+      <p:sp>
+        <p:nvSpPr>
+          <p:cNvPr id="6" name="Date Placeholder 5"/>
+          <p:cNvSpPr>
+            <a:spLocks noGrp="1"/>
+          </p:cNvSpPr>
+          <p:nvPr>
+            <p:ph type="dt" idx="1"/>
+          </p:nvPr>
+        </p:nvSpPr>
+        <p:spPr/>
+        <p:txBody>
+          <a:bodyPr/>
+          <a:lstStyle/>
+          <a:p>
+            <a:fld id="{D18B56EA-E28F-4F92-9F16-7A6F2501B303}" type="datetime8">
+              <a:rPr lang="en-US" smtClean="0"/>
+              <a:t>3/1/20 6:23 AM</a:t>
+            </a:fld>
+            <a:endParaRPr lang="en-US" dirty="0"/>
+          </a:p>
+        </p:txBody>
+      </p:sp>
+      <p:sp>
+        <p:nvSpPr>
+          <p:cNvPr id="7" name="Slide Number Placeholder 6"/>
+          <p:cNvSpPr>
+            <a:spLocks noGrp="1"/>
+          </p:cNvSpPr>
+          <p:nvPr>
+            <p:ph type="sldNum" sz="quarter" idx="5"/>
+          </p:nvPr>
+        </p:nvSpPr>
+        <p:spPr/>
+        <p:txBody>
+          <a:bodyPr/>
+          <a:lstStyle/>
+          <a:p>
+            <a:fld id="{B4008EB6-D09E-4580-8CD6-DDB14511944F}" type="slidenum">
+              <a:rPr lang="en-US" smtClean="0"/>
+              <a:pPr/>
+              <a:t>14</a:t>
+            </a:fld>
+            <a:endParaRPr lang="en-US" dirty="0"/>
+          </a:p>
+        </p:txBody>
+      </p:sp>
+    </p:spTree>
+    <p:extLst>
+      <p:ext uri="{BB962C8B-B14F-4D97-AF65-F5344CB8AC3E}">
+        <p14:creationId xmlns:p14="http://schemas.microsoft.com/office/powerpoint/2010/main" val="311634894"/>
+      </p:ext>
+    </p:extLst>
+  </p:cSld>
+  <p:clrMapOvr>
+    <a:masterClrMapping/>
+  </p:clrMapOvr>
+</p:notes>
+</file>
+
+<file path=ppt/notesSlides/notesSlide15.xml><?xml version="1.0" encoding="utf-8"?>
+<p:notes xmlns:a="http://schemas.openxmlformats.org/drawingml/2006/main" xmlns:r="http://schemas.openxmlformats.org/officeDocument/2006/relationships" xmlns:p="http://schemas.openxmlformats.org/presentationml/2006/main">
+  <p:cSld>
+    <p:spTree>
+      <p:nvGrpSpPr>
+        <p:cNvPr id="1" name=""/>
+        <p:cNvGrpSpPr/>
+        <p:nvPr/>
+      </p:nvGrpSpPr>
+      <p:grpSpPr>
+        <a:xfrm>
+          <a:off x="0" y="0"/>
+          <a:ext cx="0" cy="0"/>
+          <a:chOff x="0" y="0"/>
+          <a:chExt cx="0" cy="0"/>
+        </a:xfrm>
+      </p:grpSpPr>
+      <p:sp>
+        <p:nvSpPr>
+          <p:cNvPr id="2" name="Slide Image Placeholder 1"/>
+          <p:cNvSpPr>
+            <a:spLocks noGrp="1" noRot="1" noChangeAspect="1"/>
+          </p:cNvSpPr>
+          <p:nvPr>
+            <p:ph type="sldImg"/>
+          </p:nvPr>
+        </p:nvSpPr>
+        <p:spPr/>
+      </p:sp>
+      <p:sp>
+        <p:nvSpPr>
+          <p:cNvPr id="3" name="Notes Placeholder 2"/>
+          <p:cNvSpPr>
+            <a:spLocks noGrp="1"/>
+          </p:cNvSpPr>
+          <p:nvPr>
+            <p:ph type="body" idx="1"/>
+          </p:nvPr>
+        </p:nvSpPr>
+        <p:spPr/>
+        <p:txBody>
+          <a:bodyPr/>
+          <a:lstStyle/>
+          <a:p>
+            <a:r>
+              <a:rPr lang="en-US" dirty="0"/>
+              <a:t>To write to a placeholder you must first get a reference to it from the application customizer. In this code, notice the two private members `_</a:t>
+            </a:r>
+            <a:r>
+              <a:rPr lang="en-US" dirty="0" err="1"/>
+              <a:t>topPlaceholder</a:t>
+            </a:r>
+            <a:r>
+              <a:rPr lang="en-US" dirty="0"/>
+              <a:t>` and `_</a:t>
+            </a:r>
+            <a:r>
+              <a:rPr lang="en-US" dirty="0" err="1"/>
+              <a:t>bottomPlaceholder</a:t>
+            </a:r>
+            <a:r>
+              <a:rPr lang="en-US" dirty="0"/>
+              <a:t>`. You should always first check if you have a reference to the placeholder before writing to it. Otherwise, you can run into errors as you can't have more than one reference to it. </a:t>
+            </a:r>
+          </a:p>
+          <a:p>
+            <a:endParaRPr lang="en-US" dirty="0"/>
+          </a:p>
+          <a:p>
+            <a:r>
+              <a:rPr lang="en-US" dirty="0"/>
+              <a:t>Obtain a reference to the placeholder with the `</a:t>
+            </a:r>
+            <a:r>
+              <a:rPr lang="en-US" dirty="0" err="1"/>
+              <a:t>placeholderProvider</a:t>
+            </a:r>
+            <a:r>
+              <a:rPr lang="en-US" dirty="0"/>
+              <a:t>` object by calling `</a:t>
+            </a:r>
+            <a:r>
+              <a:rPr lang="en-US" dirty="0" err="1"/>
+              <a:t>this.context.placeholderProvider.tryCreateContent</a:t>
+            </a:r>
+            <a:r>
+              <a:rPr lang="en-US" dirty="0"/>
+              <a:t>()` method.</a:t>
+            </a:r>
+          </a:p>
+        </p:txBody>
+      </p:sp>
+      <p:sp>
+        <p:nvSpPr>
+          <p:cNvPr id="4" name="Header Placeholder 3"/>
+          <p:cNvSpPr>
+            <a:spLocks noGrp="1"/>
+          </p:cNvSpPr>
+          <p:nvPr>
+            <p:ph type="hdr" sz="quarter"/>
+          </p:nvPr>
+        </p:nvSpPr>
+        <p:spPr/>
+        <p:txBody>
+          <a:bodyPr/>
+          <a:lstStyle/>
+          <a:p>
+            <a:r>
+              <a:rPr lang="en-US"/>
+              <a:t>SharePoint Framework</a:t>
+            </a:r>
+            <a:endParaRPr lang="en-US" dirty="0"/>
+          </a:p>
+        </p:txBody>
+      </p:sp>
+      <p:sp>
+        <p:nvSpPr>
+          <p:cNvPr id="5" name="Footer Placeholder 4"/>
+          <p:cNvSpPr>
+            <a:spLocks noGrp="1"/>
+          </p:cNvSpPr>
+          <p:nvPr>
+            <p:ph type="ftr" sz="quarter" idx="4"/>
+          </p:nvPr>
+        </p:nvSpPr>
+        <p:spPr/>
+        <p:txBody>
+          <a:bodyPr/>
+          <a:lstStyle/>
+          <a:p>
+            <a:pPr defTabSz="914099" eaLnBrk="0" hangingPunct="0"/>
+            <a:r>
+              <a:rPr lang="en-US" sz="400">
+                <a:gradFill>
+                  <a:gsLst>
+                    <a:gs pos="0">
+                      <a:prstClr val="black"/>
+                    </a:gs>
+                    <a:gs pos="100000">
+                      <a:prstClr val="black"/>
+                    </a:gs>
+                  </a:gsLst>
+                  <a:lin ang="5400000" scaled="0"/>
+                </a:gradFill>
+                <a:latin typeface="Segoe UI" pitchFamily="34" charset="0"/>
+                <a:ea typeface="Segoe UI" pitchFamily="34" charset="0"/>
+                <a:cs typeface="Segoe UI" pitchFamily="34" charset="0"/>
+              </a:rPr>
+              <a:t>© Microsoft Corporation. All rights reserved. MICROSOFT MAKES NO WARRANTIES, EXPRESS, IMPLIED OR STATUTORY, AS TO THE INFORMATION IN THIS PRESENTATION.</a:t>
+            </a:r>
+            <a:endParaRPr lang="en-US" sz="400" dirty="0">
+              <a:gradFill>
+                <a:gsLst>
+                  <a:gs pos="0">
+                    <a:prstClr val="black"/>
+                  </a:gs>
+                  <a:gs pos="100000">
+                    <a:prstClr val="black"/>
+                  </a:gs>
+                </a:gsLst>
+                <a:lin ang="5400000" scaled="0"/>
+              </a:gradFill>
+              <a:latin typeface="Segoe UI" pitchFamily="34" charset="0"/>
+              <a:ea typeface="Segoe UI" pitchFamily="34" charset="0"/>
+              <a:cs typeface="Segoe UI" pitchFamily="34" charset="0"/>
+            </a:endParaRPr>
+          </a:p>
+        </p:txBody>
+      </p:sp>
+      <p:sp>
+        <p:nvSpPr>
+          <p:cNvPr id="6" name="Date Placeholder 5"/>
+          <p:cNvSpPr>
+            <a:spLocks noGrp="1"/>
+          </p:cNvSpPr>
+          <p:nvPr>
+            <p:ph type="dt" idx="1"/>
+          </p:nvPr>
+        </p:nvSpPr>
+        <p:spPr/>
+        <p:txBody>
+          <a:bodyPr/>
+          <a:lstStyle/>
+          <a:p>
+            <a:fld id="{D18B56EA-E28F-4F92-9F16-7A6F2501B303}" type="datetime8">
+              <a:rPr lang="en-US" smtClean="0"/>
+              <a:t>3/1/20 6:27 AM</a:t>
+            </a:fld>
+            <a:endParaRPr lang="en-US" dirty="0"/>
+          </a:p>
+        </p:txBody>
+      </p:sp>
+      <p:sp>
+        <p:nvSpPr>
+          <p:cNvPr id="7" name="Slide Number Placeholder 6"/>
+          <p:cNvSpPr>
+            <a:spLocks noGrp="1"/>
+          </p:cNvSpPr>
+          <p:nvPr>
+            <p:ph type="sldNum" sz="quarter" idx="5"/>
+          </p:nvPr>
+        </p:nvSpPr>
+        <p:spPr/>
+        <p:txBody>
+          <a:bodyPr/>
+          <a:lstStyle/>
+          <a:p>
+            <a:fld id="{B4008EB6-D09E-4580-8CD6-DDB14511944F}" type="slidenum">
+              <a:rPr lang="en-US" smtClean="0"/>
+              <a:pPr/>
+              <a:t>15</a:t>
+            </a:fld>
+            <a:endParaRPr lang="en-US" dirty="0"/>
+          </a:p>
+        </p:txBody>
+      </p:sp>
+    </p:spTree>
+    <p:extLst>
+      <p:ext uri="{BB962C8B-B14F-4D97-AF65-F5344CB8AC3E}">
+        <p14:creationId xmlns:p14="http://schemas.microsoft.com/office/powerpoint/2010/main" val="4212997588"/>
+      </p:ext>
+    </p:extLst>
+  </p:cSld>
+  <p:clrMapOvr>
+    <a:masterClrMapping/>
+  </p:clrMapOvr>
+</p:notes>
+</file>
+
+<file path=ppt/notesSlides/notesSlide16.xml><?xml version="1.0" encoding="utf-8"?>
+<p:notes xmlns:a="http://schemas.openxmlformats.org/drawingml/2006/main" xmlns:r="http://schemas.openxmlformats.org/officeDocument/2006/relationships" xmlns:p="http://schemas.openxmlformats.org/presentationml/2006/main">
+  <p:cSld>
+    <p:spTree>
+      <p:nvGrpSpPr>
+        <p:cNvPr id="1" name=""/>
+        <p:cNvGrpSpPr/>
+        <p:nvPr/>
+      </p:nvGrpSpPr>
+      <p:grpSpPr>
+        <a:xfrm>
+          <a:off x="0" y="0"/>
+          <a:ext cx="0" cy="0"/>
+          <a:chOff x="0" y="0"/>
+          <a:chExt cx="0" cy="0"/>
+        </a:xfrm>
+      </p:grpSpPr>
+      <p:sp>
+        <p:nvSpPr>
+          <p:cNvPr id="2" name="Slide Image Placeholder 1"/>
+          <p:cNvSpPr>
+            <a:spLocks noGrp="1" noRot="1" noChangeAspect="1"/>
+          </p:cNvSpPr>
+          <p:nvPr>
+            <p:ph type="sldImg"/>
+          </p:nvPr>
+        </p:nvSpPr>
+        <p:spPr/>
+      </p:sp>
+      <p:sp>
+        <p:nvSpPr>
+          <p:cNvPr id="3" name="Notes Placeholder 2"/>
+          <p:cNvSpPr>
+            <a:spLocks noGrp="1"/>
+          </p:cNvSpPr>
+          <p:nvPr>
+            <p:ph type="body" idx="1"/>
+          </p:nvPr>
+        </p:nvSpPr>
+        <p:spPr/>
+        <p:txBody>
+          <a:bodyPr/>
+          <a:lstStyle/>
+          <a:p>
+            <a:endParaRPr lang="en-US"/>
+          </a:p>
+        </p:txBody>
+      </p:sp>
+      <p:sp>
+        <p:nvSpPr>
+          <p:cNvPr id="4" name="Header Placeholder 3"/>
+          <p:cNvSpPr>
+            <a:spLocks noGrp="1"/>
+          </p:cNvSpPr>
+          <p:nvPr>
+            <p:ph type="hdr" sz="quarter" idx="10"/>
+          </p:nvPr>
+        </p:nvSpPr>
+        <p:spPr/>
+        <p:txBody>
+          <a:bodyPr/>
+          <a:lstStyle/>
+          <a:p>
+            <a:endParaRPr lang="en-US" dirty="0"/>
+          </a:p>
+        </p:txBody>
+      </p:sp>
+      <p:sp>
+        <p:nvSpPr>
+          <p:cNvPr id="5" name="Footer Placeholder 4"/>
+          <p:cNvSpPr>
+            <a:spLocks noGrp="1"/>
+          </p:cNvSpPr>
+          <p:nvPr>
+            <p:ph type="ftr" sz="quarter" idx="11"/>
+          </p:nvPr>
+        </p:nvSpPr>
+        <p:spPr/>
+        <p:txBody>
+          <a:bodyPr/>
+          <a:lstStyle/>
+          <a:p>
+            <a:pPr defTabSz="914099" eaLnBrk="0" hangingPunct="0"/>
+            <a:r>
+              <a:rPr lang="en-US" sz="400">
+                <a:gradFill>
+                  <a:gsLst>
+                    <a:gs pos="0">
+                      <a:prstClr val="black"/>
+                    </a:gs>
+                    <a:gs pos="100000">
+                      <a:prstClr val="black"/>
+                    </a:gs>
+                  </a:gsLst>
+                  <a:lin ang="5400000" scaled="0"/>
+                </a:gradFill>
+                <a:latin typeface="Segoe UI" pitchFamily="34" charset="0"/>
+                <a:ea typeface="Segoe UI" pitchFamily="34" charset="0"/>
+                <a:cs typeface="Segoe UI" pitchFamily="34" charset="0"/>
+              </a:rPr>
+              <a:t>© Microsoft Corporation. All rights reserved. MICROSOFT MAKES NO WARRANTIES, EXPRESS, IMPLIED OR STATUTORY, AS TO THE INFORMATION IN THIS PRESENTATION.</a:t>
+            </a:r>
+            <a:endParaRPr lang="en-US" sz="400" dirty="0">
+              <a:gradFill>
+                <a:gsLst>
+                  <a:gs pos="0">
+                    <a:prstClr val="black"/>
+                  </a:gs>
+                  <a:gs pos="100000">
+                    <a:prstClr val="black"/>
+                  </a:gs>
+                </a:gsLst>
+                <a:lin ang="5400000" scaled="0"/>
+              </a:gradFill>
+              <a:latin typeface="Segoe UI" pitchFamily="34" charset="0"/>
+              <a:ea typeface="Segoe UI" pitchFamily="34" charset="0"/>
+              <a:cs typeface="Segoe UI" pitchFamily="34" charset="0"/>
+            </a:endParaRPr>
+          </a:p>
+        </p:txBody>
+      </p:sp>
+      <p:sp>
+        <p:nvSpPr>
+          <p:cNvPr id="6" name="Date Placeholder 5"/>
+          <p:cNvSpPr>
+            <a:spLocks noGrp="1"/>
+          </p:cNvSpPr>
+          <p:nvPr>
+            <p:ph type="dt" idx="12"/>
+          </p:nvPr>
+        </p:nvSpPr>
+        <p:spPr/>
+        <p:txBody>
+          <a:bodyPr/>
+          <a:lstStyle/>
+          <a:p>
+            <a:fld id="{D18B56EA-E28F-4F92-9F16-7A6F2501B303}" type="datetime8">
+              <a:rPr lang="en-US" smtClean="0"/>
+              <a:t>2/28/20 1:22 PM</a:t>
+            </a:fld>
+            <a:endParaRPr lang="en-US" dirty="0"/>
+          </a:p>
+        </p:txBody>
+      </p:sp>
+      <p:sp>
+        <p:nvSpPr>
+          <p:cNvPr id="7" name="Slide Number Placeholder 6"/>
+          <p:cNvSpPr>
+            <a:spLocks noGrp="1"/>
+          </p:cNvSpPr>
+          <p:nvPr>
+            <p:ph type="sldNum" sz="quarter" idx="13"/>
+          </p:nvPr>
+        </p:nvSpPr>
+        <p:spPr/>
+        <p:txBody>
+          <a:bodyPr/>
+          <a:lstStyle/>
+          <a:p>
+            <a:fld id="{B4008EB6-D09E-4580-8CD6-DDB14511944F}" type="slidenum">
+              <a:rPr lang="en-US" smtClean="0"/>
+              <a:pPr/>
+              <a:t>16</a:t>
+            </a:fld>
+            <a:endParaRPr lang="en-US" dirty="0"/>
+          </a:p>
+        </p:txBody>
+      </p:sp>
+    </p:spTree>
+    <p:extLst>
+      <p:ext uri="{BB962C8B-B14F-4D97-AF65-F5344CB8AC3E}">
+        <p14:creationId xmlns:p14="http://schemas.microsoft.com/office/powerpoint/2010/main" val="2593812498"/>
+      </p:ext>
+    </p:extLst>
+  </p:cSld>
+  <p:clrMapOvr>
+    <a:masterClrMapping/>
+  </p:clrMapOvr>
+</p:notes>
+</file>
+
+<file path=ppt/notesSlides/notesSlide17.xml><?xml version="1.0" encoding="utf-8"?>
+<p:notes xmlns:a="http://schemas.openxmlformats.org/drawingml/2006/main" xmlns:r="http://schemas.openxmlformats.org/officeDocument/2006/relationships" xmlns:p="http://schemas.openxmlformats.org/presentationml/2006/main">
+  <p:cSld>
+    <p:spTree>
+      <p:nvGrpSpPr>
+        <p:cNvPr id="1" name=""/>
+        <p:cNvGrpSpPr/>
+        <p:nvPr/>
+      </p:nvGrpSpPr>
+      <p:grpSpPr>
+        <a:xfrm>
+          <a:off x="0" y="0"/>
+          <a:ext cx="0" cy="0"/>
+          <a:chOff x="0" y="0"/>
+          <a:chExt cx="0" cy="0"/>
+        </a:xfrm>
+      </p:grpSpPr>
+      <p:sp>
+        <p:nvSpPr>
+          <p:cNvPr id="2" name="Slide Image Placeholder 1"/>
+          <p:cNvSpPr>
+            <a:spLocks noGrp="1" noRot="1" noChangeAspect="1"/>
+          </p:cNvSpPr>
+          <p:nvPr>
+            <p:ph type="sldImg"/>
+          </p:nvPr>
+        </p:nvSpPr>
+        <p:spPr/>
+      </p:sp>
+      <p:sp>
+        <p:nvSpPr>
+          <p:cNvPr id="3" name="Notes Placeholder 2"/>
+          <p:cNvSpPr>
+            <a:spLocks noGrp="1"/>
+          </p:cNvSpPr>
+          <p:nvPr>
+            <p:ph type="body" idx="1"/>
+          </p:nvPr>
+        </p:nvSpPr>
+        <p:spPr/>
+        <p:txBody>
+          <a:bodyPr/>
+          <a:lstStyle/>
+          <a:p>
+            <a:endParaRPr lang="en-US" dirty="0"/>
+          </a:p>
+        </p:txBody>
+      </p:sp>
+      <p:sp>
+        <p:nvSpPr>
+          <p:cNvPr id="4" name="Header Placeholder 3"/>
+          <p:cNvSpPr>
+            <a:spLocks noGrp="1"/>
+          </p:cNvSpPr>
+          <p:nvPr>
+            <p:ph type="hdr" sz="quarter" idx="10"/>
+          </p:nvPr>
+        </p:nvSpPr>
+        <p:spPr/>
+        <p:txBody>
+          <a:bodyPr/>
+          <a:lstStyle/>
+          <a:p>
+            <a:endParaRPr lang="en-US" dirty="0"/>
+          </a:p>
+        </p:txBody>
+      </p:sp>
+      <p:sp>
+        <p:nvSpPr>
+          <p:cNvPr id="5" name="Footer Placeholder 4"/>
+          <p:cNvSpPr>
+            <a:spLocks noGrp="1"/>
+          </p:cNvSpPr>
+          <p:nvPr>
+            <p:ph type="ftr" sz="quarter" idx="11"/>
+          </p:nvPr>
+        </p:nvSpPr>
+        <p:spPr/>
+        <p:txBody>
+          <a:bodyPr/>
+          <a:lstStyle/>
+          <a:p>
+            <a:pPr defTabSz="914099" eaLnBrk="0" hangingPunct="0"/>
+            <a:r>
+              <a:rPr lang="en-US" sz="400">
+                <a:gradFill>
+                  <a:gsLst>
+                    <a:gs pos="0">
+                      <a:prstClr val="black"/>
+                    </a:gs>
+                    <a:gs pos="100000">
+                      <a:prstClr val="black"/>
+                    </a:gs>
+                  </a:gsLst>
+                  <a:lin ang="5400000" scaled="0"/>
+                </a:gradFill>
+                <a:latin typeface="Segoe UI" pitchFamily="34" charset="0"/>
+                <a:ea typeface="Segoe UI" pitchFamily="34" charset="0"/>
+                <a:cs typeface="Segoe UI" pitchFamily="34" charset="0"/>
+              </a:rPr>
+              <a:t>© Microsoft Corporation. All rights reserved. MICROSOFT MAKES NO WARRANTIES, EXPRESS, IMPLIED OR STATUTORY, AS TO THE INFORMATION IN THIS PRESENTATION.</a:t>
+            </a:r>
+            <a:endParaRPr lang="en-US" sz="400" dirty="0">
+              <a:gradFill>
+                <a:gsLst>
+                  <a:gs pos="0">
+                    <a:prstClr val="black"/>
+                  </a:gs>
+                  <a:gs pos="100000">
+                    <a:prstClr val="black"/>
+                  </a:gs>
+                </a:gsLst>
+                <a:lin ang="5400000" scaled="0"/>
+              </a:gradFill>
+              <a:latin typeface="Segoe UI" pitchFamily="34" charset="0"/>
+              <a:ea typeface="Segoe UI" pitchFamily="34" charset="0"/>
+              <a:cs typeface="Segoe UI" pitchFamily="34" charset="0"/>
+            </a:endParaRPr>
+          </a:p>
+        </p:txBody>
+      </p:sp>
+      <p:sp>
+        <p:nvSpPr>
+          <p:cNvPr id="6" name="Date Placeholder 5"/>
+          <p:cNvSpPr>
+            <a:spLocks noGrp="1"/>
+          </p:cNvSpPr>
+          <p:nvPr>
+            <p:ph type="dt" idx="12"/>
+          </p:nvPr>
+        </p:nvSpPr>
+        <p:spPr/>
+        <p:txBody>
+          <a:bodyPr/>
+          <a:lstStyle/>
+          <a:p>
+            <a:fld id="{D18B56EA-E28F-4F92-9F16-7A6F2501B303}" type="datetime8">
+              <a:rPr lang="en-US" smtClean="0"/>
+              <a:t>2/28/20 1:22 PM</a:t>
+            </a:fld>
+            <a:endParaRPr lang="en-US" dirty="0"/>
+          </a:p>
+        </p:txBody>
+      </p:sp>
+      <p:sp>
+        <p:nvSpPr>
+          <p:cNvPr id="7" name="Slide Number Placeholder 6"/>
+          <p:cNvSpPr>
+            <a:spLocks noGrp="1"/>
+          </p:cNvSpPr>
+          <p:nvPr>
+            <p:ph type="sldNum" sz="quarter" idx="13"/>
+          </p:nvPr>
+        </p:nvSpPr>
+        <p:spPr/>
+        <p:txBody>
+          <a:bodyPr/>
+          <a:lstStyle/>
+          <a:p>
+            <a:fld id="{B4008EB6-D09E-4580-8CD6-DDB14511944F}" type="slidenum">
+              <a:rPr lang="en-US" smtClean="0"/>
+              <a:pPr/>
+              <a:t>18</a:t>
+            </a:fld>
+            <a:endParaRPr lang="en-US" dirty="0"/>
+          </a:p>
+        </p:txBody>
+      </p:sp>
+    </p:spTree>
+    <p:extLst>
+      <p:ext uri="{BB962C8B-B14F-4D97-AF65-F5344CB8AC3E}">
+        <p14:creationId xmlns:p14="http://schemas.microsoft.com/office/powerpoint/2010/main" val="3282806226"/>
+      </p:ext>
+    </p:extLst>
+  </p:cSld>
+  <p:clrMapOvr>
+    <a:masterClrMapping/>
+  </p:clrMapOvr>
+</p:notes>
+</file>
+
+<file path=ppt/notesSlides/notesSlide18.xml><?xml version="1.0" encoding="utf-8"?>
+<p:notes xmlns:a="http://schemas.openxmlformats.org/drawingml/2006/main" xmlns:r="http://schemas.openxmlformats.org/officeDocument/2006/relationships" xmlns:p="http://schemas.openxmlformats.org/presentationml/2006/main">
+  <p:cSld>
+    <p:spTree>
+      <p:nvGrpSpPr>
+        <p:cNvPr id="1" name=""/>
+        <p:cNvGrpSpPr/>
+        <p:nvPr/>
+      </p:nvGrpSpPr>
+      <p:grpSpPr>
+        <a:xfrm>
+          <a:off x="0" y="0"/>
+          <a:ext cx="0" cy="0"/>
+          <a:chOff x="0" y="0"/>
+          <a:chExt cx="0" cy="0"/>
+        </a:xfrm>
+      </p:grpSpPr>
+      <p:sp>
+        <p:nvSpPr>
+          <p:cNvPr id="2" name="Slide Image Placeholder 1"/>
+          <p:cNvSpPr>
+            <a:spLocks noGrp="1" noRot="1" noChangeAspect="1"/>
+          </p:cNvSpPr>
+          <p:nvPr>
+            <p:ph type="sldImg"/>
+          </p:nvPr>
+        </p:nvSpPr>
+        <p:spPr/>
+      </p:sp>
+      <p:sp>
+        <p:nvSpPr>
+          <p:cNvPr id="3" name="Notes Placeholder 2"/>
+          <p:cNvSpPr>
+            <a:spLocks noGrp="1"/>
+          </p:cNvSpPr>
+          <p:nvPr>
+            <p:ph type="body" idx="1"/>
+          </p:nvPr>
+        </p:nvSpPr>
+        <p:spPr/>
+        <p:txBody>
+          <a:bodyPr/>
+          <a:lstStyle/>
+          <a:p>
+            <a:endParaRPr lang="en-US"/>
+          </a:p>
+        </p:txBody>
+      </p:sp>
+      <p:sp>
+        <p:nvSpPr>
+          <p:cNvPr id="4" name="Header Placeholder 3"/>
+          <p:cNvSpPr>
+            <a:spLocks noGrp="1"/>
+          </p:cNvSpPr>
+          <p:nvPr>
+            <p:ph type="hdr" sz="quarter" idx="10"/>
+          </p:nvPr>
+        </p:nvSpPr>
+        <p:spPr/>
+        <p:txBody>
+          <a:bodyPr/>
+          <a:lstStyle/>
+          <a:p>
+            <a:endParaRPr lang="en-US" dirty="0"/>
+          </a:p>
+        </p:txBody>
+      </p:sp>
+      <p:sp>
+        <p:nvSpPr>
+          <p:cNvPr id="5" name="Footer Placeholder 4"/>
+          <p:cNvSpPr>
+            <a:spLocks noGrp="1"/>
+          </p:cNvSpPr>
+          <p:nvPr>
+            <p:ph type="ftr" sz="quarter" idx="11"/>
+          </p:nvPr>
+        </p:nvSpPr>
+        <p:spPr/>
+        <p:txBody>
+          <a:bodyPr/>
+          <a:lstStyle/>
+          <a:p>
+            <a:pPr defTabSz="914099" eaLnBrk="0" hangingPunct="0"/>
+            <a:r>
+              <a:rPr lang="en-US" sz="400">
+                <a:gradFill>
+                  <a:gsLst>
+                    <a:gs pos="0">
+                      <a:prstClr val="black"/>
+                    </a:gs>
+                    <a:gs pos="100000">
+                      <a:prstClr val="black"/>
+                    </a:gs>
+                  </a:gsLst>
+                  <a:lin ang="5400000" scaled="0"/>
+                </a:gradFill>
+                <a:latin typeface="Segoe UI" pitchFamily="34" charset="0"/>
+                <a:ea typeface="Segoe UI" pitchFamily="34" charset="0"/>
+                <a:cs typeface="Segoe UI" pitchFamily="34" charset="0"/>
+              </a:rPr>
+              <a:t>© Microsoft Corporation. All rights reserved. MICROSOFT MAKES NO WARRANTIES, EXPRESS, IMPLIED OR STATUTORY, AS TO THE INFORMATION IN THIS PRESENTATION.</a:t>
+            </a:r>
+            <a:endParaRPr lang="en-US" sz="400" dirty="0">
+              <a:gradFill>
+                <a:gsLst>
+                  <a:gs pos="0">
+                    <a:prstClr val="black"/>
+                  </a:gs>
+                  <a:gs pos="100000">
+                    <a:prstClr val="black"/>
+                  </a:gs>
+                </a:gsLst>
+                <a:lin ang="5400000" scaled="0"/>
+              </a:gradFill>
+              <a:latin typeface="Segoe UI" pitchFamily="34" charset="0"/>
+              <a:ea typeface="Segoe UI" pitchFamily="34" charset="0"/>
+              <a:cs typeface="Segoe UI" pitchFamily="34" charset="0"/>
+            </a:endParaRPr>
+          </a:p>
+        </p:txBody>
+      </p:sp>
+      <p:sp>
+        <p:nvSpPr>
+          <p:cNvPr id="6" name="Date Placeholder 5"/>
+          <p:cNvSpPr>
+            <a:spLocks noGrp="1"/>
+          </p:cNvSpPr>
+          <p:nvPr>
+            <p:ph type="dt" idx="12"/>
+          </p:nvPr>
+        </p:nvSpPr>
+        <p:spPr/>
+        <p:txBody>
+          <a:bodyPr/>
+          <a:lstStyle/>
+          <a:p>
+            <a:fld id="{D18B56EA-E28F-4F92-9F16-7A6F2501B303}" type="datetime8">
+              <a:rPr lang="en-US" smtClean="0"/>
+              <a:t>2/28/20 1:24 PM</a:t>
+            </a:fld>
+            <a:endParaRPr lang="en-US" dirty="0"/>
+          </a:p>
+        </p:txBody>
+      </p:sp>
+      <p:sp>
+        <p:nvSpPr>
+          <p:cNvPr id="7" name="Slide Number Placeholder 6"/>
+          <p:cNvSpPr>
+            <a:spLocks noGrp="1"/>
+          </p:cNvSpPr>
+          <p:nvPr>
+            <p:ph type="sldNum" sz="quarter" idx="13"/>
+          </p:nvPr>
+        </p:nvSpPr>
+        <p:spPr/>
+        <p:txBody>
+          <a:bodyPr/>
+          <a:lstStyle/>
+          <a:p>
+            <a:fld id="{B4008EB6-D09E-4580-8CD6-DDB14511944F}" type="slidenum">
+              <a:rPr lang="en-US" smtClean="0"/>
+              <a:pPr/>
+              <a:t>19</a:t>
+            </a:fld>
+            <a:endParaRPr lang="en-US" dirty="0"/>
+          </a:p>
+        </p:txBody>
+      </p:sp>
+    </p:spTree>
+    <p:extLst>
+      <p:ext uri="{BB962C8B-B14F-4D97-AF65-F5344CB8AC3E}">
+        <p14:creationId xmlns:p14="http://schemas.microsoft.com/office/powerpoint/2010/main" val="2510823477"/>
+      </p:ext>
+    </p:extLst>
+  </p:cSld>
+  <p:clrMapOvr>
+    <a:masterClrMapping/>
+  </p:clrMapOvr>
+</p:notes>
+</file>
+
+<file path=ppt/notesSlides/notesSlide19.xml><?xml version="1.0" encoding="utf-8"?>
+<p:notes xmlns:a="http://schemas.openxmlformats.org/drawingml/2006/main" xmlns:r="http://schemas.openxmlformats.org/officeDocument/2006/relationships" xmlns:p="http://schemas.openxmlformats.org/presentationml/2006/main">
+  <p:cSld>
+    <p:spTree>
+      <p:nvGrpSpPr>
+        <p:cNvPr id="1" name=""/>
+        <p:cNvGrpSpPr/>
+        <p:nvPr/>
+      </p:nvGrpSpPr>
+      <p:grpSpPr>
+        <a:xfrm>
+          <a:off x="0" y="0"/>
+          <a:ext cx="0" cy="0"/>
+          <a:chOff x="0" y="0"/>
+          <a:chExt cx="0" cy="0"/>
+        </a:xfrm>
+      </p:grpSpPr>
+      <p:sp>
+        <p:nvSpPr>
+          <p:cNvPr id="2" name="Slide Image Placeholder 1"/>
+          <p:cNvSpPr>
+            <a:spLocks noGrp="1" noRot="1" noChangeAspect="1"/>
+          </p:cNvSpPr>
+          <p:nvPr>
+            <p:ph type="sldImg"/>
+          </p:nvPr>
+        </p:nvSpPr>
+        <p:spPr/>
+      </p:sp>
+      <p:sp>
+        <p:nvSpPr>
+          <p:cNvPr id="3" name="Notes Placeholder 2"/>
+          <p:cNvSpPr>
+            <a:spLocks noGrp="1"/>
+          </p:cNvSpPr>
+          <p:nvPr>
+            <p:ph type="body" idx="1"/>
+          </p:nvPr>
+        </p:nvSpPr>
+        <p:spPr/>
+        <p:txBody>
+          <a:bodyPr/>
+          <a:lstStyle/>
+          <a:p>
+            <a:endParaRPr lang="en-US"/>
+          </a:p>
+        </p:txBody>
+      </p:sp>
+      <p:sp>
+        <p:nvSpPr>
+          <p:cNvPr id="4" name="Header Placeholder 3"/>
+          <p:cNvSpPr>
+            <a:spLocks noGrp="1"/>
+          </p:cNvSpPr>
+          <p:nvPr>
+            <p:ph type="hdr" sz="quarter" idx="10"/>
+          </p:nvPr>
+        </p:nvSpPr>
+        <p:spPr/>
+        <p:txBody>
+          <a:bodyPr/>
+          <a:lstStyle/>
+          <a:p>
+            <a:endParaRPr lang="en-US" dirty="0"/>
+          </a:p>
+        </p:txBody>
+      </p:sp>
+      <p:sp>
+        <p:nvSpPr>
+          <p:cNvPr id="5" name="Footer Placeholder 4"/>
+          <p:cNvSpPr>
+            <a:spLocks noGrp="1"/>
+          </p:cNvSpPr>
+          <p:nvPr>
+            <p:ph type="ftr" sz="quarter" idx="11"/>
+          </p:nvPr>
+        </p:nvSpPr>
+        <p:spPr/>
+        <p:txBody>
+          <a:bodyPr/>
+          <a:lstStyle/>
+          <a:p>
+            <a:pPr defTabSz="914099" eaLnBrk="0" hangingPunct="0"/>
+            <a:r>
+              <a:rPr lang="en-US" sz="400">
+                <a:gradFill>
+                  <a:gsLst>
+                    <a:gs pos="0">
+                      <a:prstClr val="black"/>
+                    </a:gs>
+                    <a:gs pos="100000">
+                      <a:prstClr val="black"/>
+                    </a:gs>
+                  </a:gsLst>
+                  <a:lin ang="5400000" scaled="0"/>
+                </a:gradFill>
+                <a:latin typeface="Segoe UI" pitchFamily="34" charset="0"/>
+                <a:ea typeface="Segoe UI" pitchFamily="34" charset="0"/>
+                <a:cs typeface="Segoe UI" pitchFamily="34" charset="0"/>
+              </a:rPr>
+              <a:t>© Microsoft Corporation. All rights reserved. MICROSOFT MAKES NO WARRANTIES, EXPRESS, IMPLIED OR STATUTORY, AS TO THE INFORMATION IN THIS PRESENTATION.</a:t>
+            </a:r>
+            <a:endParaRPr lang="en-US" sz="400" dirty="0">
+              <a:gradFill>
+                <a:gsLst>
+                  <a:gs pos="0">
+                    <a:prstClr val="black"/>
+                  </a:gs>
+                  <a:gs pos="100000">
+                    <a:prstClr val="black"/>
+                  </a:gs>
+                </a:gsLst>
+                <a:lin ang="5400000" scaled="0"/>
+              </a:gradFill>
+              <a:latin typeface="Segoe UI" pitchFamily="34" charset="0"/>
+              <a:ea typeface="Segoe UI" pitchFamily="34" charset="0"/>
+              <a:cs typeface="Segoe UI" pitchFamily="34" charset="0"/>
+            </a:endParaRPr>
+          </a:p>
+        </p:txBody>
+      </p:sp>
+      <p:sp>
+        <p:nvSpPr>
+          <p:cNvPr id="6" name="Date Placeholder 5"/>
+          <p:cNvSpPr>
+            <a:spLocks noGrp="1"/>
+          </p:cNvSpPr>
+          <p:nvPr>
+            <p:ph type="dt" idx="12"/>
+          </p:nvPr>
+        </p:nvSpPr>
+        <p:spPr/>
+        <p:txBody>
+          <a:bodyPr/>
+          <a:lstStyle/>
+          <a:p>
+            <a:fld id="{D18B56EA-E28F-4F92-9F16-7A6F2501B303}" type="datetime8">
+              <a:rPr lang="en-US" smtClean="0"/>
+              <a:t>2/28/20 1:24 PM</a:t>
+            </a:fld>
+            <a:endParaRPr lang="en-US" dirty="0"/>
+          </a:p>
+        </p:txBody>
+      </p:sp>
+      <p:sp>
+        <p:nvSpPr>
+          <p:cNvPr id="7" name="Slide Number Placeholder 6"/>
+          <p:cNvSpPr>
+            <a:spLocks noGrp="1"/>
+          </p:cNvSpPr>
+          <p:nvPr>
+            <p:ph type="sldNum" sz="quarter" idx="13"/>
+          </p:nvPr>
+        </p:nvSpPr>
+        <p:spPr/>
+        <p:txBody>
+          <a:bodyPr/>
+          <a:lstStyle/>
+          <a:p>
+            <a:fld id="{B4008EB6-D09E-4580-8CD6-DDB14511944F}" type="slidenum">
+              <a:rPr lang="en-US" smtClean="0"/>
+              <a:pPr/>
+              <a:t>20</a:t>
+            </a:fld>
+            <a:endParaRPr lang="en-US" dirty="0"/>
+          </a:p>
+        </p:txBody>
+      </p:sp>
+    </p:spTree>
+    <p:extLst>
+      <p:ext uri="{BB962C8B-B14F-4D97-AF65-F5344CB8AC3E}">
+        <p14:creationId xmlns:p14="http://schemas.microsoft.com/office/powerpoint/2010/main" val="1685519606"/>
       </p:ext>
     </p:extLst>
   </p:cSld>
@@ -3573,7 +5726,10 @@
           <a:bodyPr/>
           <a:lstStyle/>
           <a:p>
-            <a:endParaRPr lang="en-US"/>
+            <a:r>
+              <a:rPr lang="en-US" dirty="0"/>
+              <a:t>In this unit, you'll learn what SharePoint Framework extensions are and how you can use them to customize SharePoint. Then, you'll learn about one type of extension: application customizers.</a:t>
+            </a:r>
           </a:p>
         </p:txBody>
       </p:sp>
@@ -3667,7 +5823,7 @@
           <a:p>
             <a:fld id="{D18B56EA-E28F-4F92-9F16-7A6F2501B303}" type="datetime8">
               <a:rPr lang="en-US" smtClean="0"/>
-              <a:t>8/31/2019 2:44 PM</a:t>
+              <a:t>2/28/20 1:24 PM</a:t>
             </a:fld>
             <a:endParaRPr lang="en-US" dirty="0"/>
           </a:p>
@@ -3754,6 +5910,67 @@
           <a:bodyPr/>
           <a:lstStyle/>
           <a:p>
+            <a:r>
+              <a:rPr lang="en-US" dirty="0"/>
+              <a:t>SharePoint Framework extensions enable developers to customize and extend the SharePoint user experience. You can use them to customize notification areas, list toolbars, list menus, and list data views. </a:t>
+            </a:r>
+          </a:p>
+          <a:p>
+            <a:endParaRPr lang="en-US" dirty="0"/>
+          </a:p>
+          <a:p>
+            <a:r>
+              <a:rPr lang="en-US" dirty="0"/>
+              <a:t>Microsoft introduced extensions in the SharePoint Framework to allow customers to implement some of the same customization options available in classic sites. Extensions will only work in the modern SharePoint experience and are intended to serve as the modern option for the following options in the classic experience:</a:t>
+            </a:r>
+          </a:p>
+          <a:p>
+            <a:endParaRPr lang="en-US" dirty="0"/>
+          </a:p>
+          <a:p>
+            <a:r>
+              <a:rPr lang="en-US" dirty="0"/>
+              <a:t>- delegate controls and `</a:t>
+            </a:r>
+            <a:r>
+              <a:rPr lang="en-US" dirty="0" err="1"/>
+              <a:t>ScriptLink</a:t>
+            </a:r>
+            <a:r>
+              <a:rPr lang="en-US" dirty="0"/>
+              <a:t>`</a:t>
+            </a:r>
+          </a:p>
+          <a:p>
+            <a:r>
+              <a:rPr lang="en-US" dirty="0"/>
+              <a:t>- client-side rendering (CSR) and `</a:t>
+            </a:r>
+            <a:r>
+              <a:rPr lang="en-US" dirty="0" err="1"/>
+              <a:t>JSLink</a:t>
+            </a:r>
+            <a:r>
+              <a:rPr lang="en-US" dirty="0"/>
+              <a:t>`</a:t>
+            </a:r>
+          </a:p>
+          <a:p>
+            <a:r>
+              <a:rPr lang="en-US" dirty="0"/>
+              <a:t>- custom actions</a:t>
+            </a:r>
+          </a:p>
+          <a:p>
+            <a:endParaRPr lang="en-US" dirty="0"/>
+          </a:p>
+          <a:p>
+            <a:r>
+              <a:rPr lang="en-US" dirty="0"/>
+              <a:t>Because they only run in the modern experience, you can only use SharePoint Framework extensions in SharePoint Server 2019 and SharePoint Online.</a:t>
+            </a:r>
+          </a:p>
+          <a:p>
             <a:endParaRPr lang="en-US" dirty="0"/>
           </a:p>
         </p:txBody>
@@ -3765,7 +5982,7 @@
             <a:spLocks noGrp="1"/>
           </p:cNvSpPr>
           <p:nvPr>
-            <p:ph type="hdr" sz="quarter" idx="10"/>
+            <p:ph type="hdr" sz="quarter"/>
           </p:nvPr>
         </p:nvSpPr>
         <p:spPr/>
@@ -3775,7 +5992,7 @@
           <a:p>
             <a:r>
               <a:rPr lang="en-US"/>
-              <a:t>SharePoint</a:t>
+              <a:t>SharePoint Framework</a:t>
             </a:r>
             <a:endParaRPr lang="en-US" dirty="0"/>
           </a:p>
@@ -3788,7 +6005,7 @@
             <a:spLocks noGrp="1"/>
           </p:cNvSpPr>
           <p:nvPr>
-            <p:ph type="ftr" sz="quarter" idx="11"/>
+            <p:ph type="ftr" sz="quarter" idx="4"/>
           </p:nvPr>
         </p:nvSpPr>
         <p:spPr/>
@@ -3796,7 +6013,7 @@
           <a:bodyPr/>
           <a:lstStyle/>
           <a:p>
-            <a:pPr defTabSz="924154" eaLnBrk="0" hangingPunct="0"/>
+            <a:pPr defTabSz="914099" eaLnBrk="0" hangingPunct="0"/>
             <a:r>
               <a:rPr lang="en-US" sz="400">
                 <a:gradFill>
@@ -3814,7 +6031,7 @@
                 <a:ea typeface="Segoe UI" pitchFamily="34" charset="0"/>
                 <a:cs typeface="Segoe UI" pitchFamily="34" charset="0"/>
               </a:rPr>
-              <a:t>© 2016 Microsoft Corporation. All rights reserved. MICROSOFT MAKES NO WARRANTIES, EXPRESS, IMPLIED OR STATUTORY, AS TO THE INFORMATION IN THIS PRESENTATION.</a:t>
+              <a:t>© Microsoft Corporation. All rights reserved. MICROSOFT MAKES NO WARRANTIES, EXPRESS, IMPLIED OR STATUTORY, AS TO THE INFORMATION IN THIS PRESENTATION.</a:t>
             </a:r>
             <a:endParaRPr lang="en-US" sz="400" dirty="0">
               <a:gradFill>
@@ -3837,12 +6054,12 @@
       </p:sp>
       <p:sp>
         <p:nvSpPr>
-          <p:cNvPr id="6" name="Slide Number Placeholder 5"/>
+          <p:cNvPr id="6" name="Date Placeholder 5"/>
           <p:cNvSpPr>
             <a:spLocks noGrp="1"/>
           </p:cNvSpPr>
           <p:nvPr>
-            <p:ph type="sldNum" sz="quarter" idx="12"/>
+            <p:ph type="dt" idx="1"/>
           </p:nvPr>
         </p:nvSpPr>
         <p:spPr/>
@@ -3850,10 +6067,33 @@
           <a:bodyPr/>
           <a:lstStyle/>
           <a:p>
+            <a:fld id="{D18B56EA-E28F-4F92-9F16-7A6F2501B303}" type="datetime8">
+              <a:rPr lang="en-US" smtClean="0"/>
+              <a:t>2/28/20 1:31 PM</a:t>
+            </a:fld>
+            <a:endParaRPr lang="en-US" dirty="0"/>
+          </a:p>
+        </p:txBody>
+      </p:sp>
+      <p:sp>
+        <p:nvSpPr>
+          <p:cNvPr id="7" name="Slide Number Placeholder 6"/>
+          <p:cNvSpPr>
+            <a:spLocks noGrp="1"/>
+          </p:cNvSpPr>
+          <p:nvPr>
+            <p:ph type="sldNum" sz="quarter" idx="5"/>
+          </p:nvPr>
+        </p:nvSpPr>
+        <p:spPr/>
+        <p:txBody>
+          <a:bodyPr/>
+          <a:lstStyle/>
+          <a:p>
             <a:fld id="{B4008EB6-D09E-4580-8CD6-DDB14511944F}" type="slidenum">
               <a:rPr lang="en-US" smtClean="0"/>
               <a:pPr/>
-              <a:t>7</a:t>
+              <a:t>3</a:t>
             </a:fld>
             <a:endParaRPr lang="en-US" dirty="0"/>
           </a:p>
@@ -3862,7 +6102,7 @@
     </p:spTree>
     <p:extLst>
       <p:ext uri="{BB962C8B-B14F-4D97-AF65-F5344CB8AC3E}">
-        <p14:creationId xmlns:p14="http://schemas.microsoft.com/office/powerpoint/2010/main" val="2045298552"/>
+        <p14:creationId xmlns:p14="http://schemas.microsoft.com/office/powerpoint/2010/main" val="1396085807"/>
       </p:ext>
     </p:extLst>
   </p:cSld>
@@ -3916,7 +6156,45 @@
           <a:bodyPr/>
           <a:lstStyle/>
           <a:p>
-            <a:endParaRPr lang="en-US"/>
+            <a:r>
+              <a:rPr lang="en-US" dirty="0"/>
+              <a:t>Let's look at the first type of extension: the application customizer. This extension is intended to be the modern replacement to the legacy delegate controls and `</a:t>
+            </a:r>
+            <a:r>
+              <a:rPr lang="en-US" dirty="0" err="1"/>
+              <a:t>ScriptLink</a:t>
+            </a:r>
+            <a:r>
+              <a:rPr lang="en-US" dirty="0"/>
+              <a:t>` property.</a:t>
+            </a:r>
+          </a:p>
+          <a:p>
+            <a:endParaRPr lang="en-US" dirty="0"/>
+          </a:p>
+          <a:p>
+            <a:r>
+              <a:rPr lang="en-US" dirty="0"/>
+              <a:t>Application customizers enable you to do two things:</a:t>
+            </a:r>
+          </a:p>
+          <a:p>
+            <a:endParaRPr lang="en-US" dirty="0"/>
+          </a:p>
+          <a:p>
+            <a:r>
+              <a:rPr lang="en-US" dirty="0"/>
+              <a:t>- add script to all pages in a site collection</a:t>
+            </a:r>
+          </a:p>
+          <a:p>
+            <a:r>
+              <a:rPr lang="en-US" dirty="0"/>
+              <a:t>- set the HTML on two well-known `&lt;div&gt;` elements on the page that serve as headers and footers</a:t>
+            </a:r>
+          </a:p>
+          <a:p>
+            <a:endParaRPr lang="en-US" dirty="0"/>
           </a:p>
         </p:txBody>
       </p:sp>
@@ -3927,7 +6205,7 @@
             <a:spLocks noGrp="1"/>
           </p:cNvSpPr>
           <p:nvPr>
-            <p:ph type="hdr" sz="quarter" idx="10"/>
+            <p:ph type="hdr" sz="quarter"/>
           </p:nvPr>
         </p:nvSpPr>
         <p:spPr/>
@@ -3935,6 +6213,10 @@
           <a:bodyPr/>
           <a:lstStyle/>
           <a:p>
+            <a:r>
+              <a:rPr lang="en-US"/>
+              <a:t>SharePoint Framework</a:t>
+            </a:r>
             <a:endParaRPr lang="en-US" dirty="0"/>
           </a:p>
         </p:txBody>
@@ -3946,7 +6228,7 @@
             <a:spLocks noGrp="1"/>
           </p:cNvSpPr>
           <p:nvPr>
-            <p:ph type="ftr" sz="quarter" idx="11"/>
+            <p:ph type="ftr" sz="quarter" idx="4"/>
           </p:nvPr>
         </p:nvSpPr>
         <p:spPr/>
@@ -4000,7 +6282,7 @@
             <a:spLocks noGrp="1"/>
           </p:cNvSpPr>
           <p:nvPr>
-            <p:ph type="dt" idx="12"/>
+            <p:ph type="dt" idx="1"/>
           </p:nvPr>
         </p:nvSpPr>
         <p:spPr/>
@@ -4010,7 +6292,7 @@
           <a:p>
             <a:fld id="{D18B56EA-E28F-4F92-9F16-7A6F2501B303}" type="datetime8">
               <a:rPr lang="en-US" smtClean="0"/>
-              <a:t>8/31/2019 2:44 PM</a:t>
+              <a:t>2/28/20 1:37 PM</a:t>
             </a:fld>
             <a:endParaRPr lang="en-US" dirty="0"/>
           </a:p>
@@ -4023,7 +6305,7 @@
             <a:spLocks noGrp="1"/>
           </p:cNvSpPr>
           <p:nvPr>
-            <p:ph type="sldNum" sz="quarter" idx="13"/>
+            <p:ph type="sldNum" sz="quarter" idx="5"/>
           </p:nvPr>
         </p:nvSpPr>
         <p:spPr/>
@@ -4034,7 +6316,7 @@
             <a:fld id="{B4008EB6-D09E-4580-8CD6-DDB14511944F}" type="slidenum">
               <a:rPr lang="en-US" smtClean="0"/>
               <a:pPr/>
-              <a:t>16</a:t>
+              <a:t>4</a:t>
             </a:fld>
             <a:endParaRPr lang="en-US" dirty="0"/>
           </a:p>
@@ -4043,7 +6325,7 @@
     </p:spTree>
     <p:extLst>
       <p:ext uri="{BB962C8B-B14F-4D97-AF65-F5344CB8AC3E}">
-        <p14:creationId xmlns:p14="http://schemas.microsoft.com/office/powerpoint/2010/main" val="2593812498"/>
+        <p14:creationId xmlns:p14="http://schemas.microsoft.com/office/powerpoint/2010/main" val="3312692253"/>
       </p:ext>
     </p:extLst>
   </p:cSld>
@@ -4097,6 +6379,29 @@
           <a:bodyPr/>
           <a:lstStyle/>
           <a:p>
+            <a:r>
+              <a:rPr lang="en-US" dirty="0"/>
+              <a:t>The next type of extension is the field customizer. This extension is intended to be the modern replacement to the legacy client-side rendering (CSR) framework and `</a:t>
+            </a:r>
+            <a:r>
+              <a:rPr lang="en-US" dirty="0" err="1"/>
+              <a:t>JSLink</a:t>
+            </a:r>
+            <a:r>
+              <a:rPr lang="en-US" dirty="0"/>
+              <a:t>`.</a:t>
+            </a:r>
+          </a:p>
+          <a:p>
+            <a:endParaRPr lang="en-US" dirty="0"/>
+          </a:p>
+          <a:p>
+            <a:r>
+              <a:rPr lang="en-US" dirty="0"/>
+              <a:t>Field customizers enable you to define the HTML within a cell in the list display form. In the following screenshot, notice the **Percent Complete** column is rendered with custom colored bars instead of plain text:</a:t>
+            </a:r>
+          </a:p>
+          <a:p>
             <a:endParaRPr lang="en-US" dirty="0"/>
           </a:p>
         </p:txBody>
@@ -4108,7 +6413,7 @@
             <a:spLocks noGrp="1"/>
           </p:cNvSpPr>
           <p:nvPr>
-            <p:ph type="hdr" sz="quarter" idx="10"/>
+            <p:ph type="hdr" sz="quarter"/>
           </p:nvPr>
         </p:nvSpPr>
         <p:spPr/>
@@ -4116,6 +6421,10 @@
           <a:bodyPr/>
           <a:lstStyle/>
           <a:p>
+            <a:r>
+              <a:rPr lang="en-US"/>
+              <a:t>SharePoint Framework</a:t>
+            </a:r>
             <a:endParaRPr lang="en-US" dirty="0"/>
           </a:p>
         </p:txBody>
@@ -4127,7 +6436,7 @@
             <a:spLocks noGrp="1"/>
           </p:cNvSpPr>
           <p:nvPr>
-            <p:ph type="ftr" sz="quarter" idx="11"/>
+            <p:ph type="ftr" sz="quarter" idx="4"/>
           </p:nvPr>
         </p:nvSpPr>
         <p:spPr/>
@@ -4181,7 +6490,7 @@
             <a:spLocks noGrp="1"/>
           </p:cNvSpPr>
           <p:nvPr>
-            <p:ph type="dt" idx="12"/>
+            <p:ph type="dt" idx="1"/>
           </p:nvPr>
         </p:nvSpPr>
         <p:spPr/>
@@ -4191,7 +6500,7 @@
           <a:p>
             <a:fld id="{D18B56EA-E28F-4F92-9F16-7A6F2501B303}" type="datetime8">
               <a:rPr lang="en-US" smtClean="0"/>
-              <a:t>8/31/2019 2:44 PM</a:t>
+              <a:t>2/28/20 1:40 PM</a:t>
             </a:fld>
             <a:endParaRPr lang="en-US" dirty="0"/>
           </a:p>
@@ -4204,7 +6513,7 @@
             <a:spLocks noGrp="1"/>
           </p:cNvSpPr>
           <p:nvPr>
-            <p:ph type="sldNum" sz="quarter" idx="13"/>
+            <p:ph type="sldNum" sz="quarter" idx="5"/>
           </p:nvPr>
         </p:nvSpPr>
         <p:spPr/>
@@ -4215,7 +6524,7 @@
             <a:fld id="{B4008EB6-D09E-4580-8CD6-DDB14511944F}" type="slidenum">
               <a:rPr lang="en-US" smtClean="0"/>
               <a:pPr/>
-              <a:t>18</a:t>
+              <a:t>5</a:t>
             </a:fld>
             <a:endParaRPr lang="en-US" dirty="0"/>
           </a:p>
@@ -4224,7 +6533,7 @@
     </p:spTree>
     <p:extLst>
       <p:ext uri="{BB962C8B-B14F-4D97-AF65-F5344CB8AC3E}">
-        <p14:creationId xmlns:p14="http://schemas.microsoft.com/office/powerpoint/2010/main" val="3282806226"/>
+        <p14:creationId xmlns:p14="http://schemas.microsoft.com/office/powerpoint/2010/main" val="3883766095"/>
       </p:ext>
     </p:extLst>
   </p:cSld>
@@ -4278,7 +6587,22 @@
           <a:bodyPr/>
           <a:lstStyle/>
           <a:p>
-            <a:endParaRPr lang="en-US"/>
+            <a:r>
+              <a:rPr lang="en-US" dirty="0"/>
+              <a:t>The last type of extension is the command set. This extension is intended to be the modern replacement to the legacy custom actions.</a:t>
+            </a:r>
+          </a:p>
+          <a:p>
+            <a:endParaRPr lang="en-US" dirty="0"/>
+          </a:p>
+          <a:p>
+            <a:r>
+              <a:rPr lang="en-US" dirty="0"/>
+              <a:t>Command sets enable you to add buttons to list and library toolbars or to the context menu of items within a list.</a:t>
+            </a:r>
+          </a:p>
+          <a:p>
+            <a:endParaRPr lang="en-US" dirty="0"/>
           </a:p>
         </p:txBody>
       </p:sp>
@@ -4289,7 +6613,7 @@
             <a:spLocks noGrp="1"/>
           </p:cNvSpPr>
           <p:nvPr>
-            <p:ph type="hdr" sz="quarter" idx="10"/>
+            <p:ph type="hdr" sz="quarter"/>
           </p:nvPr>
         </p:nvSpPr>
         <p:spPr/>
@@ -4297,6 +6621,10 @@
           <a:bodyPr/>
           <a:lstStyle/>
           <a:p>
+            <a:r>
+              <a:rPr lang="en-US"/>
+              <a:t>SharePoint Framework</a:t>
+            </a:r>
             <a:endParaRPr lang="en-US" dirty="0"/>
           </a:p>
         </p:txBody>
@@ -4308,7 +6636,7 @@
             <a:spLocks noGrp="1"/>
           </p:cNvSpPr>
           <p:nvPr>
-            <p:ph type="ftr" sz="quarter" idx="11"/>
+            <p:ph type="ftr" sz="quarter" idx="4"/>
           </p:nvPr>
         </p:nvSpPr>
         <p:spPr/>
@@ -4362,7 +6690,7 @@
             <a:spLocks noGrp="1"/>
           </p:cNvSpPr>
           <p:nvPr>
-            <p:ph type="dt" idx="12"/>
+            <p:ph type="dt" idx="1"/>
           </p:nvPr>
         </p:nvSpPr>
         <p:spPr/>
@@ -4372,7 +6700,7 @@
           <a:p>
             <a:fld id="{D18B56EA-E28F-4F92-9F16-7A6F2501B303}" type="datetime8">
               <a:rPr lang="en-US" smtClean="0"/>
-              <a:t>8/31/2019 2:44 PM</a:t>
+              <a:t>2/28/20 1:49 PM</a:t>
             </a:fld>
             <a:endParaRPr lang="en-US" dirty="0"/>
           </a:p>
@@ -4385,7 +6713,7 @@
             <a:spLocks noGrp="1"/>
           </p:cNvSpPr>
           <p:nvPr>
-            <p:ph type="sldNum" sz="quarter" idx="13"/>
+            <p:ph type="sldNum" sz="quarter" idx="5"/>
           </p:nvPr>
         </p:nvSpPr>
         <p:spPr/>
@@ -4396,7 +6724,7 @@
             <a:fld id="{B4008EB6-D09E-4580-8CD6-DDB14511944F}" type="slidenum">
               <a:rPr lang="en-US" smtClean="0"/>
               <a:pPr/>
-              <a:t>19</a:t>
+              <a:t>6</a:t>
             </a:fld>
             <a:endParaRPr lang="en-US" dirty="0"/>
           </a:p>
@@ -4405,7 +6733,7 @@
     </p:spTree>
     <p:extLst>
       <p:ext uri="{BB962C8B-B14F-4D97-AF65-F5344CB8AC3E}">
-        <p14:creationId xmlns:p14="http://schemas.microsoft.com/office/powerpoint/2010/main" val="2510823477"/>
+        <p14:creationId xmlns:p14="http://schemas.microsoft.com/office/powerpoint/2010/main" val="3496545811"/>
       </p:ext>
     </p:extLst>
   </p:cSld>
@@ -4459,7 +6787,156 @@
           <a:bodyPr/>
           <a:lstStyle/>
           <a:p>
-            <a:endParaRPr lang="en-US"/>
+            <a:r>
+              <a:rPr lang="en-US" dirty="0"/>
+              <a:t>The Yeoman generator for the SharePoint Framework creates the scaffolding (*folders &amp; files*) for a new SharePoint Framework project. After building the project the first time, you'll see even more folders and files present. Just like a .NET Framework project, some of the generated files are temporary and shouldn't be kept in source control.</a:t>
+            </a:r>
+          </a:p>
+          <a:p>
+            <a:endParaRPr lang="en-US" dirty="0"/>
+          </a:p>
+          <a:p>
+            <a:r>
+              <a:rPr lang="en-US" dirty="0"/>
+              <a:t>Let's look at the folders in a newly created and built SharePoint Framework project:</a:t>
+            </a:r>
+          </a:p>
+          <a:p>
+            <a:endParaRPr lang="en-US" dirty="0"/>
+          </a:p>
+          <a:p>
+            <a:r>
+              <a:rPr lang="en-US" dirty="0"/>
+              <a:t>![Screenshot of a SharePoint Framework project in VS Code](../media/02-project-structure.png)</a:t>
+            </a:r>
+          </a:p>
+          <a:p>
+            <a:endParaRPr lang="en-US" dirty="0"/>
+          </a:p>
+          <a:p>
+            <a:r>
+              <a:rPr lang="en-US" dirty="0"/>
+              <a:t>- **.</a:t>
+            </a:r>
+            <a:r>
+              <a:rPr lang="en-US" dirty="0" err="1"/>
+              <a:t>vscode</a:t>
+            </a:r>
+            <a:r>
+              <a:rPr lang="en-US" dirty="0"/>
+              <a:t>**: This folder contains Visual Studio Code specific files.</a:t>
+            </a:r>
+          </a:p>
+          <a:p>
+            <a:r>
+              <a:rPr lang="en-US" dirty="0"/>
+              <a:t>- **config**: This folder contains configuration files used by the project's various build tasks. You'll edit these files as necessary depending on the types of components you're creating and for specific situations, such as the site to test extensions or adding references to external libraries.</a:t>
+            </a:r>
+          </a:p>
+          <a:p>
+            <a:r>
+              <a:rPr lang="en-US" dirty="0"/>
+              <a:t>- **</a:t>
+            </a:r>
+            <a:r>
+              <a:rPr lang="en-US" dirty="0" err="1"/>
+              <a:t>dist</a:t>
+            </a:r>
+            <a:r>
+              <a:rPr lang="en-US" dirty="0"/>
+              <a:t>**: This folder, created automatically when you bundle the project, contains the JavaScript bundle &amp; manifest created by the build process that will be used in deployment.</a:t>
+            </a:r>
+          </a:p>
+          <a:p>
+            <a:r>
+              <a:rPr lang="en-US" dirty="0"/>
+              <a:t>- **lib**: This folder, created automatically when you build the project, contains the temporary files generated from the compilation and transpilation of TypeScript to JavaScript and SCSS to CSS files.</a:t>
+            </a:r>
+          </a:p>
+          <a:p>
+            <a:r>
+              <a:rPr lang="en-US" dirty="0"/>
+              <a:t>- **</a:t>
+            </a:r>
+            <a:r>
+              <a:rPr lang="en-US" dirty="0" err="1"/>
+              <a:t>node_modules</a:t>
+            </a:r>
+            <a:r>
+              <a:rPr lang="en-US" dirty="0"/>
+              <a:t>**: This folder is created automatically when installing package dependencies using the `</a:t>
+            </a:r>
+            <a:r>
+              <a:rPr lang="en-US" dirty="0" err="1"/>
+              <a:t>npm</a:t>
+            </a:r>
+            <a:r>
+              <a:rPr lang="en-US" dirty="0"/>
+              <a:t> install` command.</a:t>
+            </a:r>
+          </a:p>
+          <a:p>
+            <a:r>
+              <a:rPr lang="en-US" dirty="0"/>
+              <a:t>- **</a:t>
+            </a:r>
+            <a:r>
+              <a:rPr lang="en-US" dirty="0" err="1"/>
+              <a:t>src</a:t>
+            </a:r>
+            <a:r>
+              <a:rPr lang="en-US" dirty="0"/>
+              <a:t>**: This folder contains all the source code for your project.</a:t>
+            </a:r>
+          </a:p>
+          <a:p>
+            <a:r>
+              <a:rPr lang="en-US" dirty="0"/>
+              <a:t>- **temp**: This folder, created automatically when you test the project, contains files used by the local development web server.</a:t>
+            </a:r>
+          </a:p>
+          <a:p>
+            <a:endParaRPr lang="en-US" dirty="0"/>
+          </a:p>
+          <a:p>
+            <a:r>
+              <a:rPr lang="en-US" dirty="0"/>
+              <a:t>&gt; [!NOTE]</a:t>
+            </a:r>
+          </a:p>
+          <a:p>
+            <a:r>
+              <a:rPr lang="en-US" dirty="0"/>
+              <a:t>&gt; The **</a:t>
+            </a:r>
+            <a:r>
+              <a:rPr lang="en-US" dirty="0" err="1"/>
+              <a:t>dist</a:t>
+            </a:r>
+            <a:r>
+              <a:rPr lang="en-US" dirty="0"/>
+              <a:t>**, **lib**, **</a:t>
+            </a:r>
+            <a:r>
+              <a:rPr lang="en-US" dirty="0" err="1"/>
+              <a:t>node_modules</a:t>
+            </a:r>
+            <a:r>
+              <a:rPr lang="en-US" dirty="0"/>
+              <a:t>**, and **temp** folders should not be committed to your source control solution because they are automatically generated by the build process and when installing or restoring dependencies.</a:t>
+            </a:r>
+          </a:p>
+          <a:p>
+            <a:r>
+              <a:rPr lang="en-US" dirty="0"/>
+              <a:t>&gt;</a:t>
+            </a:r>
+          </a:p>
+          <a:p>
+            <a:r>
+              <a:rPr lang="en-US" dirty="0"/>
+              <a:t>&gt; These folders are similar to the **bin**, **obj**, and **packages** folder generated in a .NET project.</a:t>
+            </a:r>
           </a:p>
         </p:txBody>
       </p:sp>
@@ -4478,6 +6955,10 @@
           <a:bodyPr/>
           <a:lstStyle/>
           <a:p>
+            <a:r>
+              <a:rPr lang="en-US"/>
+              <a:t>SharePoint</a:t>
+            </a:r>
             <a:endParaRPr lang="en-US" dirty="0"/>
           </a:p>
         </p:txBody>
@@ -4490,6 +6971,258 @@
           </p:cNvSpPr>
           <p:nvPr>
             <p:ph type="ftr" sz="quarter" idx="11"/>
+          </p:nvPr>
+        </p:nvSpPr>
+        <p:spPr/>
+        <p:txBody>
+          <a:bodyPr/>
+          <a:lstStyle/>
+          <a:p>
+            <a:pPr defTabSz="924154" eaLnBrk="0" hangingPunct="0"/>
+            <a:r>
+              <a:rPr lang="en-US" sz="400">
+                <a:gradFill>
+                  <a:gsLst>
+                    <a:gs pos="0">
+                      <a:prstClr val="black"/>
+                    </a:gs>
+                    <a:gs pos="100000">
+                      <a:prstClr val="black"/>
+                    </a:gs>
+                  </a:gsLst>
+                  <a:lin ang="5400000" scaled="0"/>
+                </a:gradFill>
+                <a:latin typeface="Segoe UI" pitchFamily="34" charset="0"/>
+                <a:ea typeface="Segoe UI" pitchFamily="34" charset="0"/>
+                <a:cs typeface="Segoe UI" pitchFamily="34" charset="0"/>
+              </a:rPr>
+              <a:t>© 2016 Microsoft Corporation. All rights reserved. MICROSOFT MAKES NO WARRANTIES, EXPRESS, IMPLIED OR STATUTORY, AS TO THE INFORMATION IN THIS PRESENTATION.</a:t>
+            </a:r>
+            <a:endParaRPr lang="en-US" sz="400" dirty="0">
+              <a:gradFill>
+                <a:gsLst>
+                  <a:gs pos="0">
+                    <a:prstClr val="black"/>
+                  </a:gs>
+                  <a:gs pos="100000">
+                    <a:prstClr val="black"/>
+                  </a:gs>
+                </a:gsLst>
+                <a:lin ang="5400000" scaled="0"/>
+              </a:gradFill>
+              <a:latin typeface="Segoe UI" pitchFamily="34" charset="0"/>
+              <a:ea typeface="Segoe UI" pitchFamily="34" charset="0"/>
+              <a:cs typeface="Segoe UI" pitchFamily="34" charset="0"/>
+            </a:endParaRPr>
+          </a:p>
+        </p:txBody>
+      </p:sp>
+      <p:sp>
+        <p:nvSpPr>
+          <p:cNvPr id="6" name="Slide Number Placeholder 5"/>
+          <p:cNvSpPr>
+            <a:spLocks noGrp="1"/>
+          </p:cNvSpPr>
+          <p:nvPr>
+            <p:ph type="sldNum" sz="quarter" idx="12"/>
+          </p:nvPr>
+        </p:nvSpPr>
+        <p:spPr/>
+        <p:txBody>
+          <a:bodyPr/>
+          <a:lstStyle/>
+          <a:p>
+            <a:fld id="{B4008EB6-D09E-4580-8CD6-DDB14511944F}" type="slidenum">
+              <a:rPr lang="en-US" smtClean="0"/>
+              <a:pPr/>
+              <a:t>7</a:t>
+            </a:fld>
+            <a:endParaRPr lang="en-US" dirty="0"/>
+          </a:p>
+        </p:txBody>
+      </p:sp>
+    </p:spTree>
+    <p:extLst>
+      <p:ext uri="{BB962C8B-B14F-4D97-AF65-F5344CB8AC3E}">
+        <p14:creationId xmlns:p14="http://schemas.microsoft.com/office/powerpoint/2010/main" val="2045298552"/>
+      </p:ext>
+    </p:extLst>
+  </p:cSld>
+  <p:clrMapOvr>
+    <a:masterClrMapping/>
+  </p:clrMapOvr>
+</p:notes>
+</file>
+
+<file path=ppt/notesSlides/notesSlide8.xml><?xml version="1.0" encoding="utf-8"?>
+<p:notes xmlns:a="http://schemas.openxmlformats.org/drawingml/2006/main" xmlns:r="http://schemas.openxmlformats.org/officeDocument/2006/relationships" xmlns:p="http://schemas.openxmlformats.org/presentationml/2006/main">
+  <p:cSld>
+    <p:spTree>
+      <p:nvGrpSpPr>
+        <p:cNvPr id="1" name=""/>
+        <p:cNvGrpSpPr/>
+        <p:nvPr/>
+      </p:nvGrpSpPr>
+      <p:grpSpPr>
+        <a:xfrm>
+          <a:off x="0" y="0"/>
+          <a:ext cx="0" cy="0"/>
+          <a:chOff x="0" y="0"/>
+          <a:chExt cx="0" cy="0"/>
+        </a:xfrm>
+      </p:grpSpPr>
+      <p:sp>
+        <p:nvSpPr>
+          <p:cNvPr id="2" name="Slide Image Placeholder 1"/>
+          <p:cNvSpPr>
+            <a:spLocks noGrp="1" noRot="1" noChangeAspect="1"/>
+          </p:cNvSpPr>
+          <p:nvPr>
+            <p:ph type="sldImg"/>
+          </p:nvPr>
+        </p:nvSpPr>
+        <p:spPr/>
+      </p:sp>
+      <p:sp>
+        <p:nvSpPr>
+          <p:cNvPr id="3" name="Notes Placeholder 2"/>
+          <p:cNvSpPr>
+            <a:spLocks noGrp="1"/>
+          </p:cNvSpPr>
+          <p:nvPr>
+            <p:ph type="body" idx="1"/>
+          </p:nvPr>
+        </p:nvSpPr>
+        <p:spPr/>
+        <p:txBody>
+          <a:bodyPr/>
+          <a:lstStyle/>
+          <a:p>
+            <a:r>
+              <a:rPr lang="en-US" dirty="0"/>
+              <a:t>Now let's look at how you can debug and text SharePoint Framework extensions. Unlike client-side web parts, extensions require a live SharePoint site, list, or library. This means you can't test extensions in either the local or SharePoint-hosted workbench. You can still build and host extensions projects locally while debugging and testing in a remote SharePoint site.</a:t>
+            </a:r>
+          </a:p>
+          <a:p>
+            <a:endParaRPr lang="en-US" dirty="0"/>
+          </a:p>
+          <a:p>
+            <a:r>
+              <a:rPr lang="en-US" dirty="0"/>
+              <a:t>The testing experience is similar to the experience when you use the hosted SharePoint workbench for a web part development testing and debugging.</a:t>
+            </a:r>
+          </a:p>
+          <a:p>
+            <a:endParaRPr lang="en-US" dirty="0"/>
+          </a:p>
+          <a:p>
+            <a:r>
+              <a:rPr lang="en-US" dirty="0"/>
+              <a:t>To test an extension, you include special query string parameters to the URL of a live SharePoint modern page, list or library. These parameters instruct SharePoint to do the following things:</a:t>
+            </a:r>
+          </a:p>
+          <a:p>
+            <a:endParaRPr lang="en-US" dirty="0"/>
+          </a:p>
+          <a:p>
+            <a:r>
+              <a:rPr lang="en-US" dirty="0"/>
+              <a:t>- load the SharePoint Framework on the page if it isn't already present</a:t>
+            </a:r>
+          </a:p>
+          <a:p>
+            <a:r>
+              <a:rPr lang="en-US" dirty="0"/>
+              <a:t>- the location of the **</a:t>
+            </a:r>
+            <a:r>
+              <a:rPr lang="en-US" dirty="0" err="1"/>
+              <a:t>manifest.js</a:t>
+            </a:r>
+            <a:r>
+              <a:rPr lang="en-US" dirty="0"/>
+              <a:t>** file from the local web server that tells SharePoint what custom components can be put on the page</a:t>
+            </a:r>
+          </a:p>
+          <a:p>
+            <a:r>
+              <a:rPr lang="en-US" dirty="0"/>
+              <a:t>- which component the SharePoint Framework should load and put on the page</a:t>
+            </a:r>
+          </a:p>
+          <a:p>
+            <a:r>
+              <a:rPr lang="en-US" dirty="0"/>
+              <a:t>- additional properties specific to each component</a:t>
+            </a:r>
+          </a:p>
+          <a:p>
+            <a:endParaRPr lang="en-US" dirty="0"/>
+          </a:p>
+          <a:p>
+            <a:r>
+              <a:rPr lang="en-US" dirty="0"/>
+              <a:t>The Yeoman generator for the SharePoint Framework simplifies this process </a:t>
+            </a:r>
+            <a:r>
+              <a:rPr lang="en-US" dirty="0" err="1"/>
+              <a:t>fo</a:t>
+            </a:r>
+            <a:r>
+              <a:rPr lang="en-US" dirty="0"/>
+              <a:t> you by creating a configuration that the **gulp serve** task uses to create the debugging URL. These settings are defined in the **./config/</a:t>
+            </a:r>
+            <a:r>
+              <a:rPr lang="en-US" dirty="0" err="1"/>
+              <a:t>serve.json</a:t>
+            </a:r>
+            <a:r>
+              <a:rPr lang="en-US" dirty="0"/>
+              <a:t>** file.</a:t>
+            </a:r>
+          </a:p>
+          <a:p>
+            <a:endParaRPr lang="en-US" dirty="0"/>
+          </a:p>
+          <a:p>
+            <a:r>
+              <a:rPr lang="en-US" dirty="0"/>
+              <a:t>When SharePoint receives the request with these query string parameters, it will first prompt the user to confirm they want to load debugging scripts. SharePoint does this same technique could be used in a phishing attack. Therefore, you should only load the debugging scripts if you are sure you initiated the request.</a:t>
+            </a:r>
+          </a:p>
+        </p:txBody>
+      </p:sp>
+      <p:sp>
+        <p:nvSpPr>
+          <p:cNvPr id="4" name="Header Placeholder 3"/>
+          <p:cNvSpPr>
+            <a:spLocks noGrp="1"/>
+          </p:cNvSpPr>
+          <p:nvPr>
+            <p:ph type="hdr" sz="quarter"/>
+          </p:nvPr>
+        </p:nvSpPr>
+        <p:spPr/>
+        <p:txBody>
+          <a:bodyPr/>
+          <a:lstStyle/>
+          <a:p>
+            <a:r>
+              <a:rPr lang="en-US"/>
+              <a:t>SharePoint Framework</a:t>
+            </a:r>
+            <a:endParaRPr lang="en-US" dirty="0"/>
+          </a:p>
+        </p:txBody>
+      </p:sp>
+      <p:sp>
+        <p:nvSpPr>
+          <p:cNvPr id="5" name="Footer Placeholder 4"/>
+          <p:cNvSpPr>
+            <a:spLocks noGrp="1"/>
+          </p:cNvSpPr>
+          <p:nvPr>
+            <p:ph type="ftr" sz="quarter" idx="4"/>
           </p:nvPr>
         </p:nvSpPr>
         <p:spPr/>
@@ -4543,7 +7276,7 @@
             <a:spLocks noGrp="1"/>
           </p:cNvSpPr>
           <p:nvPr>
-            <p:ph type="dt" idx="12"/>
+            <p:ph type="dt" idx="1"/>
           </p:nvPr>
         </p:nvSpPr>
         <p:spPr/>
@@ -4553,7 +7286,7 @@
           <a:p>
             <a:fld id="{D18B56EA-E28F-4F92-9F16-7A6F2501B303}" type="datetime8">
               <a:rPr lang="en-US" smtClean="0"/>
-              <a:t>8/31/2019 2:44 PM</a:t>
+              <a:t>2/29/20 5:33 AM</a:t>
             </a:fld>
             <a:endParaRPr lang="en-US" dirty="0"/>
           </a:p>
@@ -4566,7 +7299,7 @@
             <a:spLocks noGrp="1"/>
           </p:cNvSpPr>
           <p:nvPr>
-            <p:ph type="sldNum" sz="quarter" idx="13"/>
+            <p:ph type="sldNum" sz="quarter" idx="5"/>
           </p:nvPr>
         </p:nvSpPr>
         <p:spPr/>
@@ -4577,7 +7310,7 @@
             <a:fld id="{B4008EB6-D09E-4580-8CD6-DDB14511944F}" type="slidenum">
               <a:rPr lang="en-US" smtClean="0"/>
               <a:pPr/>
-              <a:t>20</a:t>
+              <a:t>8</a:t>
             </a:fld>
             <a:endParaRPr lang="en-US" dirty="0"/>
           </a:p>
@@ -4586,7 +7319,239 @@
     </p:spTree>
     <p:extLst>
       <p:ext uri="{BB962C8B-B14F-4D97-AF65-F5344CB8AC3E}">
-        <p14:creationId xmlns:p14="http://schemas.microsoft.com/office/powerpoint/2010/main" val="1685519606"/>
+        <p14:creationId xmlns:p14="http://schemas.microsoft.com/office/powerpoint/2010/main" val="3357831413"/>
+      </p:ext>
+    </p:extLst>
+  </p:cSld>
+  <p:clrMapOvr>
+    <a:masterClrMapping/>
+  </p:clrMapOvr>
+</p:notes>
+</file>
+
+<file path=ppt/notesSlides/notesSlide9.xml><?xml version="1.0" encoding="utf-8"?>
+<p:notes xmlns:a="http://schemas.openxmlformats.org/drawingml/2006/main" xmlns:r="http://schemas.openxmlformats.org/officeDocument/2006/relationships" xmlns:p="http://schemas.openxmlformats.org/presentationml/2006/main">
+  <p:cSld>
+    <p:spTree>
+      <p:nvGrpSpPr>
+        <p:cNvPr id="1" name=""/>
+        <p:cNvGrpSpPr/>
+        <p:nvPr/>
+      </p:nvGrpSpPr>
+      <p:grpSpPr>
+        <a:xfrm>
+          <a:off x="0" y="0"/>
+          <a:ext cx="0" cy="0"/>
+          <a:chOff x="0" y="0"/>
+          <a:chExt cx="0" cy="0"/>
+        </a:xfrm>
+      </p:grpSpPr>
+      <p:sp>
+        <p:nvSpPr>
+          <p:cNvPr id="2" name="Slide Image Placeholder 1"/>
+          <p:cNvSpPr>
+            <a:spLocks noGrp="1" noRot="1" noChangeAspect="1"/>
+          </p:cNvSpPr>
+          <p:nvPr>
+            <p:ph type="sldImg"/>
+          </p:nvPr>
+        </p:nvSpPr>
+        <p:spPr/>
+      </p:sp>
+      <p:sp>
+        <p:nvSpPr>
+          <p:cNvPr id="3" name="Notes Placeholder 2"/>
+          <p:cNvSpPr>
+            <a:spLocks noGrp="1"/>
+          </p:cNvSpPr>
+          <p:nvPr>
+            <p:ph type="body" idx="1"/>
+          </p:nvPr>
+        </p:nvSpPr>
+        <p:spPr/>
+        <p:txBody>
+          <a:bodyPr/>
+          <a:lstStyle/>
+          <a:p>
+            <a:r>
+              <a:rPr lang="en-US" dirty="0"/>
+              <a:t>The deployment for extensions is similar in many ways to deploying web parts. The existing SharePoint Feature framework is used to provision assets into a SharePoint environment.</a:t>
+            </a:r>
+          </a:p>
+          <a:p>
+            <a:endParaRPr lang="en-US" dirty="0"/>
+          </a:p>
+          <a:p>
+            <a:r>
+              <a:rPr lang="en-US" dirty="0"/>
+              <a:t>Application customizers and command sets are provisioned in an environment using the `&lt;</a:t>
+            </a:r>
+            <a:r>
+              <a:rPr lang="en-US" dirty="0" err="1"/>
+              <a:t>CustomAction</a:t>
+            </a:r>
+            <a:r>
+              <a:rPr lang="en-US" dirty="0"/>
+              <a:t>&gt;` element. Field customizers are provisioned into a SharePoint environment as site columns that are defined using the `&lt;Field&gt;` element.</a:t>
+            </a:r>
+          </a:p>
+          <a:p>
+            <a:endParaRPr lang="en-US" dirty="0"/>
+          </a:p>
+          <a:p>
+            <a:r>
+              <a:rPr lang="en-US" dirty="0"/>
+              <a:t>The difference between web parts and extensions when it comes to deployment is that the web part provision process is more transparent than extensions which require more manual work. </a:t>
+            </a:r>
+          </a:p>
+          <a:p>
+            <a:endParaRPr lang="en-US" dirty="0"/>
+          </a:p>
+          <a:p>
+            <a:r>
+              <a:rPr lang="en-US" dirty="0"/>
+              <a:t>When the SharePoint Framework build process creates the SharePoint package, it generates the **\*.webpart** file and SharePoint Feature that's used to provision the **\*.webpart** file to the Web Part Gallery. This is done using the component's manifest and other various project configuration files.</a:t>
+            </a:r>
+          </a:p>
+          <a:p>
+            <a:endParaRPr lang="en-US" dirty="0"/>
+          </a:p>
+          <a:p>
+            <a:r>
+              <a:rPr lang="en-US" dirty="0"/>
+              <a:t>However with extensions, these files must be manually modified prior to packaging to get the right settings.</a:t>
+            </a:r>
+          </a:p>
+        </p:txBody>
+      </p:sp>
+      <p:sp>
+        <p:nvSpPr>
+          <p:cNvPr id="4" name="Header Placeholder 3"/>
+          <p:cNvSpPr>
+            <a:spLocks noGrp="1"/>
+          </p:cNvSpPr>
+          <p:nvPr>
+            <p:ph type="hdr" sz="quarter"/>
+          </p:nvPr>
+        </p:nvSpPr>
+        <p:spPr/>
+        <p:txBody>
+          <a:bodyPr/>
+          <a:lstStyle/>
+          <a:p>
+            <a:r>
+              <a:rPr lang="en-US"/>
+              <a:t>SharePoint Framework</a:t>
+            </a:r>
+            <a:endParaRPr lang="en-US" dirty="0"/>
+          </a:p>
+        </p:txBody>
+      </p:sp>
+      <p:sp>
+        <p:nvSpPr>
+          <p:cNvPr id="5" name="Footer Placeholder 4"/>
+          <p:cNvSpPr>
+            <a:spLocks noGrp="1"/>
+          </p:cNvSpPr>
+          <p:nvPr>
+            <p:ph type="ftr" sz="quarter" idx="4"/>
+          </p:nvPr>
+        </p:nvSpPr>
+        <p:spPr/>
+        <p:txBody>
+          <a:bodyPr/>
+          <a:lstStyle/>
+          <a:p>
+            <a:pPr defTabSz="914099" eaLnBrk="0" hangingPunct="0"/>
+            <a:r>
+              <a:rPr lang="en-US" sz="400">
+                <a:gradFill>
+                  <a:gsLst>
+                    <a:gs pos="0">
+                      <a:prstClr val="black"/>
+                    </a:gs>
+                    <a:gs pos="100000">
+                      <a:prstClr val="black"/>
+                    </a:gs>
+                  </a:gsLst>
+                  <a:lin ang="5400000" scaled="0"/>
+                </a:gradFill>
+                <a:latin typeface="Segoe UI" pitchFamily="34" charset="0"/>
+                <a:ea typeface="Segoe UI" pitchFamily="34" charset="0"/>
+                <a:cs typeface="Segoe UI" pitchFamily="34" charset="0"/>
+              </a:rPr>
+              <a:t>© Microsoft Corporation. All rights reserved. MICROSOFT MAKES NO WARRANTIES, EXPRESS, IMPLIED OR STATUTORY, AS TO THE INFORMATION IN THIS PRESENTATION.</a:t>
+            </a:r>
+            <a:endParaRPr lang="en-US" sz="400" dirty="0">
+              <a:gradFill>
+                <a:gsLst>
+                  <a:gs pos="0">
+                    <a:prstClr val="black"/>
+                  </a:gs>
+                  <a:gs pos="100000">
+                    <a:prstClr val="black"/>
+                  </a:gs>
+                </a:gsLst>
+                <a:lin ang="5400000" scaled="0"/>
+              </a:gradFill>
+              <a:latin typeface="Segoe UI" pitchFamily="34" charset="0"/>
+              <a:ea typeface="Segoe UI" pitchFamily="34" charset="0"/>
+              <a:cs typeface="Segoe UI" pitchFamily="34" charset="0"/>
+            </a:endParaRPr>
+          </a:p>
+        </p:txBody>
+      </p:sp>
+      <p:sp>
+        <p:nvSpPr>
+          <p:cNvPr id="6" name="Date Placeholder 5"/>
+          <p:cNvSpPr>
+            <a:spLocks noGrp="1"/>
+          </p:cNvSpPr>
+          <p:nvPr>
+            <p:ph type="dt" idx="1"/>
+          </p:nvPr>
+        </p:nvSpPr>
+        <p:spPr/>
+        <p:txBody>
+          <a:bodyPr/>
+          <a:lstStyle/>
+          <a:p>
+            <a:fld id="{D18B56EA-E28F-4F92-9F16-7A6F2501B303}" type="datetime8">
+              <a:rPr lang="en-US" smtClean="0"/>
+              <a:t>2/29/20 5:41 AM</a:t>
+            </a:fld>
+            <a:endParaRPr lang="en-US" dirty="0"/>
+          </a:p>
+        </p:txBody>
+      </p:sp>
+      <p:sp>
+        <p:nvSpPr>
+          <p:cNvPr id="7" name="Slide Number Placeholder 6"/>
+          <p:cNvSpPr>
+            <a:spLocks noGrp="1"/>
+          </p:cNvSpPr>
+          <p:nvPr>
+            <p:ph type="sldNum" sz="quarter" idx="5"/>
+          </p:nvPr>
+        </p:nvSpPr>
+        <p:spPr/>
+        <p:txBody>
+          <a:bodyPr/>
+          <a:lstStyle/>
+          <a:p>
+            <a:fld id="{B4008EB6-D09E-4580-8CD6-DDB14511944F}" type="slidenum">
+              <a:rPr lang="en-US" smtClean="0"/>
+              <a:pPr/>
+              <a:t>9</a:t>
+            </a:fld>
+            <a:endParaRPr lang="en-US" dirty="0"/>
+          </a:p>
+        </p:txBody>
+      </p:sp>
+    </p:spTree>
+    <p:extLst>
+      <p:ext uri="{BB962C8B-B14F-4D97-AF65-F5344CB8AC3E}">
+        <p14:creationId xmlns:p14="http://schemas.microsoft.com/office/powerpoint/2010/main" val="1701180981"/>
       </p:ext>
     </p:extLst>
   </p:cSld>
@@ -17121,7 +20086,7 @@
       </a:lvl9pPr>
     </p:otherStyle>
   </p:txStyles>
-  <p:extLst mod="1">
+  <p:extLst>
     <p:ext uri="{27BBF7A9-308A-43DC-89C8-2F10F3537804}">
       <p15:sldGuideLst xmlns:p15="http://schemas.microsoft.com/office/powerpoint/2012/main">
         <p15:guide id="3" pos="1381" userDrawn="1">
@@ -17408,7 +20373,7 @@
         </p:xfrm>
         <a:graphic>
           <a:graphicData uri="http://schemas.openxmlformats.org/drawingml/2006/diagram">
-            <dgm:relIds xmlns:dgm="http://schemas.openxmlformats.org/drawingml/2006/diagram" xmlns:r="http://schemas.openxmlformats.org/officeDocument/2006/relationships" r:dm="rId2" r:lo="rId3" r:qs="rId4" r:cs="rId5"/>
+            <dgm:relIds xmlns:dgm="http://schemas.openxmlformats.org/drawingml/2006/diagram" xmlns:r="http://schemas.openxmlformats.org/officeDocument/2006/relationships" r:dm="rId3" r:lo="rId4" r:qs="rId5" r:cs="rId6"/>
           </a:graphicData>
         </a:graphic>
       </p:graphicFrame>
@@ -17676,7 +20641,7 @@
           <p:nvPr>
             <p:extLst>
               <p:ext uri="{D42A27DB-BD31-4B8C-83A1-F6EECF244321}">
-                <p14:modId xmlns:p14="http://schemas.microsoft.com/office/powerpoint/2010/main" val="4078782163"/>
+                <p14:modId xmlns:p14="http://schemas.microsoft.com/office/powerpoint/2010/main" val="1624161614"/>
               </p:ext>
             </p:extLst>
           </p:nvPr>
@@ -18548,7 +21513,7 @@
           <p:nvPr/>
         </p:nvPicPr>
         <p:blipFill>
-          <a:blip r:embed="rId2"/>
+          <a:blip r:embed="rId3"/>
           <a:stretch>
             <a:fillRect/>
           </a:stretch>
@@ -20525,7 +23490,7 @@
           <p:nvPr/>
         </p:nvPicPr>
         <p:blipFill>
-          <a:blip r:embed="rId2"/>
+          <a:blip r:embed="rId3"/>
           <a:stretch>
             <a:fillRect/>
           </a:stretch>
@@ -20644,7 +23609,7 @@
           <p:nvPr/>
         </p:nvPicPr>
         <p:blipFill>
-          <a:blip r:embed="rId2"/>
+          <a:blip r:embed="rId3"/>
           <a:stretch>
             <a:fillRect/>
           </a:stretch>
@@ -20793,7 +23758,7 @@
           <p:nvPr/>
         </p:nvPicPr>
         <p:blipFill>
-          <a:blip r:embed="rId2"/>
+          <a:blip r:embed="rId3"/>
           <a:stretch>
             <a:fillRect/>
           </a:stretch>
@@ -21167,7 +24132,7 @@
             </a:r>
             <a:r>
               <a:rPr lang="en-US" dirty="0">
-                <a:hlinkClick r:id="rId2"/>
+                <a:hlinkClick r:id="rId3"/>
               </a:rPr>
               <a:t>https://localhost</a:t>
             </a:r>

--- a/01 into+appcustomizer.pptx
+++ b/01 into+appcustomizer.pptx
@@ -1172,8 +1172,8 @@
     <dgm:cxn modelId="{1A54CE04-8A96-4E4A-89DB-FB2A1A17744F}" type="presOf" srcId="{7FD8A240-07A6-F345-A4B5-9AFD7D04E09E}" destId="{8C7BF5B7-4285-C94D-AA34-B3807C7E91FB}" srcOrd="0" destOrd="0" presId="urn:microsoft.com/office/officeart/2005/8/layout/vList2"/>
     <dgm:cxn modelId="{63C3212D-1DCF-8044-A3CF-E372F4EA8362}" srcId="{0FC085B4-97CE-2149-B002-3BE96E991E3C}" destId="{11DE7530-2214-3A46-9779-D26EBB89B8D8}" srcOrd="1" destOrd="0" parTransId="{3BEBEC14-E9DD-5C4A-9EAF-10414B491D11}" sibTransId="{92A6A7B2-A1F5-D54F-B97F-04866B340CB4}"/>
     <dgm:cxn modelId="{97FF1C33-165D-9744-B9DD-5FD72C89A0A7}" type="presOf" srcId="{1680333F-291D-CB49-8833-C083699793E0}" destId="{B0272B02-624D-2445-B63B-A4B45C1ED737}" srcOrd="0" destOrd="0" presId="urn:microsoft.com/office/officeart/2005/8/layout/vList2"/>
+    <dgm:cxn modelId="{FBA34671-A6B0-B74F-B2B2-C18DD774C1FA}" type="presOf" srcId="{11DE7530-2214-3A46-9779-D26EBB89B8D8}" destId="{2FB78BDF-7C8F-1F41-8CD6-4B786B18D9FD}" srcOrd="0" destOrd="0" presId="urn:microsoft.com/office/officeart/2005/8/layout/vList2"/>
     <dgm:cxn modelId="{25C03C5A-4ECE-A34E-96BF-DE75E1E0F7EB}" type="presOf" srcId="{0FC085B4-97CE-2149-B002-3BE96E991E3C}" destId="{70B8A340-42D2-FA49-B0EC-FAFE4652EAD9}" srcOrd="0" destOrd="0" presId="urn:microsoft.com/office/officeart/2005/8/layout/vList2"/>
-    <dgm:cxn modelId="{FBA34671-A6B0-B74F-B2B2-C18DD774C1FA}" type="presOf" srcId="{11DE7530-2214-3A46-9779-D26EBB89B8D8}" destId="{2FB78BDF-7C8F-1F41-8CD6-4B786B18D9FD}" srcOrd="0" destOrd="0" presId="urn:microsoft.com/office/officeart/2005/8/layout/vList2"/>
     <dgm:cxn modelId="{96B4197D-2080-E246-BEDB-AC65A9B0EC38}" srcId="{0FC085B4-97CE-2149-B002-3BE96E991E3C}" destId="{A8E42F35-E34E-9E4B-A895-3BC748187CD3}" srcOrd="3" destOrd="0" parTransId="{8D054F3E-704E-1F47-866C-CB97D4DF2B6E}" sibTransId="{976463D6-3DF4-D14D-BDED-C1EC5A591A19}"/>
     <dgm:cxn modelId="{DD996A87-FB18-2B4E-B34F-9E0235E9B363}" srcId="{0FC085B4-97CE-2149-B002-3BE96E991E3C}" destId="{7FD8A240-07A6-F345-A4B5-9AFD7D04E09E}" srcOrd="0" destOrd="0" parTransId="{028B14B4-179B-914A-A696-BC38CCE94176}" sibTransId="{3862C498-2BCA-314C-82B5-D7FF7FA6942A}"/>
     <dgm:cxn modelId="{78A0C8DA-8CE3-C440-99CD-A857846AFA85}" type="presOf" srcId="{A8E42F35-E34E-9E4B-A895-3BC748187CD3}" destId="{E4AF1CAC-D73A-A24F-9293-09183EA92B01}" srcOrd="0" destOrd="0" presId="urn:microsoft.com/office/officeart/2005/8/layout/vList2"/>
@@ -2806,7 +2806,7 @@
               <a:rPr lang="en-US" smtClean="0">
                 <a:latin typeface="Segoe UI" pitchFamily="34" charset="0"/>
               </a:rPr>
-              <a:t>2/28/20 1:24 PM</a:t>
+              <a:t>8/28/2020 10:11 AM</a:t>
             </a:fld>
             <a:endParaRPr lang="en-US" dirty="0">
               <a:latin typeface="Segoe UI" pitchFamily="34" charset="0"/>
@@ -3103,7 +3103,7 @@
           <a:p>
             <a:fld id="{D18B56EA-E28F-4F92-9F16-7A6F2501B303}" type="datetime8">
               <a:rPr lang="en-US" smtClean="0"/>
-              <a:t>2/28/20 1:22 PM</a:t>
+              <a:t>8/28/2020 10:11 AM</a:t>
             </a:fld>
             <a:endParaRPr lang="en-US" dirty="0"/>
           </a:p>
@@ -3486,7 +3486,7 @@
           <a:p>
             <a:fld id="{D18B56EA-E28F-4F92-9F16-7A6F2501B303}" type="datetime8">
               <a:rPr lang="en-US" smtClean="0"/>
-              <a:t>2/28/20 1:22 PM</a:t>
+              <a:t>8/28/2020 10:11 AM</a:t>
             </a:fld>
             <a:endParaRPr lang="en-US" dirty="0"/>
           </a:p>
@@ -3574,17 +3574,14 @@
           <a:lstStyle/>
           <a:p>
             <a:r>
-              <a:rPr lang="en-US" dirty="0"/>
-              <a:t>Some extensions support tenant wide deployment. Tenant wide deployment allows you to have centralized control of which extensions are available across all sites in a tenant.</a:t>
-            </a:r>
-          </a:p>
-          <a:p>
-            <a:endParaRPr lang="en-US" dirty="0"/>
-          </a:p>
-          <a:p>
-            <a:r>
-              <a:rPr lang="en-US" dirty="0"/>
-              <a:t>This deployment option enables you to easily implement a consistent user experience across all of our sites and a consistent deployment for one extension across all sites in the tenant.</a:t>
+              <a:rPr lang="en-US" b="0" dirty="0">
+                <a:solidFill>
+                  <a:srgbClr val="000000"/>
+                </a:solidFill>
+                <a:effectLst/>
+                <a:latin typeface="Consolas" panose="020B0609020204030204" pitchFamily="49" charset="0"/>
+              </a:rPr>
+              <a:t>Some extensions support tenant wide deployment. Tenant wide deployment allows you to have centralized control of which extensions are available across all sites in a tenant. This deployment option enables you to easily implement a consistent user experience across all of your sites.</a:t>
             </a:r>
           </a:p>
           <a:p>
@@ -3695,7 +3692,7 @@
           <a:p>
             <a:fld id="{D18B56EA-E28F-4F92-9F16-7A6F2501B303}" type="datetime8">
               <a:rPr lang="en-US" smtClean="0"/>
-              <a:t>3/1/20 5:32 AM</a:t>
+              <a:t>8/28/2020 10:11 AM</a:t>
             </a:fld>
             <a:endParaRPr lang="en-US" dirty="0"/>
           </a:p>
@@ -3942,7 +3939,7 @@
           <a:p>
             <a:fld id="{D18B56EA-E28F-4F92-9F16-7A6F2501B303}" type="datetime8">
               <a:rPr lang="en-US" smtClean="0"/>
-              <a:t>3/1/20 5:50 AM</a:t>
+              <a:t>8/28/2020 10:11 AM</a:t>
             </a:fld>
             <a:endParaRPr lang="en-US" dirty="0"/>
           </a:p>
@@ -4147,7 +4144,7 @@
           <a:p>
             <a:fld id="{D18B56EA-E28F-4F92-9F16-7A6F2501B303}" type="datetime8">
               <a:rPr lang="en-US" smtClean="0"/>
-              <a:t>3/1/20 6:06 AM</a:t>
+              <a:t>8/28/2020 10:11 AM</a:t>
             </a:fld>
             <a:endParaRPr lang="en-US" dirty="0"/>
           </a:p>
@@ -4391,7 +4388,7 @@
           <a:p>
             <a:fld id="{D18B56EA-E28F-4F92-9F16-7A6F2501B303}" type="datetime8">
               <a:rPr lang="en-US" smtClean="0"/>
-              <a:t>3/1/20 6:15 AM</a:t>
+              <a:t>8/28/2020 10:11 AM</a:t>
             </a:fld>
             <a:endParaRPr lang="en-US" dirty="0"/>
           </a:p>
@@ -4686,7 +4683,7 @@
           <a:p>
             <a:fld id="{D18B56EA-E28F-4F92-9F16-7A6F2501B303}" type="datetime8">
               <a:rPr lang="en-US" smtClean="0"/>
-              <a:t>3/1/20 6:23 AM</a:t>
+              <a:t>8/28/2020 10:11 AM</a:t>
             </a:fld>
             <a:endParaRPr lang="en-US" dirty="0"/>
           </a:p>
@@ -4915,7 +4912,7 @@
           <a:p>
             <a:fld id="{D18B56EA-E28F-4F92-9F16-7A6F2501B303}" type="datetime8">
               <a:rPr lang="en-US" smtClean="0"/>
-              <a:t>3/1/20 6:27 AM</a:t>
+              <a:t>8/28/2020 10:11 AM</a:t>
             </a:fld>
             <a:endParaRPr lang="en-US" dirty="0"/>
           </a:p>
@@ -5096,7 +5093,7 @@
           <a:p>
             <a:fld id="{D18B56EA-E28F-4F92-9F16-7A6F2501B303}" type="datetime8">
               <a:rPr lang="en-US" smtClean="0"/>
-              <a:t>2/28/20 1:22 PM</a:t>
+              <a:t>8/28/2020 10:11 AM</a:t>
             </a:fld>
             <a:endParaRPr lang="en-US" dirty="0"/>
           </a:p>
@@ -5277,7 +5274,7 @@
           <a:p>
             <a:fld id="{D18B56EA-E28F-4F92-9F16-7A6F2501B303}" type="datetime8">
               <a:rPr lang="en-US" smtClean="0"/>
-              <a:t>2/28/20 1:22 PM</a:t>
+              <a:t>8/28/2020 10:11 AM</a:t>
             </a:fld>
             <a:endParaRPr lang="en-US" dirty="0"/>
           </a:p>
@@ -5458,7 +5455,7 @@
           <a:p>
             <a:fld id="{D18B56EA-E28F-4F92-9F16-7A6F2501B303}" type="datetime8">
               <a:rPr lang="en-US" smtClean="0"/>
-              <a:t>2/28/20 1:24 PM</a:t>
+              <a:t>8/28/2020 10:11 AM</a:t>
             </a:fld>
             <a:endParaRPr lang="en-US" dirty="0"/>
           </a:p>
@@ -5639,7 +5636,7 @@
           <a:p>
             <a:fld id="{D18B56EA-E28F-4F92-9F16-7A6F2501B303}" type="datetime8">
               <a:rPr lang="en-US" smtClean="0"/>
-              <a:t>2/28/20 1:24 PM</a:t>
+              <a:t>8/28/2020 10:11 AM</a:t>
             </a:fld>
             <a:endParaRPr lang="en-US" dirty="0"/>
           </a:p>
@@ -5823,7 +5820,7 @@
           <a:p>
             <a:fld id="{D18B56EA-E28F-4F92-9F16-7A6F2501B303}" type="datetime8">
               <a:rPr lang="en-US" smtClean="0"/>
-              <a:t>2/28/20 1:24 PM</a:t>
+              <a:t>8/28/2020 10:11 AM</a:t>
             </a:fld>
             <a:endParaRPr lang="en-US" dirty="0"/>
           </a:p>
@@ -6069,7 +6066,7 @@
           <a:p>
             <a:fld id="{D18B56EA-E28F-4F92-9F16-7A6F2501B303}" type="datetime8">
               <a:rPr lang="en-US" smtClean="0"/>
-              <a:t>2/28/20 1:31 PM</a:t>
+              <a:t>8/28/2020 10:11 AM</a:t>
             </a:fld>
             <a:endParaRPr lang="en-US" dirty="0"/>
           </a:p>
@@ -6292,7 +6289,7 @@
           <a:p>
             <a:fld id="{D18B56EA-E28F-4F92-9F16-7A6F2501B303}" type="datetime8">
               <a:rPr lang="en-US" smtClean="0"/>
-              <a:t>2/28/20 1:37 PM</a:t>
+              <a:t>8/28/2020 10:11 AM</a:t>
             </a:fld>
             <a:endParaRPr lang="en-US" dirty="0"/>
           </a:p>
@@ -6398,7 +6395,7 @@
           <a:p>
             <a:r>
               <a:rPr lang="en-US" dirty="0"/>
-              <a:t>Field customizers enable you to define the HTML within a cell in the list display form. In the following screenshot, notice the **Percent Complete** column is rendered with custom colored bars instead of plain text:</a:t>
+              <a:t>Field customizers enable you to define the HTML within a cell in a list view. In the following screenshot, notice the **Percent Complete** column is rendered with custom colored bars instead of plain text:</a:t>
             </a:r>
           </a:p>
           <a:p>
@@ -6500,7 +6497,7 @@
           <a:p>
             <a:fld id="{D18B56EA-E28F-4F92-9F16-7A6F2501B303}" type="datetime8">
               <a:rPr lang="en-US" smtClean="0"/>
-              <a:t>2/28/20 1:40 PM</a:t>
+              <a:t>8/28/2020 10:11 AM</a:t>
             </a:fld>
             <a:endParaRPr lang="en-US" dirty="0"/>
           </a:p>
@@ -6589,7 +6586,7 @@
           <a:p>
             <a:r>
               <a:rPr lang="en-US" dirty="0"/>
-              <a:t>The last type of extension is the command set. This extension is intended to be the modern replacement to the legacy custom actions.</a:t>
+              <a:t>The last type of extension is the command set. This extension is intended to be the modern replacement for legacy custom actions.</a:t>
             </a:r>
           </a:p>
           <a:p>
@@ -6700,7 +6697,7 @@
           <a:p>
             <a:fld id="{D18B56EA-E28F-4F92-9F16-7A6F2501B303}" type="datetime8">
               <a:rPr lang="en-US" smtClean="0"/>
-              <a:t>2/28/20 1:49 PM</a:t>
+              <a:t>8/28/2020 10:11 AM</a:t>
             </a:fld>
             <a:endParaRPr lang="en-US" dirty="0"/>
           </a:p>
@@ -7100,7 +7097,7 @@
           <a:p>
             <a:r>
               <a:rPr lang="en-US" dirty="0"/>
-              <a:t>Now let's look at how you can debug and text SharePoint Framework extensions. Unlike client-side web parts, extensions require a live SharePoint site, list, or library. This means you can't test extensions in either the local or SharePoint-hosted workbench. You can still build and host extensions projects locally while debugging and testing in a remote SharePoint site.</a:t>
+              <a:t>Now let's look at how you can debug and test SharePoint Framework extensions. Unlike client-side web parts, extensions require a live SharePoint site, list, or library. This means you can't test extensions in either the local or SharePoint-hosted workbench. However, you can still build and host extensions projects locally while debugging and testing in a remote SharePoint site.</a:t>
             </a:r>
           </a:p>
           <a:p>
@@ -7286,7 +7283,7 @@
           <a:p>
             <a:fld id="{D18B56EA-E28F-4F92-9F16-7A6F2501B303}" type="datetime8">
               <a:rPr lang="en-US" smtClean="0"/>
-              <a:t>2/29/20 5:33 AM</a:t>
+              <a:t>8/28/2020 10:11 AM</a:t>
             </a:fld>
             <a:endParaRPr lang="en-US" dirty="0"/>
           </a:p>
@@ -7400,8 +7397,14 @@
           </a:p>
           <a:p>
             <a:r>
-              <a:rPr lang="en-US" dirty="0"/>
-              <a:t>The difference between web parts and extensions when it comes to deployment is that the web part provision process is more transparent than extensions which require more manual work. </a:t>
+              <a:rPr lang="en-US" b="0" dirty="0">
+                <a:solidFill>
+                  <a:srgbClr val="000000"/>
+                </a:solidFill>
+                <a:effectLst/>
+                <a:latin typeface="Consolas" panose="020B0609020204030204" pitchFamily="49" charset="0"/>
+              </a:rPr>
+              <a:t>When it comes to deployment, the difference between web parts and extensions is that the web part provisioning process is more transparent than extensions, which require more manual work.</a:t>
             </a:r>
           </a:p>
           <a:p>
@@ -7518,7 +7521,7 @@
           <a:p>
             <a:fld id="{D18B56EA-E28F-4F92-9F16-7A6F2501B303}" type="datetime8">
               <a:rPr lang="en-US" smtClean="0"/>
-              <a:t>2/29/20 5:41 AM</a:t>
+              <a:t>8/28/2020 10:11 AM</a:t>
             </a:fld>
             <a:endParaRPr lang="en-US" dirty="0"/>
           </a:p>

--- a/01 into+appcustomizer.pptx
+++ b/01 into+appcustomizer.pptx
@@ -2806,7 +2806,7 @@
               <a:rPr lang="en-US" smtClean="0">
                 <a:latin typeface="Segoe UI" pitchFamily="34" charset="0"/>
               </a:rPr>
-              <a:t>8/28/2020 10:11 AM</a:t>
+              <a:t>5/23/2021 12:01 PM</a:t>
             </a:fld>
             <a:endParaRPr lang="en-US" dirty="0">
               <a:latin typeface="Segoe UI" pitchFamily="34" charset="0"/>
@@ -3103,7 +3103,7 @@
           <a:p>
             <a:fld id="{D18B56EA-E28F-4F92-9F16-7A6F2501B303}" type="datetime8">
               <a:rPr lang="en-US" smtClean="0"/>
-              <a:t>8/28/2020 10:11 AM</a:t>
+              <a:t>5/23/2021 12:01 PM</a:t>
             </a:fld>
             <a:endParaRPr lang="en-US" dirty="0"/>
           </a:p>
@@ -3486,7 +3486,7 @@
           <a:p>
             <a:fld id="{D18B56EA-E28F-4F92-9F16-7A6F2501B303}" type="datetime8">
               <a:rPr lang="en-US" smtClean="0"/>
-              <a:t>8/28/2020 10:11 AM</a:t>
+              <a:t>5/23/2021 12:01 PM</a:t>
             </a:fld>
             <a:endParaRPr lang="en-US" dirty="0"/>
           </a:p>
@@ -3692,7 +3692,7 @@
           <a:p>
             <a:fld id="{D18B56EA-E28F-4F92-9F16-7A6F2501B303}" type="datetime8">
               <a:rPr lang="en-US" smtClean="0"/>
-              <a:t>8/28/2020 10:11 AM</a:t>
+              <a:t>5/23/2021 12:01 PM</a:t>
             </a:fld>
             <a:endParaRPr lang="en-US" dirty="0"/>
           </a:p>
@@ -3939,7 +3939,7 @@
           <a:p>
             <a:fld id="{D18B56EA-E28F-4F92-9F16-7A6F2501B303}" type="datetime8">
               <a:rPr lang="en-US" smtClean="0"/>
-              <a:t>8/28/2020 10:11 AM</a:t>
+              <a:t>5/23/2021 12:01 PM</a:t>
             </a:fld>
             <a:endParaRPr lang="en-US" dirty="0"/>
           </a:p>
@@ -4144,7 +4144,7 @@
           <a:p>
             <a:fld id="{D18B56EA-E28F-4F92-9F16-7A6F2501B303}" type="datetime8">
               <a:rPr lang="en-US" smtClean="0"/>
-              <a:t>8/28/2020 10:11 AM</a:t>
+              <a:t>5/23/2021 12:01 PM</a:t>
             </a:fld>
             <a:endParaRPr lang="en-US" dirty="0"/>
           </a:p>
@@ -4388,7 +4388,7 @@
           <a:p>
             <a:fld id="{D18B56EA-E28F-4F92-9F16-7A6F2501B303}" type="datetime8">
               <a:rPr lang="en-US" smtClean="0"/>
-              <a:t>8/28/2020 10:11 AM</a:t>
+              <a:t>5/23/2021 12:01 PM</a:t>
             </a:fld>
             <a:endParaRPr lang="en-US" dirty="0"/>
           </a:p>
@@ -4683,7 +4683,7 @@
           <a:p>
             <a:fld id="{D18B56EA-E28F-4F92-9F16-7A6F2501B303}" type="datetime8">
               <a:rPr lang="en-US" smtClean="0"/>
-              <a:t>8/28/2020 10:11 AM</a:t>
+              <a:t>5/23/2021 12:01 PM</a:t>
             </a:fld>
             <a:endParaRPr lang="en-US" dirty="0"/>
           </a:p>
@@ -4912,7 +4912,7 @@
           <a:p>
             <a:fld id="{D18B56EA-E28F-4F92-9F16-7A6F2501B303}" type="datetime8">
               <a:rPr lang="en-US" smtClean="0"/>
-              <a:t>8/28/2020 10:11 AM</a:t>
+              <a:t>5/23/2021 12:01 PM</a:t>
             </a:fld>
             <a:endParaRPr lang="en-US" dirty="0"/>
           </a:p>
@@ -5093,7 +5093,7 @@
           <a:p>
             <a:fld id="{D18B56EA-E28F-4F92-9F16-7A6F2501B303}" type="datetime8">
               <a:rPr lang="en-US" smtClean="0"/>
-              <a:t>8/28/2020 10:11 AM</a:t>
+              <a:t>5/23/2021 12:01 PM</a:t>
             </a:fld>
             <a:endParaRPr lang="en-US" dirty="0"/>
           </a:p>
@@ -5274,7 +5274,7 @@
           <a:p>
             <a:fld id="{D18B56EA-E28F-4F92-9F16-7A6F2501B303}" type="datetime8">
               <a:rPr lang="en-US" smtClean="0"/>
-              <a:t>8/28/2020 10:11 AM</a:t>
+              <a:t>5/23/2021 12:01 PM</a:t>
             </a:fld>
             <a:endParaRPr lang="en-US" dirty="0"/>
           </a:p>
@@ -5455,7 +5455,7 @@
           <a:p>
             <a:fld id="{D18B56EA-E28F-4F92-9F16-7A6F2501B303}" type="datetime8">
               <a:rPr lang="en-US" smtClean="0"/>
-              <a:t>8/28/2020 10:11 AM</a:t>
+              <a:t>5/23/2021 12:01 PM</a:t>
             </a:fld>
             <a:endParaRPr lang="en-US" dirty="0"/>
           </a:p>
@@ -5636,7 +5636,7 @@
           <a:p>
             <a:fld id="{D18B56EA-E28F-4F92-9F16-7A6F2501B303}" type="datetime8">
               <a:rPr lang="en-US" smtClean="0"/>
-              <a:t>8/28/2020 10:11 AM</a:t>
+              <a:t>5/23/2021 12:01 PM</a:t>
             </a:fld>
             <a:endParaRPr lang="en-US" dirty="0"/>
           </a:p>
@@ -5820,7 +5820,7 @@
           <a:p>
             <a:fld id="{D18B56EA-E28F-4F92-9F16-7A6F2501B303}" type="datetime8">
               <a:rPr lang="en-US" smtClean="0"/>
-              <a:t>8/28/2020 10:11 AM</a:t>
+              <a:t>5/23/2021 12:01 PM</a:t>
             </a:fld>
             <a:endParaRPr lang="en-US" dirty="0"/>
           </a:p>
@@ -6066,7 +6066,7 @@
           <a:p>
             <a:fld id="{D18B56EA-E28F-4F92-9F16-7A6F2501B303}" type="datetime8">
               <a:rPr lang="en-US" smtClean="0"/>
-              <a:t>8/28/2020 10:11 AM</a:t>
+              <a:t>5/23/2021 12:01 PM</a:t>
             </a:fld>
             <a:endParaRPr lang="en-US" dirty="0"/>
           </a:p>
@@ -6289,7 +6289,7 @@
           <a:p>
             <a:fld id="{D18B56EA-E28F-4F92-9F16-7A6F2501B303}" type="datetime8">
               <a:rPr lang="en-US" smtClean="0"/>
-              <a:t>8/28/2020 10:11 AM</a:t>
+              <a:t>5/23/2021 12:01 PM</a:t>
             </a:fld>
             <a:endParaRPr lang="en-US" dirty="0"/>
           </a:p>
@@ -6497,7 +6497,7 @@
           <a:p>
             <a:fld id="{D18B56EA-E28F-4F92-9F16-7A6F2501B303}" type="datetime8">
               <a:rPr lang="en-US" smtClean="0"/>
-              <a:t>8/28/2020 10:11 AM</a:t>
+              <a:t>5/23/2021 12:01 PM</a:t>
             </a:fld>
             <a:endParaRPr lang="en-US" dirty="0"/>
           </a:p>
@@ -6697,7 +6697,7 @@
           <a:p>
             <a:fld id="{D18B56EA-E28F-4F92-9F16-7A6F2501B303}" type="datetime8">
               <a:rPr lang="en-US" smtClean="0"/>
-              <a:t>8/28/2020 10:11 AM</a:t>
+              <a:t>5/23/2021 12:01 PM</a:t>
             </a:fld>
             <a:endParaRPr lang="en-US" dirty="0"/>
           </a:p>
@@ -6841,7 +6841,15 @@
             </a:r>
             <a:r>
               <a:rPr lang="en-US" dirty="0"/>
-              <a:t>**: This folder, created automatically when you bundle the project, contains the JavaScript bundle &amp; manifest created by the build process that will be used in deployment.</a:t>
+              <a:t>**: This folder contains the files generated when you bundle your project, regardless of which switch you use. The </a:t>
+            </a:r>
+            <a:r>
+              <a:rPr lang="en-US" dirty="0" err="1"/>
+              <a:t>unminified</a:t>
+            </a:r>
+            <a:r>
+              <a:rPr lang="en-US" dirty="0"/>
+              <a:t> JavaScript files and source maps contained in this folder are used when you run in debug mode.</a:t>
             </a:r>
           </a:p>
           <a:p>
@@ -6851,9 +6859,13 @@
             </a:r>
           </a:p>
           <a:p>
-            <a:r>
-              <a:rPr lang="en-US" dirty="0"/>
-              <a:t>- **</a:t>
+            <a:pPr marL="171450" indent="-171450">
+              <a:buFontTx/>
+              <a:buChar char="-"/>
+            </a:pPr>
+            <a:r>
+              <a:rPr lang="en-US" dirty="0"/>
+              <a:t>**</a:t>
             </a:r>
             <a:r>
               <a:rPr lang="en-US" dirty="0" err="1"/>
@@ -6870,6 +6882,16 @@
             <a:r>
               <a:rPr lang="en-US" dirty="0"/>
               <a:t> install` command.</a:t>
+            </a:r>
+          </a:p>
+          <a:p>
+            <a:pPr marL="171450" indent="-171450">
+              <a:buFontTx/>
+              <a:buChar char="-"/>
+            </a:pPr>
+            <a:r>
+              <a:rPr lang="en-US" dirty="0"/>
+              <a:t>**release**: This folder contains a subfolder named **assets** that contains the files generated when you bundle your project using the `ship` or `production` switch. These files are deployed to the CDN. This folder also contains two additional subfolders that contain manifest files.</a:t>
             </a:r>
           </a:p>
           <a:p>
@@ -7283,7 +7305,7 @@
           <a:p>
             <a:fld id="{D18B56EA-E28F-4F92-9F16-7A6F2501B303}" type="datetime8">
               <a:rPr lang="en-US" smtClean="0"/>
-              <a:t>8/28/2020 10:11 AM</a:t>
+              <a:t>5/23/2021 12:01 PM</a:t>
             </a:fld>
             <a:endParaRPr lang="en-US" dirty="0"/>
           </a:p>
@@ -7521,7 +7543,7 @@
           <a:p>
             <a:fld id="{D18B56EA-E28F-4F92-9F16-7A6F2501B303}" type="datetime8">
               <a:rPr lang="en-US" smtClean="0"/>
-              <a:t>8/28/2020 10:11 AM</a:t>
+              <a:t>5/23/2021 12:01 PM</a:t>
             </a:fld>
             <a:endParaRPr lang="en-US" dirty="0"/>
           </a:p>
@@ -21412,101 +21434,12 @@
           <a:chExt cx="0" cy="0"/>
         </a:xfrm>
       </p:grpSpPr>
-      <p:sp>
-        <p:nvSpPr>
-          <p:cNvPr id="2" name="Text Placeholder 1">
+      <p:pic>
+        <p:nvPicPr>
+          <p:cNvPr id="5" name="Picture 4" descr="Graphical user interface, application&#10;&#10;Description automatically generated">
             <a:extLst>
               <a:ext uri="{FF2B5EF4-FFF2-40B4-BE49-F238E27FC236}">
-                <a16:creationId xmlns:a16="http://schemas.microsoft.com/office/drawing/2014/main" id="{CF96EF2F-149D-884D-8320-3D0814B74369}"/>
-              </a:ext>
-            </a:extLst>
-          </p:cNvPr>
-          <p:cNvSpPr>
-            <a:spLocks noGrp="1"/>
-          </p:cNvSpPr>
-          <p:nvPr>
-            <p:ph type="body" sz="quarter" idx="10"/>
-          </p:nvPr>
-        </p:nvSpPr>
-        <p:spPr/>
-        <p:txBody>
-          <a:bodyPr/>
-          <a:lstStyle/>
-          <a:p>
-            <a:r>
-              <a:rPr lang="en-US" dirty="0"/>
-              <a:t>Two well-known placeholders exist on all pages</a:t>
-            </a:r>
-          </a:p>
-          <a:p>
-            <a:pPr lvl="1"/>
-            <a:r>
-              <a:rPr lang="en-US" dirty="0"/>
-              <a:t>Header (just below Office 365 suite bar)</a:t>
-            </a:r>
-          </a:p>
-          <a:p>
-            <a:pPr lvl="1"/>
-            <a:r>
-              <a:rPr lang="en-US" dirty="0"/>
-              <a:t>Footer (bottom of page)</a:t>
-            </a:r>
-          </a:p>
-          <a:p>
-            <a:endParaRPr lang="en-US" dirty="0"/>
-          </a:p>
-          <a:p>
-            <a:r>
-              <a:rPr lang="en-US" dirty="0"/>
-              <a:t>Placeholders are sticky &amp; </a:t>
-            </a:r>
-            <a:br>
-              <a:rPr lang="en-US" dirty="0"/>
-            </a:br>
-            <a:r>
-              <a:rPr lang="en-US" dirty="0"/>
-              <a:t>always visible</a:t>
-            </a:r>
-          </a:p>
-          <a:p>
-            <a:endParaRPr lang="en-US" dirty="0"/>
-          </a:p>
-        </p:txBody>
-      </p:sp>
-      <p:sp>
-        <p:nvSpPr>
-          <p:cNvPr id="3" name="Title 2">
-            <a:extLst>
-              <a:ext uri="{FF2B5EF4-FFF2-40B4-BE49-F238E27FC236}">
-                <a16:creationId xmlns:a16="http://schemas.microsoft.com/office/drawing/2014/main" id="{10C76D54-3265-1741-8F79-DB81298FD0A4}"/>
-              </a:ext>
-            </a:extLst>
-          </p:cNvPr>
-          <p:cNvSpPr>
-            <a:spLocks noGrp="1"/>
-          </p:cNvSpPr>
-          <p:nvPr>
-            <p:ph type="title"/>
-          </p:nvPr>
-        </p:nvSpPr>
-        <p:spPr/>
-        <p:txBody>
-          <a:bodyPr/>
-          <a:lstStyle/>
-          <a:p>
-            <a:r>
-              <a:rPr lang="en-US" dirty="0"/>
-              <a:t>Application Customizer - Placeholders</a:t>
-            </a:r>
-          </a:p>
-        </p:txBody>
-      </p:sp>
-      <p:pic>
-        <p:nvPicPr>
-          <p:cNvPr id="6" name="Picture 5">
-            <a:extLst>
-              <a:ext uri="{FF2B5EF4-FFF2-40B4-BE49-F238E27FC236}">
-                <a16:creationId xmlns:a16="http://schemas.microsoft.com/office/drawing/2014/main" id="{12C721E8-928E-4779-95EF-BDB6E328165C}"/>
+                <a16:creationId xmlns:a16="http://schemas.microsoft.com/office/drawing/2014/main" id="{233FB3A1-FCE7-43FE-997D-19D1495D367A}"/>
               </a:ext>
             </a:extLst>
           </p:cNvPr>
@@ -21523,14 +21456,103 @@
         </p:blipFill>
         <p:spPr>
           <a:xfrm>
-            <a:off x="4968590" y="2370840"/>
-            <a:ext cx="7003485" cy="3688503"/>
+            <a:off x="4968589" y="2370839"/>
+            <a:ext cx="6959439" cy="3688503"/>
           </a:xfrm>
           <a:prstGeom prst="rect">
             <a:avLst/>
           </a:prstGeom>
         </p:spPr>
       </p:pic>
+      <p:sp>
+        <p:nvSpPr>
+          <p:cNvPr id="2" name="Text Placeholder 1">
+            <a:extLst>
+              <a:ext uri="{FF2B5EF4-FFF2-40B4-BE49-F238E27FC236}">
+                <a16:creationId xmlns:a16="http://schemas.microsoft.com/office/drawing/2014/main" id="{CF96EF2F-149D-884D-8320-3D0814B74369}"/>
+              </a:ext>
+            </a:extLst>
+          </p:cNvPr>
+          <p:cNvSpPr>
+            <a:spLocks noGrp="1"/>
+          </p:cNvSpPr>
+          <p:nvPr>
+            <p:ph type="body" sz="quarter" idx="10"/>
+          </p:nvPr>
+        </p:nvSpPr>
+        <p:spPr/>
+        <p:txBody>
+          <a:bodyPr/>
+          <a:lstStyle/>
+          <a:p>
+            <a:r>
+              <a:rPr lang="en-US" dirty="0"/>
+              <a:t>Two well-known placeholders exist on all pages</a:t>
+            </a:r>
+          </a:p>
+          <a:p>
+            <a:pPr lvl="1"/>
+            <a:r>
+              <a:rPr lang="en-US" dirty="0"/>
+              <a:t>Header (just below Office 365 suite bar)</a:t>
+            </a:r>
+          </a:p>
+          <a:p>
+            <a:pPr lvl="1"/>
+            <a:r>
+              <a:rPr lang="en-US" dirty="0"/>
+              <a:t>Footer (bottom of page)</a:t>
+            </a:r>
+          </a:p>
+          <a:p>
+            <a:endParaRPr lang="en-US" dirty="0"/>
+          </a:p>
+          <a:p>
+            <a:r>
+              <a:rPr lang="en-US" dirty="0"/>
+              <a:t>Placeholders are sticky &amp; </a:t>
+            </a:r>
+            <a:br>
+              <a:rPr lang="en-US" dirty="0"/>
+            </a:br>
+            <a:r>
+              <a:rPr lang="en-US" dirty="0"/>
+              <a:t>always visible</a:t>
+            </a:r>
+          </a:p>
+          <a:p>
+            <a:endParaRPr lang="en-US" dirty="0"/>
+          </a:p>
+        </p:txBody>
+      </p:sp>
+      <p:sp>
+        <p:nvSpPr>
+          <p:cNvPr id="3" name="Title 2">
+            <a:extLst>
+              <a:ext uri="{FF2B5EF4-FFF2-40B4-BE49-F238E27FC236}">
+                <a16:creationId xmlns:a16="http://schemas.microsoft.com/office/drawing/2014/main" id="{10C76D54-3265-1741-8F79-DB81298FD0A4}"/>
+              </a:ext>
+            </a:extLst>
+          </p:cNvPr>
+          <p:cNvSpPr>
+            <a:spLocks noGrp="1"/>
+          </p:cNvSpPr>
+          <p:nvPr>
+            <p:ph type="title"/>
+          </p:nvPr>
+        </p:nvSpPr>
+        <p:spPr/>
+        <p:txBody>
+          <a:bodyPr/>
+          <a:lstStyle/>
+          <a:p>
+            <a:r>
+              <a:rPr lang="en-US" dirty="0"/>
+              <a:t>Application Customizer - Placeholders</a:t>
+            </a:r>
+          </a:p>
+        </p:txBody>
+      </p:sp>
     </p:spTree>
     <p:extLst>
       <p:ext uri="{BB962C8B-B14F-4D97-AF65-F5344CB8AC3E}">
@@ -23422,68 +23444,12 @@
           <a:chExt cx="0" cy="0"/>
         </a:xfrm>
       </p:grpSpPr>
-      <p:sp>
-        <p:nvSpPr>
-          <p:cNvPr id="2" name="Text Placeholder 1">
+      <p:pic>
+        <p:nvPicPr>
+          <p:cNvPr id="5" name="Picture 4" descr="Graphical user interface, application&#10;&#10;Description automatically generated">
             <a:extLst>
               <a:ext uri="{FF2B5EF4-FFF2-40B4-BE49-F238E27FC236}">
-                <a16:creationId xmlns:a16="http://schemas.microsoft.com/office/drawing/2014/main" id="{2867EE32-B72D-A444-B133-DC63423F52CE}"/>
-              </a:ext>
-            </a:extLst>
-          </p:cNvPr>
-          <p:cNvSpPr>
-            <a:spLocks noGrp="1"/>
-          </p:cNvSpPr>
-          <p:nvPr>
-            <p:ph type="body" sz="quarter" idx="10"/>
-          </p:nvPr>
-        </p:nvSpPr>
-        <p:spPr/>
-        <p:txBody>
-          <a:bodyPr/>
-          <a:lstStyle/>
-          <a:p>
-            <a:r>
-              <a:rPr lang="en-US" dirty="0"/>
-              <a:t>Add script to any page, header &amp; footer controls</a:t>
-            </a:r>
-          </a:p>
-        </p:txBody>
-      </p:sp>
-      <p:sp>
-        <p:nvSpPr>
-          <p:cNvPr id="3" name="Title 2">
-            <a:extLst>
-              <a:ext uri="{FF2B5EF4-FFF2-40B4-BE49-F238E27FC236}">
-                <a16:creationId xmlns:a16="http://schemas.microsoft.com/office/drawing/2014/main" id="{CB81FC78-F511-C649-A3C0-CCA19D9B7BC0}"/>
-              </a:ext>
-            </a:extLst>
-          </p:cNvPr>
-          <p:cNvSpPr>
-            <a:spLocks noGrp="1"/>
-          </p:cNvSpPr>
-          <p:nvPr>
-            <p:ph type="title"/>
-          </p:nvPr>
-        </p:nvSpPr>
-        <p:spPr/>
-        <p:txBody>
-          <a:bodyPr/>
-          <a:lstStyle/>
-          <a:p>
-            <a:r>
-              <a:rPr lang="en-US" dirty="0"/>
-              <a:t>Application Customizers</a:t>
-            </a:r>
-          </a:p>
-        </p:txBody>
-      </p:sp>
-      <p:pic>
-        <p:nvPicPr>
-          <p:cNvPr id="6" name="Picture 5">
-            <a:extLst>
-              <a:ext uri="{FF2B5EF4-FFF2-40B4-BE49-F238E27FC236}">
-                <a16:creationId xmlns:a16="http://schemas.microsoft.com/office/drawing/2014/main" id="{89397146-700A-40D8-8F8F-B3D2F43F3427}"/>
+                <a16:creationId xmlns:a16="http://schemas.microsoft.com/office/drawing/2014/main" id="{37D36B45-A629-4899-BB4A-4C16F542C6F5}"/>
               </a:ext>
             </a:extLst>
           </p:cNvPr>
@@ -23500,14 +23466,70 @@
         </p:blipFill>
         <p:spPr>
           <a:xfrm>
-            <a:off x="2175617" y="2102698"/>
-            <a:ext cx="8085240" cy="4258227"/>
+            <a:off x="2175616" y="2053701"/>
+            <a:ext cx="8126837" cy="4307224"/>
           </a:xfrm>
           <a:prstGeom prst="rect">
             <a:avLst/>
           </a:prstGeom>
         </p:spPr>
       </p:pic>
+      <p:sp>
+        <p:nvSpPr>
+          <p:cNvPr id="2" name="Text Placeholder 1">
+            <a:extLst>
+              <a:ext uri="{FF2B5EF4-FFF2-40B4-BE49-F238E27FC236}">
+                <a16:creationId xmlns:a16="http://schemas.microsoft.com/office/drawing/2014/main" id="{2867EE32-B72D-A444-B133-DC63423F52CE}"/>
+              </a:ext>
+            </a:extLst>
+          </p:cNvPr>
+          <p:cNvSpPr>
+            <a:spLocks noGrp="1"/>
+          </p:cNvSpPr>
+          <p:nvPr>
+            <p:ph type="body" sz="quarter" idx="10"/>
+          </p:nvPr>
+        </p:nvSpPr>
+        <p:spPr/>
+        <p:txBody>
+          <a:bodyPr/>
+          <a:lstStyle/>
+          <a:p>
+            <a:r>
+              <a:rPr lang="en-US" dirty="0"/>
+              <a:t>Add script to any page, header &amp; footer controls</a:t>
+            </a:r>
+          </a:p>
+        </p:txBody>
+      </p:sp>
+      <p:sp>
+        <p:nvSpPr>
+          <p:cNvPr id="3" name="Title 2">
+            <a:extLst>
+              <a:ext uri="{FF2B5EF4-FFF2-40B4-BE49-F238E27FC236}">
+                <a16:creationId xmlns:a16="http://schemas.microsoft.com/office/drawing/2014/main" id="{CB81FC78-F511-C649-A3C0-CCA19D9B7BC0}"/>
+              </a:ext>
+            </a:extLst>
+          </p:cNvPr>
+          <p:cNvSpPr>
+            <a:spLocks noGrp="1"/>
+          </p:cNvSpPr>
+          <p:nvPr>
+            <p:ph type="title"/>
+          </p:nvPr>
+        </p:nvSpPr>
+        <p:spPr/>
+        <p:txBody>
+          <a:bodyPr/>
+          <a:lstStyle/>
+          <a:p>
+            <a:r>
+              <a:rPr lang="en-US" dirty="0"/>
+              <a:t>Application Customizers</a:t>
+            </a:r>
+          </a:p>
+        </p:txBody>
+      </p:sp>
     </p:spTree>
     <p:extLst>
       <p:ext uri="{BB962C8B-B14F-4D97-AF65-F5344CB8AC3E}">
@@ -23822,7 +23844,7 @@
         <p:spPr>
           <a:xfrm>
             <a:off x="464400" y="1212850"/>
-            <a:ext cx="11574000" cy="4025717"/>
+            <a:ext cx="11574000" cy="4431983"/>
           </a:xfrm>
         </p:spPr>
         <p:txBody>
@@ -23891,7 +23913,7 @@
             </a:r>
             <a:r>
               <a:rPr lang="en-US" dirty="0"/>
-              <a:t> created automatically on builds – contains out from bundle process</a:t>
+              <a:t> contains output from all bundle processes</a:t>
             </a:r>
           </a:p>
           <a:p>
@@ -23928,6 +23950,20 @@
             <a:r>
               <a:rPr lang="en-US" dirty="0"/>
               <a:t> created automatically when installing all package dependencies with a package manager</a:t>
+            </a:r>
+          </a:p>
+          <a:p>
+            <a:r>
+              <a:rPr lang="en-US" dirty="0">
+                <a:solidFill>
+                  <a:schemeClr val="accent1"/>
+                </a:solidFill>
+              </a:rPr>
+              <a:t>release:</a:t>
+            </a:r>
+            <a:r>
+              <a:rPr lang="en-US" dirty="0"/>
+              <a:t> contains output from production bundle processes</a:t>
             </a:r>
           </a:p>
           <a:p>

--- a/01 into+appcustomizer.pptx
+++ b/01 into+appcustomizer.pptx
@@ -2806,7 +2806,7 @@
               <a:rPr lang="en-US" smtClean="0">
                 <a:latin typeface="Segoe UI" pitchFamily="34" charset="0"/>
               </a:rPr>
-              <a:t>5/23/2021 12:01 PM</a:t>
+              <a:t>10/31/2021 2:04 PM</a:t>
             </a:fld>
             <a:endParaRPr lang="en-US" dirty="0">
               <a:latin typeface="Segoe UI" pitchFamily="34" charset="0"/>
@@ -3103,7 +3103,7 @@
           <a:p>
             <a:fld id="{D18B56EA-E28F-4F92-9F16-7A6F2501B303}" type="datetime8">
               <a:rPr lang="en-US" smtClean="0"/>
-              <a:t>5/23/2021 12:01 PM</a:t>
+              <a:t>10/31/2021 2:04 PM</a:t>
             </a:fld>
             <a:endParaRPr lang="en-US" dirty="0"/>
           </a:p>
@@ -3486,7 +3486,7 @@
           <a:p>
             <a:fld id="{D18B56EA-E28F-4F92-9F16-7A6F2501B303}" type="datetime8">
               <a:rPr lang="en-US" smtClean="0"/>
-              <a:t>5/23/2021 12:01 PM</a:t>
+              <a:t>10/31/2021 2:04 PM</a:t>
             </a:fld>
             <a:endParaRPr lang="en-US" dirty="0"/>
           </a:p>
@@ -3692,7 +3692,7 @@
           <a:p>
             <a:fld id="{D18B56EA-E28F-4F92-9F16-7A6F2501B303}" type="datetime8">
               <a:rPr lang="en-US" smtClean="0"/>
-              <a:t>5/23/2021 12:01 PM</a:t>
+              <a:t>10/31/2021 2:04 PM</a:t>
             </a:fld>
             <a:endParaRPr lang="en-US" dirty="0"/>
           </a:p>
@@ -3939,7 +3939,7 @@
           <a:p>
             <a:fld id="{D18B56EA-E28F-4F92-9F16-7A6F2501B303}" type="datetime8">
               <a:rPr lang="en-US" smtClean="0"/>
-              <a:t>5/23/2021 12:01 PM</a:t>
+              <a:t>10/31/2021 2:04 PM</a:t>
             </a:fld>
             <a:endParaRPr lang="en-US" dirty="0"/>
           </a:p>
@@ -4144,7 +4144,7 @@
           <a:p>
             <a:fld id="{D18B56EA-E28F-4F92-9F16-7A6F2501B303}" type="datetime8">
               <a:rPr lang="en-US" smtClean="0"/>
-              <a:t>5/23/2021 12:01 PM</a:t>
+              <a:t>10/31/2021 2:04 PM</a:t>
             </a:fld>
             <a:endParaRPr lang="en-US" dirty="0"/>
           </a:p>
@@ -4388,7 +4388,7 @@
           <a:p>
             <a:fld id="{D18B56EA-E28F-4F92-9F16-7A6F2501B303}" type="datetime8">
               <a:rPr lang="en-US" smtClean="0"/>
-              <a:t>5/23/2021 12:01 PM</a:t>
+              <a:t>10/31/2021 2:04 PM</a:t>
             </a:fld>
             <a:endParaRPr lang="en-US" dirty="0"/>
           </a:p>
@@ -4683,7 +4683,7 @@
           <a:p>
             <a:fld id="{D18B56EA-E28F-4F92-9F16-7A6F2501B303}" type="datetime8">
               <a:rPr lang="en-US" smtClean="0"/>
-              <a:t>5/23/2021 12:01 PM</a:t>
+              <a:t>10/31/2021 2:04 PM</a:t>
             </a:fld>
             <a:endParaRPr lang="en-US" dirty="0"/>
           </a:p>
@@ -4912,7 +4912,7 @@
           <a:p>
             <a:fld id="{D18B56EA-E28F-4F92-9F16-7A6F2501B303}" type="datetime8">
               <a:rPr lang="en-US" smtClean="0"/>
-              <a:t>5/23/2021 12:01 PM</a:t>
+              <a:t>10/31/2021 2:04 PM</a:t>
             </a:fld>
             <a:endParaRPr lang="en-US" dirty="0"/>
           </a:p>
@@ -5093,7 +5093,7 @@
           <a:p>
             <a:fld id="{D18B56EA-E28F-4F92-9F16-7A6F2501B303}" type="datetime8">
               <a:rPr lang="en-US" smtClean="0"/>
-              <a:t>5/23/2021 12:01 PM</a:t>
+              <a:t>10/31/2021 2:04 PM</a:t>
             </a:fld>
             <a:endParaRPr lang="en-US" dirty="0"/>
           </a:p>
@@ -5274,7 +5274,7 @@
           <a:p>
             <a:fld id="{D18B56EA-E28F-4F92-9F16-7A6F2501B303}" type="datetime8">
               <a:rPr lang="en-US" smtClean="0"/>
-              <a:t>5/23/2021 12:01 PM</a:t>
+              <a:t>10/31/2021 2:04 PM</a:t>
             </a:fld>
             <a:endParaRPr lang="en-US" dirty="0"/>
           </a:p>
@@ -5455,7 +5455,7 @@
           <a:p>
             <a:fld id="{D18B56EA-E28F-4F92-9F16-7A6F2501B303}" type="datetime8">
               <a:rPr lang="en-US" smtClean="0"/>
-              <a:t>5/23/2021 12:01 PM</a:t>
+              <a:t>10/31/2021 2:04 PM</a:t>
             </a:fld>
             <a:endParaRPr lang="en-US" dirty="0"/>
           </a:p>
@@ -5636,7 +5636,7 @@
           <a:p>
             <a:fld id="{D18B56EA-E28F-4F92-9F16-7A6F2501B303}" type="datetime8">
               <a:rPr lang="en-US" smtClean="0"/>
-              <a:t>5/23/2021 12:01 PM</a:t>
+              <a:t>10/31/2021 2:04 PM</a:t>
             </a:fld>
             <a:endParaRPr lang="en-US" dirty="0"/>
           </a:p>
@@ -5820,7 +5820,7 @@
           <a:p>
             <a:fld id="{D18B56EA-E28F-4F92-9F16-7A6F2501B303}" type="datetime8">
               <a:rPr lang="en-US" smtClean="0"/>
-              <a:t>5/23/2021 12:01 PM</a:t>
+              <a:t>10/31/2021 2:04 PM</a:t>
             </a:fld>
             <a:endParaRPr lang="en-US" dirty="0"/>
           </a:p>
@@ -6066,7 +6066,7 @@
           <a:p>
             <a:fld id="{D18B56EA-E28F-4F92-9F16-7A6F2501B303}" type="datetime8">
               <a:rPr lang="en-US" smtClean="0"/>
-              <a:t>5/23/2021 12:01 PM</a:t>
+              <a:t>10/31/2021 2:04 PM</a:t>
             </a:fld>
             <a:endParaRPr lang="en-US" dirty="0"/>
           </a:p>
@@ -6289,7 +6289,7 @@
           <a:p>
             <a:fld id="{D18B56EA-E28F-4F92-9F16-7A6F2501B303}" type="datetime8">
               <a:rPr lang="en-US" smtClean="0"/>
-              <a:t>5/23/2021 12:01 PM</a:t>
+              <a:t>10/31/2021 2:04 PM</a:t>
             </a:fld>
             <a:endParaRPr lang="en-US" dirty="0"/>
           </a:p>
@@ -6497,7 +6497,7 @@
           <a:p>
             <a:fld id="{D18B56EA-E28F-4F92-9F16-7A6F2501B303}" type="datetime8">
               <a:rPr lang="en-US" smtClean="0"/>
-              <a:t>5/23/2021 12:01 PM</a:t>
+              <a:t>10/31/2021 2:04 PM</a:t>
             </a:fld>
             <a:endParaRPr lang="en-US" dirty="0"/>
           </a:p>
@@ -6697,7 +6697,7 @@
           <a:p>
             <a:fld id="{D18B56EA-E28F-4F92-9F16-7A6F2501B303}" type="datetime8">
               <a:rPr lang="en-US" smtClean="0"/>
-              <a:t>5/23/2021 12:01 PM</a:t>
+              <a:t>10/31/2021 2:04 PM</a:t>
             </a:fld>
             <a:endParaRPr lang="en-US" dirty="0"/>
           </a:p>
@@ -7119,16 +7119,7 @@
           <a:p>
             <a:r>
               <a:rPr lang="en-US" dirty="0"/>
-              <a:t>Now let's look at how you can debug and test SharePoint Framework extensions. Unlike client-side web parts, extensions require a live SharePoint site, list, or library. This means you can't test extensions in either the local or SharePoint-hosted workbench. However, you can still build and host extensions projects locally while debugging and testing in a remote SharePoint site.</a:t>
-            </a:r>
-          </a:p>
-          <a:p>
-            <a:endParaRPr lang="en-US" dirty="0"/>
-          </a:p>
-          <a:p>
-            <a:r>
-              <a:rPr lang="en-US" dirty="0"/>
-              <a:t>The testing experience is similar to the experience when you use the hosted SharePoint workbench for a web part development testing and debugging.</a:t>
+              <a:t>Now let's look at how you can debug and test SharePoint Framework extensions. The SharePoint workbench doesn't support testing extensions. However, you can still build and host extensions projects locally while debugging and testing in a remote SharePoint site.</a:t>
             </a:r>
           </a:p>
           <a:p>
@@ -7305,7 +7296,7 @@
           <a:p>
             <a:fld id="{D18B56EA-E28F-4F92-9F16-7A6F2501B303}" type="datetime8">
               <a:rPr lang="en-US" smtClean="0"/>
-              <a:t>5/23/2021 12:01 PM</a:t>
+              <a:t>10/31/2021 2:04 PM</a:t>
             </a:fld>
             <a:endParaRPr lang="en-US" dirty="0"/>
           </a:p>
@@ -7543,7 +7534,7 @@
           <a:p>
             <a:fld id="{D18B56EA-E28F-4F92-9F16-7A6F2501B303}" type="datetime8">
               <a:rPr lang="en-US" smtClean="0"/>
-              <a:t>5/23/2021 12:01 PM</a:t>
+              <a:t>10/31/2021 2:04 PM</a:t>
             </a:fld>
             <a:endParaRPr lang="en-US" dirty="0"/>
           </a:p>
@@ -24101,7 +24092,7 @@
         <p:spPr>
           <a:xfrm>
             <a:off x="464400" y="1212850"/>
-            <a:ext cx="11574000" cy="4173450"/>
+            <a:ext cx="11574000" cy="3619452"/>
           </a:xfrm>
         </p:spPr>
         <p:txBody>
@@ -24110,7 +24101,7 @@
           <a:p>
             <a:r>
               <a:rPr lang="en-US" dirty="0"/>
-              <a:t>Unlike web parts, extensions require a live SharePoint site, list and/or library</a:t>
+              <a:t>The SharePoint workbench doesn't support testing extensions</a:t>
             </a:r>
           </a:p>
           <a:p>
@@ -24120,20 +24111,6 @@
             <a:r>
               <a:rPr lang="en-US" dirty="0"/>
               <a:t>Can still build and host extension project locally while testing in a remote SharePoint site</a:t>
-            </a:r>
-          </a:p>
-          <a:p>
-            <a:pPr lvl="1"/>
-            <a:r>
-              <a:rPr lang="en-US" dirty="0"/>
-              <a:t>Similar experience to using hosted SharePoint workbench for </a:t>
-            </a:r>
-            <a:br>
-              <a:rPr lang="en-US" dirty="0"/>
-            </a:br>
-            <a:r>
-              <a:rPr lang="en-US" dirty="0"/>
-              <a:t>web part development, testing &amp; debugging</a:t>
             </a:r>
           </a:p>
           <a:p>

--- a/01 into+appcustomizer.pptx
+++ b/01 into+appcustomizer.pptx
@@ -5,10 +5,10 @@
     <p:sldMasterId id="2147484229" r:id="rId2"/>
   </p:sldMasterIdLst>
   <p:notesMasterIdLst>
-    <p:notesMasterId r:id="rId23"/>
+    <p:notesMasterId r:id="rId24"/>
   </p:notesMasterIdLst>
   <p:handoutMasterIdLst>
-    <p:handoutMasterId r:id="rId24"/>
+    <p:handoutMasterId r:id="rId25"/>
   </p:handoutMasterIdLst>
   <p:sldIdLst>
     <p:sldId id="257" r:id="rId3"/>
@@ -22,15 +22,16 @@
     <p:sldId id="1553" r:id="rId11"/>
     <p:sldId id="1554" r:id="rId12"/>
     <p:sldId id="1556" r:id="rId13"/>
-    <p:sldId id="1555" r:id="rId14"/>
-    <p:sldId id="1557" r:id="rId15"/>
-    <p:sldId id="1558" r:id="rId16"/>
-    <p:sldId id="1559" r:id="rId17"/>
-    <p:sldId id="265" r:id="rId18"/>
-    <p:sldId id="283" r:id="rId19"/>
-    <p:sldId id="279" r:id="rId20"/>
-    <p:sldId id="261" r:id="rId21"/>
-    <p:sldId id="260" r:id="rId22"/>
+    <p:sldId id="1582" r:id="rId14"/>
+    <p:sldId id="1555" r:id="rId15"/>
+    <p:sldId id="1557" r:id="rId16"/>
+    <p:sldId id="1558" r:id="rId17"/>
+    <p:sldId id="1559" r:id="rId18"/>
+    <p:sldId id="265" r:id="rId19"/>
+    <p:sldId id="283" r:id="rId20"/>
+    <p:sldId id="279" r:id="rId21"/>
+    <p:sldId id="261" r:id="rId22"/>
+    <p:sldId id="260" r:id="rId23"/>
   </p:sldIdLst>
   <p:sldSz cx="12436475" cy="6994525"/>
   <p:notesSz cx="6858000" cy="9144000"/>
@@ -153,6 +154,7 @@
             <p14:sldId id="1553"/>
             <p14:sldId id="1554"/>
             <p14:sldId id="1556"/>
+            <p14:sldId id="1582"/>
             <p14:sldId id="1555"/>
           </p14:sldIdLst>
         </p14:section>
@@ -956,7 +958,7 @@
 <dgm:dataModel xmlns:dgm="http://schemas.openxmlformats.org/drawingml/2006/diagram" xmlns:a="http://schemas.openxmlformats.org/drawingml/2006/main">
   <dgm:ptLst>
     <dgm:pt modelId="{0FC085B4-97CE-2149-B002-3BE96E991E3C}" type="doc">
-      <dgm:prSet loTypeId="urn:microsoft.com/office/officeart/2005/8/layout/vList2" loCatId="list" qsTypeId="urn:microsoft.com/office/officeart/2005/8/quickstyle/simple1" qsCatId="simple" csTypeId="urn:microsoft.com/office/officeart/2005/8/colors/accent0_3" csCatId="mainScheme"/>
+      <dgm:prSet loTypeId="urn:microsoft.com/office/officeart/2005/8/layout/vList2" loCatId="list" qsTypeId="urn:microsoft.com/office/officeart/2005/8/quickstyle/simple1" qsCatId="simple" csTypeId="urn:microsoft.com/office/officeart/2005/8/colors/accent0_3" csCatId="mainScheme" phldr="1"/>
       <dgm:spPr/>
       <dgm:t>
         <a:bodyPr/>
@@ -975,7 +977,7 @@
         <a:p>
           <a:r>
             <a:rPr lang="en-US" dirty="0"/>
-            <a:t>Centralized control of which extensions are available across entire tenant</a:t>
+            <a:t>Centralized control of which extensions are available across tenant or site collection</a:t>
           </a:r>
         </a:p>
       </dgm:t>
@@ -1211,8 +1213,8 @@
       </dsp:nvSpPr>
       <dsp:spPr>
         <a:xfrm>
-          <a:off x="0" y="710216"/>
-          <a:ext cx="11481092" cy="694980"/>
+          <a:off x="0" y="877616"/>
+          <a:ext cx="11481092" cy="617759"/>
         </a:xfrm>
         <a:prstGeom prst="roundRect">
           <a:avLst/>
@@ -1253,12 +1255,12 @@
         </a:fontRef>
       </dsp:style>
       <dsp:txBody>
-        <a:bodyPr spcFirstLastPara="0" vert="horz" wrap="square" lIns="102870" tIns="102870" rIns="102870" bIns="102870" numCol="1" spcCol="1270" anchor="ctr" anchorCtr="0">
+        <a:bodyPr spcFirstLastPara="0" vert="horz" wrap="square" lIns="91440" tIns="91440" rIns="91440" bIns="91440" numCol="1" spcCol="1270" anchor="ctr" anchorCtr="0">
           <a:noAutofit/>
         </a:bodyPr>
         <a:lstStyle/>
         <a:p>
-          <a:pPr marL="0" lvl="0" indent="0" algn="l" defTabSz="1200150">
+          <a:pPr marL="0" lvl="0" indent="0" algn="l" defTabSz="1066800">
             <a:lnSpc>
               <a:spcPct val="90000"/>
             </a:lnSpc>
@@ -1271,14 +1273,14 @@
             <a:buNone/>
           </a:pPr>
           <a:r>
-            <a:rPr lang="en-US" sz="2700" kern="1200" dirty="0"/>
-            <a:t>Centralized control of which extensions are available across entire tenant</a:t>
+            <a:rPr lang="en-US" sz="2400" kern="1200" dirty="0"/>
+            <a:t>Centralized control of which extensions are available across tenant or site collection</a:t>
           </a:r>
         </a:p>
       </dsp:txBody>
       <dsp:txXfrm>
-        <a:off x="33926" y="744142"/>
-        <a:ext cx="11413240" cy="627128"/>
+        <a:off x="30157" y="907773"/>
+        <a:ext cx="11420778" cy="557445"/>
       </dsp:txXfrm>
     </dsp:sp>
     <dsp:sp modelId="{2FB78BDF-7C8F-1F41-8CD6-4B786B18D9FD}">
@@ -1288,8 +1290,8 @@
       </dsp:nvSpPr>
       <dsp:spPr>
         <a:xfrm>
-          <a:off x="0" y="1482956"/>
-          <a:ext cx="11481092" cy="694980"/>
+          <a:off x="0" y="1564496"/>
+          <a:ext cx="11481092" cy="617759"/>
         </a:xfrm>
         <a:prstGeom prst="roundRect">
           <a:avLst/>
@@ -1330,12 +1332,12 @@
         </a:fontRef>
       </dsp:style>
       <dsp:txBody>
-        <a:bodyPr spcFirstLastPara="0" vert="horz" wrap="square" lIns="102870" tIns="102870" rIns="102870" bIns="102870" numCol="1" spcCol="1270" anchor="ctr" anchorCtr="0">
+        <a:bodyPr spcFirstLastPara="0" vert="horz" wrap="square" lIns="91440" tIns="91440" rIns="91440" bIns="91440" numCol="1" spcCol="1270" anchor="ctr" anchorCtr="0">
           <a:noAutofit/>
         </a:bodyPr>
         <a:lstStyle/>
         <a:p>
-          <a:pPr marL="0" lvl="0" indent="0" algn="l" defTabSz="1200150">
+          <a:pPr marL="0" lvl="0" indent="0" algn="l" defTabSz="1066800">
             <a:lnSpc>
               <a:spcPct val="90000"/>
             </a:lnSpc>
@@ -1348,14 +1350,14 @@
             <a:buNone/>
           </a:pPr>
           <a:r>
-            <a:rPr lang="en-US" sz="2700" kern="1200" dirty="0"/>
+            <a:rPr lang="en-US" sz="2400" kern="1200" dirty="0"/>
             <a:t>Consistent end-user experience across all sites</a:t>
           </a:r>
         </a:p>
       </dsp:txBody>
       <dsp:txXfrm>
-        <a:off x="33926" y="1516882"/>
-        <a:ext cx="11413240" cy="627128"/>
+        <a:off x="30157" y="1594653"/>
+        <a:ext cx="11420778" cy="557445"/>
       </dsp:txXfrm>
     </dsp:sp>
     <dsp:sp modelId="{B0272B02-624D-2445-B63B-A4B45C1ED737}">
@@ -1365,8 +1367,8 @@
       </dsp:nvSpPr>
       <dsp:spPr>
         <a:xfrm>
-          <a:off x="0" y="2255696"/>
-          <a:ext cx="11481092" cy="694980"/>
+          <a:off x="0" y="2251376"/>
+          <a:ext cx="11481092" cy="617759"/>
         </a:xfrm>
         <a:prstGeom prst="roundRect">
           <a:avLst/>
@@ -1407,12 +1409,12 @@
         </a:fontRef>
       </dsp:style>
       <dsp:txBody>
-        <a:bodyPr spcFirstLastPara="0" vert="horz" wrap="square" lIns="102870" tIns="102870" rIns="102870" bIns="102870" numCol="1" spcCol="1270" anchor="ctr" anchorCtr="0">
+        <a:bodyPr spcFirstLastPara="0" vert="horz" wrap="square" lIns="91440" tIns="91440" rIns="91440" bIns="91440" numCol="1" spcCol="1270" anchor="ctr" anchorCtr="0">
           <a:noAutofit/>
         </a:bodyPr>
         <a:lstStyle/>
         <a:p>
-          <a:pPr marL="0" lvl="0" indent="0" algn="l" defTabSz="1200150">
+          <a:pPr marL="0" lvl="0" indent="0" algn="l" defTabSz="1066800">
             <a:lnSpc>
               <a:spcPct val="90000"/>
             </a:lnSpc>
@@ -1425,14 +1427,14 @@
             <a:buNone/>
           </a:pPr>
           <a:r>
-            <a:rPr lang="en-US" sz="2700" kern="1200"/>
+            <a:rPr lang="en-US" sz="2400" kern="1200"/>
             <a:t>Consistent deployment across all sites</a:t>
           </a:r>
         </a:p>
       </dsp:txBody>
       <dsp:txXfrm>
-        <a:off x="33926" y="2289622"/>
-        <a:ext cx="11413240" cy="627128"/>
+        <a:off x="30157" y="2281533"/>
+        <a:ext cx="11420778" cy="557445"/>
       </dsp:txXfrm>
     </dsp:sp>
     <dsp:sp modelId="{E4AF1CAC-D73A-A24F-9293-09183EA92B01}">
@@ -1442,8 +1444,8 @@
       </dsp:nvSpPr>
       <dsp:spPr>
         <a:xfrm>
-          <a:off x="0" y="3028436"/>
-          <a:ext cx="11481092" cy="694980"/>
+          <a:off x="0" y="2938255"/>
+          <a:ext cx="11481092" cy="617759"/>
         </a:xfrm>
         <a:prstGeom prst="roundRect">
           <a:avLst/>
@@ -1484,12 +1486,12 @@
         </a:fontRef>
       </dsp:style>
       <dsp:txBody>
-        <a:bodyPr spcFirstLastPara="0" vert="horz" wrap="square" lIns="102870" tIns="102870" rIns="102870" bIns="102870" numCol="1" spcCol="1270" anchor="ctr" anchorCtr="0">
+        <a:bodyPr spcFirstLastPara="0" vert="horz" wrap="square" lIns="91440" tIns="91440" rIns="91440" bIns="91440" numCol="1" spcCol="1270" anchor="ctr" anchorCtr="0">
           <a:noAutofit/>
         </a:bodyPr>
         <a:lstStyle/>
         <a:p>
-          <a:pPr marL="0" lvl="0" indent="0" algn="l" defTabSz="1200150">
+          <a:pPr marL="0" lvl="0" indent="0" algn="l" defTabSz="1066800">
             <a:lnSpc>
               <a:spcPct val="90000"/>
             </a:lnSpc>
@@ -1502,14 +1504,14 @@
             <a:buNone/>
           </a:pPr>
           <a:r>
-            <a:rPr lang="en-US" sz="2700" kern="1200" dirty="0"/>
+            <a:rPr lang="en-US" sz="2400" kern="1200" dirty="0"/>
             <a:t>Automatically enable functionality on newly created sites</a:t>
           </a:r>
         </a:p>
       </dsp:txBody>
       <dsp:txXfrm>
-        <a:off x="33926" y="3062362"/>
-        <a:ext cx="11413240" cy="627128"/>
+        <a:off x="30157" y="2968412"/>
+        <a:ext cx="11420778" cy="557445"/>
       </dsp:txXfrm>
     </dsp:sp>
   </dsp:spTree>
@@ -2806,7 +2808,7 @@
               <a:rPr lang="en-US" smtClean="0">
                 <a:latin typeface="Segoe UI" pitchFamily="34" charset="0"/>
               </a:rPr>
-              <a:t>10/31/2021 2:04 PM</a:t>
+              <a:t>11/15/2022 9:37 AM</a:t>
             </a:fld>
             <a:endParaRPr lang="en-US" dirty="0">
               <a:latin typeface="Segoe UI" pitchFamily="34" charset="0"/>
@@ -3103,7 +3105,7 @@
           <a:p>
             <a:fld id="{D18B56EA-E28F-4F92-9F16-7A6F2501B303}" type="datetime8">
               <a:rPr lang="en-US" smtClean="0"/>
-              <a:t>10/31/2021 2:04 PM</a:t>
+              <a:t>11/15/2022 9:37 AM</a:t>
             </a:fld>
             <a:endParaRPr lang="en-US" dirty="0"/>
           </a:p>
@@ -3486,7 +3488,7 @@
           <a:p>
             <a:fld id="{D18B56EA-E28F-4F92-9F16-7A6F2501B303}" type="datetime8">
               <a:rPr lang="en-US" smtClean="0"/>
-              <a:t>10/31/2021 2:04 PM</a:t>
+              <a:t>11/15/2022 9:37 AM</a:t>
             </a:fld>
             <a:endParaRPr lang="en-US" dirty="0"/>
           </a:p>
@@ -3581,20 +3583,17 @@
                 <a:effectLst/>
                 <a:latin typeface="Consolas" panose="020B0609020204030204" pitchFamily="49" charset="0"/>
               </a:rPr>
-              <a:t>Some extensions support tenant wide deployment. Tenant wide deployment allows you to have centralized control of which extensions are available across all sites in a tenant. This deployment option enables you to easily implement a consistent user experience across all of your sites.</a:t>
-            </a:r>
-          </a:p>
-          <a:p>
-            <a:endParaRPr lang="en-US" dirty="0"/>
-          </a:p>
-          <a:p>
-            <a:r>
-              <a:rPr lang="en-US" dirty="0"/>
-              <a:t>The other aspect of tenant wide deployment is that it applies to not just existing sites, but any new sites will have the extension automatically installed as well.</a:t>
-            </a:r>
-          </a:p>
-          <a:p>
-            <a:endParaRPr lang="en-US" dirty="0"/>
+              <a:t>Application customizers and list view command sets support tenant wide deployment. Tenant wide deployment allows you to have centralized control of which extensions are automatically available across all sites in a tenant or all sites in a site collection. This deployment option enables you to easily implement a consistent user experience across these sites.</a:t>
+            </a:r>
+          </a:p>
+          <a:p>
+            <a:endParaRPr lang="en-US" b="0" dirty="0">
+              <a:solidFill>
+                <a:srgbClr val="000000"/>
+              </a:solidFill>
+              <a:effectLst/>
+              <a:latin typeface="Consolas" panose="020B0609020204030204" pitchFamily="49" charset="0"/>
+            </a:endParaRPr>
           </a:p>
         </p:txBody>
       </p:sp>
@@ -3692,7 +3691,7 @@
           <a:p>
             <a:fld id="{D18B56EA-E28F-4F92-9F16-7A6F2501B303}" type="datetime8">
               <a:rPr lang="en-US" smtClean="0"/>
-              <a:t>10/31/2021 2:04 PM</a:t>
+              <a:t>11/15/2022 9:37 AM</a:t>
             </a:fld>
             <a:endParaRPr lang="en-US" dirty="0"/>
           </a:p>
@@ -3781,15 +3780,7 @@
           <a:p>
             <a:r>
               <a:rPr lang="en-US" dirty="0"/>
-              <a:t>Tenant </a:t>
-            </a:r>
-            <a:r>
-              <a:rPr lang="en-US" dirty="0" err="1"/>
-              <a:t>wite</a:t>
-            </a:r>
-            <a:r>
-              <a:rPr lang="en-US" dirty="0"/>
-              <a:t> deployment allows you to bypass the need for installing extensions to each site collection. Only application customizers and list view command sets can be deployed tenant wide; field customizers can't be deployed tenant-wide.</a:t>
+              <a:t>Tenant wide deployment can be used when deploying a package to the tenant app catalog or to a site collection app catalog. In the case of deployment to the tenant app catalog, tenant wide deployment makes the extension automatically available to all sites in the tenant. In the case of deployment to a site collection app catalog, tenant wide deployment is really site collection wide deployment. That is, it only makes the extension automatically available to the sites in the site collection where it was deployed.</a:t>
             </a:r>
           </a:p>
           <a:p>
@@ -3798,41 +3789,23 @@
           <a:p>
             <a:r>
               <a:rPr lang="en-US" dirty="0"/>
-              <a:t>The public properties can be set on the extension enabling administrators to apply them to specific list templates or site templates. For example, if you wanted a command set customization to show up in a document library and not a list, you have the ability to specify the public properties on an extension across all the sites.</a:t>
-            </a:r>
-          </a:p>
-          <a:p>
-            <a:endParaRPr lang="en-US" dirty="0"/>
-          </a:p>
-          <a:p>
-            <a:r>
-              <a:rPr lang="en-US" dirty="0"/>
-              <a:t>The presence of a specific file in the project enables an extension tenant wide deployment. When the **</a:t>
-            </a:r>
-            <a:r>
-              <a:rPr lang="en-US" dirty="0" err="1"/>
-              <a:t>ClientSideInstances.xml</a:t>
-            </a:r>
-            <a:r>
-              <a:rPr lang="en-US" dirty="0"/>
-              <a:t>** file is detected during deployment to the tenant's App Catalog, an entry is added to a special SharePoint list. The values within the XML file are used to add an entry to the list that contains all extensions that are deployed to the tenant:</a:t>
-            </a:r>
-          </a:p>
-          <a:p>
-            <a:endParaRPr lang="en-US" dirty="0"/>
-          </a:p>
-          <a:p>
-            <a:r>
-              <a:rPr lang="en-US" dirty="0"/>
-              <a:t>The **</a:t>
-            </a:r>
-            <a:r>
-              <a:rPr lang="en-US" dirty="0" err="1"/>
-              <a:t>ClientSideInstances.xml</a:t>
-            </a:r>
-            <a:r>
-              <a:rPr lang="en-US" dirty="0"/>
-              <a:t>** file is added to an extension project by default, located in the **./</a:t>
+              <a:t>Two elements of a project must be set to enable tenant wide deployment of an extension. First, the `</a:t>
+            </a:r>
+            <a:r>
+              <a:rPr lang="en-US" dirty="0" err="1"/>
+              <a:t>skipFeatureDeployment</a:t>
+            </a:r>
+            <a:r>
+              <a:rPr lang="en-US" dirty="0"/>
+              <a:t>` attribute in the **./config/package-</a:t>
+            </a:r>
+            <a:r>
+              <a:rPr lang="en-US" dirty="0" err="1"/>
+              <a:t>solution.json</a:t>
+            </a:r>
+            <a:r>
+              <a:rPr lang="en-US" dirty="0"/>
+              <a:t>** file needs to be set to **true**. Second, the project must contain a **ClientSideInstances.xml** file in the **./</a:t>
             </a:r>
             <a:r>
               <a:rPr lang="en-US" dirty="0" err="1"/>
@@ -3840,7 +3813,7 @@
             </a:r>
             <a:r>
               <a:rPr lang="en-US" dirty="0"/>
-              <a:t>/assets** folder in the project. To disable the extension from being deployed to the entire tenant, delete this file from your project prior to creating the SharePoint package.</a:t>
+              <a:t>/assets** folder. The **ClientSideInstances.xml** file contains information about the extension including values of the public properties.</a:t>
             </a:r>
           </a:p>
         </p:txBody>
@@ -3939,7 +3912,7 @@
           <a:p>
             <a:fld id="{D18B56EA-E28F-4F92-9F16-7A6F2501B303}" type="datetime8">
               <a:rPr lang="en-US" smtClean="0"/>
-              <a:t>10/31/2021 2:04 PM</a:t>
+              <a:t>11/15/2022 9:37 AM</a:t>
             </a:fld>
             <a:endParaRPr lang="en-US" dirty="0"/>
           </a:p>
@@ -4028,15 +4001,7 @@
           <a:p>
             <a:r>
               <a:rPr lang="en-US" dirty="0"/>
-              <a:t>SharePoint installs extensions across an all sites in a tenant based on the contents of the **Tenant Wide Extensions** list. This list, in the tenant's App Catalog site, is populated by the **</a:t>
-            </a:r>
-            <a:r>
-              <a:rPr lang="en-US" dirty="0" err="1"/>
-              <a:t>ClientSideInstances.xml</a:t>
-            </a:r>
-            <a:r>
-              <a:rPr lang="en-US" dirty="0"/>
-              <a:t>** file when an extension is deployed to the App Catalog.</a:t>
+              <a:t>It's important to note the enabling tenant wide deployment in a project just gives the administrator deploying the package the option to automatically make the extension available across all sites in the tenant or all sites in a site collection. To do so they must select **Enable this app and add it to all sites option** in the **Enable app** dialog when using the modern app catalog experience or by selecting **Make this solution available to all sites in the organization** when using the classic app catalog experience. </a:t>
             </a:r>
           </a:p>
           <a:p>
@@ -4045,7 +4010,57 @@
           <a:p>
             <a:r>
               <a:rPr lang="en-US" dirty="0"/>
-              <a:t>To uninstall an extension from tenant wide deployment, delete the extension's entry in this list or change the value of the **Disabled** field.</a:t>
+              <a:t>Again, even though the user interface described above may suggest otherwise, selecting one of these options when deploying to a site collection app catalog will only make the extension automatically available to sites in the site collection where it was deployed.</a:t>
+            </a:r>
+          </a:p>
+          <a:p>
+            <a:endParaRPr lang="en-US" dirty="0"/>
+          </a:p>
+          <a:p>
+            <a:r>
+              <a:rPr lang="en-US" dirty="0"/>
+              <a:t>If the administrator chooses to automatically make the extension available across all sites in the tenant or all sites in a site collection, the values contained in the **ClientSideInstances.xml** file are used to add an entry into the **Tenant Wide Extensions** list.</a:t>
+            </a:r>
+          </a:p>
+          <a:p>
+            <a:endParaRPr lang="en-US" dirty="0"/>
+          </a:p>
+          <a:p>
+            <a:r>
+              <a:rPr lang="en-US" dirty="0"/>
+              <a:t>To disable tenant wide deployment of the extension, set the `</a:t>
+            </a:r>
+            <a:r>
+              <a:rPr lang="en-US" dirty="0" err="1"/>
+              <a:t>skipFeatureDeployment</a:t>
+            </a:r>
+            <a:r>
+              <a:rPr lang="en-US" dirty="0"/>
+              <a:t>` attribute in the **./config/package-</a:t>
+            </a:r>
+            <a:r>
+              <a:rPr lang="en-US" dirty="0" err="1"/>
+              <a:t>solution.json</a:t>
+            </a:r>
+            <a:r>
+              <a:rPr lang="en-US" dirty="0"/>
+              <a:t>** file to **false**. You can optionally delete the </a:t>
+            </a:r>
+            <a:r>
+              <a:rPr lang="en-US" dirty="0" err="1"/>
+              <a:t>the</a:t>
+            </a:r>
+            <a:r>
+              <a:rPr lang="en-US" dirty="0"/>
+              <a:t> **./</a:t>
+            </a:r>
+            <a:r>
+              <a:rPr lang="en-US" dirty="0" err="1"/>
+              <a:t>sharepoint</a:t>
+            </a:r>
+            <a:r>
+              <a:rPr lang="en-US" dirty="0"/>
+              <a:t>/assets/ClientSideInstances.xml** file as well.</a:t>
             </a:r>
           </a:p>
         </p:txBody>
@@ -4144,7 +4159,7 @@
           <a:p>
             <a:fld id="{D18B56EA-E28F-4F92-9F16-7A6F2501B303}" type="datetime8">
               <a:rPr lang="en-US" smtClean="0"/>
-              <a:t>10/31/2021 2:04 PM</a:t>
+              <a:t>11/15/2022 9:47 AM</a:t>
             </a:fld>
             <a:endParaRPr lang="en-US" dirty="0"/>
           </a:p>
@@ -4177,7 +4192,7 @@
     </p:spTree>
     <p:extLst>
       <p:ext uri="{BB962C8B-B14F-4D97-AF65-F5344CB8AC3E}">
-        <p14:creationId xmlns:p14="http://schemas.microsoft.com/office/powerpoint/2010/main" val="798294678"/>
+        <p14:creationId xmlns:p14="http://schemas.microsoft.com/office/powerpoint/2010/main" val="467421396"/>
       </p:ext>
     </p:extLst>
   </p:cSld>
@@ -4233,7 +4248,15 @@
           <a:p>
             <a:r>
               <a:rPr lang="en-US" dirty="0"/>
-              <a:t>Now let's look at one type of SharePoint Framework extension: the application customizer. Application customizers enable you to do two things:</a:t>
+              <a:t>App catalog sites contain a **Tenant Wide Extensions** list, which can be used to manage SharePoint Framework extension activations. This list may be hidden. If it is not shown in the site contents page of the app catalog site, it can be accessed by adding **/Lists/</a:t>
+            </a:r>
+            <a:r>
+              <a:rPr lang="en-US" dirty="0" err="1"/>
+              <a:t>TenantWideExtensions</a:t>
+            </a:r>
+            <a:r>
+              <a:rPr lang="en-US" dirty="0"/>
+              <a:t>/AllItems.aspx** to the app catalog site URL.</a:t>
             </a:r>
           </a:p>
           <a:p>
@@ -4242,55 +4265,8 @@
           <a:p>
             <a:r>
               <a:rPr lang="en-US" dirty="0"/>
-              <a:t>- add script to all pages in a site collection</a:t>
-            </a:r>
-          </a:p>
-          <a:p>
-            <a:r>
-              <a:rPr lang="en-US" dirty="0"/>
-              <a:t>- set the HTML on two well-known `&lt;div&gt;` elements on the page that serve as headers and footers</a:t>
-            </a:r>
-          </a:p>
-          <a:p>
-            <a:endParaRPr lang="en-US" dirty="0"/>
-          </a:p>
-          <a:p>
-            <a:r>
-              <a:rPr lang="en-US" dirty="0"/>
-              <a:t>This type of extension is intended to be the modern experience replacement to the classic experience's delegate control and `</a:t>
-            </a:r>
-            <a:r>
-              <a:rPr lang="en-US" dirty="0" err="1"/>
-              <a:t>ScriptLink</a:t>
-            </a:r>
-            <a:r>
-              <a:rPr lang="en-US" dirty="0"/>
-              <a:t>` control. Some common uses for application customizers include the following:</a:t>
-            </a:r>
-          </a:p>
-          <a:p>
-            <a:endParaRPr lang="en-US" dirty="0"/>
-          </a:p>
-          <a:p>
-            <a:r>
-              <a:rPr lang="en-US" dirty="0"/>
-              <a:t>- **add script to every page**: If you need to add JavaScript to all pages in your site, the application customizer is perfect for this scenario.</a:t>
-            </a:r>
-          </a:p>
-          <a:p>
-            <a:r>
-              <a:rPr lang="en-US" dirty="0"/>
-              <a:t>- **add third-party libraries to all pages in a site**: Similar to the previous scenario, you can use an application customizer to install a third-party service or library for monitoring or telemetry tracking in a site, such as Azure's Application Insights. The application customizer is used to add the necessary reference to the JavaScript library to all pages and do any required configuration.</a:t>
-            </a:r>
-          </a:p>
-          <a:p>
-            <a:r>
-              <a:rPr lang="en-US" dirty="0"/>
-              <a:t>- **add notice to all pages**: Application customizers are used to add script to a page. You can use this approach to display news, privacy messages or alerts to all your users easily using application customizers.</a:t>
-            </a:r>
-          </a:p>
-          <a:p>
-            <a:endParaRPr lang="en-US" dirty="0"/>
+              <a:t>To disable tenant wide deployment for an extension, set the value of the **Disabled** field for the appropriate item in the **Tenant Wide Extensions** list to **true**.</a:t>
+            </a:r>
           </a:p>
         </p:txBody>
       </p:sp>
@@ -4388,7 +4364,7 @@
           <a:p>
             <a:fld id="{D18B56EA-E28F-4F92-9F16-7A6F2501B303}" type="datetime8">
               <a:rPr lang="en-US" smtClean="0"/>
-              <a:t>10/31/2021 2:04 PM</a:t>
+              <a:t>11/15/2022 9:37 AM</a:t>
             </a:fld>
             <a:endParaRPr lang="en-US" dirty="0"/>
           </a:p>
@@ -4421,7 +4397,7 @@
     </p:spTree>
     <p:extLst>
       <p:ext uri="{BB962C8B-B14F-4D97-AF65-F5344CB8AC3E}">
-        <p14:creationId xmlns:p14="http://schemas.microsoft.com/office/powerpoint/2010/main" val="2400141986"/>
+        <p14:creationId xmlns:p14="http://schemas.microsoft.com/office/powerpoint/2010/main" val="798294678"/>
       </p:ext>
     </p:extLst>
   </p:cSld>
@@ -4476,116 +4452,65 @@
           <a:lstStyle/>
           <a:p>
             <a:r>
-              <a:rPr lang="en-US" sz="900" b="0" kern="1200" dirty="0">
-                <a:solidFill>
-                  <a:schemeClr val="tx1"/>
-                </a:solidFill>
-                <a:effectLst/>
-                <a:latin typeface="Segoe UI Light" pitchFamily="34" charset="0"/>
-                <a:ea typeface="+mn-ea"/>
-                <a:cs typeface="+mn-cs"/>
-              </a:rPr>
-              <a:t>In addition to adding script to all pages, application customizers also enable developers to add HTML to two well-known elements on all pages in a site.</a:t>
-            </a:r>
-          </a:p>
-          <a:p>
-            <a:br>
-              <a:rPr lang="en-US" sz="900" b="0" kern="1200" dirty="0">
-                <a:solidFill>
-                  <a:schemeClr val="tx1"/>
-                </a:solidFill>
-                <a:effectLst/>
-                <a:latin typeface="Segoe UI Light" pitchFamily="34" charset="0"/>
-                <a:ea typeface="+mn-ea"/>
-                <a:cs typeface="+mn-cs"/>
-              </a:rPr>
-            </a:br>
-            <a:r>
-              <a:rPr lang="en-US" sz="900" b="0" kern="1200" dirty="0">
-                <a:solidFill>
-                  <a:schemeClr val="tx1"/>
-                </a:solidFill>
-                <a:effectLst/>
-                <a:latin typeface="Segoe UI Light" pitchFamily="34" charset="0"/>
-                <a:ea typeface="+mn-ea"/>
-                <a:cs typeface="+mn-cs"/>
-              </a:rPr>
-              <a:t>These two elements, called </a:t>
-            </a:r>
-            <a:r>
-              <a:rPr lang="en-US" sz="900" b="0" i="1" kern="1200" dirty="0">
-                <a:solidFill>
-                  <a:schemeClr val="tx1"/>
-                </a:solidFill>
-                <a:effectLst/>
-                <a:latin typeface="Segoe UI Light" pitchFamily="34" charset="0"/>
-                <a:ea typeface="+mn-ea"/>
-                <a:cs typeface="+mn-cs"/>
-              </a:rPr>
-              <a:t>*placeholders*</a:t>
-            </a:r>
-            <a:r>
-              <a:rPr lang="en-US" sz="900" b="0" kern="1200" dirty="0">
-                <a:solidFill>
-                  <a:schemeClr val="tx1"/>
-                </a:solidFill>
-                <a:effectLst/>
-                <a:latin typeface="Segoe UI Light" pitchFamily="34" charset="0"/>
-                <a:ea typeface="+mn-ea"/>
-                <a:cs typeface="+mn-cs"/>
-              </a:rPr>
-              <a:t>, are located at the top and bottom of a page. The top placeholder is a `&lt;div&gt;` that spans the entire top part of the page just below the Office 365 suite bar.</a:t>
-            </a:r>
-          </a:p>
-          <a:p>
-            <a:br>
-              <a:rPr lang="en-US" sz="900" b="0" kern="1200" dirty="0">
-                <a:solidFill>
-                  <a:schemeClr val="tx1"/>
-                </a:solidFill>
-                <a:effectLst/>
-                <a:latin typeface="Segoe UI Light" pitchFamily="34" charset="0"/>
-                <a:ea typeface="+mn-ea"/>
-                <a:cs typeface="+mn-cs"/>
-              </a:rPr>
-            </a:br>
-            <a:r>
-              <a:rPr lang="en-US" sz="900" b="0" kern="1200" dirty="0">
-                <a:solidFill>
-                  <a:schemeClr val="tx1"/>
-                </a:solidFill>
-                <a:effectLst/>
-                <a:latin typeface="Segoe UI Light" pitchFamily="34" charset="0"/>
-                <a:ea typeface="+mn-ea"/>
-                <a:cs typeface="+mn-cs"/>
-              </a:rPr>
-              <a:t>The bottom placeholder acts as a footer. This `&lt;div&gt;` spans the width of the page.</a:t>
-            </a:r>
-          </a:p>
-          <a:p>
-            <a:br>
-              <a:rPr lang="en-US" sz="900" b="0" kern="1200" dirty="0">
-                <a:solidFill>
-                  <a:schemeClr val="tx1"/>
-                </a:solidFill>
-                <a:effectLst/>
-                <a:latin typeface="Segoe UI Light" pitchFamily="34" charset="0"/>
-                <a:ea typeface="+mn-ea"/>
-                <a:cs typeface="+mn-cs"/>
-              </a:rPr>
-            </a:br>
-            <a:r>
-              <a:rPr lang="en-US" sz="900" b="0" kern="1200" dirty="0">
-                <a:solidFill>
-                  <a:schemeClr val="tx1"/>
-                </a:solidFill>
-                <a:effectLst/>
-                <a:latin typeface="Segoe UI Light" pitchFamily="34" charset="0"/>
-                <a:ea typeface="+mn-ea"/>
-                <a:cs typeface="+mn-cs"/>
-              </a:rPr>
-              <a:t>Both placeholders are sticky in the sense they remained pinned in the browser and don't scroll with the page.</a:t>
-            </a:r>
+              <a:rPr lang="en-US" dirty="0"/>
+              <a:t>Now let's look at one type of SharePoint Framework extension: the application customizer. Application customizers enable you to do two things:</a:t>
+            </a:r>
+          </a:p>
+          <a:p>
+            <a:endParaRPr lang="en-US" dirty="0"/>
+          </a:p>
+          <a:p>
+            <a:r>
+              <a:rPr lang="en-US" dirty="0"/>
+              <a:t>- add script to all pages in a site collection</a:t>
+            </a:r>
+          </a:p>
+          <a:p>
+            <a:r>
+              <a:rPr lang="en-US" dirty="0"/>
+              <a:t>- set the HTML on two well-known `&lt;div&gt;` elements on the page that serve as headers and footers</a:t>
+            </a:r>
+          </a:p>
+          <a:p>
+            <a:endParaRPr lang="en-US" dirty="0"/>
+          </a:p>
+          <a:p>
+            <a:r>
+              <a:rPr lang="en-US" dirty="0"/>
+              <a:t>This type of extension is intended to be the modern experience replacement to the classic experience's delegate control and `</a:t>
+            </a:r>
+            <a:r>
+              <a:rPr lang="en-US" dirty="0" err="1"/>
+              <a:t>ScriptLink</a:t>
+            </a:r>
+            <a:r>
+              <a:rPr lang="en-US" dirty="0"/>
+              <a:t>` control. Some common uses for application customizers include the following:</a:t>
+            </a:r>
+          </a:p>
+          <a:p>
+            <a:endParaRPr lang="en-US" dirty="0"/>
+          </a:p>
+          <a:p>
+            <a:r>
+              <a:rPr lang="en-US" dirty="0"/>
+              <a:t>- **add script to every page**: If you need to add JavaScript to all pages in your site, the application customizer is perfect for this scenario.</a:t>
+            </a:r>
+          </a:p>
+          <a:p>
+            <a:r>
+              <a:rPr lang="en-US" dirty="0"/>
+              <a:t>- **add third-party libraries to all pages in a site**: Similar to the previous scenario, you can use an application customizer to install a third-party service or library for monitoring or telemetry tracking in a site, such as Azure's Application Insights. The application customizer is used to add the necessary reference to the JavaScript library to all pages and do any required configuration.</a:t>
+            </a:r>
+          </a:p>
+          <a:p>
+            <a:r>
+              <a:rPr lang="en-US" dirty="0"/>
+              <a:t>- **add notice to all pages**: Application customizers are used to add script to a page. You can use this approach to display news, privacy messages or alerts to all your users easily using application customizers.</a:t>
+            </a:r>
+          </a:p>
+          <a:p>
+            <a:endParaRPr lang="en-US" dirty="0"/>
           </a:p>
         </p:txBody>
       </p:sp>
@@ -4683,7 +4608,7 @@
           <a:p>
             <a:fld id="{D18B56EA-E28F-4F92-9F16-7A6F2501B303}" type="datetime8">
               <a:rPr lang="en-US" smtClean="0"/>
-              <a:t>10/31/2021 2:04 PM</a:t>
+              <a:t>11/15/2022 9:37 AM</a:t>
             </a:fld>
             <a:endParaRPr lang="en-US" dirty="0"/>
           </a:p>
@@ -4716,7 +4641,7 @@
     </p:spTree>
     <p:extLst>
       <p:ext uri="{BB962C8B-B14F-4D97-AF65-F5344CB8AC3E}">
-        <p14:creationId xmlns:p14="http://schemas.microsoft.com/office/powerpoint/2010/main" val="311634894"/>
+        <p14:creationId xmlns:p14="http://schemas.microsoft.com/office/powerpoint/2010/main" val="2400141986"/>
       </p:ext>
     </p:extLst>
   </p:cSld>
@@ -4771,49 +4696,115 @@
           <a:lstStyle/>
           <a:p>
             <a:r>
-              <a:rPr lang="en-US" dirty="0"/>
-              <a:t>To write to a placeholder you must first get a reference to it from the application customizer. In this code, notice the two private members `_</a:t>
-            </a:r>
-            <a:r>
-              <a:rPr lang="en-US" dirty="0" err="1"/>
-              <a:t>topPlaceholder</a:t>
-            </a:r>
-            <a:r>
-              <a:rPr lang="en-US" dirty="0"/>
-              <a:t>` and `_</a:t>
-            </a:r>
-            <a:r>
-              <a:rPr lang="en-US" dirty="0" err="1"/>
-              <a:t>bottomPlaceholder</a:t>
-            </a:r>
-            <a:r>
-              <a:rPr lang="en-US" dirty="0"/>
-              <a:t>`. You should always first check if you have a reference to the placeholder before writing to it. Otherwise, you can run into errors as you can't have more than one reference to it. </a:t>
-            </a:r>
-          </a:p>
-          <a:p>
-            <a:endParaRPr lang="en-US" dirty="0"/>
-          </a:p>
-          <a:p>
-            <a:r>
-              <a:rPr lang="en-US" dirty="0"/>
-              <a:t>Obtain a reference to the placeholder with the `</a:t>
-            </a:r>
-            <a:r>
-              <a:rPr lang="en-US" dirty="0" err="1"/>
-              <a:t>placeholderProvider</a:t>
-            </a:r>
-            <a:r>
-              <a:rPr lang="en-US" dirty="0"/>
-              <a:t>` object by calling `</a:t>
-            </a:r>
-            <a:r>
-              <a:rPr lang="en-US" dirty="0" err="1"/>
-              <a:t>this.context.placeholderProvider.tryCreateContent</a:t>
-            </a:r>
-            <a:r>
-              <a:rPr lang="en-US" dirty="0"/>
-              <a:t>()` method.</a:t>
+              <a:rPr lang="en-US" sz="900" b="0" kern="1200" dirty="0">
+                <a:solidFill>
+                  <a:schemeClr val="tx1"/>
+                </a:solidFill>
+                <a:effectLst/>
+                <a:latin typeface="Segoe UI Light" pitchFamily="34" charset="0"/>
+                <a:ea typeface="+mn-ea"/>
+                <a:cs typeface="+mn-cs"/>
+              </a:rPr>
+              <a:t>In addition to adding script to all pages, application customizers also enable developers to add HTML to two well-known elements on all pages in a site.</a:t>
+            </a:r>
+          </a:p>
+          <a:p>
+            <a:br>
+              <a:rPr lang="en-US" sz="900" b="0" kern="1200" dirty="0">
+                <a:solidFill>
+                  <a:schemeClr val="tx1"/>
+                </a:solidFill>
+                <a:effectLst/>
+                <a:latin typeface="Segoe UI Light" pitchFamily="34" charset="0"/>
+                <a:ea typeface="+mn-ea"/>
+                <a:cs typeface="+mn-cs"/>
+              </a:rPr>
+            </a:br>
+            <a:r>
+              <a:rPr lang="en-US" sz="900" b="0" kern="1200" dirty="0">
+                <a:solidFill>
+                  <a:schemeClr val="tx1"/>
+                </a:solidFill>
+                <a:effectLst/>
+                <a:latin typeface="Segoe UI Light" pitchFamily="34" charset="0"/>
+                <a:ea typeface="+mn-ea"/>
+                <a:cs typeface="+mn-cs"/>
+              </a:rPr>
+              <a:t>These two elements, called </a:t>
+            </a:r>
+            <a:r>
+              <a:rPr lang="en-US" sz="900" b="0" i="1" kern="1200" dirty="0">
+                <a:solidFill>
+                  <a:schemeClr val="tx1"/>
+                </a:solidFill>
+                <a:effectLst/>
+                <a:latin typeface="Segoe UI Light" pitchFamily="34" charset="0"/>
+                <a:ea typeface="+mn-ea"/>
+                <a:cs typeface="+mn-cs"/>
+              </a:rPr>
+              <a:t>*placeholders*</a:t>
+            </a:r>
+            <a:r>
+              <a:rPr lang="en-US" sz="900" b="0" kern="1200" dirty="0">
+                <a:solidFill>
+                  <a:schemeClr val="tx1"/>
+                </a:solidFill>
+                <a:effectLst/>
+                <a:latin typeface="Segoe UI Light" pitchFamily="34" charset="0"/>
+                <a:ea typeface="+mn-ea"/>
+                <a:cs typeface="+mn-cs"/>
+              </a:rPr>
+              <a:t>, are located at the top and bottom of a page. The top placeholder is a `&lt;div&gt;` that spans the entire top part of the page just below the Office 365 suite bar.</a:t>
+            </a:r>
+          </a:p>
+          <a:p>
+            <a:br>
+              <a:rPr lang="en-US" sz="900" b="0" kern="1200" dirty="0">
+                <a:solidFill>
+                  <a:schemeClr val="tx1"/>
+                </a:solidFill>
+                <a:effectLst/>
+                <a:latin typeface="Segoe UI Light" pitchFamily="34" charset="0"/>
+                <a:ea typeface="+mn-ea"/>
+                <a:cs typeface="+mn-cs"/>
+              </a:rPr>
+            </a:br>
+            <a:r>
+              <a:rPr lang="en-US" sz="900" b="0" kern="1200" dirty="0">
+                <a:solidFill>
+                  <a:schemeClr val="tx1"/>
+                </a:solidFill>
+                <a:effectLst/>
+                <a:latin typeface="Segoe UI Light" pitchFamily="34" charset="0"/>
+                <a:ea typeface="+mn-ea"/>
+                <a:cs typeface="+mn-cs"/>
+              </a:rPr>
+              <a:t>The bottom placeholder acts as a footer. This `&lt;div&gt;` spans the width of the page.</a:t>
+            </a:r>
+          </a:p>
+          <a:p>
+            <a:br>
+              <a:rPr lang="en-US" sz="900" b="0" kern="1200" dirty="0">
+                <a:solidFill>
+                  <a:schemeClr val="tx1"/>
+                </a:solidFill>
+                <a:effectLst/>
+                <a:latin typeface="Segoe UI Light" pitchFamily="34" charset="0"/>
+                <a:ea typeface="+mn-ea"/>
+                <a:cs typeface="+mn-cs"/>
+              </a:rPr>
+            </a:br>
+            <a:r>
+              <a:rPr lang="en-US" sz="900" b="0" kern="1200" dirty="0">
+                <a:solidFill>
+                  <a:schemeClr val="tx1"/>
+                </a:solidFill>
+                <a:effectLst/>
+                <a:latin typeface="Segoe UI Light" pitchFamily="34" charset="0"/>
+                <a:ea typeface="+mn-ea"/>
+                <a:cs typeface="+mn-cs"/>
+              </a:rPr>
+              <a:t>Both placeholders are sticky in the sense they remained pinned in the browser and don't scroll with the page.</a:t>
             </a:r>
           </a:p>
         </p:txBody>
@@ -4912,7 +4903,7 @@
           <a:p>
             <a:fld id="{D18B56EA-E28F-4F92-9F16-7A6F2501B303}" type="datetime8">
               <a:rPr lang="en-US" smtClean="0"/>
-              <a:t>10/31/2021 2:04 PM</a:t>
+              <a:t>11/15/2022 9:37 AM</a:t>
             </a:fld>
             <a:endParaRPr lang="en-US" dirty="0"/>
           </a:p>
@@ -4945,7 +4936,7 @@
     </p:spTree>
     <p:extLst>
       <p:ext uri="{BB962C8B-B14F-4D97-AF65-F5344CB8AC3E}">
-        <p14:creationId xmlns:p14="http://schemas.microsoft.com/office/powerpoint/2010/main" val="4212997588"/>
+        <p14:creationId xmlns:p14="http://schemas.microsoft.com/office/powerpoint/2010/main" val="311634894"/>
       </p:ext>
     </p:extLst>
   </p:cSld>
@@ -4999,7 +4990,51 @@
           <a:bodyPr/>
           <a:lstStyle/>
           <a:p>
-            <a:endParaRPr lang="en-US"/>
+            <a:r>
+              <a:rPr lang="en-US" dirty="0"/>
+              <a:t>To write to a placeholder you must first get a reference to it from the application customizer. In this code, notice the two private members `_</a:t>
+            </a:r>
+            <a:r>
+              <a:rPr lang="en-US" dirty="0" err="1"/>
+              <a:t>topPlaceholder</a:t>
+            </a:r>
+            <a:r>
+              <a:rPr lang="en-US" dirty="0"/>
+              <a:t>` and `_</a:t>
+            </a:r>
+            <a:r>
+              <a:rPr lang="en-US" dirty="0" err="1"/>
+              <a:t>bottomPlaceholder</a:t>
+            </a:r>
+            <a:r>
+              <a:rPr lang="en-US" dirty="0"/>
+              <a:t>`. You should always first check if you have a reference to the placeholder before writing to it. Otherwise, you can run into errors as you can't have more than one reference to it. </a:t>
+            </a:r>
+          </a:p>
+          <a:p>
+            <a:endParaRPr lang="en-US" dirty="0"/>
+          </a:p>
+          <a:p>
+            <a:r>
+              <a:rPr lang="en-US" dirty="0"/>
+              <a:t>Obtain a reference to the placeholder with the `</a:t>
+            </a:r>
+            <a:r>
+              <a:rPr lang="en-US" dirty="0" err="1"/>
+              <a:t>placeholderProvider</a:t>
+            </a:r>
+            <a:r>
+              <a:rPr lang="en-US" dirty="0"/>
+              <a:t>` object by calling `</a:t>
+            </a:r>
+            <a:r>
+              <a:rPr lang="en-US" dirty="0" err="1"/>
+              <a:t>this.context.placeholderProvider.tryCreateContent</a:t>
+            </a:r>
+            <a:r>
+              <a:rPr lang="en-US" dirty="0"/>
+              <a:t>()` method.</a:t>
+            </a:r>
           </a:p>
         </p:txBody>
       </p:sp>
@@ -5010,7 +5045,7 @@
             <a:spLocks noGrp="1"/>
           </p:cNvSpPr>
           <p:nvPr>
-            <p:ph type="hdr" sz="quarter" idx="10"/>
+            <p:ph type="hdr" sz="quarter"/>
           </p:nvPr>
         </p:nvSpPr>
         <p:spPr/>
@@ -5018,6 +5053,10 @@
           <a:bodyPr/>
           <a:lstStyle/>
           <a:p>
+            <a:r>
+              <a:rPr lang="en-US"/>
+              <a:t>SharePoint Framework</a:t>
+            </a:r>
             <a:endParaRPr lang="en-US" dirty="0"/>
           </a:p>
         </p:txBody>
@@ -5029,7 +5068,7 @@
             <a:spLocks noGrp="1"/>
           </p:cNvSpPr>
           <p:nvPr>
-            <p:ph type="ftr" sz="quarter" idx="11"/>
+            <p:ph type="ftr" sz="quarter" idx="4"/>
           </p:nvPr>
         </p:nvSpPr>
         <p:spPr/>
@@ -5083,7 +5122,7 @@
             <a:spLocks noGrp="1"/>
           </p:cNvSpPr>
           <p:nvPr>
-            <p:ph type="dt" idx="12"/>
+            <p:ph type="dt" idx="1"/>
           </p:nvPr>
         </p:nvSpPr>
         <p:spPr/>
@@ -5093,7 +5132,7 @@
           <a:p>
             <a:fld id="{D18B56EA-E28F-4F92-9F16-7A6F2501B303}" type="datetime8">
               <a:rPr lang="en-US" smtClean="0"/>
-              <a:t>10/31/2021 2:04 PM</a:t>
+              <a:t>11/15/2022 9:37 AM</a:t>
             </a:fld>
             <a:endParaRPr lang="en-US" dirty="0"/>
           </a:p>
@@ -5106,7 +5145,7 @@
             <a:spLocks noGrp="1"/>
           </p:cNvSpPr>
           <p:nvPr>
-            <p:ph type="sldNum" sz="quarter" idx="13"/>
+            <p:ph type="sldNum" sz="quarter" idx="5"/>
           </p:nvPr>
         </p:nvSpPr>
         <p:spPr/>
@@ -5126,7 +5165,7 @@
     </p:spTree>
     <p:extLst>
       <p:ext uri="{BB962C8B-B14F-4D97-AF65-F5344CB8AC3E}">
-        <p14:creationId xmlns:p14="http://schemas.microsoft.com/office/powerpoint/2010/main" val="2593812498"/>
+        <p14:creationId xmlns:p14="http://schemas.microsoft.com/office/powerpoint/2010/main" val="4212997588"/>
       </p:ext>
     </p:extLst>
   </p:cSld>
@@ -5180,7 +5219,7 @@
           <a:bodyPr/>
           <a:lstStyle/>
           <a:p>
-            <a:endParaRPr lang="en-US" dirty="0"/>
+            <a:endParaRPr lang="en-US"/>
           </a:p>
         </p:txBody>
       </p:sp>
@@ -5274,7 +5313,7 @@
           <a:p>
             <a:fld id="{D18B56EA-E28F-4F92-9F16-7A6F2501B303}" type="datetime8">
               <a:rPr lang="en-US" smtClean="0"/>
-              <a:t>10/31/2021 2:04 PM</a:t>
+              <a:t>11/15/2022 9:37 AM</a:t>
             </a:fld>
             <a:endParaRPr lang="en-US" dirty="0"/>
           </a:p>
@@ -5298,7 +5337,7 @@
             <a:fld id="{B4008EB6-D09E-4580-8CD6-DDB14511944F}" type="slidenum">
               <a:rPr lang="en-US" smtClean="0"/>
               <a:pPr/>
-              <a:t>18</a:t>
+              <a:t>17</a:t>
             </a:fld>
             <a:endParaRPr lang="en-US" dirty="0"/>
           </a:p>
@@ -5307,7 +5346,7 @@
     </p:spTree>
     <p:extLst>
       <p:ext uri="{BB962C8B-B14F-4D97-AF65-F5344CB8AC3E}">
-        <p14:creationId xmlns:p14="http://schemas.microsoft.com/office/powerpoint/2010/main" val="3282806226"/>
+        <p14:creationId xmlns:p14="http://schemas.microsoft.com/office/powerpoint/2010/main" val="2593812498"/>
       </p:ext>
     </p:extLst>
   </p:cSld>
@@ -5361,7 +5400,7 @@
           <a:bodyPr/>
           <a:lstStyle/>
           <a:p>
-            <a:endParaRPr lang="en-US"/>
+            <a:endParaRPr lang="en-US" dirty="0"/>
           </a:p>
         </p:txBody>
       </p:sp>
@@ -5455,7 +5494,7 @@
           <a:p>
             <a:fld id="{D18B56EA-E28F-4F92-9F16-7A6F2501B303}" type="datetime8">
               <a:rPr lang="en-US" smtClean="0"/>
-              <a:t>10/31/2021 2:04 PM</a:t>
+              <a:t>11/15/2022 9:37 AM</a:t>
             </a:fld>
             <a:endParaRPr lang="en-US" dirty="0"/>
           </a:p>
@@ -5488,7 +5527,7 @@
     </p:spTree>
     <p:extLst>
       <p:ext uri="{BB962C8B-B14F-4D97-AF65-F5344CB8AC3E}">
-        <p14:creationId xmlns:p14="http://schemas.microsoft.com/office/powerpoint/2010/main" val="2510823477"/>
+        <p14:creationId xmlns:p14="http://schemas.microsoft.com/office/powerpoint/2010/main" val="3282806226"/>
       </p:ext>
     </p:extLst>
   </p:cSld>
@@ -5636,7 +5675,7 @@
           <a:p>
             <a:fld id="{D18B56EA-E28F-4F92-9F16-7A6F2501B303}" type="datetime8">
               <a:rPr lang="en-US" smtClean="0"/>
-              <a:t>10/31/2021 2:04 PM</a:t>
+              <a:t>11/15/2022 9:37 AM</a:t>
             </a:fld>
             <a:endParaRPr lang="en-US" dirty="0"/>
           </a:p>
@@ -5669,7 +5708,7 @@
     </p:spTree>
     <p:extLst>
       <p:ext uri="{BB962C8B-B14F-4D97-AF65-F5344CB8AC3E}">
-        <p14:creationId xmlns:p14="http://schemas.microsoft.com/office/powerpoint/2010/main" val="1685519606"/>
+        <p14:creationId xmlns:p14="http://schemas.microsoft.com/office/powerpoint/2010/main" val="2510823477"/>
       </p:ext>
     </p:extLst>
   </p:cSld>
@@ -5820,7 +5859,7 @@
           <a:p>
             <a:fld id="{D18B56EA-E28F-4F92-9F16-7A6F2501B303}" type="datetime8">
               <a:rPr lang="en-US" smtClean="0"/>
-              <a:t>10/31/2021 2:04 PM</a:t>
+              <a:t>11/15/2022 9:37 AM</a:t>
             </a:fld>
             <a:endParaRPr lang="en-US" dirty="0"/>
           </a:p>
@@ -5854,6 +5893,187 @@
     <p:extLst>
       <p:ext uri="{BB962C8B-B14F-4D97-AF65-F5344CB8AC3E}">
         <p14:creationId xmlns:p14="http://schemas.microsoft.com/office/powerpoint/2010/main" val="2897042868"/>
+      </p:ext>
+    </p:extLst>
+  </p:cSld>
+  <p:clrMapOvr>
+    <a:masterClrMapping/>
+  </p:clrMapOvr>
+</p:notes>
+</file>
+
+<file path=ppt/notesSlides/notesSlide20.xml><?xml version="1.0" encoding="utf-8"?>
+<p:notes xmlns:a="http://schemas.openxmlformats.org/drawingml/2006/main" xmlns:r="http://schemas.openxmlformats.org/officeDocument/2006/relationships" xmlns:p="http://schemas.openxmlformats.org/presentationml/2006/main">
+  <p:cSld>
+    <p:spTree>
+      <p:nvGrpSpPr>
+        <p:cNvPr id="1" name=""/>
+        <p:cNvGrpSpPr/>
+        <p:nvPr/>
+      </p:nvGrpSpPr>
+      <p:grpSpPr>
+        <a:xfrm>
+          <a:off x="0" y="0"/>
+          <a:ext cx="0" cy="0"/>
+          <a:chOff x="0" y="0"/>
+          <a:chExt cx="0" cy="0"/>
+        </a:xfrm>
+      </p:grpSpPr>
+      <p:sp>
+        <p:nvSpPr>
+          <p:cNvPr id="2" name="Slide Image Placeholder 1"/>
+          <p:cNvSpPr>
+            <a:spLocks noGrp="1" noRot="1" noChangeAspect="1"/>
+          </p:cNvSpPr>
+          <p:nvPr>
+            <p:ph type="sldImg"/>
+          </p:nvPr>
+        </p:nvSpPr>
+        <p:spPr/>
+      </p:sp>
+      <p:sp>
+        <p:nvSpPr>
+          <p:cNvPr id="3" name="Notes Placeholder 2"/>
+          <p:cNvSpPr>
+            <a:spLocks noGrp="1"/>
+          </p:cNvSpPr>
+          <p:nvPr>
+            <p:ph type="body" idx="1"/>
+          </p:nvPr>
+        </p:nvSpPr>
+        <p:spPr/>
+        <p:txBody>
+          <a:bodyPr/>
+          <a:lstStyle/>
+          <a:p>
+            <a:endParaRPr lang="en-US"/>
+          </a:p>
+        </p:txBody>
+      </p:sp>
+      <p:sp>
+        <p:nvSpPr>
+          <p:cNvPr id="4" name="Header Placeholder 3"/>
+          <p:cNvSpPr>
+            <a:spLocks noGrp="1"/>
+          </p:cNvSpPr>
+          <p:nvPr>
+            <p:ph type="hdr" sz="quarter" idx="10"/>
+          </p:nvPr>
+        </p:nvSpPr>
+        <p:spPr/>
+        <p:txBody>
+          <a:bodyPr/>
+          <a:lstStyle/>
+          <a:p>
+            <a:endParaRPr lang="en-US" dirty="0"/>
+          </a:p>
+        </p:txBody>
+      </p:sp>
+      <p:sp>
+        <p:nvSpPr>
+          <p:cNvPr id="5" name="Footer Placeholder 4"/>
+          <p:cNvSpPr>
+            <a:spLocks noGrp="1"/>
+          </p:cNvSpPr>
+          <p:nvPr>
+            <p:ph type="ftr" sz="quarter" idx="11"/>
+          </p:nvPr>
+        </p:nvSpPr>
+        <p:spPr/>
+        <p:txBody>
+          <a:bodyPr/>
+          <a:lstStyle/>
+          <a:p>
+            <a:pPr defTabSz="914099" eaLnBrk="0" hangingPunct="0"/>
+            <a:r>
+              <a:rPr lang="en-US" sz="400">
+                <a:gradFill>
+                  <a:gsLst>
+                    <a:gs pos="0">
+                      <a:prstClr val="black"/>
+                    </a:gs>
+                    <a:gs pos="100000">
+                      <a:prstClr val="black"/>
+                    </a:gs>
+                  </a:gsLst>
+                  <a:lin ang="5400000" scaled="0"/>
+                </a:gradFill>
+                <a:latin typeface="Segoe UI" pitchFamily="34" charset="0"/>
+                <a:ea typeface="Segoe UI" pitchFamily="34" charset="0"/>
+                <a:cs typeface="Segoe UI" pitchFamily="34" charset="0"/>
+              </a:rPr>
+              <a:t>© Microsoft Corporation. All rights reserved. MICROSOFT MAKES NO WARRANTIES, EXPRESS, IMPLIED OR STATUTORY, AS TO THE INFORMATION IN THIS PRESENTATION.</a:t>
+            </a:r>
+            <a:endParaRPr lang="en-US" sz="400" dirty="0">
+              <a:gradFill>
+                <a:gsLst>
+                  <a:gs pos="0">
+                    <a:prstClr val="black"/>
+                  </a:gs>
+                  <a:gs pos="100000">
+                    <a:prstClr val="black"/>
+                  </a:gs>
+                </a:gsLst>
+                <a:lin ang="5400000" scaled="0"/>
+              </a:gradFill>
+              <a:latin typeface="Segoe UI" pitchFamily="34" charset="0"/>
+              <a:ea typeface="Segoe UI" pitchFamily="34" charset="0"/>
+              <a:cs typeface="Segoe UI" pitchFamily="34" charset="0"/>
+            </a:endParaRPr>
+          </a:p>
+        </p:txBody>
+      </p:sp>
+      <p:sp>
+        <p:nvSpPr>
+          <p:cNvPr id="6" name="Date Placeholder 5"/>
+          <p:cNvSpPr>
+            <a:spLocks noGrp="1"/>
+          </p:cNvSpPr>
+          <p:nvPr>
+            <p:ph type="dt" idx="12"/>
+          </p:nvPr>
+        </p:nvSpPr>
+        <p:spPr/>
+        <p:txBody>
+          <a:bodyPr/>
+          <a:lstStyle/>
+          <a:p>
+            <a:fld id="{D18B56EA-E28F-4F92-9F16-7A6F2501B303}" type="datetime8">
+              <a:rPr lang="en-US" smtClean="0"/>
+              <a:t>11/15/2022 9:37 AM</a:t>
+            </a:fld>
+            <a:endParaRPr lang="en-US" dirty="0"/>
+          </a:p>
+        </p:txBody>
+      </p:sp>
+      <p:sp>
+        <p:nvSpPr>
+          <p:cNvPr id="7" name="Slide Number Placeholder 6"/>
+          <p:cNvSpPr>
+            <a:spLocks noGrp="1"/>
+          </p:cNvSpPr>
+          <p:nvPr>
+            <p:ph type="sldNum" sz="quarter" idx="13"/>
+          </p:nvPr>
+        </p:nvSpPr>
+        <p:spPr/>
+        <p:txBody>
+          <a:bodyPr/>
+          <a:lstStyle/>
+          <a:p>
+            <a:fld id="{B4008EB6-D09E-4580-8CD6-DDB14511944F}" type="slidenum">
+              <a:rPr lang="en-US" smtClean="0"/>
+              <a:pPr/>
+              <a:t>21</a:t>
+            </a:fld>
+            <a:endParaRPr lang="en-US" dirty="0"/>
+          </a:p>
+        </p:txBody>
+      </p:sp>
+    </p:spTree>
+    <p:extLst>
+      <p:ext uri="{BB962C8B-B14F-4D97-AF65-F5344CB8AC3E}">
+        <p14:creationId xmlns:p14="http://schemas.microsoft.com/office/powerpoint/2010/main" val="1685519606"/>
       </p:ext>
     </p:extLst>
   </p:cSld>
@@ -5964,7 +6184,7 @@
           <a:p>
             <a:r>
               <a:rPr lang="en-US" dirty="0"/>
-              <a:t>Because they only run in the modern experience, you can only use SharePoint Framework extensions in SharePoint Server 2019 and SharePoint Online.</a:t>
+              <a:t>Because they only run in the modern experience, you can only use SharePoint Framework extensions in SharePoint Server 2019, SharePoint Server Subscription Edition, and SharePoint Online.</a:t>
             </a:r>
           </a:p>
           <a:p>
@@ -6066,7 +6286,7 @@
           <a:p>
             <a:fld id="{D18B56EA-E28F-4F92-9F16-7A6F2501B303}" type="datetime8">
               <a:rPr lang="en-US" smtClean="0"/>
-              <a:t>10/31/2021 2:04 PM</a:t>
+              <a:t>11/15/2022 9:37 AM</a:t>
             </a:fld>
             <a:endParaRPr lang="en-US" dirty="0"/>
           </a:p>
@@ -6289,7 +6509,7 @@
           <a:p>
             <a:fld id="{D18B56EA-E28F-4F92-9F16-7A6F2501B303}" type="datetime8">
               <a:rPr lang="en-US" smtClean="0"/>
-              <a:t>10/31/2021 2:04 PM</a:t>
+              <a:t>11/15/2022 9:37 AM</a:t>
             </a:fld>
             <a:endParaRPr lang="en-US" dirty="0"/>
           </a:p>
@@ -6497,7 +6717,7 @@
           <a:p>
             <a:fld id="{D18B56EA-E28F-4F92-9F16-7A6F2501B303}" type="datetime8">
               <a:rPr lang="en-US" smtClean="0"/>
-              <a:t>10/31/2021 2:04 PM</a:t>
+              <a:t>11/15/2022 9:37 AM</a:t>
             </a:fld>
             <a:endParaRPr lang="en-US" dirty="0"/>
           </a:p>
@@ -6697,7 +6917,7 @@
           <a:p>
             <a:fld id="{D18B56EA-E28F-4F92-9F16-7A6F2501B303}" type="datetime8">
               <a:rPr lang="en-US" smtClean="0"/>
-              <a:t>10/31/2021 2:04 PM</a:t>
+              <a:t>11/15/2022 9:37 AM</a:t>
             </a:fld>
             <a:endParaRPr lang="en-US" dirty="0"/>
           </a:p>
@@ -7296,7 +7516,7 @@
           <a:p>
             <a:fld id="{D18B56EA-E28F-4F92-9F16-7A6F2501B303}" type="datetime8">
               <a:rPr lang="en-US" smtClean="0"/>
-              <a:t>10/31/2021 2:04 PM</a:t>
+              <a:t>11/15/2022 9:37 AM</a:t>
             </a:fld>
             <a:endParaRPr lang="en-US" dirty="0"/>
           </a:p>
@@ -7534,7 +7754,7 @@
           <a:p>
             <a:fld id="{D18B56EA-E28F-4F92-9F16-7A6F2501B303}" type="datetime8">
               <a:rPr lang="en-US" smtClean="0"/>
-              <a:t>10/31/2021 2:04 PM</a:t>
+              <a:t>11/15/2022 9:37 AM</a:t>
             </a:fld>
             <a:endParaRPr lang="en-US" dirty="0"/>
           </a:p>
@@ -20378,7 +20598,7 @@
           <p:nvPr>
             <p:extLst>
               <p:ext uri="{D42A27DB-BD31-4B8C-83A1-F6EECF244321}">
-                <p14:modId xmlns:p14="http://schemas.microsoft.com/office/powerpoint/2010/main" val="4117835181"/>
+                <p14:modId xmlns:p14="http://schemas.microsoft.com/office/powerpoint/2010/main" val="3192965589"/>
               </p:ext>
             </p:extLst>
           </p:nvPr>
@@ -20445,7 +20665,7 @@
         <p:spPr>
           <a:xfrm>
             <a:off x="464400" y="1212850"/>
-            <a:ext cx="11574000" cy="4376583"/>
+            <a:ext cx="11574000" cy="4764381"/>
           </a:xfrm>
         </p:spPr>
         <p:txBody>
@@ -20454,14 +20674,7 @@
           <a:p>
             <a:r>
               <a:rPr lang="en-US" dirty="0"/>
-              <a:t>Automatically deploy extension to all sites in a SharePoint Online tenant</a:t>
-            </a:r>
-          </a:p>
-          <a:p>
-            <a:pPr lvl="1"/>
-            <a:r>
-              <a:rPr lang="en-US" dirty="0"/>
-              <a:t>Bypasses need for installation in each site collection</a:t>
+              <a:t>Automatically make extension available to all sites in the tenant or all sites in a site collection</a:t>
             </a:r>
           </a:p>
           <a:p>
@@ -20470,7 +20683,7 @@
           <a:p>
             <a:r>
               <a:rPr lang="en-US" dirty="0"/>
-              <a:t>Supported for application customizers &amp; list view command sets</a:t>
+              <a:t>Supported for application customizers and list view command sets</a:t>
             </a:r>
           </a:p>
           <a:p>
@@ -20479,7 +20692,7 @@
           <a:p>
             <a:r>
               <a:rPr lang="en-US" dirty="0"/>
-              <a:t>Make available for specific web or list templates</a:t>
+              <a:t>Can use with tenant or site collection app catalogs</a:t>
             </a:r>
           </a:p>
           <a:p>
@@ -20488,39 +20701,62 @@
           <a:p>
             <a:r>
               <a:rPr lang="en-US" dirty="0"/>
-              <a:t>Specify public properties on extension across all sites</a:t>
-            </a:r>
-          </a:p>
-          <a:p>
-            <a:endParaRPr lang="en-US" dirty="0"/>
-          </a:p>
-          <a:p>
-            <a:r>
-              <a:rPr lang="en-US" dirty="0"/>
-              <a:t>Default experience by presence of </a:t>
+              <a:t>Set </a:t>
             </a:r>
             <a:r>
               <a:rPr lang="en-US" dirty="0" err="1">
                 <a:latin typeface="Courier New" panose="02070309020205020404" pitchFamily="49" charset="0"/>
                 <a:cs typeface="Courier New" panose="02070309020205020404" pitchFamily="49" charset="0"/>
               </a:rPr>
+              <a:t>skipFeatureDeployment</a:t>
+            </a:r>
+            <a:r>
+              <a:rPr lang="en-US" dirty="0"/>
+              <a:t> attribute in </a:t>
+            </a:r>
+            <a:r>
+              <a:rPr lang="en-US" dirty="0">
+                <a:latin typeface="Courier New" panose="02070309020205020404" pitchFamily="49" charset="0"/>
+                <a:cs typeface="Courier New" panose="02070309020205020404" pitchFamily="49" charset="0"/>
+              </a:rPr>
+              <a:t>package-</a:t>
+            </a:r>
+            <a:r>
+              <a:rPr lang="en-US" dirty="0" err="1">
+                <a:latin typeface="Courier New" panose="02070309020205020404" pitchFamily="49" charset="0"/>
+                <a:cs typeface="Courier New" panose="02070309020205020404" pitchFamily="49" charset="0"/>
+              </a:rPr>
+              <a:t>solution.json</a:t>
+            </a:r>
+            <a:r>
+              <a:rPr lang="en-US" dirty="0">
+                <a:latin typeface="Courier New" panose="02070309020205020404" pitchFamily="49" charset="0"/>
+                <a:cs typeface="Courier New" panose="02070309020205020404" pitchFamily="49" charset="0"/>
+              </a:rPr>
+              <a:t> </a:t>
+            </a:r>
+            <a:r>
+              <a:rPr lang="en-US" dirty="0"/>
+              <a:t>to true to enable</a:t>
+            </a:r>
+          </a:p>
+          <a:p>
+            <a:pPr marL="0" indent="0">
+              <a:buNone/>
+            </a:pPr>
+            <a:endParaRPr lang="en-US" dirty="0"/>
+          </a:p>
+          <a:p>
+            <a:r>
+              <a:rPr lang="en-US" dirty="0">
+                <a:latin typeface="Courier New" panose="02070309020205020404" pitchFamily="49" charset="0"/>
+                <a:cs typeface="Courier New" panose="02070309020205020404" pitchFamily="49" charset="0"/>
+              </a:rPr>
               <a:t>ClientSideInstances.xml</a:t>
             </a:r>
             <a:r>
               <a:rPr lang="en-US" dirty="0"/>
-              <a:t> in *.</a:t>
-            </a:r>
-            <a:r>
-              <a:rPr lang="en-US" dirty="0" err="1"/>
-              <a:t>sppkg</a:t>
-            </a:r>
-            <a:endParaRPr lang="en-US" dirty="0"/>
-          </a:p>
-          <a:p>
-            <a:pPr lvl="1"/>
-            <a:r>
-              <a:rPr lang="en-US" dirty="0"/>
-              <a:t>Delete this file if tenant wide deployment not desired</a:t>
+              <a:t> file contains information about the extension including values of the public properties</a:t>
             </a:r>
           </a:p>
         </p:txBody>
@@ -20570,6 +20806,166 @@
 </file>
 
 <file path=ppt/slides/slide12.xml><?xml version="1.0" encoding="utf-8"?>
+<p:sld xmlns:a="http://schemas.openxmlformats.org/drawingml/2006/main" xmlns:r="http://schemas.openxmlformats.org/officeDocument/2006/relationships" xmlns:p="http://schemas.openxmlformats.org/presentationml/2006/main">
+  <p:cSld>
+    <p:spTree>
+      <p:nvGrpSpPr>
+        <p:cNvPr id="1" name=""/>
+        <p:cNvGrpSpPr/>
+        <p:nvPr/>
+      </p:nvGrpSpPr>
+      <p:grpSpPr>
+        <a:xfrm>
+          <a:off x="0" y="0"/>
+          <a:ext cx="0" cy="0"/>
+          <a:chOff x="0" y="0"/>
+          <a:chExt cx="0" cy="0"/>
+        </a:xfrm>
+      </p:grpSpPr>
+      <p:sp>
+        <p:nvSpPr>
+          <p:cNvPr id="2" name="Text Placeholder 1">
+            <a:extLst>
+              <a:ext uri="{FF2B5EF4-FFF2-40B4-BE49-F238E27FC236}">
+                <a16:creationId xmlns:a16="http://schemas.microsoft.com/office/drawing/2014/main" id="{B8D436EE-1FA6-DF48-9B7F-2AA8BD2DD4CC}"/>
+              </a:ext>
+            </a:extLst>
+          </p:cNvPr>
+          <p:cNvSpPr>
+            <a:spLocks noGrp="1"/>
+          </p:cNvSpPr>
+          <p:nvPr>
+            <p:ph type="body" sz="quarter" idx="10"/>
+          </p:nvPr>
+        </p:nvSpPr>
+        <p:spPr>
+          <a:xfrm>
+            <a:off x="464400" y="1212850"/>
+            <a:ext cx="11574000" cy="1255728"/>
+          </a:xfrm>
+        </p:spPr>
+        <p:txBody>
+          <a:bodyPr/>
+          <a:lstStyle/>
+          <a:p>
+            <a:r>
+              <a:rPr lang="en-US" dirty="0"/>
+              <a:t>Enabling tenant wide gives the admin option to make extension available across sites</a:t>
+            </a:r>
+          </a:p>
+          <a:p>
+            <a:r>
+              <a:rPr lang="en-US" dirty="0"/>
+              <a:t>To do so they must select appropriate option when package is deployed</a:t>
+            </a:r>
+          </a:p>
+        </p:txBody>
+      </p:sp>
+      <p:sp>
+        <p:nvSpPr>
+          <p:cNvPr id="3" name="Title 2">
+            <a:extLst>
+              <a:ext uri="{FF2B5EF4-FFF2-40B4-BE49-F238E27FC236}">
+                <a16:creationId xmlns:a16="http://schemas.microsoft.com/office/drawing/2014/main" id="{9FD8D0F7-929A-EB47-8E8D-C24EC1E647C1}"/>
+              </a:ext>
+            </a:extLst>
+          </p:cNvPr>
+          <p:cNvSpPr>
+            <a:spLocks noGrp="1"/>
+          </p:cNvSpPr>
+          <p:nvPr>
+            <p:ph type="title"/>
+          </p:nvPr>
+        </p:nvSpPr>
+        <p:spPr/>
+        <p:txBody>
+          <a:bodyPr/>
+          <a:lstStyle/>
+          <a:p>
+            <a:r>
+              <a:rPr lang="en-US" dirty="0"/>
+              <a:t>Tenant Wide Deployment</a:t>
+            </a:r>
+          </a:p>
+        </p:txBody>
+      </p:sp>
+      <p:pic>
+        <p:nvPicPr>
+          <p:cNvPr id="5" name="Picture 4">
+            <a:extLst>
+              <a:ext uri="{FF2B5EF4-FFF2-40B4-BE49-F238E27FC236}">
+                <a16:creationId xmlns:a16="http://schemas.microsoft.com/office/drawing/2014/main" id="{53BF07E0-2CE8-7A92-E2C4-384C68DCD373}"/>
+              </a:ext>
+            </a:extLst>
+          </p:cNvPr>
+          <p:cNvPicPr>
+            <a:picLocks noChangeAspect="1"/>
+          </p:cNvPicPr>
+          <p:nvPr/>
+        </p:nvPicPr>
+        <p:blipFill>
+          <a:blip r:embed="rId3"/>
+          <a:stretch>
+            <a:fillRect/>
+          </a:stretch>
+        </p:blipFill>
+        <p:spPr>
+          <a:xfrm>
+            <a:off x="1603951" y="2637459"/>
+            <a:ext cx="3123476" cy="3973402"/>
+          </a:xfrm>
+          <a:prstGeom prst="rect">
+            <a:avLst/>
+          </a:prstGeom>
+        </p:spPr>
+      </p:pic>
+      <p:pic>
+        <p:nvPicPr>
+          <p:cNvPr id="7" name="Picture 6">
+            <a:extLst>
+              <a:ext uri="{FF2B5EF4-FFF2-40B4-BE49-F238E27FC236}">
+                <a16:creationId xmlns:a16="http://schemas.microsoft.com/office/drawing/2014/main" id="{C74F446E-D7AE-C6B9-7603-26C4C42315AF}"/>
+              </a:ext>
+            </a:extLst>
+          </p:cNvPr>
+          <p:cNvPicPr>
+            <a:picLocks noChangeAspect="1"/>
+          </p:cNvPicPr>
+          <p:nvPr/>
+        </p:nvPicPr>
+        <p:blipFill>
+          <a:blip r:embed="rId4"/>
+          <a:stretch>
+            <a:fillRect/>
+          </a:stretch>
+        </p:blipFill>
+        <p:spPr>
+          <a:xfrm>
+            <a:off x="5143151" y="2637459"/>
+            <a:ext cx="5603744" cy="3973402"/>
+          </a:xfrm>
+          <a:prstGeom prst="rect">
+            <a:avLst/>
+          </a:prstGeom>
+        </p:spPr>
+      </p:pic>
+    </p:spTree>
+    <p:extLst>
+      <p:ext uri="{BB962C8B-B14F-4D97-AF65-F5344CB8AC3E}">
+        <p14:creationId xmlns:p14="http://schemas.microsoft.com/office/powerpoint/2010/main" val="436926616"/>
+      </p:ext>
+    </p:extLst>
+  </p:cSld>
+  <p:clrMapOvr>
+    <a:masterClrMapping/>
+  </p:clrMapOvr>
+  <p:transition>
+    <p:fade/>
+  </p:transition>
+</p:sld>
+</file>
+
+<file path=ppt/slides/slide13.xml><?xml version="1.0" encoding="utf-8"?>
 <p:sld xmlns:a="http://schemas.openxmlformats.org/drawingml/2006/main" xmlns:r="http://schemas.openxmlformats.org/officeDocument/2006/relationships" xmlns:p="http://schemas.openxmlformats.org/presentationml/2006/main">
   <p:cSld>
     <p:spTree>
@@ -21238,7 +21634,7 @@
 </p:sld>
 </file>
 
-<file path=ppt/slides/slide13.xml><?xml version="1.0" encoding="utf-8"?>
+<file path=ppt/slides/slide14.xml><?xml version="1.0" encoding="utf-8"?>
 <p:sld xmlns:a="http://schemas.openxmlformats.org/drawingml/2006/main" xmlns:r="http://schemas.openxmlformats.org/officeDocument/2006/relationships" xmlns:p="http://schemas.openxmlformats.org/presentationml/2006/main">
   <p:cSld>
     <p:spTree>
@@ -21408,7 +21804,7 @@
 </p:sld>
 </file>
 
-<file path=ppt/slides/slide14.xml><?xml version="1.0" encoding="utf-8"?>
+<file path=ppt/slides/slide15.xml><?xml version="1.0" encoding="utf-8"?>
 <p:sld xmlns:a="http://schemas.openxmlformats.org/drawingml/2006/main" xmlns:r="http://schemas.openxmlformats.org/officeDocument/2006/relationships" xmlns:p="http://schemas.openxmlformats.org/presentationml/2006/main">
   <p:cSld>
     <p:spTree>
@@ -21560,347 +21956,6 @@
 </p:sld>
 </file>
 
-<file path=ppt/slides/slide15.xml><?xml version="1.0" encoding="utf-8"?>
-<p:sld xmlns:a="http://schemas.openxmlformats.org/drawingml/2006/main" xmlns:r="http://schemas.openxmlformats.org/officeDocument/2006/relationships" xmlns:p="http://schemas.openxmlformats.org/presentationml/2006/main">
-  <p:cSld>
-    <p:spTree>
-      <p:nvGrpSpPr>
-        <p:cNvPr id="1" name=""/>
-        <p:cNvGrpSpPr/>
-        <p:nvPr/>
-      </p:nvGrpSpPr>
-      <p:grpSpPr>
-        <a:xfrm>
-          <a:off x="0" y="0"/>
-          <a:ext cx="0" cy="0"/>
-          <a:chOff x="0" y="0"/>
-          <a:chExt cx="0" cy="0"/>
-        </a:xfrm>
-      </p:grpSpPr>
-      <p:sp>
-        <p:nvSpPr>
-          <p:cNvPr id="4" name="Title 3">
-            <a:extLst>
-              <a:ext uri="{FF2B5EF4-FFF2-40B4-BE49-F238E27FC236}">
-                <a16:creationId xmlns:a16="http://schemas.microsoft.com/office/drawing/2014/main" id="{30E52283-EC12-4547-80EE-5E0F5D1F7FFF}"/>
-              </a:ext>
-            </a:extLst>
-          </p:cNvPr>
-          <p:cNvSpPr>
-            <a:spLocks noGrp="1"/>
-          </p:cNvSpPr>
-          <p:nvPr>
-            <p:ph type="title"/>
-          </p:nvPr>
-        </p:nvSpPr>
-        <p:spPr>
-          <a:xfrm>
-            <a:off x="464400" y="633600"/>
-            <a:ext cx="11575200" cy="387798"/>
-          </a:xfrm>
-        </p:spPr>
-        <p:txBody>
-          <a:bodyPr/>
-          <a:lstStyle/>
-          <a:p>
-            <a:r>
-              <a:rPr lang="en-US" dirty="0"/>
-              <a:t>Application Customer</a:t>
-            </a:r>
-          </a:p>
-        </p:txBody>
-      </p:sp>
-      <p:sp>
-        <p:nvSpPr>
-          <p:cNvPr id="2" name="Text Placeholder 1">
-            <a:extLst>
-              <a:ext uri="{FF2B5EF4-FFF2-40B4-BE49-F238E27FC236}">
-                <a16:creationId xmlns:a16="http://schemas.microsoft.com/office/drawing/2014/main" id="{28981689-FE21-E642-AA21-BC7BDE806AD2}"/>
-              </a:ext>
-            </a:extLst>
-          </p:cNvPr>
-          <p:cNvSpPr>
-            <a:spLocks noGrp="1"/>
-          </p:cNvSpPr>
-          <p:nvPr>
-            <p:ph type="body" sz="quarter" idx="10"/>
-          </p:nvPr>
-        </p:nvSpPr>
-        <p:spPr>
-          <a:xfrm>
-            <a:off x="528849" y="1476622"/>
-            <a:ext cx="11378776" cy="5515356"/>
-          </a:xfrm>
-        </p:spPr>
-        <p:txBody>
-          <a:bodyPr/>
-          <a:lstStyle/>
-          <a:p>
-            <a:pPr marL="0" indent="0">
-              <a:buNone/>
-            </a:pPr>
-            <a:r>
-              <a:rPr lang="en-US" sz="1600" dirty="0"/>
-              <a:t>export interface </a:t>
-            </a:r>
-            <a:r>
-              <a:rPr lang="en-US" sz="1600" dirty="0" err="1"/>
-              <a:t>IHelloAppCustomizerApplicationCustomizerProperties</a:t>
-            </a:r>
-            <a:r>
-              <a:rPr lang="en-US" sz="1600" dirty="0"/>
-              <a:t> {</a:t>
-            </a:r>
-          </a:p>
-          <a:p>
-            <a:pPr marL="0" indent="0">
-              <a:buNone/>
-            </a:pPr>
-            <a:r>
-              <a:rPr lang="en-US" sz="1600" dirty="0"/>
-              <a:t>  </a:t>
-            </a:r>
-            <a:r>
-              <a:rPr lang="en-US" sz="1600" dirty="0" err="1"/>
-              <a:t>prefixString</a:t>
-            </a:r>
-            <a:r>
-              <a:rPr lang="en-US" sz="1600" dirty="0"/>
-              <a:t>: string;</a:t>
-            </a:r>
-          </a:p>
-          <a:p>
-            <a:pPr marL="0" indent="0">
-              <a:buNone/>
-            </a:pPr>
-            <a:r>
-              <a:rPr lang="en-US" sz="1600" dirty="0"/>
-              <a:t>}</a:t>
-            </a:r>
-          </a:p>
-          <a:p>
-            <a:pPr marL="0" indent="0">
-              <a:buNone/>
-            </a:pPr>
-            <a:endParaRPr lang="en-US" sz="1600" dirty="0"/>
-          </a:p>
-          <a:p>
-            <a:pPr marL="0" indent="0">
-              <a:buNone/>
-            </a:pPr>
-            <a:r>
-              <a:rPr lang="en-US" sz="1600" dirty="0"/>
-              <a:t>export default class </a:t>
-            </a:r>
-            <a:r>
-              <a:rPr lang="en-US" sz="1600" dirty="0" err="1"/>
-              <a:t>HelloAppCustomizerApplicationCustomizer</a:t>
-            </a:r>
-            <a:endParaRPr lang="en-US" sz="1600" dirty="0"/>
-          </a:p>
-          <a:p>
-            <a:pPr marL="0" indent="0">
-              <a:buNone/>
-            </a:pPr>
-            <a:r>
-              <a:rPr lang="en-US" sz="1600" dirty="0"/>
-              <a:t>  extends </a:t>
-            </a:r>
-            <a:r>
-              <a:rPr lang="en-US" sz="1600" dirty="0" err="1"/>
-              <a:t>BaseApplicationCustomizer</a:t>
-            </a:r>
-            <a:r>
-              <a:rPr lang="en-US" sz="1600" dirty="0"/>
-              <a:t>&lt;</a:t>
-            </a:r>
-            <a:r>
-              <a:rPr lang="en-US" sz="1600" dirty="0" err="1"/>
-              <a:t>IHelloAppCustomizerApplicationCustomizerProperties</a:t>
-            </a:r>
-            <a:r>
-              <a:rPr lang="en-US" sz="1600" dirty="0"/>
-              <a:t>&gt; {</a:t>
-            </a:r>
-          </a:p>
-          <a:p>
-            <a:pPr marL="0" indent="0">
-              <a:buNone/>
-            </a:pPr>
-            <a:r>
-              <a:rPr lang="en-US" sz="1600" dirty="0"/>
-              <a:t>  </a:t>
-            </a:r>
-          </a:p>
-          <a:p>
-            <a:pPr marL="0" indent="0">
-              <a:buNone/>
-            </a:pPr>
-            <a:r>
-              <a:rPr lang="en-US" sz="1600" dirty="0"/>
-              <a:t>  private _</a:t>
-            </a:r>
-            <a:r>
-              <a:rPr lang="en-US" sz="1600" dirty="0" err="1"/>
-              <a:t>topPlaceholder</a:t>
-            </a:r>
-            <a:r>
-              <a:rPr lang="en-US" sz="1600" dirty="0"/>
-              <a:t>: </a:t>
-            </a:r>
-            <a:r>
-              <a:rPr lang="en-US" sz="1600" dirty="0" err="1"/>
-              <a:t>PlaceholderContent</a:t>
-            </a:r>
-            <a:r>
-              <a:rPr lang="en-US" sz="1600" dirty="0"/>
-              <a:t> | undefined;</a:t>
-            </a:r>
-          </a:p>
-          <a:p>
-            <a:pPr marL="0" indent="0">
-              <a:buNone/>
-            </a:pPr>
-            <a:r>
-              <a:rPr lang="en-US" sz="1600" dirty="0"/>
-              <a:t>  private _</a:t>
-            </a:r>
-            <a:r>
-              <a:rPr lang="en-US" sz="1600" dirty="0" err="1"/>
-              <a:t>bottomPlaceholder</a:t>
-            </a:r>
-            <a:r>
-              <a:rPr lang="en-US" sz="1600" dirty="0"/>
-              <a:t>: </a:t>
-            </a:r>
-            <a:r>
-              <a:rPr lang="en-US" sz="1600" dirty="0" err="1"/>
-              <a:t>PlaceholderContent</a:t>
-            </a:r>
-            <a:r>
-              <a:rPr lang="en-US" sz="1600" dirty="0"/>
-              <a:t> | undefined;</a:t>
-            </a:r>
-          </a:p>
-          <a:p>
-            <a:pPr marL="0" indent="0">
-              <a:buNone/>
-            </a:pPr>
-            <a:endParaRPr lang="en-US" sz="1600" dirty="0"/>
-          </a:p>
-          <a:p>
-            <a:pPr marL="0" indent="0">
-              <a:buNone/>
-            </a:pPr>
-            <a:r>
-              <a:rPr lang="en-US" sz="1600" dirty="0"/>
-              <a:t>  @override</a:t>
-            </a:r>
-          </a:p>
-          <a:p>
-            <a:pPr marL="0" indent="0">
-              <a:buNone/>
-            </a:pPr>
-            <a:r>
-              <a:rPr lang="en-US" sz="1600" dirty="0"/>
-              <a:t>  public </a:t>
-            </a:r>
-            <a:r>
-              <a:rPr lang="en-US" sz="1600" dirty="0" err="1"/>
-              <a:t>onInit</a:t>
-            </a:r>
-            <a:r>
-              <a:rPr lang="en-US" sz="1600" dirty="0"/>
-              <a:t>(): Promise&lt;void&gt; {</a:t>
-            </a:r>
-          </a:p>
-          <a:p>
-            <a:pPr marL="0" indent="0">
-              <a:buNone/>
-            </a:pPr>
-            <a:r>
-              <a:rPr lang="en-US" sz="1600" dirty="0">
-                <a:solidFill>
-                  <a:schemeClr val="accent1"/>
-                </a:solidFill>
-              </a:rPr>
-              <a:t>    // this is where you do your work</a:t>
-            </a:r>
-          </a:p>
-          <a:p>
-            <a:pPr marL="0" indent="0">
-              <a:buNone/>
-            </a:pPr>
-            <a:r>
-              <a:rPr lang="en-US" sz="1600" dirty="0"/>
-              <a:t>  }</a:t>
-            </a:r>
-          </a:p>
-          <a:p>
-            <a:pPr marL="0" indent="0">
-              <a:buNone/>
-            </a:pPr>
-            <a:endParaRPr lang="en-US" sz="1600" dirty="0"/>
-          </a:p>
-          <a:p>
-            <a:pPr marL="0" indent="0">
-              <a:buNone/>
-            </a:pPr>
-            <a:r>
-              <a:rPr lang="en-US" sz="1600" dirty="0"/>
-              <a:t>  private _</a:t>
-            </a:r>
-            <a:r>
-              <a:rPr lang="en-US" sz="1600" dirty="0" err="1"/>
-              <a:t>onDispose</a:t>
-            </a:r>
-            <a:r>
-              <a:rPr lang="en-US" sz="1600" dirty="0"/>
-              <a:t>(): void {</a:t>
-            </a:r>
-          </a:p>
-          <a:p>
-            <a:pPr marL="0" indent="0">
-              <a:buNone/>
-            </a:pPr>
-            <a:r>
-              <a:rPr lang="en-US" sz="1600" dirty="0"/>
-              <a:t>  }</a:t>
-            </a:r>
-          </a:p>
-          <a:p>
-            <a:pPr marL="0" indent="0">
-              <a:buNone/>
-            </a:pPr>
-            <a:endParaRPr lang="en-US" sz="1600" dirty="0"/>
-          </a:p>
-          <a:p>
-            <a:pPr marL="0" indent="0">
-              <a:buNone/>
-            </a:pPr>
-            <a:r>
-              <a:rPr lang="en-US" sz="1600" dirty="0"/>
-              <a:t>}</a:t>
-            </a:r>
-          </a:p>
-        </p:txBody>
-      </p:sp>
-    </p:spTree>
-    <p:extLst>
-      <p:ext uri="{BB962C8B-B14F-4D97-AF65-F5344CB8AC3E}">
-        <p14:creationId xmlns:p14="http://schemas.microsoft.com/office/powerpoint/2010/main" val="1410310918"/>
-      </p:ext>
-    </p:extLst>
-  </p:cSld>
-  <p:clrMapOvr>
-    <a:masterClrMapping/>
-  </p:clrMapOvr>
-  <p:transition>
-    <p:fade/>
-  </p:transition>
-</p:sld>
-</file>
-
 <file path=ppt/slides/slide16.xml><?xml version="1.0" encoding="utf-8"?>
 <p:sld xmlns:a="http://schemas.openxmlformats.org/drawingml/2006/main" xmlns:r="http://schemas.openxmlformats.org/officeDocument/2006/relationships" xmlns:p="http://schemas.openxmlformats.org/presentationml/2006/main">
   <p:cSld>
@@ -21920,6 +21975,347 @@
       </p:grpSpPr>
       <p:sp>
         <p:nvSpPr>
+          <p:cNvPr id="4" name="Title 3">
+            <a:extLst>
+              <a:ext uri="{FF2B5EF4-FFF2-40B4-BE49-F238E27FC236}">
+                <a16:creationId xmlns:a16="http://schemas.microsoft.com/office/drawing/2014/main" id="{30E52283-EC12-4547-80EE-5E0F5D1F7FFF}"/>
+              </a:ext>
+            </a:extLst>
+          </p:cNvPr>
+          <p:cNvSpPr>
+            <a:spLocks noGrp="1"/>
+          </p:cNvSpPr>
+          <p:nvPr>
+            <p:ph type="title"/>
+          </p:nvPr>
+        </p:nvSpPr>
+        <p:spPr>
+          <a:xfrm>
+            <a:off x="464400" y="633600"/>
+            <a:ext cx="11575200" cy="387798"/>
+          </a:xfrm>
+        </p:spPr>
+        <p:txBody>
+          <a:bodyPr/>
+          <a:lstStyle/>
+          <a:p>
+            <a:r>
+              <a:rPr lang="en-US" dirty="0"/>
+              <a:t>Application Customer</a:t>
+            </a:r>
+          </a:p>
+        </p:txBody>
+      </p:sp>
+      <p:sp>
+        <p:nvSpPr>
+          <p:cNvPr id="2" name="Text Placeholder 1">
+            <a:extLst>
+              <a:ext uri="{FF2B5EF4-FFF2-40B4-BE49-F238E27FC236}">
+                <a16:creationId xmlns:a16="http://schemas.microsoft.com/office/drawing/2014/main" id="{28981689-FE21-E642-AA21-BC7BDE806AD2}"/>
+              </a:ext>
+            </a:extLst>
+          </p:cNvPr>
+          <p:cNvSpPr>
+            <a:spLocks noGrp="1"/>
+          </p:cNvSpPr>
+          <p:nvPr>
+            <p:ph type="body" sz="quarter" idx="10"/>
+          </p:nvPr>
+        </p:nvSpPr>
+        <p:spPr>
+          <a:xfrm>
+            <a:off x="528849" y="1476622"/>
+            <a:ext cx="11378776" cy="5515356"/>
+          </a:xfrm>
+        </p:spPr>
+        <p:txBody>
+          <a:bodyPr/>
+          <a:lstStyle/>
+          <a:p>
+            <a:pPr marL="0" indent="0">
+              <a:buNone/>
+            </a:pPr>
+            <a:r>
+              <a:rPr lang="en-US" sz="1600" dirty="0"/>
+              <a:t>export interface </a:t>
+            </a:r>
+            <a:r>
+              <a:rPr lang="en-US" sz="1600" dirty="0" err="1"/>
+              <a:t>IHelloAppCustomizerApplicationCustomizerProperties</a:t>
+            </a:r>
+            <a:r>
+              <a:rPr lang="en-US" sz="1600" dirty="0"/>
+              <a:t> {</a:t>
+            </a:r>
+          </a:p>
+          <a:p>
+            <a:pPr marL="0" indent="0">
+              <a:buNone/>
+            </a:pPr>
+            <a:r>
+              <a:rPr lang="en-US" sz="1600" dirty="0"/>
+              <a:t>  </a:t>
+            </a:r>
+            <a:r>
+              <a:rPr lang="en-US" sz="1600" dirty="0" err="1"/>
+              <a:t>prefixString</a:t>
+            </a:r>
+            <a:r>
+              <a:rPr lang="en-US" sz="1600" dirty="0"/>
+              <a:t>: string;</a:t>
+            </a:r>
+          </a:p>
+          <a:p>
+            <a:pPr marL="0" indent="0">
+              <a:buNone/>
+            </a:pPr>
+            <a:r>
+              <a:rPr lang="en-US" sz="1600" dirty="0"/>
+              <a:t>}</a:t>
+            </a:r>
+          </a:p>
+          <a:p>
+            <a:pPr marL="0" indent="0">
+              <a:buNone/>
+            </a:pPr>
+            <a:endParaRPr lang="en-US" sz="1600" dirty="0"/>
+          </a:p>
+          <a:p>
+            <a:pPr marL="0" indent="0">
+              <a:buNone/>
+            </a:pPr>
+            <a:r>
+              <a:rPr lang="en-US" sz="1600" dirty="0"/>
+              <a:t>export default class </a:t>
+            </a:r>
+            <a:r>
+              <a:rPr lang="en-US" sz="1600" dirty="0" err="1"/>
+              <a:t>HelloAppCustomizerApplicationCustomizer</a:t>
+            </a:r>
+            <a:endParaRPr lang="en-US" sz="1600" dirty="0"/>
+          </a:p>
+          <a:p>
+            <a:pPr marL="0" indent="0">
+              <a:buNone/>
+            </a:pPr>
+            <a:r>
+              <a:rPr lang="en-US" sz="1600" dirty="0"/>
+              <a:t>  extends </a:t>
+            </a:r>
+            <a:r>
+              <a:rPr lang="en-US" sz="1600" dirty="0" err="1"/>
+              <a:t>BaseApplicationCustomizer</a:t>
+            </a:r>
+            <a:r>
+              <a:rPr lang="en-US" sz="1600" dirty="0"/>
+              <a:t>&lt;</a:t>
+            </a:r>
+            <a:r>
+              <a:rPr lang="en-US" sz="1600" dirty="0" err="1"/>
+              <a:t>IHelloAppCustomizerApplicationCustomizerProperties</a:t>
+            </a:r>
+            <a:r>
+              <a:rPr lang="en-US" sz="1600" dirty="0"/>
+              <a:t>&gt; {</a:t>
+            </a:r>
+          </a:p>
+          <a:p>
+            <a:pPr marL="0" indent="0">
+              <a:buNone/>
+            </a:pPr>
+            <a:r>
+              <a:rPr lang="en-US" sz="1600" dirty="0"/>
+              <a:t>  </a:t>
+            </a:r>
+          </a:p>
+          <a:p>
+            <a:pPr marL="0" indent="0">
+              <a:buNone/>
+            </a:pPr>
+            <a:r>
+              <a:rPr lang="en-US" sz="1600" dirty="0"/>
+              <a:t>  private _</a:t>
+            </a:r>
+            <a:r>
+              <a:rPr lang="en-US" sz="1600" dirty="0" err="1"/>
+              <a:t>topPlaceholder</a:t>
+            </a:r>
+            <a:r>
+              <a:rPr lang="en-US" sz="1600" dirty="0"/>
+              <a:t>: </a:t>
+            </a:r>
+            <a:r>
+              <a:rPr lang="en-US" sz="1600" dirty="0" err="1"/>
+              <a:t>PlaceholderContent</a:t>
+            </a:r>
+            <a:r>
+              <a:rPr lang="en-US" sz="1600" dirty="0"/>
+              <a:t> | undefined;</a:t>
+            </a:r>
+          </a:p>
+          <a:p>
+            <a:pPr marL="0" indent="0">
+              <a:buNone/>
+            </a:pPr>
+            <a:r>
+              <a:rPr lang="en-US" sz="1600" dirty="0"/>
+              <a:t>  private _</a:t>
+            </a:r>
+            <a:r>
+              <a:rPr lang="en-US" sz="1600" dirty="0" err="1"/>
+              <a:t>bottomPlaceholder</a:t>
+            </a:r>
+            <a:r>
+              <a:rPr lang="en-US" sz="1600" dirty="0"/>
+              <a:t>: </a:t>
+            </a:r>
+            <a:r>
+              <a:rPr lang="en-US" sz="1600" dirty="0" err="1"/>
+              <a:t>PlaceholderContent</a:t>
+            </a:r>
+            <a:r>
+              <a:rPr lang="en-US" sz="1600" dirty="0"/>
+              <a:t> | undefined;</a:t>
+            </a:r>
+          </a:p>
+          <a:p>
+            <a:pPr marL="0" indent="0">
+              <a:buNone/>
+            </a:pPr>
+            <a:endParaRPr lang="en-US" sz="1600" dirty="0"/>
+          </a:p>
+          <a:p>
+            <a:pPr marL="0" indent="0">
+              <a:buNone/>
+            </a:pPr>
+            <a:r>
+              <a:rPr lang="en-US" sz="1600" dirty="0"/>
+              <a:t>  @override</a:t>
+            </a:r>
+          </a:p>
+          <a:p>
+            <a:pPr marL="0" indent="0">
+              <a:buNone/>
+            </a:pPr>
+            <a:r>
+              <a:rPr lang="en-US" sz="1600" dirty="0"/>
+              <a:t>  public </a:t>
+            </a:r>
+            <a:r>
+              <a:rPr lang="en-US" sz="1600" dirty="0" err="1"/>
+              <a:t>onInit</a:t>
+            </a:r>
+            <a:r>
+              <a:rPr lang="en-US" sz="1600" dirty="0"/>
+              <a:t>(): Promise&lt;void&gt; {</a:t>
+            </a:r>
+          </a:p>
+          <a:p>
+            <a:pPr marL="0" indent="0">
+              <a:buNone/>
+            </a:pPr>
+            <a:r>
+              <a:rPr lang="en-US" sz="1600" dirty="0">
+                <a:solidFill>
+                  <a:schemeClr val="accent1"/>
+                </a:solidFill>
+              </a:rPr>
+              <a:t>    // this is where you do your work</a:t>
+            </a:r>
+          </a:p>
+          <a:p>
+            <a:pPr marL="0" indent="0">
+              <a:buNone/>
+            </a:pPr>
+            <a:r>
+              <a:rPr lang="en-US" sz="1600" dirty="0"/>
+              <a:t>  }</a:t>
+            </a:r>
+          </a:p>
+          <a:p>
+            <a:pPr marL="0" indent="0">
+              <a:buNone/>
+            </a:pPr>
+            <a:endParaRPr lang="en-US" sz="1600" dirty="0"/>
+          </a:p>
+          <a:p>
+            <a:pPr marL="0" indent="0">
+              <a:buNone/>
+            </a:pPr>
+            <a:r>
+              <a:rPr lang="en-US" sz="1600" dirty="0"/>
+              <a:t>  private _</a:t>
+            </a:r>
+            <a:r>
+              <a:rPr lang="en-US" sz="1600" dirty="0" err="1"/>
+              <a:t>onDispose</a:t>
+            </a:r>
+            <a:r>
+              <a:rPr lang="en-US" sz="1600" dirty="0"/>
+              <a:t>(): void {</a:t>
+            </a:r>
+          </a:p>
+          <a:p>
+            <a:pPr marL="0" indent="0">
+              <a:buNone/>
+            </a:pPr>
+            <a:r>
+              <a:rPr lang="en-US" sz="1600" dirty="0"/>
+              <a:t>  }</a:t>
+            </a:r>
+          </a:p>
+          <a:p>
+            <a:pPr marL="0" indent="0">
+              <a:buNone/>
+            </a:pPr>
+            <a:endParaRPr lang="en-US" sz="1600" dirty="0"/>
+          </a:p>
+          <a:p>
+            <a:pPr marL="0" indent="0">
+              <a:buNone/>
+            </a:pPr>
+            <a:r>
+              <a:rPr lang="en-US" sz="1600" dirty="0"/>
+              <a:t>}</a:t>
+            </a:r>
+          </a:p>
+        </p:txBody>
+      </p:sp>
+    </p:spTree>
+    <p:extLst>
+      <p:ext uri="{BB962C8B-B14F-4D97-AF65-F5344CB8AC3E}">
+        <p14:creationId xmlns:p14="http://schemas.microsoft.com/office/powerpoint/2010/main" val="1410310918"/>
+      </p:ext>
+    </p:extLst>
+  </p:cSld>
+  <p:clrMapOvr>
+    <a:masterClrMapping/>
+  </p:clrMapOvr>
+  <p:transition>
+    <p:fade/>
+  </p:transition>
+</p:sld>
+</file>
+
+<file path=ppt/slides/slide17.xml><?xml version="1.0" encoding="utf-8"?>
+<p:sld xmlns:a="http://schemas.openxmlformats.org/drawingml/2006/main" xmlns:r="http://schemas.openxmlformats.org/officeDocument/2006/relationships" xmlns:p="http://schemas.openxmlformats.org/presentationml/2006/main">
+  <p:cSld>
+    <p:spTree>
+      <p:nvGrpSpPr>
+        <p:cNvPr id="1" name=""/>
+        <p:cNvGrpSpPr/>
+        <p:nvPr/>
+      </p:nvGrpSpPr>
+      <p:grpSpPr>
+        <a:xfrm>
+          <a:off x="0" y="0"/>
+          <a:ext cx="0" cy="0"/>
+          <a:chOff x="0" y="0"/>
+          <a:chExt cx="0" cy="0"/>
+        </a:xfrm>
+      </p:grpSpPr>
+      <p:sp>
+        <p:nvSpPr>
           <p:cNvPr id="2" name="Title 1"/>
           <p:cNvSpPr>
             <a:spLocks noGrp="1"/>
@@ -21964,7 +22360,7 @@
 </p:sld>
 </file>
 
-<file path=ppt/slides/slide17.xml><?xml version="1.0" encoding="utf-8"?>
+<file path=ppt/slides/slide18.xml><?xml version="1.0" encoding="utf-8"?>
 <p:sld xmlns:a="http://schemas.openxmlformats.org/drawingml/2006/main" xmlns:r="http://schemas.openxmlformats.org/officeDocument/2006/relationships" xmlns:p="http://schemas.openxmlformats.org/presentationml/2006/main">
   <p:cSld>
     <p:spTree>
@@ -22483,7 +22879,7 @@
 </p:sld>
 </file>
 
-<file path=ppt/slides/slide18.xml><?xml version="1.0" encoding="utf-8"?>
+<file path=ppt/slides/slide19.xml><?xml version="1.0" encoding="utf-8"?>
 <p:sld xmlns:a="http://schemas.openxmlformats.org/drawingml/2006/main" xmlns:r="http://schemas.openxmlformats.org/officeDocument/2006/relationships" xmlns:p="http://schemas.openxmlformats.org/presentationml/2006/main">
   <p:cSld>
     <p:spTree>
@@ -22666,7 +23062,7 @@
                 <a:latin typeface="+mj-lt"/>
                 <a:hlinkClick r:id="rId3"/>
               </a:rPr>
-              <a:t>https://docs.microsoft.com/sharepoint/dev/spfx/sharepoint-framework-overview</a:t>
+              <a:t>https://learn.microsoft.com/sharepoint/dev/spfx/sharepoint-framework-overview</a:t>
             </a:r>
             <a:endParaRPr lang="en-US" sz="1800" dirty="0">
               <a:latin typeface="+mj-lt"/>
@@ -22728,7 +23124,7 @@
                 <a:latin typeface="+mj-lt"/>
                 <a:hlinkClick r:id="rId4"/>
               </a:rPr>
-              <a:t>https://docs.microsoft.com/sharepoint/dev/spfx/extensions/overview-extensions</a:t>
+              <a:t>https://learn.microsoft.com/sharepoint/dev/spfx/extensions/overview-extensions</a:t>
             </a:r>
             <a:r>
               <a:rPr lang="en-US" sz="1800" dirty="0">
@@ -22786,7 +23182,7 @@
                 <a:latin typeface="+mj-lt"/>
                 <a:hlinkClick r:id="rId5"/>
               </a:rPr>
-              <a:t>https://docs.microsoft.com/sharepoint/dev/spfx/extensions/get-started/using-page-placeholder-with-extensions</a:t>
+              <a:t>https://learn.microsoft.com/sharepoint/dev/spfx/extensions/get-started/using-page-placeholder-with-extensions</a:t>
             </a:r>
             <a:r>
               <a:rPr lang="en-US" sz="1800" dirty="0">
@@ -22844,7 +23240,7 @@
                 <a:latin typeface="+mj-lt"/>
                 <a:hlinkClick r:id="rId6"/>
               </a:rPr>
-              <a:t>https://docs.microsoft.com/sharepoint/dev/spfx/extensions/basics/tenant-wide-deployment-extensions</a:t>
+              <a:t>https://learn.microsoft.com/sharepoint/dev/spfx/extensions/basics/tenant-wide-deployment-extensions</a:t>
             </a:r>
             <a:r>
               <a:rPr lang="en-US" sz="1800" dirty="0">
@@ -22868,70 +23264,6 @@
   <p:transition>
     <p:fade/>
   </p:transition>
-</p:sld>
-</file>
-
-<file path=ppt/slides/slide19.xml><?xml version="1.0" encoding="utf-8"?>
-<p:sld xmlns:a="http://schemas.openxmlformats.org/drawingml/2006/main" xmlns:r="http://schemas.openxmlformats.org/officeDocument/2006/relationships" xmlns:p="http://schemas.openxmlformats.org/presentationml/2006/main">
-  <p:cSld>
-    <p:spTree>
-      <p:nvGrpSpPr>
-        <p:cNvPr id="1" name=""/>
-        <p:cNvGrpSpPr/>
-        <p:nvPr/>
-      </p:nvGrpSpPr>
-      <p:grpSpPr>
-        <a:xfrm>
-          <a:off x="0" y="0"/>
-          <a:ext cx="0" cy="0"/>
-          <a:chOff x="0" y="0"/>
-          <a:chExt cx="0" cy="0"/>
-        </a:xfrm>
-      </p:grpSpPr>
-      <p:sp>
-        <p:nvSpPr>
-          <p:cNvPr id="2" name="Title 1"/>
-          <p:cNvSpPr>
-            <a:spLocks noGrp="1"/>
-          </p:cNvSpPr>
-          <p:nvPr>
-            <p:ph type="title"/>
-          </p:nvPr>
-        </p:nvSpPr>
-        <p:spPr/>
-        <p:txBody>
-          <a:bodyPr/>
-          <a:lstStyle/>
-          <a:p>
-            <a:r>
-              <a:rPr lang="en-US" dirty="0"/>
-              <a:t>Thank you.</a:t>
-            </a:r>
-          </a:p>
-        </p:txBody>
-      </p:sp>
-    </p:spTree>
-    <p:extLst>
-      <p:ext uri="{BB962C8B-B14F-4D97-AF65-F5344CB8AC3E}">
-        <p14:creationId xmlns:p14="http://schemas.microsoft.com/office/powerpoint/2010/main" val="3724015835"/>
-      </p:ext>
-    </p:extLst>
-  </p:cSld>
-  <p:clrMapOvr>
-    <a:masterClrMapping/>
-  </p:clrMapOvr>
-  <mc:AlternateContent xmlns:mc="http://schemas.openxmlformats.org/markup-compatibility/2006" xmlns:p14="http://schemas.microsoft.com/office/powerpoint/2010/main">
-    <mc:Choice Requires="p14">
-      <p:transition spd="med" p14:dur="700">
-        <p:fade/>
-      </p:transition>
-    </mc:Choice>
-    <mc:Fallback xmlns="">
-      <p:transition spd="med">
-        <p:fade/>
-      </p:transition>
-    </mc:Fallback>
-  </mc:AlternateContent>
 </p:sld>
 </file>
 
@@ -23224,6 +23556,70 @@
           <a:chExt cx="0" cy="0"/>
         </a:xfrm>
       </p:grpSpPr>
+      <p:sp>
+        <p:nvSpPr>
+          <p:cNvPr id="2" name="Title 1"/>
+          <p:cNvSpPr>
+            <a:spLocks noGrp="1"/>
+          </p:cNvSpPr>
+          <p:nvPr>
+            <p:ph type="title"/>
+          </p:nvPr>
+        </p:nvSpPr>
+        <p:spPr/>
+        <p:txBody>
+          <a:bodyPr/>
+          <a:lstStyle/>
+          <a:p>
+            <a:r>
+              <a:rPr lang="en-US" dirty="0"/>
+              <a:t>Thank you.</a:t>
+            </a:r>
+          </a:p>
+        </p:txBody>
+      </p:sp>
+    </p:spTree>
+    <p:extLst>
+      <p:ext uri="{BB962C8B-B14F-4D97-AF65-F5344CB8AC3E}">
+        <p14:creationId xmlns:p14="http://schemas.microsoft.com/office/powerpoint/2010/main" val="3724015835"/>
+      </p:ext>
+    </p:extLst>
+  </p:cSld>
+  <p:clrMapOvr>
+    <a:masterClrMapping/>
+  </p:clrMapOvr>
+  <mc:AlternateContent xmlns:mc="http://schemas.openxmlformats.org/markup-compatibility/2006" xmlns:p14="http://schemas.microsoft.com/office/powerpoint/2010/main">
+    <mc:Choice Requires="p14">
+      <p:transition spd="med" p14:dur="700">
+        <p:fade/>
+      </p:transition>
+    </mc:Choice>
+    <mc:Fallback xmlns="">
+      <p:transition spd="med">
+        <p:fade/>
+      </p:transition>
+    </mc:Fallback>
+  </mc:AlternateContent>
+</p:sld>
+</file>
+
+<file path=ppt/slides/slide21.xml><?xml version="1.0" encoding="utf-8"?>
+<p:sld xmlns:a="http://schemas.openxmlformats.org/drawingml/2006/main" xmlns:r="http://schemas.openxmlformats.org/officeDocument/2006/relationships" xmlns:p="http://schemas.openxmlformats.org/presentationml/2006/main">
+  <p:cSld>
+    <p:spTree>
+      <p:nvGrpSpPr>
+        <p:cNvPr id="1" name=""/>
+        <p:cNvGrpSpPr/>
+        <p:nvPr/>
+      </p:nvGrpSpPr>
+      <p:grpSpPr>
+        <a:xfrm>
+          <a:off x="0" y="0"/>
+          <a:ext cx="0" cy="0"/>
+          <a:chOff x="0" y="0"/>
+          <a:chExt cx="0" cy="0"/>
+        </a:xfrm>
+      </p:grpSpPr>
     </p:spTree>
     <p:extLst>
       <p:ext uri="{BB962C8B-B14F-4D97-AF65-F5344CB8AC3E}">
@@ -23276,7 +23672,7 @@
         <p:spPr>
           <a:xfrm>
             <a:off x="464400" y="1212850"/>
-            <a:ext cx="11574000" cy="4478149"/>
+            <a:ext cx="11574000" cy="4782848"/>
           </a:xfrm>
         </p:spPr>
         <p:txBody>
@@ -23303,7 +23699,7 @@
           <a:p>
             <a:r>
               <a:rPr lang="en-US" dirty="0"/>
-              <a:t>Available in Modern pages, lists &amp; libraries</a:t>
+              <a:t>Available in Modern pages, lists, and libraries</a:t>
             </a:r>
           </a:p>
           <a:p>
@@ -23311,6 +23707,13 @@
             <a:r>
               <a:rPr lang="en-US" dirty="0"/>
               <a:t>SharePoint Online</a:t>
+            </a:r>
+          </a:p>
+          <a:p>
+            <a:pPr lvl="1"/>
+            <a:r>
+              <a:rPr lang="en-US" dirty="0"/>
+              <a:t>SharePoint Server Subscription Edition</a:t>
             </a:r>
           </a:p>
           <a:p>
